--- a/Web/Vue-Notes.pptx
+++ b/Web/Vue-Notes.pptx
@@ -8,7 +8,7 @@
     <p:notesMasterId r:id="rId9"/>
   </p:notesMasterIdLst>
   <p:handoutMasterIdLst>
-    <p:handoutMasterId r:id="rId23"/>
+    <p:handoutMasterId r:id="rId24"/>
   </p:handoutMasterIdLst>
   <p:sldIdLst>
     <p:sldId id="256" r:id="rId3"/>
@@ -29,7 +29,8 @@
     <p:sldId id="280" r:id="rId19"/>
     <p:sldId id="282" r:id="rId20"/>
     <p:sldId id="307" r:id="rId21"/>
-    <p:sldId id="263" r:id="rId22"/>
+    <p:sldId id="314" r:id="rId22"/>
+    <p:sldId id="263" r:id="rId23"/>
   </p:sldIdLst>
   <p:sldSz cx="12192000" cy="6858000"/>
   <p:notesSz cx="6858000" cy="9144000"/>
@@ -1666,7 +1667,7 @@
               <a:pPr algn="ctr"/>
               <a:endParaRPr lang="zh-CN" altLang="en-US" baseline="0">
                 <a:latin typeface="Arial" panose="020B0604020202020204" pitchFamily="34" charset="0"/>
-                <a:ea typeface="SimHei" panose="02010609060101010101" pitchFamily="49" charset="-122"/>
+                <a:ea typeface="黑体" panose="02010609060101010101" pitchFamily="49" charset="-122"/>
               </a:endParaRPr>
             </a:p>
           </p:txBody>
@@ -1717,7 +1718,7 @@
               <a:pPr algn="ctr"/>
               <a:endParaRPr lang="zh-CN" altLang="en-US" baseline="0">
                 <a:latin typeface="Arial" panose="020B0604020202020204" pitchFamily="34" charset="0"/>
-                <a:ea typeface="SimHei" panose="02010609060101010101" pitchFamily="49" charset="-122"/>
+                <a:ea typeface="黑体" panose="02010609060101010101" pitchFamily="49" charset="-122"/>
               </a:endParaRPr>
             </a:p>
           </p:txBody>
@@ -1770,7 +1771,7 @@
               <a:pPr algn="ctr"/>
               <a:endParaRPr lang="zh-CN" altLang="en-US" baseline="0">
                 <a:latin typeface="Arial" panose="020B0604020202020204" pitchFamily="34" charset="0"/>
-                <a:ea typeface="SimHei" panose="02010609060101010101" pitchFamily="49" charset="-122"/>
+                <a:ea typeface="黑体" panose="02010609060101010101" pitchFamily="49" charset="-122"/>
               </a:endParaRPr>
             </a:p>
           </p:txBody>
@@ -2570,7 +2571,7 @@
                 <a:schemeClr val="tx1"/>
               </a:solidFill>
               <a:latin typeface="Arial" panose="020B0604020202020204" pitchFamily="34" charset="0"/>
-              <a:ea typeface="SimHei" panose="02010609060101010101" pitchFamily="49" charset="-122"/>
+              <a:ea typeface="黑体" panose="02010609060101010101" pitchFamily="49" charset="-122"/>
             </a:endParaRPr>
           </a:p>
         </p:txBody>
@@ -3496,7 +3497,7 @@
         <a:spcBef>
           <a:spcPts val="1000"/>
         </a:spcBef>
-        <a:buFont typeface="SimHei" panose="02010609060101010101" pitchFamily="49" charset="-122"/>
+        <a:buFont typeface="黑体" panose="02010609060101010101" pitchFamily="49" charset="-122"/>
         <a:buChar char="〉"/>
         <a:defRPr sz="2400" kern="1200">
           <a:solidFill>
@@ -5611,6 +5612,234 @@
         <p:cNvGrpSpPr/>
         <p:nvPr/>
       </p:nvGrpSpPr>
+      <p:grpSpPr/>
+      <p:sp>
+        <p:nvSpPr>
+          <p:cNvPr id="2" name="标题 1"/>
+          <p:cNvSpPr>
+            <a:spLocks noGrp="1"/>
+          </p:cNvSpPr>
+          <p:nvPr>
+            <p:ph type="title"/>
+          </p:nvPr>
+        </p:nvSpPr>
+        <p:spPr/>
+        <p:txBody>
+          <a:bodyPr/>
+          <a:p>
+            <a:r>
+              <a:rPr lang="en-US" altLang="zh-CN"/>
+              <a:t>Add Baidu Tongji</a:t>
+            </a:r>
+            <a:endParaRPr lang="en-US" altLang="zh-CN"/>
+          </a:p>
+        </p:txBody>
+      </p:sp>
+      <p:sp>
+        <p:nvSpPr>
+          <p:cNvPr id="3" name="内容占位符 2"/>
+          <p:cNvSpPr>
+            <a:spLocks noGrp="1"/>
+          </p:cNvSpPr>
+          <p:nvPr>
+            <p:ph idx="1"/>
+          </p:nvPr>
+        </p:nvSpPr>
+        <p:spPr>
+          <a:xfrm>
+            <a:off x="838200" y="1211580"/>
+            <a:ext cx="5735320" cy="4549140"/>
+          </a:xfrm>
+        </p:spPr>
+        <p:txBody>
+          <a:bodyPr/>
+          <a:p>
+            <a:r>
+              <a:rPr lang="en-US" altLang="zh-CN"/>
+              <a:t>References</a:t>
+            </a:r>
+            <a:endParaRPr lang="en-US" altLang="zh-CN"/>
+          </a:p>
+          <a:p>
+            <a:pPr lvl="1"/>
+            <a:r>
+              <a:rPr lang="en-US" altLang="zh-CN"/>
+              <a:t>https://blog.csdn.net/u012888052/article/details/93195909</a:t>
+            </a:r>
+            <a:endParaRPr lang="en-US" altLang="zh-CN"/>
+          </a:p>
+          <a:p>
+            <a:pPr lvl="0"/>
+            <a:r>
+              <a:rPr lang="en-US" altLang="zh-CN"/>
+              <a:t>Steps:</a:t>
+            </a:r>
+            <a:endParaRPr lang="en-US" altLang="zh-CN"/>
+          </a:p>
+          <a:p>
+            <a:pPr lvl="1"/>
+            <a:r>
+              <a:rPr lang="en-US" altLang="zh-CN"/>
+              <a:t>modify index.html</a:t>
+            </a:r>
+            <a:endParaRPr lang="en-US" altLang="zh-CN"/>
+          </a:p>
+          <a:p>
+            <a:pPr lvl="1"/>
+            <a:r>
+              <a:rPr lang="en-US" altLang="zh-CN"/>
+              <a:t>modify src/main.js</a:t>
+            </a:r>
+            <a:endParaRPr lang="en-US" altLang="zh-CN"/>
+          </a:p>
+        </p:txBody>
+      </p:sp>
+      <p:pic>
+        <p:nvPicPr>
+          <p:cNvPr id="4" name="图片 3" descr="20190621151515273"/>
+          <p:cNvPicPr>
+            <a:picLocks noChangeAspect="1"/>
+          </p:cNvPicPr>
+          <p:nvPr/>
+        </p:nvPicPr>
+        <p:blipFill>
+          <a:blip r:embed="rId1"/>
+          <a:stretch>
+            <a:fillRect/>
+          </a:stretch>
+        </p:blipFill>
+        <p:spPr>
+          <a:xfrm>
+            <a:off x="1157605" y="3415665"/>
+            <a:ext cx="5309870" cy="3234690"/>
+          </a:xfrm>
+          <a:prstGeom prst="rect">
+            <a:avLst/>
+          </a:prstGeom>
+        </p:spPr>
+      </p:pic>
+      <p:pic>
+        <p:nvPicPr>
+          <p:cNvPr id="5" name="图片 4" descr="20190621151916967"/>
+          <p:cNvPicPr>
+            <a:picLocks noChangeAspect="1"/>
+          </p:cNvPicPr>
+          <p:nvPr/>
+        </p:nvPicPr>
+        <p:blipFill>
+          <a:blip r:embed="rId2"/>
+          <a:stretch>
+            <a:fillRect/>
+          </a:stretch>
+        </p:blipFill>
+        <p:spPr>
+          <a:xfrm>
+            <a:off x="6780530" y="1358265"/>
+            <a:ext cx="5022215" cy="4655185"/>
+          </a:xfrm>
+          <a:prstGeom prst="rect">
+            <a:avLst/>
+          </a:prstGeom>
+        </p:spPr>
+      </p:pic>
+    </p:spTree>
+  </p:cSld>
+  <p:clrMapOvr>
+    <a:masterClrMapping/>
+  </p:clrMapOvr>
+</p:sld>
+</file>
+
+<file path=ppt/slides/slide2.xml><?xml version="1.0" encoding="utf-8"?>
+<p:sld xmlns:a="http://schemas.openxmlformats.org/drawingml/2006/main" xmlns:r="http://schemas.openxmlformats.org/officeDocument/2006/relationships" xmlns:p="http://schemas.openxmlformats.org/presentationml/2006/main">
+  <p:cSld>
+    <p:spTree>
+      <p:nvGrpSpPr>
+        <p:cNvPr id="1" name=""/>
+        <p:cNvGrpSpPr/>
+        <p:nvPr/>
+      </p:nvGrpSpPr>
+      <p:grpSpPr/>
+      <p:sp>
+        <p:nvSpPr>
+          <p:cNvPr id="2" name="标题 1"/>
+          <p:cNvSpPr>
+            <a:spLocks noGrp="1"/>
+          </p:cNvSpPr>
+          <p:nvPr>
+            <p:ph type="title"/>
+          </p:nvPr>
+        </p:nvSpPr>
+        <p:spPr/>
+        <p:txBody>
+          <a:bodyPr/>
+          <a:p>
+            <a:r>
+              <a:rPr lang="en-US" altLang="zh-CN"/>
+              <a:t>Introdution</a:t>
+            </a:r>
+            <a:endParaRPr lang="en-US" altLang="zh-CN"/>
+          </a:p>
+        </p:txBody>
+      </p:sp>
+      <p:sp>
+        <p:nvSpPr>
+          <p:cNvPr id="3" name="内容占位符 2"/>
+          <p:cNvSpPr>
+            <a:spLocks noGrp="1"/>
+          </p:cNvSpPr>
+          <p:nvPr>
+            <p:ph idx="1"/>
+          </p:nvPr>
+        </p:nvSpPr>
+        <p:spPr/>
+        <p:txBody>
+          <a:bodyPr/>
+          <a:p>
+            <a:r>
+              <a:rPr lang="en-US" altLang="zh-CN"/>
+              <a:t>Progressive JS framework that focuses on building UI</a:t>
+            </a:r>
+            <a:endParaRPr lang="en-US" altLang="zh-CN"/>
+          </a:p>
+          <a:p>
+            <a:pPr lvl="1"/>
+            <a:r>
+              <a:rPr lang="en-US" altLang="zh-CN"/>
+              <a:t>React</a:t>
+            </a:r>
+            <a:endParaRPr lang="en-US" altLang="zh-CN"/>
+          </a:p>
+          <a:p>
+            <a:pPr lvl="1"/>
+            <a:r>
+              <a:rPr lang="en-US" altLang="zh-CN"/>
+              <a:t>AngularJS</a:t>
+            </a:r>
+            <a:endParaRPr lang="en-US" altLang="zh-CN"/>
+          </a:p>
+        </p:txBody>
+      </p:sp>
+    </p:spTree>
+    <p:custDataLst>
+      <p:tags r:id="rId1"/>
+    </p:custDataLst>
+  </p:cSld>
+  <p:clrMapOvr>
+    <a:masterClrMapping/>
+  </p:clrMapOvr>
+</p:sld>
+</file>
+
+<file path=ppt/slides/slide20.xml><?xml version="1.0" encoding="utf-8"?>
+<p:sld xmlns:a="http://schemas.openxmlformats.org/drawingml/2006/main" xmlns:r="http://schemas.openxmlformats.org/officeDocument/2006/relationships" xmlns:p="http://schemas.openxmlformats.org/presentationml/2006/main">
+  <p:cSld>
+    <p:spTree>
+      <p:nvGrpSpPr>
+        <p:cNvPr id="1" name=""/>
+        <p:cNvGrpSpPr/>
+        <p:nvPr/>
+      </p:nvGrpSpPr>
       <p:grpSpPr>
         <a:xfrm>
           <a:off x="0" y="0"/>
@@ -5688,87 +5917,6 @@
       </p:par>
     </p:tnLst>
   </p:timing>
-</p:sld>
-</file>
-
-<file path=ppt/slides/slide2.xml><?xml version="1.0" encoding="utf-8"?>
-<p:sld xmlns:a="http://schemas.openxmlformats.org/drawingml/2006/main" xmlns:r="http://schemas.openxmlformats.org/officeDocument/2006/relationships" xmlns:p="http://schemas.openxmlformats.org/presentationml/2006/main">
-  <p:cSld>
-    <p:spTree>
-      <p:nvGrpSpPr>
-        <p:cNvPr id="1" name=""/>
-        <p:cNvGrpSpPr/>
-        <p:nvPr/>
-      </p:nvGrpSpPr>
-      <p:grpSpPr/>
-      <p:sp>
-        <p:nvSpPr>
-          <p:cNvPr id="2" name="标题 1"/>
-          <p:cNvSpPr>
-            <a:spLocks noGrp="1"/>
-          </p:cNvSpPr>
-          <p:nvPr>
-            <p:ph type="title"/>
-          </p:nvPr>
-        </p:nvSpPr>
-        <p:spPr/>
-        <p:txBody>
-          <a:bodyPr/>
-          <a:p>
-            <a:r>
-              <a:rPr lang="en-US" altLang="zh-CN"/>
-              <a:t>Introdution</a:t>
-            </a:r>
-            <a:endParaRPr lang="en-US" altLang="zh-CN"/>
-          </a:p>
-        </p:txBody>
-      </p:sp>
-      <p:sp>
-        <p:nvSpPr>
-          <p:cNvPr id="3" name="内容占位符 2"/>
-          <p:cNvSpPr>
-            <a:spLocks noGrp="1"/>
-          </p:cNvSpPr>
-          <p:nvPr>
-            <p:ph idx="1"/>
-          </p:nvPr>
-        </p:nvSpPr>
-        <p:spPr/>
-        <p:txBody>
-          <a:bodyPr/>
-          <a:p>
-            <a:r>
-              <a:rPr lang="en-US" altLang="zh-CN"/>
-              <a:t>Progressive JS framework that focuses on building UI</a:t>
-            </a:r>
-            <a:endParaRPr lang="en-US" altLang="zh-CN"/>
-          </a:p>
-          <a:p>
-            <a:pPr lvl="1"/>
-            <a:r>
-              <a:rPr lang="en-US" altLang="zh-CN"/>
-              <a:t>React</a:t>
-            </a:r>
-            <a:endParaRPr lang="en-US" altLang="zh-CN"/>
-          </a:p>
-          <a:p>
-            <a:pPr lvl="1"/>
-            <a:r>
-              <a:rPr lang="en-US" altLang="zh-CN"/>
-              <a:t>AngularJS</a:t>
-            </a:r>
-            <a:endParaRPr lang="en-US" altLang="zh-CN"/>
-          </a:p>
-        </p:txBody>
-      </p:sp>
-    </p:spTree>
-    <p:custDataLst>
-      <p:tags r:id="rId1"/>
-    </p:custDataLst>
-  </p:cSld>
-  <p:clrMapOvr>
-    <a:masterClrMapping/>
-  </p:clrMapOvr>
 </p:sld>
 </file>
 

--- a/Web/Vue-Notes.pptx
+++ b/Web/Vue-Notes.pptx
@@ -8,7 +8,7 @@
     <p:notesMasterId r:id="rId9"/>
   </p:notesMasterIdLst>
   <p:handoutMasterIdLst>
-    <p:handoutMasterId r:id="rId24"/>
+    <p:handoutMasterId r:id="rId25"/>
   </p:handoutMasterIdLst>
   <p:sldIdLst>
     <p:sldId id="256" r:id="rId3"/>
@@ -18,19 +18,20 @@
     <p:sldId id="273" r:id="rId7"/>
     <p:sldId id="260" r:id="rId8"/>
     <p:sldId id="274" r:id="rId10"/>
-    <p:sldId id="270" r:id="rId11"/>
-    <p:sldId id="278" r:id="rId12"/>
-    <p:sldId id="290" r:id="rId13"/>
-    <p:sldId id="296" r:id="rId14"/>
-    <p:sldId id="294" r:id="rId15"/>
-    <p:sldId id="302" r:id="rId16"/>
-    <p:sldId id="308" r:id="rId17"/>
-    <p:sldId id="295" r:id="rId18"/>
-    <p:sldId id="280" r:id="rId19"/>
-    <p:sldId id="282" r:id="rId20"/>
-    <p:sldId id="307" r:id="rId21"/>
-    <p:sldId id="314" r:id="rId22"/>
-    <p:sldId id="263" r:id="rId23"/>
+    <p:sldId id="316" r:id="rId11"/>
+    <p:sldId id="270" r:id="rId12"/>
+    <p:sldId id="278" r:id="rId13"/>
+    <p:sldId id="290" r:id="rId14"/>
+    <p:sldId id="296" r:id="rId15"/>
+    <p:sldId id="294" r:id="rId16"/>
+    <p:sldId id="302" r:id="rId17"/>
+    <p:sldId id="308" r:id="rId18"/>
+    <p:sldId id="295" r:id="rId19"/>
+    <p:sldId id="280" r:id="rId20"/>
+    <p:sldId id="282" r:id="rId21"/>
+    <p:sldId id="307" r:id="rId22"/>
+    <p:sldId id="314" r:id="rId23"/>
+    <p:sldId id="263" r:id="rId24"/>
   </p:sldIdLst>
   <p:sldSz cx="12192000" cy="6858000"/>
   <p:notesSz cx="6858000" cy="9144000"/>
@@ -3874,7 +3875,7 @@
       <p:grpSpPr/>
       <p:sp>
         <p:nvSpPr>
-          <p:cNvPr id="2" name="标题 1"/>
+          <p:cNvPr id="2" name="Title 1"/>
           <p:cNvSpPr>
             <a:spLocks noGrp="1"/>
           </p:cNvSpPr>
@@ -3887,16 +3888,16 @@
           <a:bodyPr/>
           <a:p>
             <a:r>
-              <a:rPr lang="en-US" altLang="zh-CN"/>
-              <a:t>Vue Router</a:t>
-            </a:r>
-            <a:endParaRPr lang="en-US" altLang="zh-CN"/>
-          </a:p>
-        </p:txBody>
-      </p:sp>
-      <p:sp>
-        <p:nvSpPr>
-          <p:cNvPr id="3" name="内容占位符 2"/>
+              <a:rPr lang="en-US" altLang="en-US"/>
+              <a:t>Single Page Application</a:t>
+            </a:r>
+            <a:endParaRPr lang="en-US" altLang="en-US"/>
+          </a:p>
+        </p:txBody>
+      </p:sp>
+      <p:sp>
+        <p:nvSpPr>
+          <p:cNvPr id="3" name="Content Placeholder 2"/>
           <p:cNvSpPr>
             <a:spLocks noGrp="1"/>
           </p:cNvSpPr>
@@ -3906,188 +3907,96 @@
         </p:nvSpPr>
         <p:spPr/>
         <p:txBody>
-          <a:bodyPr>
-            <a:normAutofit fontScale="90000" lnSpcReduction="20000"/>
-          </a:bodyPr>
-          <a:p>
-            <a:r>
-              <a:rPr lang="en-US" altLang="zh-CN"/>
-              <a:t>Install</a:t>
-            </a:r>
-            <a:endParaRPr lang="en-US" altLang="zh-CN"/>
+          <a:bodyPr/>
+          <a:p>
+            <a:r>
+              <a:rPr lang="en-US" altLang="en-US"/>
+              <a:t>Command</a:t>
+            </a:r>
+            <a:endParaRPr lang="en-US" altLang="en-US"/>
           </a:p>
           <a:p>
             <a:pPr lvl="1"/>
             <a:r>
-              <a:rPr lang="en-US" altLang="zh-CN" sz="2000"/>
-              <a:t>npm install vue-router --save</a:t>
-            </a:r>
-            <a:endParaRPr lang="en-US" altLang="zh-CN"/>
-          </a:p>
-          <a:p>
-            <a:r>
-              <a:rPr lang="en-US" altLang="zh-CN"/>
-              <a:t>Vue.use(VueRouter)</a:t>
-            </a:r>
-            <a:endParaRPr lang="en-US" altLang="zh-CN"/>
+              <a:rPr lang="en-US" altLang="en-US"/>
+              <a:t>vue init webpack {appname}</a:t>
+            </a:r>
+            <a:endParaRPr lang="en-US" altLang="en-US"/>
+          </a:p>
+          <a:p>
+            <a:pPr lvl="0"/>
+            <a:r>
+              <a:rPr lang="en-US" altLang="en-US"/>
+              <a:t>Structure</a:t>
+            </a:r>
+            <a:endParaRPr lang="en-US" altLang="en-US"/>
           </a:p>
           <a:p>
             <a:pPr lvl="1"/>
             <a:r>
-              <a:rPr lang="en-US" altLang="zh-CN" sz="2000"/>
-              <a:t>this.$router</a:t>
-            </a:r>
-            <a:endParaRPr lang="en-US" altLang="zh-CN" sz="2000"/>
+              <a:rPr lang="en-US" altLang="en-US"/>
+              <a:t>index.html</a:t>
+            </a:r>
+            <a:endParaRPr lang="en-US" altLang="en-US"/>
+          </a:p>
+          <a:p>
+            <a:pPr lvl="1"/>
+            <a:r>
+              <a:rPr lang="en-US" altLang="en-US"/>
+              <a:t>src</a:t>
+            </a:r>
+            <a:endParaRPr lang="en-US" altLang="en-US"/>
           </a:p>
           <a:p>
             <a:pPr lvl="2"/>
             <a:r>
-              <a:rPr lang="en-US" altLang="zh-CN" sz="1800"/>
-              <a:t>router object</a:t>
-            </a:r>
-            <a:endParaRPr lang="en-US" altLang="zh-CN" sz="1800"/>
+              <a:rPr lang="en-US" altLang="en-US"/>
+              <a:t>App.vue</a:t>
+            </a:r>
+            <a:endParaRPr lang="en-US" altLang="en-US"/>
           </a:p>
           <a:p>
             <a:pPr lvl="2"/>
             <a:r>
-              <a:rPr lang="en-US" altLang="zh-CN" sz="1800"/>
-              <a:t>navigate to a new route</a:t>
-            </a:r>
-            <a:endParaRPr lang="en-US" altLang="zh-CN" sz="1800"/>
-          </a:p>
-          <a:p>
-            <a:pPr lvl="3"/>
-            <a:r>
-              <a:rPr lang="en-US" altLang="zh-CN" sz="1800"/>
-              <a:t>this.$router.push('route-name')</a:t>
-            </a:r>
-            <a:endParaRPr lang="en-US" altLang="zh-CN" sz="1800"/>
-          </a:p>
-          <a:p>
-            <a:pPr lvl="3"/>
-            <a:r>
-              <a:rPr lang="en-US" altLang="zh-CN" sz="1800"/>
-              <a:t>this.$router.replace({ path: 'name'})</a:t>
-            </a:r>
-            <a:endParaRPr lang="en-US" altLang="zh-CN" sz="1800"/>
-          </a:p>
-          <a:p>
-            <a:pPr lvl="3"/>
-            <a:r>
-              <a:rPr lang="en-US" altLang="zh-CN" sz="1800"/>
-              <a:t>this.$router.go(-1/1)</a:t>
-            </a:r>
-            <a:endParaRPr lang="en-US" altLang="zh-CN" sz="1800"/>
-          </a:p>
-          <a:p>
-            <a:pPr lvl="1"/>
-            <a:r>
-              <a:rPr lang="en-US" altLang="zh-CN" sz="2000"/>
-              <a:t>this.$route</a:t>
-            </a:r>
-            <a:endParaRPr lang="en-US" altLang="zh-CN"/>
-          </a:p>
-          <a:p>
-            <a:r>
-              <a:rPr lang="en-US" altLang="zh-CN"/>
-              <a:t>&lt;router-link&gt;</a:t>
-            </a:r>
-            <a:endParaRPr lang="en-US" altLang="zh-CN"/>
-          </a:p>
-          <a:p>
-            <a:pPr lvl="1"/>
-            <a:r>
-              <a:rPr lang="en-US" altLang="zh-CN" sz="2000"/>
-              <a:t>&lt;router-link to=”home”&gt;Home&lt;/router-link&gt;</a:t>
-            </a:r>
-            <a:endParaRPr lang="en-US" altLang="zh-CN"/>
-          </a:p>
-          <a:p>
-            <a:r>
-              <a:rPr lang="en-US" altLang="zh-CN"/>
-              <a:t>&lt;router-view&gt;</a:t>
-            </a:r>
-            <a:endParaRPr lang="en-US" altLang="zh-CN"/>
-          </a:p>
-          <a:p>
-            <a:pPr lvl="1"/>
-            <a:r>
-              <a:rPr lang="en-US" altLang="zh-CN"/>
-              <a:t>Vue router puts the content which match current url</a:t>
-            </a:r>
-            <a:endParaRPr lang="en-US" altLang="zh-CN"/>
-          </a:p>
-          <a:p>
-            <a:pPr lvl="0"/>
-            <a:r>
-              <a:rPr lang="en-US" altLang="zh-CN"/>
-              <a:t>router.js</a:t>
-            </a:r>
-            <a:endParaRPr lang="en-US" altLang="zh-CN"/>
-          </a:p>
-          <a:p>
-            <a:pPr lvl="1"/>
-            <a:r>
-              <a:rPr lang="en-US" altLang="zh-CN"/>
-              <a:t>routes: [{path: 'url1', name: 'name1', component: 'component1'}]</a:t>
-            </a:r>
-            <a:endParaRPr lang="en-US" altLang="zh-CN"/>
-          </a:p>
-        </p:txBody>
-      </p:sp>
-      <p:sp>
-        <p:nvSpPr>
-          <p:cNvPr id="4" name="文本框 3"/>
-          <p:cNvSpPr txBox="1"/>
+              <a:rPr lang="en-US" altLang="en-US"/>
+              <a:t>main.js</a:t>
+            </a:r>
+            <a:endParaRPr lang="en-US" altLang="en-US"/>
+          </a:p>
+          <a:p>
+            <a:pPr lvl="2"/>
+            <a:r>
+              <a:rPr lang="en-US" altLang="en-US"/>
+              <a:t>components/</a:t>
+            </a:r>
+            <a:endParaRPr lang="en-US" altLang="en-US"/>
+          </a:p>
+        </p:txBody>
+      </p:sp>
+      <p:pic>
+        <p:nvPicPr>
+          <p:cNvPr id="4" name="Picture 3"/>
+          <p:cNvPicPr>
+            <a:picLocks noChangeAspect="1"/>
+          </p:cNvPicPr>
           <p:nvPr/>
-        </p:nvSpPr>
+        </p:nvPicPr>
+        <p:blipFill>
+          <a:blip r:embed="rId1"/>
+          <a:stretch>
+            <a:fillRect/>
+          </a:stretch>
+        </p:blipFill>
         <p:spPr>
           <a:xfrm>
-            <a:off x="5695950" y="981075"/>
-            <a:ext cx="3933825" cy="953135"/>
+            <a:off x="5888990" y="1550670"/>
+            <a:ext cx="6019800" cy="4210050"/>
           </a:xfrm>
           <a:prstGeom prst="rect">
             <a:avLst/>
           </a:prstGeom>
-          <a:noFill/>
-          <a:ln>
-            <a:solidFill>
-              <a:schemeClr val="accent5">
-                <a:lumMod val="75000"/>
-              </a:schemeClr>
-            </a:solidFill>
-          </a:ln>
         </p:spPr>
-        <p:txBody>
-          <a:bodyPr wrap="square" rtlCol="0">
-            <a:spAutoFit/>
-          </a:bodyPr>
-          <a:p>
-            <a:r>
-              <a:rPr lang="zh-CN" altLang="en-US" sz="1400"/>
-              <a:t>import Vue from 'vue'</a:t>
-            </a:r>
-            <a:endParaRPr lang="zh-CN" altLang="en-US" sz="1400"/>
-          </a:p>
-          <a:p>
-            <a:r>
-              <a:rPr lang="zh-CN" altLang="en-US" sz="1400"/>
-              <a:t>import VueRouter from 'vue-router'</a:t>
-            </a:r>
-            <a:endParaRPr lang="zh-CN" altLang="en-US" sz="1400"/>
-          </a:p>
-          <a:p>
-            <a:endParaRPr lang="zh-CN" altLang="en-US" sz="1400"/>
-          </a:p>
-          <a:p>
-            <a:r>
-              <a:rPr lang="zh-CN" altLang="en-US" sz="1400"/>
-              <a:t>Vue.use(VueRouter)</a:t>
-            </a:r>
-            <a:endParaRPr lang="zh-CN" altLang="en-US" sz="1400"/>
-          </a:p>
-        </p:txBody>
-      </p:sp>
+      </p:pic>
     </p:spTree>
   </p:cSld>
   <p:clrMapOvr>
@@ -4122,7 +4031,7 @@
           <a:p>
             <a:r>
               <a:rPr lang="en-US" altLang="zh-CN"/>
-              <a:t>Vue-i18n</a:t>
+              <a:t>Vue Router</a:t>
             </a:r>
             <a:endParaRPr lang="en-US" altLang="zh-CN"/>
           </a:p>
@@ -4138,159 +4047,133 @@
             <p:ph idx="1"/>
           </p:nvPr>
         </p:nvSpPr>
-        <p:spPr>
-          <a:xfrm>
-            <a:off x="838200" y="1211580"/>
-            <a:ext cx="10515600" cy="5217160"/>
-          </a:xfrm>
-        </p:spPr>
+        <p:spPr/>
         <p:txBody>
           <a:bodyPr>
-            <a:normAutofit fontScale="60000"/>
+            <a:normAutofit fontScale="90000" lnSpcReduction="20000"/>
           </a:bodyPr>
           <a:p>
             <a:r>
-              <a:rPr lang="zh-CN" altLang="en-US"/>
-              <a:t>https://github.com/kazupon/vue-i18n</a:t>
-            </a:r>
-            <a:endParaRPr lang="zh-CN" altLang="en-US"/>
-          </a:p>
-          <a:p>
-            <a:r>
-              <a:rPr lang="en-US" altLang="zh-CN"/>
-              <a:t>vue add i18n</a:t>
-            </a:r>
-            <a:endParaRPr lang="en-US" altLang="zh-CN"/>
-          </a:p>
-          <a:p>
-            <a:r>
-              <a:rPr lang="en-US" altLang="zh-CN"/>
-              <a:t>Formatting</a:t>
+              <a:rPr lang="en-US" altLang="zh-CN"/>
+              <a:t>Install</a:t>
             </a:r>
             <a:endParaRPr lang="en-US" altLang="zh-CN"/>
           </a:p>
           <a:p>
             <a:pPr lvl="1"/>
             <a:r>
-              <a:rPr lang="en-US" altLang="zh-CN"/>
-              <a:t>Named formatting</a:t>
+              <a:rPr lang="en-US" altLang="zh-CN" sz="2000"/>
+              <a:t>npm install vue-router --save</a:t>
+            </a:r>
+            <a:endParaRPr lang="en-US" altLang="zh-CN"/>
+          </a:p>
+          <a:p>
+            <a:r>
+              <a:rPr lang="en-US" altLang="zh-CN"/>
+              <a:t>Vue.use(VueRouter)</a:t>
             </a:r>
             <a:endParaRPr lang="en-US" altLang="zh-CN"/>
           </a:p>
           <a:p>
             <a:pPr lvl="1"/>
             <a:r>
-              <a:rPr lang="en-US" altLang="zh-CN"/>
-              <a:t>List formatting</a:t>
-            </a:r>
-            <a:endParaRPr lang="en-US" altLang="zh-CN"/>
+              <a:rPr lang="en-US" altLang="zh-CN" sz="2000"/>
+              <a:t>this.$router</a:t>
+            </a:r>
+            <a:endParaRPr lang="en-US" altLang="zh-CN" sz="2000"/>
+          </a:p>
+          <a:p>
+            <a:pPr lvl="2"/>
+            <a:r>
+              <a:rPr lang="en-US" altLang="zh-CN" sz="1800"/>
+              <a:t>router object</a:t>
+            </a:r>
+            <a:endParaRPr lang="en-US" altLang="zh-CN" sz="1800"/>
+          </a:p>
+          <a:p>
+            <a:pPr lvl="2"/>
+            <a:r>
+              <a:rPr lang="en-US" altLang="zh-CN" sz="1800"/>
+              <a:t>navigate to a new route</a:t>
+            </a:r>
+            <a:endParaRPr lang="en-US" altLang="zh-CN" sz="1800"/>
+          </a:p>
+          <a:p>
+            <a:pPr lvl="3"/>
+            <a:r>
+              <a:rPr lang="en-US" altLang="zh-CN" sz="1800"/>
+              <a:t>this.$router.push('route-name')</a:t>
+            </a:r>
+            <a:endParaRPr lang="en-US" altLang="zh-CN" sz="1800"/>
+          </a:p>
+          <a:p>
+            <a:pPr lvl="3"/>
+            <a:r>
+              <a:rPr lang="en-US" altLang="zh-CN" sz="1800"/>
+              <a:t>this.$router.replace({ path: 'name'})</a:t>
+            </a:r>
+            <a:endParaRPr lang="en-US" altLang="zh-CN" sz="1800"/>
+          </a:p>
+          <a:p>
+            <a:pPr lvl="3"/>
+            <a:r>
+              <a:rPr lang="en-US" altLang="zh-CN" sz="1800"/>
+              <a:t>this.$router.go(-1/1)</a:t>
+            </a:r>
+            <a:endParaRPr lang="en-US" altLang="zh-CN" sz="1800"/>
           </a:p>
           <a:p>
             <a:pPr lvl="1"/>
             <a:r>
-              <a:rPr lang="en-US" altLang="zh-CN"/>
-              <a:t>HTML formatting</a:t>
+              <a:rPr lang="en-US" altLang="zh-CN" sz="2000"/>
+              <a:t>this.$route</a:t>
+            </a:r>
+            <a:endParaRPr lang="en-US" altLang="zh-CN"/>
+          </a:p>
+          <a:p>
+            <a:r>
+              <a:rPr lang="en-US" altLang="zh-CN"/>
+              <a:t>&lt;router-link&gt;</a:t>
             </a:r>
             <a:endParaRPr lang="en-US" altLang="zh-CN"/>
           </a:p>
           <a:p>
             <a:pPr lvl="1"/>
             <a:r>
-              <a:rPr lang="en-US" altLang="zh-CN"/>
-              <a:t>Custom formatting</a:t>
+              <a:rPr lang="en-US" altLang="zh-CN" sz="2000"/>
+              <a:t>&lt;router-link to=”home”&gt;Home&lt;/router-link&gt;</a:t>
+            </a:r>
+            <a:endParaRPr lang="en-US" altLang="zh-CN"/>
+          </a:p>
+          <a:p>
+            <a:r>
+              <a:rPr lang="en-US" altLang="zh-CN"/>
+              <a:t>&lt;router-view&gt;</a:t>
+            </a:r>
+            <a:endParaRPr lang="en-US" altLang="zh-CN"/>
+          </a:p>
+          <a:p>
+            <a:pPr lvl="1"/>
+            <a:r>
+              <a:rPr lang="en-US" altLang="zh-CN"/>
+              <a:t>Vue router puts the content which match current url</a:t>
             </a:r>
             <a:endParaRPr lang="en-US" altLang="zh-CN"/>
           </a:p>
           <a:p>
             <a:pPr lvl="0"/>
             <a:r>
-              <a:rPr lang="en-US" altLang="zh-CN" sz="2400"/>
-              <a:t>Pluralization</a:t>
-            </a:r>
-            <a:endParaRPr lang="en-US" altLang="zh-CN" sz="2400"/>
+              <a:rPr lang="en-US" altLang="zh-CN"/>
+              <a:t>router.js</a:t>
+            </a:r>
+            <a:endParaRPr lang="en-US" altLang="zh-CN"/>
           </a:p>
           <a:p>
             <a:pPr lvl="1"/>
             <a:r>
-              <a:rPr lang="en-US" altLang="zh-CN" sz="2000"/>
-              <a:t>$tc()</a:t>
-            </a:r>
-            <a:endParaRPr lang="en-US" altLang="zh-CN" sz="2000"/>
-          </a:p>
-          <a:p>
-            <a:pPr lvl="0"/>
-            <a:r>
-              <a:rPr lang="en-US" altLang="zh-CN" sz="2400"/>
-              <a:t>Datetime localization</a:t>
-            </a:r>
-            <a:endParaRPr lang="en-US" altLang="zh-CN" sz="2400"/>
-          </a:p>
-          <a:p>
-            <a:pPr lvl="1"/>
-            <a:r>
-              <a:rPr lang="en-US" altLang="zh-CN" sz="2000"/>
-              <a:t>$d()</a:t>
-            </a:r>
-            <a:endParaRPr lang="en-US" altLang="zh-CN" sz="2000"/>
-          </a:p>
-          <a:p>
-            <a:pPr lvl="0"/>
-            <a:r>
-              <a:rPr lang="en-US" altLang="zh-CN" sz="2400"/>
-              <a:t>Number formatting</a:t>
-            </a:r>
-            <a:endParaRPr lang="en-US" altLang="zh-CN" sz="2400"/>
-          </a:p>
-          <a:p>
-            <a:pPr lvl="1"/>
-            <a:r>
-              <a:rPr lang="en-US" altLang="zh-CN" sz="2000"/>
-              <a:t>&lt;i18n-n :value=”...”&gt;&lt;/i18n&gt;</a:t>
-            </a:r>
-            <a:endParaRPr lang="en-US" altLang="zh-CN" sz="2000"/>
-          </a:p>
-          <a:p>
-            <a:pPr lvl="0"/>
-            <a:r>
-              <a:rPr lang="en-US" altLang="zh-CN" sz="2400"/>
-              <a:t>v-t</a:t>
-            </a:r>
-            <a:endParaRPr lang="en-US" altLang="zh-CN" sz="2400"/>
-          </a:p>
-          <a:p>
-            <a:pPr lvl="1"/>
-            <a:r>
-              <a:rPr lang="en-US" altLang="zh-CN" sz="2000"/>
-              <a:t>better performance than $t</a:t>
-            </a:r>
-            <a:endParaRPr lang="en-US" altLang="zh-CN" sz="2000"/>
-          </a:p>
-          <a:p>
-            <a:pPr lvl="0"/>
-            <a:r>
-              <a:rPr lang="en-US" altLang="zh-CN" sz="2400"/>
-              <a:t>npm i --save-dev @kazupon/vue-i18n-loader</a:t>
-            </a:r>
-            <a:endParaRPr lang="en-US" altLang="zh-CN" sz="2400"/>
-          </a:p>
-          <a:p>
-            <a:pPr lvl="0"/>
-            <a:r>
-              <a:rPr lang="en-US" altLang="zh-CN" sz="2400"/>
-              <a:t>vue-cli-plugin-i18n</a:t>
-            </a:r>
-            <a:endParaRPr lang="en-US" altLang="zh-CN" sz="2400"/>
-          </a:p>
-          <a:p>
-            <a:pPr lvl="0"/>
-            <a:r>
-              <a:rPr lang="en-US" altLang="zh-CN"/>
-              <a:t>BabelEdit: translation editor</a:t>
-            </a:r>
-            <a:endParaRPr lang="en-US" altLang="zh-CN"/>
-          </a:p>
-          <a:p>
-            <a:pPr lvl="1"/>
+              <a:rPr lang="en-US" altLang="zh-CN"/>
+              <a:t>routes: [{path: 'url1', name: 'name1', component: 'component1'}]</a:t>
+            </a:r>
             <a:endParaRPr lang="en-US" altLang="zh-CN"/>
           </a:p>
         </p:txBody>
@@ -4303,8 +4186,8 @@
         </p:nvSpPr>
         <p:spPr>
           <a:xfrm>
-            <a:off x="9415145" y="914400"/>
-            <a:ext cx="2123440" cy="2584450"/>
+            <a:off x="5695950" y="981075"/>
+            <a:ext cx="3933825" cy="953135"/>
           </a:xfrm>
           <a:prstGeom prst="rect">
             <a:avLst/>
@@ -4312,7 +4195,9 @@
           <a:noFill/>
           <a:ln>
             <a:solidFill>
-              <a:schemeClr val="accent2"/>
+              <a:schemeClr val="accent5">
+                <a:lumMod val="75000"/>
+              </a:schemeClr>
             </a:solidFill>
           </a:ln>
         </p:spPr>
@@ -4322,216 +4207,27 @@
           </a:bodyPr>
           <a:p>
             <a:r>
-              <a:rPr lang="zh-CN" altLang="en-US"/>
-              <a:t>const messages = {</a:t>
-            </a:r>
-            <a:endParaRPr lang="zh-CN" altLang="en-US"/>
-          </a:p>
-          <a:p>
-            <a:r>
-              <a:rPr lang="zh-CN" altLang="en-US"/>
-              <a:t>  en: {</a:t>
-            </a:r>
-            <a:endParaRPr lang="zh-CN" altLang="en-US"/>
-          </a:p>
-          <a:p>
-            <a:r>
-              <a:rPr lang="zh-CN" altLang="en-US"/>
-              <a:t>    message: {</a:t>
-            </a:r>
-            <a:endParaRPr lang="zh-CN" altLang="en-US"/>
-          </a:p>
-          <a:p>
-            <a:r>
-              <a:rPr lang="zh-CN" altLang="en-US"/>
-              <a:t>      hello: '{msg} world'</a:t>
-            </a:r>
-            <a:endParaRPr lang="zh-CN" altLang="en-US"/>
-          </a:p>
-          <a:p>
-            <a:r>
-              <a:rPr lang="zh-CN" altLang="en-US"/>
-              <a:t>    }</a:t>
-            </a:r>
-            <a:endParaRPr lang="zh-CN" altLang="en-US"/>
-          </a:p>
-          <a:p>
-            <a:r>
-              <a:rPr lang="zh-CN" altLang="en-US"/>
-              <a:t>  }</a:t>
-            </a:r>
-            <a:endParaRPr lang="zh-CN" altLang="en-US"/>
-          </a:p>
-          <a:p>
-            <a:r>
-              <a:rPr lang="zh-CN" altLang="en-US"/>
-              <a:t>}</a:t>
-            </a:r>
-            <a:endParaRPr lang="zh-CN" altLang="en-US"/>
-          </a:p>
-        </p:txBody>
-      </p:sp>
-      <p:sp>
-        <p:nvSpPr>
-          <p:cNvPr id="5" name="文本框 4"/>
-          <p:cNvSpPr txBox="1"/>
-          <p:nvPr/>
-        </p:nvSpPr>
-        <p:spPr>
-          <a:xfrm>
-            <a:off x="3856990" y="2405380"/>
-            <a:ext cx="5184775" cy="368300"/>
-          </a:xfrm>
-          <a:prstGeom prst="rect">
-            <a:avLst/>
-          </a:prstGeom>
-          <a:noFill/>
-          <a:ln>
-            <a:solidFill>
-              <a:schemeClr val="accent2"/>
-            </a:solidFill>
-          </a:ln>
-        </p:spPr>
-        <p:txBody>
-          <a:bodyPr wrap="square" rtlCol="0">
-            <a:spAutoFit/>
-          </a:bodyPr>
-          <a:p>
-            <a:r>
-              <a:rPr lang="zh-CN" altLang="en-US"/>
-              <a:t>&lt;p&gt;{{ $t('message.hello', { msg: 'hello' }) }}&lt;/p&gt;</a:t>
-            </a:r>
-            <a:endParaRPr lang="zh-CN" altLang="en-US"/>
-          </a:p>
-        </p:txBody>
-      </p:sp>
-      <p:sp>
-        <p:nvSpPr>
-          <p:cNvPr id="6" name="文本框 5"/>
-          <p:cNvSpPr txBox="1"/>
-          <p:nvPr/>
-        </p:nvSpPr>
-        <p:spPr>
-          <a:xfrm>
-            <a:off x="3856990" y="2881630"/>
-            <a:ext cx="5133975" cy="368300"/>
-          </a:xfrm>
-          <a:prstGeom prst="rect">
-            <a:avLst/>
-          </a:prstGeom>
-          <a:noFill/>
-          <a:ln>
-            <a:solidFill>
-              <a:schemeClr val="accent2"/>
-            </a:solidFill>
-          </a:ln>
-        </p:spPr>
-        <p:txBody>
-          <a:bodyPr wrap="square" rtlCol="0">
-            <a:spAutoFit/>
-          </a:bodyPr>
-          <a:p>
-            <a:r>
-              <a:rPr lang="zh-CN" altLang="en-US"/>
-              <a:t>&lt;p&gt;{{ $t('message.hello', ['hello']) }}&lt;/p&gt;</a:t>
-            </a:r>
-            <a:endParaRPr lang="zh-CN" altLang="en-US"/>
-          </a:p>
-        </p:txBody>
-      </p:sp>
-      <p:sp>
-        <p:nvSpPr>
-          <p:cNvPr id="7" name="文本框 6"/>
-          <p:cNvSpPr txBox="1"/>
-          <p:nvPr/>
-        </p:nvSpPr>
-        <p:spPr>
-          <a:xfrm>
-            <a:off x="3856990" y="3302000"/>
-            <a:ext cx="5133975" cy="368300"/>
-          </a:xfrm>
-          <a:prstGeom prst="rect">
-            <a:avLst/>
-          </a:prstGeom>
-          <a:noFill/>
-          <a:ln>
-            <a:solidFill>
-              <a:schemeClr val="accent2"/>
-            </a:solidFill>
-          </a:ln>
-        </p:spPr>
-        <p:txBody>
-          <a:bodyPr wrap="square" rtlCol="0">
-            <a:spAutoFit/>
-          </a:bodyPr>
-          <a:p>
-            <a:r>
-              <a:rPr lang="zh-CN" altLang="en-US"/>
-              <a:t>&lt;p v-html="$t('message.hello')"&gt;&lt;/p&gt;</a:t>
-            </a:r>
-            <a:endParaRPr lang="zh-CN" altLang="en-US"/>
-          </a:p>
-        </p:txBody>
-      </p:sp>
-      <p:sp>
-        <p:nvSpPr>
-          <p:cNvPr id="8" name="文本框 7"/>
-          <p:cNvSpPr txBox="1"/>
-          <p:nvPr/>
-        </p:nvSpPr>
-        <p:spPr>
-          <a:xfrm>
-            <a:off x="8669655" y="4206240"/>
-            <a:ext cx="2868930" cy="1753235"/>
-          </a:xfrm>
-          <a:prstGeom prst="rect">
-            <a:avLst/>
-          </a:prstGeom>
-          <a:noFill/>
-          <a:ln>
-            <a:solidFill>
-              <a:schemeClr val="accent2"/>
-            </a:solidFill>
-          </a:ln>
-        </p:spPr>
-        <p:txBody>
-          <a:bodyPr wrap="square" rtlCol="0">
-            <a:spAutoFit/>
-          </a:bodyPr>
-          <a:p>
-            <a:r>
-              <a:rPr lang="zh-CN" altLang="en-US"/>
-              <a:t>const i18n = new VueI18n({</a:t>
-            </a:r>
-            <a:endParaRPr lang="zh-CN" altLang="en-US"/>
-          </a:p>
-          <a:p>
-            <a:r>
-              <a:rPr lang="zh-CN" altLang="en-US"/>
-              <a:t>  locale: 'ja',</a:t>
-            </a:r>
-            <a:endParaRPr lang="zh-CN" altLang="en-US"/>
-          </a:p>
-          <a:p>
-            <a:r>
-              <a:rPr lang="zh-CN" altLang="en-US"/>
-              <a:t>  fallbackLocale: 'en',</a:t>
-            </a:r>
-            <a:endParaRPr lang="zh-CN" altLang="en-US"/>
-          </a:p>
-          <a:p>
-            <a:r>
-              <a:rPr lang="zh-CN" altLang="en-US"/>
-              <a:t>  messages</a:t>
-            </a:r>
-            <a:endParaRPr lang="zh-CN" altLang="en-US"/>
-          </a:p>
-          <a:p>
-            <a:r>
-              <a:rPr lang="zh-CN" altLang="en-US"/>
-              <a:t>})</a:t>
-            </a:r>
-            <a:endParaRPr lang="zh-CN" altLang="en-US"/>
+              <a:rPr lang="zh-CN" altLang="en-US" sz="1400"/>
+              <a:t>import Vue from 'vue'</a:t>
+            </a:r>
+            <a:endParaRPr lang="zh-CN" altLang="en-US" sz="1400"/>
+          </a:p>
+          <a:p>
+            <a:r>
+              <a:rPr lang="zh-CN" altLang="en-US" sz="1400"/>
+              <a:t>import VueRouter from 'vue-router'</a:t>
+            </a:r>
+            <a:endParaRPr lang="zh-CN" altLang="en-US" sz="1400"/>
+          </a:p>
+          <a:p>
+            <a:endParaRPr lang="zh-CN" altLang="en-US" sz="1400"/>
+          </a:p>
+          <a:p>
+            <a:r>
+              <a:rPr lang="zh-CN" altLang="en-US" sz="1400"/>
+              <a:t>Vue.use(VueRouter)</a:t>
+            </a:r>
+            <a:endParaRPr lang="zh-CN" altLang="en-US" sz="1400"/>
           </a:p>
         </p:txBody>
       </p:sp>
@@ -4569,7 +4265,7 @@
           <a:p>
             <a:r>
               <a:rPr lang="en-US" altLang="zh-CN"/>
-              <a:t>Axios</a:t>
+              <a:t>Vue-i18n</a:t>
             </a:r>
             <a:endParaRPr lang="en-US" altLang="zh-CN"/>
           </a:p>
@@ -4585,72 +4281,159 @@
             <p:ph idx="1"/>
           </p:nvPr>
         </p:nvSpPr>
-        <p:spPr/>
-        <p:txBody>
-          <a:bodyPr/>
-          <a:p>
-            <a:r>
-              <a:rPr lang="en-US" altLang="zh-CN"/>
-              <a:t>npm install axios vue-axios</a:t>
-            </a:r>
-            <a:endParaRPr lang="en-US" altLang="zh-CN"/>
-          </a:p>
-          <a:p>
-            <a:r>
-              <a:rPr lang="en-US" altLang="zh-CN"/>
-              <a:t>request</a:t>
+        <p:spPr>
+          <a:xfrm>
+            <a:off x="838200" y="1211580"/>
+            <a:ext cx="10515600" cy="5217160"/>
+          </a:xfrm>
+        </p:spPr>
+        <p:txBody>
+          <a:bodyPr>
+            <a:normAutofit fontScale="60000"/>
+          </a:bodyPr>
+          <a:p>
+            <a:r>
+              <a:rPr lang="zh-CN" altLang="en-US"/>
+              <a:t>https://github.com/kazupon/vue-i18n</a:t>
+            </a:r>
+            <a:endParaRPr lang="zh-CN" altLang="en-US"/>
+          </a:p>
+          <a:p>
+            <a:r>
+              <a:rPr lang="en-US" altLang="zh-CN"/>
+              <a:t>vue add i18n</a:t>
+            </a:r>
+            <a:endParaRPr lang="en-US" altLang="zh-CN"/>
+          </a:p>
+          <a:p>
+            <a:r>
+              <a:rPr lang="en-US" altLang="zh-CN"/>
+              <a:t>Formatting</a:t>
             </a:r>
             <a:endParaRPr lang="en-US" altLang="zh-CN"/>
           </a:p>
           <a:p>
             <a:pPr lvl="1"/>
             <a:r>
+              <a:rPr lang="en-US" altLang="zh-CN"/>
+              <a:t>Named formatting</a:t>
+            </a:r>
+            <a:endParaRPr lang="en-US" altLang="zh-CN"/>
+          </a:p>
+          <a:p>
+            <a:pPr lvl="1"/>
+            <a:r>
+              <a:rPr lang="en-US" altLang="zh-CN"/>
+              <a:t>List formatting</a:t>
+            </a:r>
+            <a:endParaRPr lang="en-US" altLang="zh-CN"/>
+          </a:p>
+          <a:p>
+            <a:pPr lvl="1"/>
+            <a:r>
+              <a:rPr lang="en-US" altLang="zh-CN"/>
+              <a:t>HTML formatting</a:t>
+            </a:r>
+            <a:endParaRPr lang="en-US" altLang="zh-CN"/>
+          </a:p>
+          <a:p>
+            <a:pPr lvl="1"/>
+            <a:r>
+              <a:rPr lang="en-US" altLang="zh-CN"/>
+              <a:t>Custom formatting</a:t>
+            </a:r>
+            <a:endParaRPr lang="en-US" altLang="zh-CN"/>
+          </a:p>
+          <a:p>
+            <a:pPr lvl="0"/>
+            <a:r>
+              <a:rPr lang="en-US" altLang="zh-CN" sz="2400"/>
+              <a:t>Pluralization</a:t>
+            </a:r>
+            <a:endParaRPr lang="en-US" altLang="zh-CN" sz="2400"/>
+          </a:p>
+          <a:p>
+            <a:pPr lvl="1"/>
+            <a:r>
               <a:rPr lang="en-US" altLang="zh-CN" sz="2000"/>
-              <a:t>get, post</a:t>
+              <a:t>$tc()</a:t>
             </a:r>
             <a:endParaRPr lang="en-US" altLang="zh-CN" sz="2000"/>
           </a:p>
           <a:p>
             <a:pPr lvl="0"/>
             <a:r>
-              <a:rPr lang="en-US" altLang="zh-CN"/>
-              <a:t>response</a:t>
-            </a:r>
-            <a:endParaRPr lang="en-US" altLang="zh-CN"/>
+              <a:rPr lang="en-US" altLang="zh-CN" sz="2400"/>
+              <a:t>Datetime localization</a:t>
+            </a:r>
+            <a:endParaRPr lang="en-US" altLang="zh-CN" sz="2400"/>
+          </a:p>
+          <a:p>
+            <a:pPr lvl="1"/>
+            <a:r>
+              <a:rPr lang="en-US" altLang="zh-CN" sz="2000"/>
+              <a:t>$d()</a:t>
+            </a:r>
+            <a:endParaRPr lang="en-US" altLang="zh-CN" sz="2000"/>
           </a:p>
           <a:p>
             <a:pPr lvl="0"/>
             <a:r>
-              <a:rPr lang="en-US" altLang="zh-CN"/>
-              <a:t>axios.interceptors.request.use(...)</a:t>
-            </a:r>
-            <a:endParaRPr lang="en-US" altLang="zh-CN"/>
+              <a:rPr lang="en-US" altLang="zh-CN" sz="2400"/>
+              <a:t>Number formatting</a:t>
+            </a:r>
+            <a:endParaRPr lang="en-US" altLang="zh-CN" sz="2400"/>
+          </a:p>
+          <a:p>
+            <a:pPr lvl="1"/>
+            <a:r>
+              <a:rPr lang="en-US" altLang="zh-CN" sz="2000"/>
+              <a:t>&lt;i18n-n :value=”...”&gt;&lt;/i18n&gt;</a:t>
+            </a:r>
+            <a:endParaRPr lang="en-US" altLang="zh-CN" sz="2000"/>
           </a:p>
           <a:p>
             <a:pPr lvl="0"/>
             <a:r>
-              <a:rPr lang="en-US" altLang="zh-CN"/>
-              <a:t>axios.interceptors.response.use(...)</a:t>
-            </a:r>
-            <a:endParaRPr lang="en-US" altLang="zh-CN"/>
+              <a:rPr lang="en-US" altLang="zh-CN" sz="2400"/>
+              <a:t>v-t</a:t>
+            </a:r>
+            <a:endParaRPr lang="en-US" altLang="zh-CN" sz="2400"/>
+          </a:p>
+          <a:p>
+            <a:pPr lvl="1"/>
+            <a:r>
+              <a:rPr lang="en-US" altLang="zh-CN" sz="2000"/>
+              <a:t>better performance than $t</a:t>
+            </a:r>
+            <a:endParaRPr lang="en-US" altLang="zh-CN" sz="2000"/>
           </a:p>
           <a:p>
             <a:pPr lvl="0"/>
             <a:r>
-              <a:rPr lang="en-US" altLang="zh-CN"/>
-              <a:t>Serialize</a:t>
+              <a:rPr lang="en-US" altLang="zh-CN" sz="2400"/>
+              <a:t>npm i --save-dev @kazupon/vue-i18n-loader</a:t>
+            </a:r>
+            <a:endParaRPr lang="en-US" altLang="zh-CN" sz="2400"/>
+          </a:p>
+          <a:p>
+            <a:pPr lvl="0"/>
+            <a:r>
+              <a:rPr lang="en-US" altLang="zh-CN" sz="2400"/>
+              <a:t>vue-cli-plugin-i18n</a:t>
+            </a:r>
+            <a:endParaRPr lang="en-US" altLang="zh-CN" sz="2400"/>
+          </a:p>
+          <a:p>
+            <a:pPr lvl="0"/>
+            <a:r>
+              <a:rPr lang="en-US" altLang="zh-CN"/>
+              <a:t>BabelEdit: translation editor</a:t>
             </a:r>
             <a:endParaRPr lang="en-US" altLang="zh-CN"/>
           </a:p>
           <a:p>
             <a:pPr lvl="1"/>
-            <a:r>
-              <a:rPr lang="en-US" altLang="zh-CN" sz="2000"/>
-              <a:t>default: json</a:t>
-            </a:r>
-            <a:endParaRPr lang="en-US" altLang="zh-CN"/>
-          </a:p>
-          <a:p>
             <a:endParaRPr lang="en-US" altLang="zh-CN"/>
           </a:p>
         </p:txBody>
@@ -4663,8 +4446,8 @@
         </p:nvSpPr>
         <p:spPr>
           <a:xfrm>
-            <a:off x="6494145" y="4746625"/>
-            <a:ext cx="3139440" cy="1814830"/>
+            <a:off x="9415145" y="914400"/>
+            <a:ext cx="2123440" cy="2584450"/>
           </a:xfrm>
           <a:prstGeom prst="rect">
             <a:avLst/>
@@ -4672,7 +4455,7 @@
           <a:noFill/>
           <a:ln>
             <a:solidFill>
-              <a:srgbClr val="0070C0"/>
+              <a:schemeClr val="accent2"/>
             </a:solidFill>
           </a:ln>
         </p:spPr>
@@ -4682,52 +4465,52 @@
           </a:bodyPr>
           <a:p>
             <a:r>
-              <a:rPr lang="zh-CN" altLang="en-US" sz="1600"/>
-              <a:t>axios.get('/user?ID=12345')</a:t>
-            </a:r>
-            <a:endParaRPr lang="zh-CN" altLang="en-US" sz="1600"/>
-          </a:p>
-          <a:p>
-            <a:r>
-              <a:rPr lang="zh-CN" altLang="en-US" sz="1600"/>
-              <a:t>  .then(function (response) {</a:t>
-            </a:r>
-            <a:endParaRPr lang="zh-CN" altLang="en-US" sz="1600"/>
-          </a:p>
-          <a:p>
-            <a:r>
-              <a:rPr lang="zh-CN" altLang="en-US" sz="1600"/>
-              <a:t>    console.log(response);</a:t>
-            </a:r>
-            <a:endParaRPr lang="zh-CN" altLang="en-US" sz="1600"/>
-          </a:p>
-          <a:p>
-            <a:r>
-              <a:rPr lang="zh-CN" altLang="en-US" sz="1600"/>
-              <a:t>  })</a:t>
-            </a:r>
-            <a:endParaRPr lang="zh-CN" altLang="en-US" sz="1600"/>
-          </a:p>
-          <a:p>
-            <a:r>
-              <a:rPr lang="zh-CN" altLang="en-US" sz="1600"/>
-              <a:t>  .catch(function (error) {</a:t>
-            </a:r>
-            <a:endParaRPr lang="zh-CN" altLang="en-US" sz="1600"/>
-          </a:p>
-          <a:p>
-            <a:r>
-              <a:rPr lang="zh-CN" altLang="en-US" sz="1600"/>
-              <a:t>    console.log(error);</a:t>
-            </a:r>
-            <a:endParaRPr lang="zh-CN" altLang="en-US" sz="1600"/>
-          </a:p>
-          <a:p>
-            <a:r>
-              <a:rPr lang="zh-CN" altLang="en-US" sz="1600"/>
-              <a:t>  });</a:t>
-            </a:r>
-            <a:endParaRPr lang="zh-CN" altLang="en-US" sz="1600"/>
+              <a:rPr lang="zh-CN" altLang="en-US"/>
+              <a:t>const messages = {</a:t>
+            </a:r>
+            <a:endParaRPr lang="zh-CN" altLang="en-US"/>
+          </a:p>
+          <a:p>
+            <a:r>
+              <a:rPr lang="zh-CN" altLang="en-US"/>
+              <a:t>  en: {</a:t>
+            </a:r>
+            <a:endParaRPr lang="zh-CN" altLang="en-US"/>
+          </a:p>
+          <a:p>
+            <a:r>
+              <a:rPr lang="zh-CN" altLang="en-US"/>
+              <a:t>    message: {</a:t>
+            </a:r>
+            <a:endParaRPr lang="zh-CN" altLang="en-US"/>
+          </a:p>
+          <a:p>
+            <a:r>
+              <a:rPr lang="zh-CN" altLang="en-US"/>
+              <a:t>      hello: '{msg} world'</a:t>
+            </a:r>
+            <a:endParaRPr lang="zh-CN" altLang="en-US"/>
+          </a:p>
+          <a:p>
+            <a:r>
+              <a:rPr lang="zh-CN" altLang="en-US"/>
+              <a:t>    }</a:t>
+            </a:r>
+            <a:endParaRPr lang="zh-CN" altLang="en-US"/>
+          </a:p>
+          <a:p>
+            <a:r>
+              <a:rPr lang="zh-CN" altLang="en-US"/>
+              <a:t>  }</a:t>
+            </a:r>
+            <a:endParaRPr lang="zh-CN" altLang="en-US"/>
+          </a:p>
+          <a:p>
+            <a:r>
+              <a:rPr lang="zh-CN" altLang="en-US"/>
+              <a:t>}</a:t>
+            </a:r>
+            <a:endParaRPr lang="zh-CN" altLang="en-US"/>
           </a:p>
         </p:txBody>
       </p:sp>
@@ -4739,8 +4522,8 @@
         </p:nvSpPr>
         <p:spPr>
           <a:xfrm>
-            <a:off x="6494145" y="1096645"/>
-            <a:ext cx="3846830" cy="3415030"/>
+            <a:off x="3856990" y="2405380"/>
+            <a:ext cx="5184775" cy="368300"/>
           </a:xfrm>
           <a:prstGeom prst="rect">
             <a:avLst/>
@@ -4748,7 +4531,7 @@
           <a:noFill/>
           <a:ln>
             <a:solidFill>
-              <a:srgbClr val="0070C0"/>
+              <a:schemeClr val="accent2"/>
             </a:solidFill>
           </a:ln>
         </p:spPr>
@@ -4759,70 +4542,7 @@
           <a:p>
             <a:r>
               <a:rPr lang="zh-CN" altLang="en-US"/>
-              <a:t>axios.post('/user', {</a:t>
-            </a:r>
-            <a:endParaRPr lang="zh-CN" altLang="en-US"/>
-          </a:p>
-          <a:p>
-            <a:r>
-              <a:rPr lang="zh-CN" altLang="en-US"/>
-              <a:t>    firstName: 'Fred',        // 参数 firstName</a:t>
-            </a:r>
-            <a:endParaRPr lang="zh-CN" altLang="en-US"/>
-          </a:p>
-          <a:p>
-            <a:r>
-              <a:rPr lang="zh-CN" altLang="en-US"/>
-              <a:t>    lastName: 'Flintstone'    // 参数 lastName</a:t>
-            </a:r>
-            <a:endParaRPr lang="zh-CN" altLang="en-US"/>
-          </a:p>
-          <a:p>
-            <a:r>
-              <a:rPr lang="zh-CN" altLang="en-US"/>
-              <a:t>  })</a:t>
-            </a:r>
-            <a:endParaRPr lang="zh-CN" altLang="en-US"/>
-          </a:p>
-          <a:p>
-            <a:r>
-              <a:rPr lang="zh-CN" altLang="en-US"/>
-              <a:t>  .then(function (response) {</a:t>
-            </a:r>
-            <a:endParaRPr lang="zh-CN" altLang="en-US"/>
-          </a:p>
-          <a:p>
-            <a:r>
-              <a:rPr lang="zh-CN" altLang="en-US"/>
-              <a:t>    console.log(response);</a:t>
-            </a:r>
-            <a:endParaRPr lang="zh-CN" altLang="en-US"/>
-          </a:p>
-          <a:p>
-            <a:r>
-              <a:rPr lang="zh-CN" altLang="en-US"/>
-              <a:t>  })</a:t>
-            </a:r>
-            <a:endParaRPr lang="zh-CN" altLang="en-US"/>
-          </a:p>
-          <a:p>
-            <a:r>
-              <a:rPr lang="zh-CN" altLang="en-US"/>
-              <a:t>  .catch(function (error) {</a:t>
-            </a:r>
-            <a:endParaRPr lang="zh-CN" altLang="en-US"/>
-          </a:p>
-          <a:p>
-            <a:r>
-              <a:rPr lang="zh-CN" altLang="en-US"/>
-              <a:t>    console.log(error);</a:t>
-            </a:r>
-            <a:endParaRPr lang="zh-CN" altLang="en-US"/>
-          </a:p>
-          <a:p>
-            <a:r>
-              <a:rPr lang="zh-CN" altLang="en-US"/>
-              <a:t>  });</a:t>
+              <a:t>&lt;p&gt;{{ $t('message.hello', { msg: 'hello' }) }}&lt;/p&gt;</a:t>
             </a:r>
             <a:endParaRPr lang="zh-CN" altLang="en-US"/>
           </a:p>
@@ -4836,8 +4556,8 @@
         </p:nvSpPr>
         <p:spPr>
           <a:xfrm>
-            <a:off x="9942195" y="4746625"/>
-            <a:ext cx="1685925" cy="1753235"/>
+            <a:off x="3856990" y="2881630"/>
+            <a:ext cx="5133975" cy="368300"/>
           </a:xfrm>
           <a:prstGeom prst="rect">
             <a:avLst/>
@@ -4845,7 +4565,7 @@
           <a:noFill/>
           <a:ln>
             <a:solidFill>
-              <a:srgbClr val="0070C0"/>
+              <a:schemeClr val="accent2"/>
             </a:solidFill>
           </a:ln>
         </p:spPr>
@@ -4855,45 +4575,106 @@
           </a:bodyPr>
           <a:p>
             <a:r>
-              <a:rPr lang="en-US" altLang="zh-CN"/>
-              <a:t>response:</a:t>
-            </a:r>
-            <a:endParaRPr lang="en-US" altLang="zh-CN"/>
-          </a:p>
-          <a:p>
-            <a:r>
-              <a:rPr lang="en-US" altLang="zh-CN"/>
-              <a:t>- data: {}</a:t>
-            </a:r>
-            <a:endParaRPr lang="en-US" altLang="zh-CN"/>
-          </a:p>
-          <a:p>
-            <a:r>
-              <a:rPr lang="en-US" altLang="zh-CN"/>
-              <a:t>- status</a:t>
-            </a:r>
-            <a:endParaRPr lang="en-US" altLang="zh-CN"/>
-          </a:p>
-          <a:p>
-            <a:r>
-              <a:rPr lang="en-US" altLang="zh-CN"/>
-              <a:t>- statusText</a:t>
-            </a:r>
-            <a:endParaRPr lang="en-US" altLang="zh-CN"/>
-          </a:p>
-          <a:p>
-            <a:r>
-              <a:rPr lang="en-US" altLang="zh-CN"/>
-              <a:t>- headers: {}</a:t>
-            </a:r>
-            <a:endParaRPr lang="en-US" altLang="zh-CN"/>
-          </a:p>
-          <a:p>
-            <a:r>
-              <a:rPr lang="en-US" altLang="zh-CN"/>
-              <a:t>- config: {}</a:t>
-            </a:r>
-            <a:endParaRPr lang="en-US" altLang="zh-CN"/>
+              <a:rPr lang="zh-CN" altLang="en-US"/>
+              <a:t>&lt;p&gt;{{ $t('message.hello', ['hello']) }}&lt;/p&gt;</a:t>
+            </a:r>
+            <a:endParaRPr lang="zh-CN" altLang="en-US"/>
+          </a:p>
+        </p:txBody>
+      </p:sp>
+      <p:sp>
+        <p:nvSpPr>
+          <p:cNvPr id="7" name="文本框 6"/>
+          <p:cNvSpPr txBox="1"/>
+          <p:nvPr/>
+        </p:nvSpPr>
+        <p:spPr>
+          <a:xfrm>
+            <a:off x="3856990" y="3302000"/>
+            <a:ext cx="5133975" cy="368300"/>
+          </a:xfrm>
+          <a:prstGeom prst="rect">
+            <a:avLst/>
+          </a:prstGeom>
+          <a:noFill/>
+          <a:ln>
+            <a:solidFill>
+              <a:schemeClr val="accent2"/>
+            </a:solidFill>
+          </a:ln>
+        </p:spPr>
+        <p:txBody>
+          <a:bodyPr wrap="square" rtlCol="0">
+            <a:spAutoFit/>
+          </a:bodyPr>
+          <a:p>
+            <a:r>
+              <a:rPr lang="zh-CN" altLang="en-US"/>
+              <a:t>&lt;p v-html="$t('message.hello')"&gt;&lt;/p&gt;</a:t>
+            </a:r>
+            <a:endParaRPr lang="zh-CN" altLang="en-US"/>
+          </a:p>
+        </p:txBody>
+      </p:sp>
+      <p:sp>
+        <p:nvSpPr>
+          <p:cNvPr id="8" name="文本框 7"/>
+          <p:cNvSpPr txBox="1"/>
+          <p:nvPr/>
+        </p:nvSpPr>
+        <p:spPr>
+          <a:xfrm>
+            <a:off x="8669655" y="4206240"/>
+            <a:ext cx="2868930" cy="1753235"/>
+          </a:xfrm>
+          <a:prstGeom prst="rect">
+            <a:avLst/>
+          </a:prstGeom>
+          <a:noFill/>
+          <a:ln>
+            <a:solidFill>
+              <a:schemeClr val="accent2"/>
+            </a:solidFill>
+          </a:ln>
+        </p:spPr>
+        <p:txBody>
+          <a:bodyPr wrap="square" rtlCol="0">
+            <a:spAutoFit/>
+          </a:bodyPr>
+          <a:p>
+            <a:r>
+              <a:rPr lang="zh-CN" altLang="en-US"/>
+              <a:t>const i18n = new VueI18n({</a:t>
+            </a:r>
+            <a:endParaRPr lang="zh-CN" altLang="en-US"/>
+          </a:p>
+          <a:p>
+            <a:r>
+              <a:rPr lang="zh-CN" altLang="en-US"/>
+              <a:t>  locale: 'ja',</a:t>
+            </a:r>
+            <a:endParaRPr lang="zh-CN" altLang="en-US"/>
+          </a:p>
+          <a:p>
+            <a:r>
+              <a:rPr lang="zh-CN" altLang="en-US"/>
+              <a:t>  fallbackLocale: 'en',</a:t>
+            </a:r>
+            <a:endParaRPr lang="zh-CN" altLang="en-US"/>
+          </a:p>
+          <a:p>
+            <a:r>
+              <a:rPr lang="zh-CN" altLang="en-US"/>
+              <a:t>  messages</a:t>
+            </a:r>
+            <a:endParaRPr lang="zh-CN" altLang="en-US"/>
+          </a:p>
+          <a:p>
+            <a:r>
+              <a:rPr lang="zh-CN" altLang="en-US"/>
+              <a:t>})</a:t>
+            </a:r>
+            <a:endParaRPr lang="zh-CN" altLang="en-US"/>
           </a:p>
         </p:txBody>
       </p:sp>
@@ -4931,7 +4712,7 @@
           <a:p>
             <a:r>
               <a:rPr lang="en-US" altLang="zh-CN"/>
-              <a:t>Window</a:t>
+              <a:t>Axios</a:t>
             </a:r>
             <a:endParaRPr lang="en-US" altLang="zh-CN"/>
           </a:p>
@@ -4953,21 +4734,307 @@
           <a:p>
             <a:r>
               <a:rPr lang="en-US" altLang="zh-CN"/>
-              <a:t>window.addEventListener('resize', funcName)</a:t>
-            </a:r>
-            <a:endParaRPr lang="en-US" altLang="zh-CN"/>
-          </a:p>
-          <a:p>
-            <a:r>
-              <a:rPr lang="en-US" altLang="zh-CN"/>
-              <a:t>window.removeEventListener('resize', funcName)</a:t>
-            </a:r>
-            <a:endParaRPr lang="en-US" altLang="zh-CN"/>
-          </a:p>
-          <a:p>
-            <a:r>
-              <a:rPr lang="en-US" altLang="zh-CN"/>
-              <a:t>window.innerWidth, window.innerHeight</a:t>
+              <a:t>npm install axios vue-axios</a:t>
+            </a:r>
+            <a:endParaRPr lang="en-US" altLang="zh-CN"/>
+          </a:p>
+          <a:p>
+            <a:r>
+              <a:rPr lang="en-US" altLang="zh-CN"/>
+              <a:t>request</a:t>
+            </a:r>
+            <a:endParaRPr lang="en-US" altLang="zh-CN"/>
+          </a:p>
+          <a:p>
+            <a:pPr lvl="1"/>
+            <a:r>
+              <a:rPr lang="en-US" altLang="zh-CN" sz="2000"/>
+              <a:t>get, post</a:t>
+            </a:r>
+            <a:endParaRPr lang="en-US" altLang="zh-CN" sz="2000"/>
+          </a:p>
+          <a:p>
+            <a:pPr lvl="0"/>
+            <a:r>
+              <a:rPr lang="en-US" altLang="zh-CN"/>
+              <a:t>response</a:t>
+            </a:r>
+            <a:endParaRPr lang="en-US" altLang="zh-CN"/>
+          </a:p>
+          <a:p>
+            <a:pPr lvl="0"/>
+            <a:r>
+              <a:rPr lang="en-US" altLang="zh-CN"/>
+              <a:t>axios.interceptors.request.use(...)</a:t>
+            </a:r>
+            <a:endParaRPr lang="en-US" altLang="zh-CN"/>
+          </a:p>
+          <a:p>
+            <a:pPr lvl="0"/>
+            <a:r>
+              <a:rPr lang="en-US" altLang="zh-CN"/>
+              <a:t>axios.interceptors.response.use(...)</a:t>
+            </a:r>
+            <a:endParaRPr lang="en-US" altLang="zh-CN"/>
+          </a:p>
+          <a:p>
+            <a:pPr lvl="0"/>
+            <a:r>
+              <a:rPr lang="en-US" altLang="zh-CN"/>
+              <a:t>Serialize</a:t>
+            </a:r>
+            <a:endParaRPr lang="en-US" altLang="zh-CN"/>
+          </a:p>
+          <a:p>
+            <a:pPr lvl="1"/>
+            <a:r>
+              <a:rPr lang="en-US" altLang="zh-CN" sz="2000"/>
+              <a:t>default: json</a:t>
+            </a:r>
+            <a:endParaRPr lang="en-US" altLang="zh-CN"/>
+          </a:p>
+          <a:p>
+            <a:endParaRPr lang="en-US" altLang="zh-CN"/>
+          </a:p>
+        </p:txBody>
+      </p:sp>
+      <p:sp>
+        <p:nvSpPr>
+          <p:cNvPr id="4" name="文本框 3"/>
+          <p:cNvSpPr txBox="1"/>
+          <p:nvPr/>
+        </p:nvSpPr>
+        <p:spPr>
+          <a:xfrm>
+            <a:off x="6494145" y="4746625"/>
+            <a:ext cx="3139440" cy="1814830"/>
+          </a:xfrm>
+          <a:prstGeom prst="rect">
+            <a:avLst/>
+          </a:prstGeom>
+          <a:noFill/>
+          <a:ln>
+            <a:solidFill>
+              <a:srgbClr val="0070C0"/>
+            </a:solidFill>
+          </a:ln>
+        </p:spPr>
+        <p:txBody>
+          <a:bodyPr wrap="square" rtlCol="0">
+            <a:spAutoFit/>
+          </a:bodyPr>
+          <a:p>
+            <a:r>
+              <a:rPr lang="zh-CN" altLang="en-US" sz="1600"/>
+              <a:t>axios.get('/user?ID=12345')</a:t>
+            </a:r>
+            <a:endParaRPr lang="zh-CN" altLang="en-US" sz="1600"/>
+          </a:p>
+          <a:p>
+            <a:r>
+              <a:rPr lang="zh-CN" altLang="en-US" sz="1600"/>
+              <a:t>  .then(function (response) {</a:t>
+            </a:r>
+            <a:endParaRPr lang="zh-CN" altLang="en-US" sz="1600"/>
+          </a:p>
+          <a:p>
+            <a:r>
+              <a:rPr lang="zh-CN" altLang="en-US" sz="1600"/>
+              <a:t>    console.log(response);</a:t>
+            </a:r>
+            <a:endParaRPr lang="zh-CN" altLang="en-US" sz="1600"/>
+          </a:p>
+          <a:p>
+            <a:r>
+              <a:rPr lang="zh-CN" altLang="en-US" sz="1600"/>
+              <a:t>  })</a:t>
+            </a:r>
+            <a:endParaRPr lang="zh-CN" altLang="en-US" sz="1600"/>
+          </a:p>
+          <a:p>
+            <a:r>
+              <a:rPr lang="zh-CN" altLang="en-US" sz="1600"/>
+              <a:t>  .catch(function (error) {</a:t>
+            </a:r>
+            <a:endParaRPr lang="zh-CN" altLang="en-US" sz="1600"/>
+          </a:p>
+          <a:p>
+            <a:r>
+              <a:rPr lang="zh-CN" altLang="en-US" sz="1600"/>
+              <a:t>    console.log(error);</a:t>
+            </a:r>
+            <a:endParaRPr lang="zh-CN" altLang="en-US" sz="1600"/>
+          </a:p>
+          <a:p>
+            <a:r>
+              <a:rPr lang="zh-CN" altLang="en-US" sz="1600"/>
+              <a:t>  });</a:t>
+            </a:r>
+            <a:endParaRPr lang="zh-CN" altLang="en-US" sz="1600"/>
+          </a:p>
+        </p:txBody>
+      </p:sp>
+      <p:sp>
+        <p:nvSpPr>
+          <p:cNvPr id="5" name="文本框 4"/>
+          <p:cNvSpPr txBox="1"/>
+          <p:nvPr/>
+        </p:nvSpPr>
+        <p:spPr>
+          <a:xfrm>
+            <a:off x="6494145" y="1096645"/>
+            <a:ext cx="3846830" cy="3415030"/>
+          </a:xfrm>
+          <a:prstGeom prst="rect">
+            <a:avLst/>
+          </a:prstGeom>
+          <a:noFill/>
+          <a:ln>
+            <a:solidFill>
+              <a:srgbClr val="0070C0"/>
+            </a:solidFill>
+          </a:ln>
+        </p:spPr>
+        <p:txBody>
+          <a:bodyPr wrap="square" rtlCol="0">
+            <a:spAutoFit/>
+          </a:bodyPr>
+          <a:p>
+            <a:r>
+              <a:rPr lang="zh-CN" altLang="en-US"/>
+              <a:t>axios.post('/user', {</a:t>
+            </a:r>
+            <a:endParaRPr lang="zh-CN" altLang="en-US"/>
+          </a:p>
+          <a:p>
+            <a:r>
+              <a:rPr lang="zh-CN" altLang="en-US"/>
+              <a:t>    firstName: 'Fred',        // 参数 firstName</a:t>
+            </a:r>
+            <a:endParaRPr lang="zh-CN" altLang="en-US"/>
+          </a:p>
+          <a:p>
+            <a:r>
+              <a:rPr lang="zh-CN" altLang="en-US"/>
+              <a:t>    lastName: 'Flintstone'    // 参数 lastName</a:t>
+            </a:r>
+            <a:endParaRPr lang="zh-CN" altLang="en-US"/>
+          </a:p>
+          <a:p>
+            <a:r>
+              <a:rPr lang="zh-CN" altLang="en-US"/>
+              <a:t>  })</a:t>
+            </a:r>
+            <a:endParaRPr lang="zh-CN" altLang="en-US"/>
+          </a:p>
+          <a:p>
+            <a:r>
+              <a:rPr lang="zh-CN" altLang="en-US"/>
+              <a:t>  .then(function (response) {</a:t>
+            </a:r>
+            <a:endParaRPr lang="zh-CN" altLang="en-US"/>
+          </a:p>
+          <a:p>
+            <a:r>
+              <a:rPr lang="zh-CN" altLang="en-US"/>
+              <a:t>    console.log(response);</a:t>
+            </a:r>
+            <a:endParaRPr lang="zh-CN" altLang="en-US"/>
+          </a:p>
+          <a:p>
+            <a:r>
+              <a:rPr lang="zh-CN" altLang="en-US"/>
+              <a:t>  })</a:t>
+            </a:r>
+            <a:endParaRPr lang="zh-CN" altLang="en-US"/>
+          </a:p>
+          <a:p>
+            <a:r>
+              <a:rPr lang="zh-CN" altLang="en-US"/>
+              <a:t>  .catch(function (error) {</a:t>
+            </a:r>
+            <a:endParaRPr lang="zh-CN" altLang="en-US"/>
+          </a:p>
+          <a:p>
+            <a:r>
+              <a:rPr lang="zh-CN" altLang="en-US"/>
+              <a:t>    console.log(error);</a:t>
+            </a:r>
+            <a:endParaRPr lang="zh-CN" altLang="en-US"/>
+          </a:p>
+          <a:p>
+            <a:r>
+              <a:rPr lang="zh-CN" altLang="en-US"/>
+              <a:t>  });</a:t>
+            </a:r>
+            <a:endParaRPr lang="zh-CN" altLang="en-US"/>
+          </a:p>
+        </p:txBody>
+      </p:sp>
+      <p:sp>
+        <p:nvSpPr>
+          <p:cNvPr id="6" name="文本框 5"/>
+          <p:cNvSpPr txBox="1"/>
+          <p:nvPr/>
+        </p:nvSpPr>
+        <p:spPr>
+          <a:xfrm>
+            <a:off x="9942195" y="4746625"/>
+            <a:ext cx="1685925" cy="1753235"/>
+          </a:xfrm>
+          <a:prstGeom prst="rect">
+            <a:avLst/>
+          </a:prstGeom>
+          <a:noFill/>
+          <a:ln>
+            <a:solidFill>
+              <a:srgbClr val="0070C0"/>
+            </a:solidFill>
+          </a:ln>
+        </p:spPr>
+        <p:txBody>
+          <a:bodyPr wrap="square" rtlCol="0">
+            <a:spAutoFit/>
+          </a:bodyPr>
+          <a:p>
+            <a:r>
+              <a:rPr lang="en-US" altLang="zh-CN"/>
+              <a:t>response:</a:t>
+            </a:r>
+            <a:endParaRPr lang="en-US" altLang="zh-CN"/>
+          </a:p>
+          <a:p>
+            <a:r>
+              <a:rPr lang="en-US" altLang="zh-CN"/>
+              <a:t>- data: {}</a:t>
+            </a:r>
+            <a:endParaRPr lang="en-US" altLang="zh-CN"/>
+          </a:p>
+          <a:p>
+            <a:r>
+              <a:rPr lang="en-US" altLang="zh-CN"/>
+              <a:t>- status</a:t>
+            </a:r>
+            <a:endParaRPr lang="en-US" altLang="zh-CN"/>
+          </a:p>
+          <a:p>
+            <a:r>
+              <a:rPr lang="en-US" altLang="zh-CN"/>
+              <a:t>- statusText</a:t>
+            </a:r>
+            <a:endParaRPr lang="en-US" altLang="zh-CN"/>
+          </a:p>
+          <a:p>
+            <a:r>
+              <a:rPr lang="en-US" altLang="zh-CN"/>
+              <a:t>- headers: {}</a:t>
+            </a:r>
+            <a:endParaRPr lang="en-US" altLang="zh-CN"/>
+          </a:p>
+          <a:p>
+            <a:r>
+              <a:rPr lang="en-US" altLang="zh-CN"/>
+              <a:t>- config: {}</a:t>
             </a:r>
             <a:endParaRPr lang="en-US" altLang="zh-CN"/>
           </a:p>
@@ -5007,7 +5074,7 @@
           <a:p>
             <a:r>
               <a:rPr lang="en-US" altLang="zh-CN"/>
-              <a:t>Element UI</a:t>
+              <a:t>Window</a:t>
             </a:r>
             <a:endParaRPr lang="en-US" altLang="zh-CN"/>
           </a:p>
@@ -5028,36 +5095,22 @@
           <a:bodyPr/>
           <a:p>
             <a:r>
-              <a:rPr lang="zh-CN" altLang="en-US"/>
-              <a:t>https://element.eleme.cn</a:t>
-            </a:r>
-            <a:endParaRPr lang="zh-CN" altLang="en-US"/>
-          </a:p>
-          <a:p>
-            <a:r>
-              <a:rPr lang="en-US" altLang="zh-CN"/>
-              <a:t>$msgbox(options)</a:t>
-            </a:r>
-            <a:endParaRPr lang="en-US" altLang="zh-CN"/>
-          </a:p>
-          <a:p>
-            <a:r>
-              <a:rPr lang="en-US" altLang="zh-CN"/>
-              <a:t>$alert(message, title, options)</a:t>
-            </a:r>
-            <a:endParaRPr lang="en-US" altLang="zh-CN"/>
-          </a:p>
-          <a:p>
-            <a:r>
-              <a:rPr lang="en-US" altLang="zh-CN"/>
-              <a:t>$confirm(message, title, options)</a:t>
-            </a:r>
-            <a:endParaRPr lang="en-US" altLang="zh-CN"/>
-          </a:p>
-          <a:p>
-            <a:r>
-              <a:rPr lang="en-US" altLang="zh-CN"/>
-              <a:t>$prompt(message, title, options)	// prompt input</a:t>
+              <a:rPr lang="en-US" altLang="zh-CN"/>
+              <a:t>window.addEventListener('resize', funcName)</a:t>
+            </a:r>
+            <a:endParaRPr lang="en-US" altLang="zh-CN"/>
+          </a:p>
+          <a:p>
+            <a:r>
+              <a:rPr lang="en-US" altLang="zh-CN"/>
+              <a:t>window.removeEventListener('resize', funcName)</a:t>
+            </a:r>
+            <a:endParaRPr lang="en-US" altLang="zh-CN"/>
+          </a:p>
+          <a:p>
+            <a:r>
+              <a:rPr lang="en-US" altLang="zh-CN"/>
+              <a:t>window.innerWidth, window.innerHeight</a:t>
             </a:r>
             <a:endParaRPr lang="en-US" altLang="zh-CN"/>
           </a:p>
@@ -5072,6 +5125,96 @@
 </file>
 
 <file path=ppt/slides/slide15.xml><?xml version="1.0" encoding="utf-8"?>
+<p:sld xmlns:a="http://schemas.openxmlformats.org/drawingml/2006/main" xmlns:r="http://schemas.openxmlformats.org/officeDocument/2006/relationships" xmlns:p="http://schemas.openxmlformats.org/presentationml/2006/main">
+  <p:cSld>
+    <p:spTree>
+      <p:nvGrpSpPr>
+        <p:cNvPr id="1" name=""/>
+        <p:cNvGrpSpPr/>
+        <p:nvPr/>
+      </p:nvGrpSpPr>
+      <p:grpSpPr/>
+      <p:sp>
+        <p:nvSpPr>
+          <p:cNvPr id="2" name="标题 1"/>
+          <p:cNvSpPr>
+            <a:spLocks noGrp="1"/>
+          </p:cNvSpPr>
+          <p:nvPr>
+            <p:ph type="title"/>
+          </p:nvPr>
+        </p:nvSpPr>
+        <p:spPr/>
+        <p:txBody>
+          <a:bodyPr/>
+          <a:p>
+            <a:r>
+              <a:rPr lang="en-US" altLang="zh-CN"/>
+              <a:t>Element UI</a:t>
+            </a:r>
+            <a:endParaRPr lang="en-US" altLang="zh-CN"/>
+          </a:p>
+        </p:txBody>
+      </p:sp>
+      <p:sp>
+        <p:nvSpPr>
+          <p:cNvPr id="3" name="内容占位符 2"/>
+          <p:cNvSpPr>
+            <a:spLocks noGrp="1"/>
+          </p:cNvSpPr>
+          <p:nvPr>
+            <p:ph idx="1"/>
+          </p:nvPr>
+        </p:nvSpPr>
+        <p:spPr/>
+        <p:txBody>
+          <a:bodyPr/>
+          <a:p>
+            <a:r>
+              <a:rPr lang="zh-CN" altLang="en-US"/>
+              <a:t>https://element.eleme.cn</a:t>
+            </a:r>
+            <a:endParaRPr lang="zh-CN" altLang="en-US"/>
+          </a:p>
+          <a:p>
+            <a:r>
+              <a:rPr lang="en-US" altLang="zh-CN"/>
+              <a:t>$msgbox(options)</a:t>
+            </a:r>
+            <a:endParaRPr lang="en-US" altLang="zh-CN"/>
+          </a:p>
+          <a:p>
+            <a:r>
+              <a:rPr lang="en-US" altLang="zh-CN"/>
+              <a:t>$alert(message, title, options)</a:t>
+            </a:r>
+            <a:endParaRPr lang="en-US" altLang="zh-CN"/>
+          </a:p>
+          <a:p>
+            <a:r>
+              <a:rPr lang="en-US" altLang="zh-CN"/>
+              <a:t>$confirm(message, title, options)</a:t>
+            </a:r>
+            <a:endParaRPr lang="en-US" altLang="zh-CN"/>
+          </a:p>
+          <a:p>
+            <a:r>
+              <a:rPr lang="en-US" altLang="zh-CN"/>
+              <a:t>$prompt(message, title, options)	// prompt input</a:t>
+            </a:r>
+            <a:endParaRPr lang="en-US" altLang="zh-CN"/>
+          </a:p>
+        </p:txBody>
+      </p:sp>
+    </p:spTree>
+  </p:cSld>
+  <p:clrMapOvr>
+    <a:masterClrMapping/>
+  </p:clrMapOvr>
+</p:sld>
+</file>
+
+<file path=ppt/slides/slide16.xml><?xml version="1.0" encoding="utf-8"?>
 <p:sld xmlns:a="http://schemas.openxmlformats.org/drawingml/2006/main" xmlns:r="http://schemas.openxmlformats.org/officeDocument/2006/relationships" xmlns:p="http://schemas.openxmlformats.org/presentationml/2006/main">
   <p:cSld>
     <p:spTree>
@@ -5205,140 +5348,6 @@
 </p:sld>
 </file>
 
-<file path=ppt/slides/slide16.xml><?xml version="1.0" encoding="utf-8"?>
-<p:sld xmlns:a="http://schemas.openxmlformats.org/drawingml/2006/main" xmlns:r="http://schemas.openxmlformats.org/officeDocument/2006/relationships" xmlns:p="http://schemas.openxmlformats.org/presentationml/2006/main">
-  <p:cSld>
-    <p:spTree>
-      <p:nvGrpSpPr>
-        <p:cNvPr id="1" name=""/>
-        <p:cNvGrpSpPr/>
-        <p:nvPr/>
-      </p:nvGrpSpPr>
-      <p:grpSpPr/>
-      <p:sp>
-        <p:nvSpPr>
-          <p:cNvPr id="2" name="标题 1"/>
-          <p:cNvSpPr>
-            <a:spLocks noGrp="1"/>
-          </p:cNvSpPr>
-          <p:nvPr>
-            <p:ph type="title"/>
-          </p:nvPr>
-        </p:nvSpPr>
-        <p:spPr/>
-        <p:txBody>
-          <a:bodyPr/>
-          <a:p>
-            <a:r>
-              <a:rPr lang="en-US" altLang="zh-CN"/>
-              <a:t>Plugin</a:t>
-            </a:r>
-            <a:endParaRPr lang="en-US" altLang="zh-CN"/>
-          </a:p>
-        </p:txBody>
-      </p:sp>
-      <p:sp>
-        <p:nvSpPr>
-          <p:cNvPr id="3" name="内容占位符 2"/>
-          <p:cNvSpPr>
-            <a:spLocks noGrp="1"/>
-          </p:cNvSpPr>
-          <p:nvPr>
-            <p:ph idx="1"/>
-          </p:nvPr>
-        </p:nvSpPr>
-        <p:spPr/>
-        <p:txBody>
-          <a:bodyPr/>
-          <a:p>
-            <a:r>
-              <a:rPr lang="en-US" altLang="zh-CN"/>
-              <a:t>Vuetify</a:t>
-            </a:r>
-            <a:endParaRPr lang="en-US" altLang="zh-CN"/>
-          </a:p>
-          <a:p>
-            <a:pPr lvl="1"/>
-            <a:r>
-              <a:rPr lang="en-US" altLang="zh-CN"/>
-              <a:t>Install</a:t>
-            </a:r>
-            <a:endParaRPr lang="en-US" altLang="zh-CN"/>
-          </a:p>
-          <a:p>
-            <a:pPr lvl="2"/>
-            <a:r>
-              <a:rPr lang="en-US" altLang="zh-CN" sz="1800"/>
-              <a:t>vue add vuetify</a:t>
-            </a:r>
-            <a:endParaRPr lang="en-US" altLang="zh-CN" sz="1800"/>
-          </a:p>
-          <a:p>
-            <a:pPr lvl="2"/>
-            <a:r>
-              <a:rPr lang="en-US" altLang="zh-CN" sz="1800"/>
-              <a:t>npm install vuetify --save</a:t>
-            </a:r>
-            <a:endParaRPr lang="en-US" altLang="zh-CN"/>
-          </a:p>
-          <a:p>
-            <a:pPr lvl="1"/>
-            <a:r>
-              <a:rPr lang="en-US" altLang="zh-CN"/>
-              <a:t>Ref</a:t>
-            </a:r>
-            <a:endParaRPr lang="en-US" altLang="zh-CN"/>
-          </a:p>
-          <a:p>
-            <a:pPr lvl="2"/>
-            <a:r>
-              <a:rPr lang="en-US" altLang="zh-CN"/>
-              <a:t>https://vuetifyjs.com</a:t>
-            </a:r>
-            <a:endParaRPr lang="en-US" altLang="zh-CN"/>
-          </a:p>
-          <a:p>
-            <a:pPr lvl="0"/>
-            <a:r>
-              <a:rPr lang="en-US" altLang="zh-CN"/>
-              <a:t>Vue-element-admin</a:t>
-            </a:r>
-            <a:endParaRPr lang="en-US" altLang="zh-CN"/>
-          </a:p>
-          <a:p>
-            <a:pPr lvl="0"/>
-            <a:r>
-              <a:rPr lang="en-US" altLang="zh-CN"/>
-              <a:t>vue-resize-directive</a:t>
-            </a:r>
-            <a:endParaRPr lang="en-US" altLang="zh-CN"/>
-          </a:p>
-          <a:p>
-            <a:pPr lvl="1"/>
-            <a:r>
-              <a:rPr lang="en-US" altLang="zh-CN"/>
-              <a:t>npm install vue-resize-directive --save</a:t>
-            </a:r>
-            <a:endParaRPr lang="en-US" altLang="zh-CN"/>
-          </a:p>
-          <a:p>
-            <a:pPr lvl="1"/>
-            <a:r>
-              <a:rPr lang="en-US" altLang="zh-CN"/>
-              <a:t>import resize from 'vue-resize-directive'</a:t>
-            </a:r>
-            <a:endParaRPr lang="en-US" altLang="zh-CN"/>
-          </a:p>
-        </p:txBody>
-      </p:sp>
-    </p:spTree>
-  </p:cSld>
-  <p:clrMapOvr>
-    <a:masterClrMapping/>
-  </p:clrMapOvr>
-</p:sld>
-</file>
-
 <file path=ppt/slides/slide17.xml><?xml version="1.0" encoding="utf-8"?>
 <p:sld xmlns:a="http://schemas.openxmlformats.org/drawingml/2006/main" xmlns:r="http://schemas.openxmlformats.org/officeDocument/2006/relationships" xmlns:p="http://schemas.openxmlformats.org/presentationml/2006/main">
   <p:cSld>
@@ -5365,7 +5374,7 @@
           <a:p>
             <a:r>
               <a:rPr lang="en-US" altLang="zh-CN"/>
-              <a:t>Module System</a:t>
+              <a:t>Plugin</a:t>
             </a:r>
             <a:endParaRPr lang="en-US" altLang="zh-CN"/>
           </a:p>
@@ -5387,7 +5396,79 @@
           <a:p>
             <a:r>
               <a:rPr lang="en-US" altLang="zh-CN"/>
-              <a:t>Webpack</a:t>
+              <a:t>Vuetify</a:t>
+            </a:r>
+            <a:endParaRPr lang="en-US" altLang="zh-CN"/>
+          </a:p>
+          <a:p>
+            <a:pPr lvl="1"/>
+            <a:r>
+              <a:rPr lang="en-US" altLang="zh-CN"/>
+              <a:t>Install</a:t>
+            </a:r>
+            <a:endParaRPr lang="en-US" altLang="zh-CN"/>
+          </a:p>
+          <a:p>
+            <a:pPr lvl="2"/>
+            <a:r>
+              <a:rPr lang="en-US" altLang="zh-CN" sz="1800"/>
+              <a:t>vue add vuetify</a:t>
+            </a:r>
+            <a:endParaRPr lang="en-US" altLang="zh-CN" sz="1800"/>
+          </a:p>
+          <a:p>
+            <a:pPr lvl="2"/>
+            <a:r>
+              <a:rPr lang="en-US" altLang="zh-CN" sz="1800"/>
+              <a:t>npm install vuetify --save</a:t>
+            </a:r>
+            <a:endParaRPr lang="en-US" altLang="zh-CN"/>
+          </a:p>
+          <a:p>
+            <a:pPr lvl="1"/>
+            <a:r>
+              <a:rPr lang="en-US" altLang="zh-CN"/>
+              <a:t>Ref</a:t>
+            </a:r>
+            <a:endParaRPr lang="en-US" altLang="zh-CN"/>
+          </a:p>
+          <a:p>
+            <a:pPr lvl="2"/>
+            <a:r>
+              <a:rPr lang="en-US" altLang="zh-CN"/>
+              <a:t>https://vuetifyjs.com</a:t>
+            </a:r>
+            <a:endParaRPr lang="en-US" altLang="zh-CN"/>
+          </a:p>
+          <a:p>
+            <a:pPr lvl="0"/>
+            <a:r>
+              <a:rPr lang="en-US" altLang="zh-CN"/>
+              <a:t>Vue-element-admin</a:t>
+            </a:r>
+            <a:endParaRPr lang="en-US" altLang="zh-CN"/>
+          </a:p>
+          <a:p>
+            <a:pPr lvl="0"/>
+            <a:r>
+              <a:rPr lang="en-US" altLang="zh-CN"/>
+              <a:t>vue-resize-directive</a:t>
+            </a:r>
+            <a:endParaRPr lang="en-US" altLang="zh-CN"/>
+          </a:p>
+          <a:p>
+            <a:pPr lvl="1"/>
+            <a:r>
+              <a:rPr lang="en-US" altLang="zh-CN"/>
+              <a:t>npm install vue-resize-directive --save</a:t>
+            </a:r>
+            <a:endParaRPr lang="en-US" altLang="zh-CN"/>
+          </a:p>
+          <a:p>
+            <a:pPr lvl="1"/>
+            <a:r>
+              <a:rPr lang="en-US" altLang="zh-CN"/>
+              <a:t>import resize from 'vue-resize-directive'</a:t>
             </a:r>
             <a:endParaRPr lang="en-US" altLang="zh-CN"/>
           </a:p>
@@ -5402,6 +5483,68 @@
 </file>
 
 <file path=ppt/slides/slide18.xml><?xml version="1.0" encoding="utf-8"?>
+<p:sld xmlns:a="http://schemas.openxmlformats.org/drawingml/2006/main" xmlns:r="http://schemas.openxmlformats.org/officeDocument/2006/relationships" xmlns:p="http://schemas.openxmlformats.org/presentationml/2006/main">
+  <p:cSld>
+    <p:spTree>
+      <p:nvGrpSpPr>
+        <p:cNvPr id="1" name=""/>
+        <p:cNvGrpSpPr/>
+        <p:nvPr/>
+      </p:nvGrpSpPr>
+      <p:grpSpPr/>
+      <p:sp>
+        <p:nvSpPr>
+          <p:cNvPr id="2" name="标题 1"/>
+          <p:cNvSpPr>
+            <a:spLocks noGrp="1"/>
+          </p:cNvSpPr>
+          <p:nvPr>
+            <p:ph type="title"/>
+          </p:nvPr>
+        </p:nvSpPr>
+        <p:spPr/>
+        <p:txBody>
+          <a:bodyPr/>
+          <a:p>
+            <a:r>
+              <a:rPr lang="en-US" altLang="zh-CN"/>
+              <a:t>Module System</a:t>
+            </a:r>
+            <a:endParaRPr lang="en-US" altLang="zh-CN"/>
+          </a:p>
+        </p:txBody>
+      </p:sp>
+      <p:sp>
+        <p:nvSpPr>
+          <p:cNvPr id="3" name="内容占位符 2"/>
+          <p:cNvSpPr>
+            <a:spLocks noGrp="1"/>
+          </p:cNvSpPr>
+          <p:nvPr>
+            <p:ph idx="1"/>
+          </p:nvPr>
+        </p:nvSpPr>
+        <p:spPr/>
+        <p:txBody>
+          <a:bodyPr/>
+          <a:p>
+            <a:r>
+              <a:rPr lang="en-US" altLang="zh-CN"/>
+              <a:t>Webpack</a:t>
+            </a:r>
+            <a:endParaRPr lang="en-US" altLang="zh-CN"/>
+          </a:p>
+        </p:txBody>
+      </p:sp>
+    </p:spTree>
+  </p:cSld>
+  <p:clrMapOvr>
+    <a:masterClrMapping/>
+  </p:clrMapOvr>
+</p:sld>
+</file>
+
+<file path=ppt/slides/slide19.xml><?xml version="1.0" encoding="utf-8"?>
 <p:sld xmlns:a="http://schemas.openxmlformats.org/drawingml/2006/main" xmlns:r="http://schemas.openxmlformats.org/officeDocument/2006/relationships" xmlns:p="http://schemas.openxmlformats.org/presentationml/2006/main">
   <p:cSld>
     <p:spTree>
@@ -5603,7 +5746,88 @@
 </p:sld>
 </file>
 
-<file path=ppt/slides/slide19.xml><?xml version="1.0" encoding="utf-8"?>
+<file path=ppt/slides/slide2.xml><?xml version="1.0" encoding="utf-8"?>
+<p:sld xmlns:a="http://schemas.openxmlformats.org/drawingml/2006/main" xmlns:r="http://schemas.openxmlformats.org/officeDocument/2006/relationships" xmlns:p="http://schemas.openxmlformats.org/presentationml/2006/main">
+  <p:cSld>
+    <p:spTree>
+      <p:nvGrpSpPr>
+        <p:cNvPr id="1" name=""/>
+        <p:cNvGrpSpPr/>
+        <p:nvPr/>
+      </p:nvGrpSpPr>
+      <p:grpSpPr/>
+      <p:sp>
+        <p:nvSpPr>
+          <p:cNvPr id="2" name="标题 1"/>
+          <p:cNvSpPr>
+            <a:spLocks noGrp="1"/>
+          </p:cNvSpPr>
+          <p:nvPr>
+            <p:ph type="title"/>
+          </p:nvPr>
+        </p:nvSpPr>
+        <p:spPr/>
+        <p:txBody>
+          <a:bodyPr/>
+          <a:p>
+            <a:r>
+              <a:rPr lang="en-US" altLang="zh-CN"/>
+              <a:t>Introdution</a:t>
+            </a:r>
+            <a:endParaRPr lang="en-US" altLang="zh-CN"/>
+          </a:p>
+        </p:txBody>
+      </p:sp>
+      <p:sp>
+        <p:nvSpPr>
+          <p:cNvPr id="3" name="内容占位符 2"/>
+          <p:cNvSpPr>
+            <a:spLocks noGrp="1"/>
+          </p:cNvSpPr>
+          <p:nvPr>
+            <p:ph idx="1"/>
+          </p:nvPr>
+        </p:nvSpPr>
+        <p:spPr/>
+        <p:txBody>
+          <a:bodyPr/>
+          <a:p>
+            <a:r>
+              <a:rPr lang="en-US" altLang="zh-CN"/>
+              <a:t>Progressive JS framework that focuses on building UI</a:t>
+            </a:r>
+            <a:endParaRPr lang="en-US" altLang="zh-CN"/>
+          </a:p>
+          <a:p>
+            <a:pPr lvl="1"/>
+            <a:r>
+              <a:rPr lang="en-US" altLang="zh-CN"/>
+              <a:t>React</a:t>
+            </a:r>
+            <a:endParaRPr lang="en-US" altLang="zh-CN"/>
+          </a:p>
+          <a:p>
+            <a:pPr lvl="1"/>
+            <a:r>
+              <a:rPr lang="en-US" altLang="zh-CN"/>
+              <a:t>AngularJS</a:t>
+            </a:r>
+            <a:endParaRPr lang="en-US" altLang="zh-CN"/>
+          </a:p>
+        </p:txBody>
+      </p:sp>
+    </p:spTree>
+    <p:custDataLst>
+      <p:tags r:id="rId1"/>
+    </p:custDataLst>
+  </p:cSld>
+  <p:clrMapOvr>
+    <a:masterClrMapping/>
+  </p:clrMapOvr>
+</p:sld>
+</file>
+
+<file path=ppt/slides/slide20.xml><?xml version="1.0" encoding="utf-8"?>
 <p:sld xmlns:a="http://schemas.openxmlformats.org/drawingml/2006/main" xmlns:r="http://schemas.openxmlformats.org/officeDocument/2006/relationships" xmlns:p="http://schemas.openxmlformats.org/presentationml/2006/main">
   <p:cSld>
     <p:spTree>
@@ -5750,88 +5974,7 @@
 </p:sld>
 </file>
 
-<file path=ppt/slides/slide2.xml><?xml version="1.0" encoding="utf-8"?>
-<p:sld xmlns:a="http://schemas.openxmlformats.org/drawingml/2006/main" xmlns:r="http://schemas.openxmlformats.org/officeDocument/2006/relationships" xmlns:p="http://schemas.openxmlformats.org/presentationml/2006/main">
-  <p:cSld>
-    <p:spTree>
-      <p:nvGrpSpPr>
-        <p:cNvPr id="1" name=""/>
-        <p:cNvGrpSpPr/>
-        <p:nvPr/>
-      </p:nvGrpSpPr>
-      <p:grpSpPr/>
-      <p:sp>
-        <p:nvSpPr>
-          <p:cNvPr id="2" name="标题 1"/>
-          <p:cNvSpPr>
-            <a:spLocks noGrp="1"/>
-          </p:cNvSpPr>
-          <p:nvPr>
-            <p:ph type="title"/>
-          </p:nvPr>
-        </p:nvSpPr>
-        <p:spPr/>
-        <p:txBody>
-          <a:bodyPr/>
-          <a:p>
-            <a:r>
-              <a:rPr lang="en-US" altLang="zh-CN"/>
-              <a:t>Introdution</a:t>
-            </a:r>
-            <a:endParaRPr lang="en-US" altLang="zh-CN"/>
-          </a:p>
-        </p:txBody>
-      </p:sp>
-      <p:sp>
-        <p:nvSpPr>
-          <p:cNvPr id="3" name="内容占位符 2"/>
-          <p:cNvSpPr>
-            <a:spLocks noGrp="1"/>
-          </p:cNvSpPr>
-          <p:nvPr>
-            <p:ph idx="1"/>
-          </p:nvPr>
-        </p:nvSpPr>
-        <p:spPr/>
-        <p:txBody>
-          <a:bodyPr/>
-          <a:p>
-            <a:r>
-              <a:rPr lang="en-US" altLang="zh-CN"/>
-              <a:t>Progressive JS framework that focuses on building UI</a:t>
-            </a:r>
-            <a:endParaRPr lang="en-US" altLang="zh-CN"/>
-          </a:p>
-          <a:p>
-            <a:pPr lvl="1"/>
-            <a:r>
-              <a:rPr lang="en-US" altLang="zh-CN"/>
-              <a:t>React</a:t>
-            </a:r>
-            <a:endParaRPr lang="en-US" altLang="zh-CN"/>
-          </a:p>
-          <a:p>
-            <a:pPr lvl="1"/>
-            <a:r>
-              <a:rPr lang="en-US" altLang="zh-CN"/>
-              <a:t>AngularJS</a:t>
-            </a:r>
-            <a:endParaRPr lang="en-US" altLang="zh-CN"/>
-          </a:p>
-        </p:txBody>
-      </p:sp>
-    </p:spTree>
-    <p:custDataLst>
-      <p:tags r:id="rId1"/>
-    </p:custDataLst>
-  </p:cSld>
-  <p:clrMapOvr>
-    <a:masterClrMapping/>
-  </p:clrMapOvr>
-</p:sld>
-</file>
-
-<file path=ppt/slides/slide20.xml><?xml version="1.0" encoding="utf-8"?>
+<file path=ppt/slides/slide21.xml><?xml version="1.0" encoding="utf-8"?>
 <p:sld xmlns:a="http://schemas.openxmlformats.org/drawingml/2006/main" xmlns:r="http://schemas.openxmlformats.org/officeDocument/2006/relationships" xmlns:p="http://schemas.openxmlformats.org/presentationml/2006/main">
   <p:cSld>
     <p:spTree>
@@ -6360,7 +6503,11 @@
         <p:nvGraphicFramePr>
           <p:cNvPr id="5" name="表格 4"/>
           <p:cNvGraphicFramePr/>
-          <p:nvPr/>
+          <p:nvPr>
+            <p:custDataLst>
+              <p:tags r:id="rId1"/>
+            </p:custDataLst>
+          </p:nvPr>
         </p:nvGraphicFramePr>
         <p:xfrm>
           <a:off x="4401820" y="874395"/>
@@ -7519,7 +7666,7 @@
           <a:p>
             <a:r>
               <a:rPr lang="en-US" altLang="zh-CN"/>
-              <a:t>Additional Tools &amp; Plugins</a:t>
+              <a:t>Props</a:t>
             </a:r>
             <a:endParaRPr lang="en-US" altLang="zh-CN"/>
           </a:p>
@@ -7541,78 +7688,37 @@
           <a:p>
             <a:r>
               <a:rPr lang="en-US" altLang="zh-CN"/>
-              <a:t>vue-router</a:t>
+              <a:t>Concept</a:t>
             </a:r>
             <a:endParaRPr lang="en-US" altLang="zh-CN"/>
           </a:p>
           <a:p>
             <a:pPr lvl="1"/>
-            <a:endParaRPr lang="en-US" altLang="zh-CN"/>
-          </a:p>
-          <a:p>
-            <a:r>
-              <a:rPr lang="en-US" altLang="zh-CN"/>
-              <a:t>vue-resource</a:t>
-            </a:r>
-            <a:endParaRPr lang="en-US" altLang="zh-CN"/>
-          </a:p>
-          <a:p>
-            <a:r>
-              <a:rPr lang="en-US" altLang="en-US"/>
-              <a:t>vuex</a:t>
-            </a:r>
-            <a:endParaRPr lang="en-US" altLang="en-US"/>
-          </a:p>
-          <a:p>
-            <a:pPr lvl="1"/>
-            <a:r>
-              <a:rPr lang="en-US" altLang="en-US" sz="2000"/>
-              <a:t>Store</a:t>
-            </a:r>
-            <a:endParaRPr lang="en-US" altLang="en-US"/>
-          </a:p>
-          <a:p>
-            <a:r>
-              <a:rPr lang="en-US" altLang="zh-CN"/>
-              <a:t>vue-async-data</a:t>
-            </a:r>
-            <a:endParaRPr lang="en-US" altLang="zh-CN"/>
-          </a:p>
-          <a:p>
-            <a:r>
-              <a:rPr lang="en-US" altLang="zh-CN"/>
-              <a:t>vue-validator</a:t>
-            </a:r>
-            <a:endParaRPr lang="en-US" altLang="zh-CN"/>
-          </a:p>
-          <a:p>
-            <a:r>
-              <a:rPr lang="en-US" altLang="zh-CN"/>
-              <a:t>vue-devtools</a:t>
-            </a:r>
-            <a:endParaRPr lang="en-US" altLang="zh-CN"/>
-          </a:p>
-          <a:p>
-            <a:pPr lvl="1"/>
-            <a:r>
-              <a:rPr lang="en-US" altLang="en-US"/>
-              <a:t>Chrome extension, Firefox addon</a:t>
-            </a:r>
-            <a:endParaRPr lang="en-US" altLang="zh-CN"/>
-          </a:p>
-          <a:p>
-            <a:r>
-              <a:rPr lang="en-US" altLang="zh-CN"/>
-              <a:t>vue-touch</a:t>
+            <a:r>
+              <a:rPr lang="en-US" altLang="zh-CN"/>
+              <a:t>one-way-down binding</a:t>
+            </a:r>
+            <a:endParaRPr lang="en-US" altLang="zh-CN"/>
+          </a:p>
+          <a:p>
+            <a:pPr lvl="2"/>
+            <a:r>
+              <a:rPr lang="en-US" altLang="zh-CN"/>
+              <a:t>When the parent property update, it will flow down to the child.</a:t>
+            </a:r>
+            <a:endParaRPr lang="en-US" altLang="zh-CN"/>
+          </a:p>
+          <a:p>
+            <a:pPr lvl="2"/>
+            <a:r>
+              <a:rPr lang="en-US" altLang="zh-CN"/>
+              <a:t>But not the other way around</a:t>
             </a:r>
             <a:endParaRPr lang="en-US" altLang="zh-CN"/>
           </a:p>
         </p:txBody>
       </p:sp>
     </p:spTree>
-    <p:custDataLst>
-      <p:tags r:id="rId1"/>
-    </p:custDataLst>
   </p:cSld>
   <p:clrMapOvr>
     <a:masterClrMapping/>
@@ -7632,7 +7738,7 @@
       <p:grpSpPr/>
       <p:sp>
         <p:nvSpPr>
-          <p:cNvPr id="2" name="Title 1"/>
+          <p:cNvPr id="2" name="标题 1"/>
           <p:cNvSpPr>
             <a:spLocks noGrp="1"/>
           </p:cNvSpPr>
@@ -7645,116 +7751,101 @@
           <a:bodyPr/>
           <a:p>
             <a:r>
+              <a:rPr lang="en-US" altLang="zh-CN"/>
+              <a:t>Additional Tools &amp; Plugins</a:t>
+            </a:r>
+            <a:endParaRPr lang="en-US" altLang="zh-CN"/>
+          </a:p>
+        </p:txBody>
+      </p:sp>
+      <p:sp>
+        <p:nvSpPr>
+          <p:cNvPr id="3" name="内容占位符 2"/>
+          <p:cNvSpPr>
+            <a:spLocks noGrp="1"/>
+          </p:cNvSpPr>
+          <p:nvPr>
+            <p:ph idx="1"/>
+          </p:nvPr>
+        </p:nvSpPr>
+        <p:spPr/>
+        <p:txBody>
+          <a:bodyPr/>
+          <a:p>
+            <a:r>
+              <a:rPr lang="en-US" altLang="zh-CN"/>
+              <a:t>vue-router</a:t>
+            </a:r>
+            <a:endParaRPr lang="en-US" altLang="zh-CN"/>
+          </a:p>
+          <a:p>
+            <a:pPr lvl="1"/>
+            <a:endParaRPr lang="en-US" altLang="zh-CN"/>
+          </a:p>
+          <a:p>
+            <a:r>
+              <a:rPr lang="en-US" altLang="zh-CN"/>
+              <a:t>vue-resource</a:t>
+            </a:r>
+            <a:endParaRPr lang="en-US" altLang="zh-CN"/>
+          </a:p>
+          <a:p>
+            <a:r>
               <a:rPr lang="en-US" altLang="en-US"/>
-              <a:t>Single Page Application</a:t>
+              <a:t>vuex</a:t>
             </a:r>
             <a:endParaRPr lang="en-US" altLang="en-US"/>
           </a:p>
-        </p:txBody>
-      </p:sp>
-      <p:sp>
-        <p:nvSpPr>
-          <p:cNvPr id="3" name="Content Placeholder 2"/>
-          <p:cNvSpPr>
-            <a:spLocks noGrp="1"/>
-          </p:cNvSpPr>
-          <p:nvPr>
-            <p:ph idx="1"/>
-          </p:nvPr>
-        </p:nvSpPr>
-        <p:spPr/>
-        <p:txBody>
-          <a:bodyPr/>
-          <a:p>
+          <a:p>
+            <a:pPr lvl="1"/>
+            <a:r>
+              <a:rPr lang="en-US" altLang="en-US" sz="2000"/>
+              <a:t>Store</a:t>
+            </a:r>
+            <a:endParaRPr lang="en-US" altLang="en-US"/>
+          </a:p>
+          <a:p>
+            <a:r>
+              <a:rPr lang="en-US" altLang="zh-CN"/>
+              <a:t>vue-async-data</a:t>
+            </a:r>
+            <a:endParaRPr lang="en-US" altLang="zh-CN"/>
+          </a:p>
+          <a:p>
+            <a:r>
+              <a:rPr lang="en-US" altLang="zh-CN"/>
+              <a:t>vue-validator</a:t>
+            </a:r>
+            <a:endParaRPr lang="en-US" altLang="zh-CN"/>
+          </a:p>
+          <a:p>
+            <a:r>
+              <a:rPr lang="en-US" altLang="zh-CN"/>
+              <a:t>vue-devtools</a:t>
+            </a:r>
+            <a:endParaRPr lang="en-US" altLang="zh-CN"/>
+          </a:p>
+          <a:p>
+            <a:pPr lvl="1"/>
             <a:r>
               <a:rPr lang="en-US" altLang="en-US"/>
-              <a:t>Command</a:t>
-            </a:r>
-            <a:endParaRPr lang="en-US" altLang="en-US"/>
-          </a:p>
-          <a:p>
-            <a:pPr lvl="1"/>
-            <a:r>
-              <a:rPr lang="en-US" altLang="en-US"/>
-              <a:t>vue init webpack {appname}</a:t>
-            </a:r>
-            <a:endParaRPr lang="en-US" altLang="en-US"/>
-          </a:p>
-          <a:p>
-            <a:pPr lvl="0"/>
-            <a:r>
-              <a:rPr lang="en-US" altLang="en-US"/>
-              <a:t>Structure</a:t>
-            </a:r>
-            <a:endParaRPr lang="en-US" altLang="en-US"/>
-          </a:p>
-          <a:p>
-            <a:pPr lvl="1"/>
-            <a:r>
-              <a:rPr lang="en-US" altLang="en-US"/>
-              <a:t>index.html</a:t>
-            </a:r>
-            <a:endParaRPr lang="en-US" altLang="en-US"/>
-          </a:p>
-          <a:p>
-            <a:pPr lvl="1"/>
-            <a:r>
-              <a:rPr lang="en-US" altLang="en-US"/>
-              <a:t>src</a:t>
-            </a:r>
-            <a:endParaRPr lang="en-US" altLang="en-US"/>
-          </a:p>
-          <a:p>
-            <a:pPr lvl="2"/>
-            <a:r>
-              <a:rPr lang="en-US" altLang="en-US"/>
-              <a:t>App.vue</a:t>
-            </a:r>
-            <a:endParaRPr lang="en-US" altLang="en-US"/>
-          </a:p>
-          <a:p>
-            <a:pPr lvl="2"/>
-            <a:r>
-              <a:rPr lang="en-US" altLang="en-US"/>
-              <a:t>main.js</a:t>
-            </a:r>
-            <a:endParaRPr lang="en-US" altLang="en-US"/>
-          </a:p>
-          <a:p>
-            <a:pPr lvl="2"/>
-            <a:r>
-              <a:rPr lang="en-US" altLang="en-US"/>
-              <a:t>components/</a:t>
-            </a:r>
-            <a:endParaRPr lang="en-US" altLang="en-US"/>
-          </a:p>
-        </p:txBody>
-      </p:sp>
-      <p:pic>
-        <p:nvPicPr>
-          <p:cNvPr id="4" name="Picture 3"/>
-          <p:cNvPicPr>
-            <a:picLocks noChangeAspect="1"/>
-          </p:cNvPicPr>
-          <p:nvPr/>
-        </p:nvPicPr>
-        <p:blipFill>
-          <a:blip r:embed="rId1"/>
-          <a:stretch>
-            <a:fillRect/>
-          </a:stretch>
-        </p:blipFill>
-        <p:spPr>
-          <a:xfrm>
-            <a:off x="5888990" y="1550670"/>
-            <a:ext cx="6019800" cy="4210050"/>
-          </a:xfrm>
-          <a:prstGeom prst="rect">
-            <a:avLst/>
-          </a:prstGeom>
-        </p:spPr>
-      </p:pic>
+              <a:t>Chrome extension, Firefox addon</a:t>
+            </a:r>
+            <a:endParaRPr lang="en-US" altLang="zh-CN"/>
+          </a:p>
+          <a:p>
+            <a:r>
+              <a:rPr lang="en-US" altLang="zh-CN"/>
+              <a:t>vue-touch</a:t>
+            </a:r>
+            <a:endParaRPr lang="en-US" altLang="zh-CN"/>
+          </a:p>
+        </p:txBody>
+      </p:sp>
     </p:spTree>
+    <p:custDataLst>
+      <p:tags r:id="rId1"/>
+    </p:custDataLst>
   </p:cSld>
   <p:clrMapOvr>
     <a:masterClrMapping/>
@@ -7771,6 +7862,12 @@
 </file>
 
 <file path=ppt/tags/tag10.xml><?xml version="1.0" encoding="utf-8"?>
+<p:tagLst xmlns:p="http://schemas.openxmlformats.org/presentationml/2006/main">
+  <p:tag name="KSO_WM_UNIT_TABLE_BEAUTIFY" val="smartTable{4d037d77-00c1-412e-a2bd-1ef68d8f08b5}"/>
+</p:tagLst>
+</file>
+
+<file path=ppt/tags/tag11.xml><?xml version="1.0" encoding="utf-8"?>
 <p:tagLst xmlns:p="http://schemas.openxmlformats.org/presentationml/2006/main">
   <p:tag name="KSO_WM_TAG_VERSION" val="1.0"/>
   <p:tag name="KSO_WM_BEAUTIFY_FLAG" val="#wm#"/>
@@ -7790,7 +7887,7 @@
 </p:tagLst>
 </file>
 
-<file path=ppt/tags/tag11.xml><?xml version="1.0" encoding="utf-8"?>
+<file path=ppt/tags/tag12.xml><?xml version="1.0" encoding="utf-8"?>
 <p:tagLst xmlns:p="http://schemas.openxmlformats.org/presentationml/2006/main">
   <p:tag name="KSO_WM_TAG_VERSION" val="1.0"/>
   <p:tag name="KSO_WM_BEAUTIFY_FLAG" val="#wm#"/>
@@ -7810,7 +7907,7 @@
 </p:tagLst>
 </file>
 
-<file path=ppt/tags/tag12.xml><?xml version="1.0" encoding="utf-8"?>
+<file path=ppt/tags/tag13.xml><?xml version="1.0" encoding="utf-8"?>
 <p:tagLst xmlns:p="http://schemas.openxmlformats.org/presentationml/2006/main">
   <p:tag name="KSO_WM_TEMPLATE_THUMBS_INDEX" val="1、9、12、16、19、20、24、27、28"/>
   <p:tag name="KSO_WM_TEMPLATE_CATEGORY" val="custom"/>
@@ -7826,7 +7923,7 @@
 </p:tagLst>
 </file>
 
-<file path=ppt/tags/tag13.xml><?xml version="1.0" encoding="utf-8"?>
+<file path=ppt/tags/tag14.xml><?xml version="1.0" encoding="utf-8"?>
 <p:tagLst xmlns:p="http://schemas.openxmlformats.org/presentationml/2006/main">
   <p:tag name="KSO_WM_BEAUTIFY_FLAG" val="#wm#"/>
   <p:tag name="KSO_WM_TEMPLATE_CATEGORY" val="custom"/>
@@ -7834,7 +7931,7 @@
 </p:tagLst>
 </file>
 
-<file path=ppt/tags/tag14.xml><?xml version="1.0" encoding="utf-8"?>
+<file path=ppt/tags/tag15.xml><?xml version="1.0" encoding="utf-8"?>
 <p:tagLst xmlns:p="http://schemas.openxmlformats.org/presentationml/2006/main">
   <p:tag name="KSO_WM_TAG_VERSION" val="1.0"/>
   <p:tag name="KSO_WM_BEAUTIFY_FLAG" val="#wm#"/>
@@ -7853,7 +7950,7 @@
 </p:tagLst>
 </file>
 
-<file path=ppt/tags/tag15.xml><?xml version="1.0" encoding="utf-8"?>
+<file path=ppt/tags/tag16.xml><?xml version="1.0" encoding="utf-8"?>
 <p:tagLst xmlns:p="http://schemas.openxmlformats.org/presentationml/2006/main">
   <p:tag name="KSO_WM_TAG_VERSION" val="1.0"/>
   <p:tag name="KSO_WM_BEAUTIFY_FLAG" val="#wm#"/>
@@ -7872,7 +7969,7 @@
 </p:tagLst>
 </file>
 
-<file path=ppt/tags/tag16.xml><?xml version="1.0" encoding="utf-8"?>
+<file path=ppt/tags/tag17.xml><?xml version="1.0" encoding="utf-8"?>
 <p:tagLst xmlns:p="http://schemas.openxmlformats.org/presentationml/2006/main">
   <p:tag name="KSO_WM_TEMPLATE_CATEGORY" val="custom"/>
   <p:tag name="KSO_WM_TEMPLATE_INDEX" val="160402"/>

--- a/Web/Vue-Notes.pptx
+++ b/Web/Vue-Notes.pptx
@@ -5,7 +5,7 @@
     <p:sldMasterId id="2147483648" r:id="rId1"/>
   </p:sldMasterIdLst>
   <p:notesMasterIdLst>
-    <p:notesMasterId r:id="rId9"/>
+    <p:notesMasterId r:id="rId10"/>
   </p:notesMasterIdLst>
   <p:handoutMasterIdLst>
     <p:handoutMasterId r:id="rId25"/>
@@ -15,18 +15,18 @@
     <p:sldId id="266" r:id="rId4"/>
     <p:sldId id="264" r:id="rId5"/>
     <p:sldId id="281" r:id="rId6"/>
-    <p:sldId id="273" r:id="rId7"/>
-    <p:sldId id="260" r:id="rId8"/>
-    <p:sldId id="274" r:id="rId10"/>
-    <p:sldId id="316" r:id="rId11"/>
-    <p:sldId id="270" r:id="rId12"/>
-    <p:sldId id="278" r:id="rId13"/>
-    <p:sldId id="290" r:id="rId14"/>
-    <p:sldId id="296" r:id="rId15"/>
-    <p:sldId id="294" r:id="rId16"/>
-    <p:sldId id="302" r:id="rId17"/>
-    <p:sldId id="308" r:id="rId18"/>
-    <p:sldId id="295" r:id="rId19"/>
+    <p:sldId id="330" r:id="rId7"/>
+    <p:sldId id="273" r:id="rId8"/>
+    <p:sldId id="260" r:id="rId9"/>
+    <p:sldId id="274" r:id="rId11"/>
+    <p:sldId id="316" r:id="rId12"/>
+    <p:sldId id="270" r:id="rId13"/>
+    <p:sldId id="278" r:id="rId14"/>
+    <p:sldId id="290" r:id="rId15"/>
+    <p:sldId id="296" r:id="rId16"/>
+    <p:sldId id="294" r:id="rId17"/>
+    <p:sldId id="302" r:id="rId18"/>
+    <p:sldId id="308" r:id="rId19"/>
     <p:sldId id="280" r:id="rId20"/>
     <p:sldId id="282" r:id="rId21"/>
     <p:sldId id="307" r:id="rId22"/>
@@ -3875,6 +3875,133 @@
       <p:grpSpPr/>
       <p:sp>
         <p:nvSpPr>
+          <p:cNvPr id="2" name="标题 1"/>
+          <p:cNvSpPr>
+            <a:spLocks noGrp="1"/>
+          </p:cNvSpPr>
+          <p:nvPr>
+            <p:ph type="title"/>
+          </p:nvPr>
+        </p:nvSpPr>
+        <p:spPr/>
+        <p:txBody>
+          <a:bodyPr/>
+          <a:p>
+            <a:r>
+              <a:rPr lang="en-US" altLang="zh-CN"/>
+              <a:t>Additional Tools &amp; Plugins</a:t>
+            </a:r>
+            <a:endParaRPr lang="en-US" altLang="zh-CN"/>
+          </a:p>
+        </p:txBody>
+      </p:sp>
+      <p:sp>
+        <p:nvSpPr>
+          <p:cNvPr id="3" name="内容占位符 2"/>
+          <p:cNvSpPr>
+            <a:spLocks noGrp="1"/>
+          </p:cNvSpPr>
+          <p:nvPr>
+            <p:ph idx="1"/>
+          </p:nvPr>
+        </p:nvSpPr>
+        <p:spPr/>
+        <p:txBody>
+          <a:bodyPr/>
+          <a:p>
+            <a:r>
+              <a:rPr lang="en-US" altLang="zh-CN"/>
+              <a:t>vue-router</a:t>
+            </a:r>
+            <a:endParaRPr lang="en-US" altLang="zh-CN"/>
+          </a:p>
+          <a:p>
+            <a:pPr lvl="1"/>
+            <a:endParaRPr lang="en-US" altLang="zh-CN"/>
+          </a:p>
+          <a:p>
+            <a:r>
+              <a:rPr lang="en-US" altLang="zh-CN"/>
+              <a:t>vue-resource</a:t>
+            </a:r>
+            <a:endParaRPr lang="en-US" altLang="zh-CN"/>
+          </a:p>
+          <a:p>
+            <a:r>
+              <a:rPr lang="en-US" altLang="en-US"/>
+              <a:t>vuex</a:t>
+            </a:r>
+            <a:endParaRPr lang="en-US" altLang="en-US"/>
+          </a:p>
+          <a:p>
+            <a:pPr lvl="1"/>
+            <a:r>
+              <a:rPr lang="en-US" altLang="en-US" sz="2000"/>
+              <a:t>Store</a:t>
+            </a:r>
+            <a:endParaRPr lang="en-US" altLang="en-US"/>
+          </a:p>
+          <a:p>
+            <a:r>
+              <a:rPr lang="en-US" altLang="zh-CN"/>
+              <a:t>vue-async-data</a:t>
+            </a:r>
+            <a:endParaRPr lang="en-US" altLang="zh-CN"/>
+          </a:p>
+          <a:p>
+            <a:r>
+              <a:rPr lang="en-US" altLang="zh-CN"/>
+              <a:t>vue-validator</a:t>
+            </a:r>
+            <a:endParaRPr lang="en-US" altLang="zh-CN"/>
+          </a:p>
+          <a:p>
+            <a:r>
+              <a:rPr lang="en-US" altLang="zh-CN"/>
+              <a:t>vue-devtools</a:t>
+            </a:r>
+            <a:endParaRPr lang="en-US" altLang="zh-CN"/>
+          </a:p>
+          <a:p>
+            <a:pPr lvl="1"/>
+            <a:r>
+              <a:rPr lang="en-US" altLang="en-US"/>
+              <a:t>Chrome extension, Firefox addon</a:t>
+            </a:r>
+            <a:endParaRPr lang="en-US" altLang="zh-CN"/>
+          </a:p>
+          <a:p>
+            <a:r>
+              <a:rPr lang="en-US" altLang="zh-CN"/>
+              <a:t>vue-touch</a:t>
+            </a:r>
+            <a:endParaRPr lang="en-US" altLang="zh-CN"/>
+          </a:p>
+        </p:txBody>
+      </p:sp>
+    </p:spTree>
+    <p:custDataLst>
+      <p:tags r:id="rId1"/>
+    </p:custDataLst>
+  </p:cSld>
+  <p:clrMapOvr>
+    <a:masterClrMapping/>
+  </p:clrMapOvr>
+</p:sld>
+</file>
+
+<file path=ppt/slides/slide11.xml><?xml version="1.0" encoding="utf-8"?>
+<p:sld xmlns:a="http://schemas.openxmlformats.org/drawingml/2006/main" xmlns:r="http://schemas.openxmlformats.org/officeDocument/2006/relationships" xmlns:p="http://schemas.openxmlformats.org/presentationml/2006/main">
+  <p:cSld>
+    <p:spTree>
+      <p:nvGrpSpPr>
+        <p:cNvPr id="1" name=""/>
+        <p:cNvGrpSpPr/>
+        <p:nvPr/>
+      </p:nvGrpSpPr>
+      <p:grpSpPr/>
+      <p:sp>
+        <p:nvSpPr>
           <p:cNvPr id="2" name="Title 1"/>
           <p:cNvSpPr>
             <a:spLocks noGrp="1"/>
@@ -4005,7 +4132,7 @@
 </p:sld>
 </file>
 
-<file path=ppt/slides/slide11.xml><?xml version="1.0" encoding="utf-8"?>
+<file path=ppt/slides/slide12.xml><?xml version="1.0" encoding="utf-8"?>
 <p:sld xmlns:a="http://schemas.openxmlformats.org/drawingml/2006/main" xmlns:r="http://schemas.openxmlformats.org/officeDocument/2006/relationships" xmlns:p="http://schemas.openxmlformats.org/presentationml/2006/main">
   <p:cSld>
     <p:spTree>
@@ -4228,453 +4355,6 @@
               <a:t>Vue.use(VueRouter)</a:t>
             </a:r>
             <a:endParaRPr lang="zh-CN" altLang="en-US" sz="1400"/>
-          </a:p>
-        </p:txBody>
-      </p:sp>
-    </p:spTree>
-  </p:cSld>
-  <p:clrMapOvr>
-    <a:masterClrMapping/>
-  </p:clrMapOvr>
-</p:sld>
-</file>
-
-<file path=ppt/slides/slide12.xml><?xml version="1.0" encoding="utf-8"?>
-<p:sld xmlns:a="http://schemas.openxmlformats.org/drawingml/2006/main" xmlns:r="http://schemas.openxmlformats.org/officeDocument/2006/relationships" xmlns:p="http://schemas.openxmlformats.org/presentationml/2006/main">
-  <p:cSld>
-    <p:spTree>
-      <p:nvGrpSpPr>
-        <p:cNvPr id="1" name=""/>
-        <p:cNvGrpSpPr/>
-        <p:nvPr/>
-      </p:nvGrpSpPr>
-      <p:grpSpPr/>
-      <p:sp>
-        <p:nvSpPr>
-          <p:cNvPr id="2" name="标题 1"/>
-          <p:cNvSpPr>
-            <a:spLocks noGrp="1"/>
-          </p:cNvSpPr>
-          <p:nvPr>
-            <p:ph type="title"/>
-          </p:nvPr>
-        </p:nvSpPr>
-        <p:spPr/>
-        <p:txBody>
-          <a:bodyPr/>
-          <a:p>
-            <a:r>
-              <a:rPr lang="en-US" altLang="zh-CN"/>
-              <a:t>Vue-i18n</a:t>
-            </a:r>
-            <a:endParaRPr lang="en-US" altLang="zh-CN"/>
-          </a:p>
-        </p:txBody>
-      </p:sp>
-      <p:sp>
-        <p:nvSpPr>
-          <p:cNvPr id="3" name="内容占位符 2"/>
-          <p:cNvSpPr>
-            <a:spLocks noGrp="1"/>
-          </p:cNvSpPr>
-          <p:nvPr>
-            <p:ph idx="1"/>
-          </p:nvPr>
-        </p:nvSpPr>
-        <p:spPr>
-          <a:xfrm>
-            <a:off x="838200" y="1211580"/>
-            <a:ext cx="10515600" cy="5217160"/>
-          </a:xfrm>
-        </p:spPr>
-        <p:txBody>
-          <a:bodyPr>
-            <a:normAutofit fontScale="60000"/>
-          </a:bodyPr>
-          <a:p>
-            <a:r>
-              <a:rPr lang="zh-CN" altLang="en-US"/>
-              <a:t>https://github.com/kazupon/vue-i18n</a:t>
-            </a:r>
-            <a:endParaRPr lang="zh-CN" altLang="en-US"/>
-          </a:p>
-          <a:p>
-            <a:r>
-              <a:rPr lang="en-US" altLang="zh-CN"/>
-              <a:t>vue add i18n</a:t>
-            </a:r>
-            <a:endParaRPr lang="en-US" altLang="zh-CN"/>
-          </a:p>
-          <a:p>
-            <a:r>
-              <a:rPr lang="en-US" altLang="zh-CN"/>
-              <a:t>Formatting</a:t>
-            </a:r>
-            <a:endParaRPr lang="en-US" altLang="zh-CN"/>
-          </a:p>
-          <a:p>
-            <a:pPr lvl="1"/>
-            <a:r>
-              <a:rPr lang="en-US" altLang="zh-CN"/>
-              <a:t>Named formatting</a:t>
-            </a:r>
-            <a:endParaRPr lang="en-US" altLang="zh-CN"/>
-          </a:p>
-          <a:p>
-            <a:pPr lvl="1"/>
-            <a:r>
-              <a:rPr lang="en-US" altLang="zh-CN"/>
-              <a:t>List formatting</a:t>
-            </a:r>
-            <a:endParaRPr lang="en-US" altLang="zh-CN"/>
-          </a:p>
-          <a:p>
-            <a:pPr lvl="1"/>
-            <a:r>
-              <a:rPr lang="en-US" altLang="zh-CN"/>
-              <a:t>HTML formatting</a:t>
-            </a:r>
-            <a:endParaRPr lang="en-US" altLang="zh-CN"/>
-          </a:p>
-          <a:p>
-            <a:pPr lvl="1"/>
-            <a:r>
-              <a:rPr lang="en-US" altLang="zh-CN"/>
-              <a:t>Custom formatting</a:t>
-            </a:r>
-            <a:endParaRPr lang="en-US" altLang="zh-CN"/>
-          </a:p>
-          <a:p>
-            <a:pPr lvl="0"/>
-            <a:r>
-              <a:rPr lang="en-US" altLang="zh-CN" sz="2400"/>
-              <a:t>Pluralization</a:t>
-            </a:r>
-            <a:endParaRPr lang="en-US" altLang="zh-CN" sz="2400"/>
-          </a:p>
-          <a:p>
-            <a:pPr lvl="1"/>
-            <a:r>
-              <a:rPr lang="en-US" altLang="zh-CN" sz="2000"/>
-              <a:t>$tc()</a:t>
-            </a:r>
-            <a:endParaRPr lang="en-US" altLang="zh-CN" sz="2000"/>
-          </a:p>
-          <a:p>
-            <a:pPr lvl="0"/>
-            <a:r>
-              <a:rPr lang="en-US" altLang="zh-CN" sz="2400"/>
-              <a:t>Datetime localization</a:t>
-            </a:r>
-            <a:endParaRPr lang="en-US" altLang="zh-CN" sz="2400"/>
-          </a:p>
-          <a:p>
-            <a:pPr lvl="1"/>
-            <a:r>
-              <a:rPr lang="en-US" altLang="zh-CN" sz="2000"/>
-              <a:t>$d()</a:t>
-            </a:r>
-            <a:endParaRPr lang="en-US" altLang="zh-CN" sz="2000"/>
-          </a:p>
-          <a:p>
-            <a:pPr lvl="0"/>
-            <a:r>
-              <a:rPr lang="en-US" altLang="zh-CN" sz="2400"/>
-              <a:t>Number formatting</a:t>
-            </a:r>
-            <a:endParaRPr lang="en-US" altLang="zh-CN" sz="2400"/>
-          </a:p>
-          <a:p>
-            <a:pPr lvl="1"/>
-            <a:r>
-              <a:rPr lang="en-US" altLang="zh-CN" sz="2000"/>
-              <a:t>&lt;i18n-n :value=”...”&gt;&lt;/i18n&gt;</a:t>
-            </a:r>
-            <a:endParaRPr lang="en-US" altLang="zh-CN" sz="2000"/>
-          </a:p>
-          <a:p>
-            <a:pPr lvl="0"/>
-            <a:r>
-              <a:rPr lang="en-US" altLang="zh-CN" sz="2400"/>
-              <a:t>v-t</a:t>
-            </a:r>
-            <a:endParaRPr lang="en-US" altLang="zh-CN" sz="2400"/>
-          </a:p>
-          <a:p>
-            <a:pPr lvl="1"/>
-            <a:r>
-              <a:rPr lang="en-US" altLang="zh-CN" sz="2000"/>
-              <a:t>better performance than $t</a:t>
-            </a:r>
-            <a:endParaRPr lang="en-US" altLang="zh-CN" sz="2000"/>
-          </a:p>
-          <a:p>
-            <a:pPr lvl="0"/>
-            <a:r>
-              <a:rPr lang="en-US" altLang="zh-CN" sz="2400"/>
-              <a:t>npm i --save-dev @kazupon/vue-i18n-loader</a:t>
-            </a:r>
-            <a:endParaRPr lang="en-US" altLang="zh-CN" sz="2400"/>
-          </a:p>
-          <a:p>
-            <a:pPr lvl="0"/>
-            <a:r>
-              <a:rPr lang="en-US" altLang="zh-CN" sz="2400"/>
-              <a:t>vue-cli-plugin-i18n</a:t>
-            </a:r>
-            <a:endParaRPr lang="en-US" altLang="zh-CN" sz="2400"/>
-          </a:p>
-          <a:p>
-            <a:pPr lvl="0"/>
-            <a:r>
-              <a:rPr lang="en-US" altLang="zh-CN"/>
-              <a:t>BabelEdit: translation editor</a:t>
-            </a:r>
-            <a:endParaRPr lang="en-US" altLang="zh-CN"/>
-          </a:p>
-          <a:p>
-            <a:pPr lvl="1"/>
-            <a:endParaRPr lang="en-US" altLang="zh-CN"/>
-          </a:p>
-        </p:txBody>
-      </p:sp>
-      <p:sp>
-        <p:nvSpPr>
-          <p:cNvPr id="4" name="文本框 3"/>
-          <p:cNvSpPr txBox="1"/>
-          <p:nvPr/>
-        </p:nvSpPr>
-        <p:spPr>
-          <a:xfrm>
-            <a:off x="9415145" y="914400"/>
-            <a:ext cx="2123440" cy="2584450"/>
-          </a:xfrm>
-          <a:prstGeom prst="rect">
-            <a:avLst/>
-          </a:prstGeom>
-          <a:noFill/>
-          <a:ln>
-            <a:solidFill>
-              <a:schemeClr val="accent2"/>
-            </a:solidFill>
-          </a:ln>
-        </p:spPr>
-        <p:txBody>
-          <a:bodyPr wrap="square" rtlCol="0">
-            <a:spAutoFit/>
-          </a:bodyPr>
-          <a:p>
-            <a:r>
-              <a:rPr lang="zh-CN" altLang="en-US"/>
-              <a:t>const messages = {</a:t>
-            </a:r>
-            <a:endParaRPr lang="zh-CN" altLang="en-US"/>
-          </a:p>
-          <a:p>
-            <a:r>
-              <a:rPr lang="zh-CN" altLang="en-US"/>
-              <a:t>  en: {</a:t>
-            </a:r>
-            <a:endParaRPr lang="zh-CN" altLang="en-US"/>
-          </a:p>
-          <a:p>
-            <a:r>
-              <a:rPr lang="zh-CN" altLang="en-US"/>
-              <a:t>    message: {</a:t>
-            </a:r>
-            <a:endParaRPr lang="zh-CN" altLang="en-US"/>
-          </a:p>
-          <a:p>
-            <a:r>
-              <a:rPr lang="zh-CN" altLang="en-US"/>
-              <a:t>      hello: '{msg} world'</a:t>
-            </a:r>
-            <a:endParaRPr lang="zh-CN" altLang="en-US"/>
-          </a:p>
-          <a:p>
-            <a:r>
-              <a:rPr lang="zh-CN" altLang="en-US"/>
-              <a:t>    }</a:t>
-            </a:r>
-            <a:endParaRPr lang="zh-CN" altLang="en-US"/>
-          </a:p>
-          <a:p>
-            <a:r>
-              <a:rPr lang="zh-CN" altLang="en-US"/>
-              <a:t>  }</a:t>
-            </a:r>
-            <a:endParaRPr lang="zh-CN" altLang="en-US"/>
-          </a:p>
-          <a:p>
-            <a:r>
-              <a:rPr lang="zh-CN" altLang="en-US"/>
-              <a:t>}</a:t>
-            </a:r>
-            <a:endParaRPr lang="zh-CN" altLang="en-US"/>
-          </a:p>
-        </p:txBody>
-      </p:sp>
-      <p:sp>
-        <p:nvSpPr>
-          <p:cNvPr id="5" name="文本框 4"/>
-          <p:cNvSpPr txBox="1"/>
-          <p:nvPr/>
-        </p:nvSpPr>
-        <p:spPr>
-          <a:xfrm>
-            <a:off x="3856990" y="2405380"/>
-            <a:ext cx="5184775" cy="368300"/>
-          </a:xfrm>
-          <a:prstGeom prst="rect">
-            <a:avLst/>
-          </a:prstGeom>
-          <a:noFill/>
-          <a:ln>
-            <a:solidFill>
-              <a:schemeClr val="accent2"/>
-            </a:solidFill>
-          </a:ln>
-        </p:spPr>
-        <p:txBody>
-          <a:bodyPr wrap="square" rtlCol="0">
-            <a:spAutoFit/>
-          </a:bodyPr>
-          <a:p>
-            <a:r>
-              <a:rPr lang="zh-CN" altLang="en-US"/>
-              <a:t>&lt;p&gt;{{ $t('message.hello', { msg: 'hello' }) }}&lt;/p&gt;</a:t>
-            </a:r>
-            <a:endParaRPr lang="zh-CN" altLang="en-US"/>
-          </a:p>
-        </p:txBody>
-      </p:sp>
-      <p:sp>
-        <p:nvSpPr>
-          <p:cNvPr id="6" name="文本框 5"/>
-          <p:cNvSpPr txBox="1"/>
-          <p:nvPr/>
-        </p:nvSpPr>
-        <p:spPr>
-          <a:xfrm>
-            <a:off x="3856990" y="2881630"/>
-            <a:ext cx="5133975" cy="368300"/>
-          </a:xfrm>
-          <a:prstGeom prst="rect">
-            <a:avLst/>
-          </a:prstGeom>
-          <a:noFill/>
-          <a:ln>
-            <a:solidFill>
-              <a:schemeClr val="accent2"/>
-            </a:solidFill>
-          </a:ln>
-        </p:spPr>
-        <p:txBody>
-          <a:bodyPr wrap="square" rtlCol="0">
-            <a:spAutoFit/>
-          </a:bodyPr>
-          <a:p>
-            <a:r>
-              <a:rPr lang="zh-CN" altLang="en-US"/>
-              <a:t>&lt;p&gt;{{ $t('message.hello', ['hello']) }}&lt;/p&gt;</a:t>
-            </a:r>
-            <a:endParaRPr lang="zh-CN" altLang="en-US"/>
-          </a:p>
-        </p:txBody>
-      </p:sp>
-      <p:sp>
-        <p:nvSpPr>
-          <p:cNvPr id="7" name="文本框 6"/>
-          <p:cNvSpPr txBox="1"/>
-          <p:nvPr/>
-        </p:nvSpPr>
-        <p:spPr>
-          <a:xfrm>
-            <a:off x="3856990" y="3302000"/>
-            <a:ext cx="5133975" cy="368300"/>
-          </a:xfrm>
-          <a:prstGeom prst="rect">
-            <a:avLst/>
-          </a:prstGeom>
-          <a:noFill/>
-          <a:ln>
-            <a:solidFill>
-              <a:schemeClr val="accent2"/>
-            </a:solidFill>
-          </a:ln>
-        </p:spPr>
-        <p:txBody>
-          <a:bodyPr wrap="square" rtlCol="0">
-            <a:spAutoFit/>
-          </a:bodyPr>
-          <a:p>
-            <a:r>
-              <a:rPr lang="zh-CN" altLang="en-US"/>
-              <a:t>&lt;p v-html="$t('message.hello')"&gt;&lt;/p&gt;</a:t>
-            </a:r>
-            <a:endParaRPr lang="zh-CN" altLang="en-US"/>
-          </a:p>
-        </p:txBody>
-      </p:sp>
-      <p:sp>
-        <p:nvSpPr>
-          <p:cNvPr id="8" name="文本框 7"/>
-          <p:cNvSpPr txBox="1"/>
-          <p:nvPr/>
-        </p:nvSpPr>
-        <p:spPr>
-          <a:xfrm>
-            <a:off x="8669655" y="4206240"/>
-            <a:ext cx="2868930" cy="1753235"/>
-          </a:xfrm>
-          <a:prstGeom prst="rect">
-            <a:avLst/>
-          </a:prstGeom>
-          <a:noFill/>
-          <a:ln>
-            <a:solidFill>
-              <a:schemeClr val="accent2"/>
-            </a:solidFill>
-          </a:ln>
-        </p:spPr>
-        <p:txBody>
-          <a:bodyPr wrap="square" rtlCol="0">
-            <a:spAutoFit/>
-          </a:bodyPr>
-          <a:p>
-            <a:r>
-              <a:rPr lang="zh-CN" altLang="en-US"/>
-              <a:t>const i18n = new VueI18n({</a:t>
-            </a:r>
-            <a:endParaRPr lang="zh-CN" altLang="en-US"/>
-          </a:p>
-          <a:p>
-            <a:r>
-              <a:rPr lang="zh-CN" altLang="en-US"/>
-              <a:t>  locale: 'ja',</a:t>
-            </a:r>
-            <a:endParaRPr lang="zh-CN" altLang="en-US"/>
-          </a:p>
-          <a:p>
-            <a:r>
-              <a:rPr lang="zh-CN" altLang="en-US"/>
-              <a:t>  fallbackLocale: 'en',</a:t>
-            </a:r>
-            <a:endParaRPr lang="zh-CN" altLang="en-US"/>
-          </a:p>
-          <a:p>
-            <a:r>
-              <a:rPr lang="zh-CN" altLang="en-US"/>
-              <a:t>  messages</a:t>
-            </a:r>
-            <a:endParaRPr lang="zh-CN" altLang="en-US"/>
-          </a:p>
-          <a:p>
-            <a:r>
-              <a:rPr lang="zh-CN" altLang="en-US"/>
-              <a:t>})</a:t>
-            </a:r>
-            <a:endParaRPr lang="zh-CN" altLang="en-US"/>
           </a:p>
         </p:txBody>
       </p:sp>
@@ -4712,7 +4392,7 @@
           <a:p>
             <a:r>
               <a:rPr lang="en-US" altLang="zh-CN"/>
-              <a:t>Axios</a:t>
+              <a:t>Vue-i18n</a:t>
             </a:r>
             <a:endParaRPr lang="en-US" altLang="zh-CN"/>
           </a:p>
@@ -4728,72 +4408,159 @@
             <p:ph idx="1"/>
           </p:nvPr>
         </p:nvSpPr>
-        <p:spPr/>
-        <p:txBody>
-          <a:bodyPr/>
-          <a:p>
-            <a:r>
-              <a:rPr lang="en-US" altLang="zh-CN"/>
-              <a:t>npm install axios vue-axios</a:t>
-            </a:r>
-            <a:endParaRPr lang="en-US" altLang="zh-CN"/>
-          </a:p>
-          <a:p>
-            <a:r>
-              <a:rPr lang="en-US" altLang="zh-CN"/>
-              <a:t>request</a:t>
+        <p:spPr>
+          <a:xfrm>
+            <a:off x="838200" y="1211580"/>
+            <a:ext cx="10515600" cy="5217160"/>
+          </a:xfrm>
+        </p:spPr>
+        <p:txBody>
+          <a:bodyPr>
+            <a:normAutofit fontScale="60000"/>
+          </a:bodyPr>
+          <a:p>
+            <a:r>
+              <a:rPr lang="zh-CN" altLang="en-US"/>
+              <a:t>https://github.com/kazupon/vue-i18n</a:t>
+            </a:r>
+            <a:endParaRPr lang="zh-CN" altLang="en-US"/>
+          </a:p>
+          <a:p>
+            <a:r>
+              <a:rPr lang="en-US" altLang="zh-CN"/>
+              <a:t>vue add i18n</a:t>
+            </a:r>
+            <a:endParaRPr lang="en-US" altLang="zh-CN"/>
+          </a:p>
+          <a:p>
+            <a:r>
+              <a:rPr lang="en-US" altLang="zh-CN"/>
+              <a:t>Formatting</a:t>
             </a:r>
             <a:endParaRPr lang="en-US" altLang="zh-CN"/>
           </a:p>
           <a:p>
             <a:pPr lvl="1"/>
             <a:r>
+              <a:rPr lang="en-US" altLang="zh-CN"/>
+              <a:t>Named formatting</a:t>
+            </a:r>
+            <a:endParaRPr lang="en-US" altLang="zh-CN"/>
+          </a:p>
+          <a:p>
+            <a:pPr lvl="1"/>
+            <a:r>
+              <a:rPr lang="en-US" altLang="zh-CN"/>
+              <a:t>List formatting</a:t>
+            </a:r>
+            <a:endParaRPr lang="en-US" altLang="zh-CN"/>
+          </a:p>
+          <a:p>
+            <a:pPr lvl="1"/>
+            <a:r>
+              <a:rPr lang="en-US" altLang="zh-CN"/>
+              <a:t>HTML formatting</a:t>
+            </a:r>
+            <a:endParaRPr lang="en-US" altLang="zh-CN"/>
+          </a:p>
+          <a:p>
+            <a:pPr lvl="1"/>
+            <a:r>
+              <a:rPr lang="en-US" altLang="zh-CN"/>
+              <a:t>Custom formatting</a:t>
+            </a:r>
+            <a:endParaRPr lang="en-US" altLang="zh-CN"/>
+          </a:p>
+          <a:p>
+            <a:pPr lvl="0"/>
+            <a:r>
+              <a:rPr lang="en-US" altLang="zh-CN" sz="2400"/>
+              <a:t>Pluralization</a:t>
+            </a:r>
+            <a:endParaRPr lang="en-US" altLang="zh-CN" sz="2400"/>
+          </a:p>
+          <a:p>
+            <a:pPr lvl="1"/>
+            <a:r>
               <a:rPr lang="en-US" altLang="zh-CN" sz="2000"/>
-              <a:t>get, post</a:t>
+              <a:t>$tc()</a:t>
             </a:r>
             <a:endParaRPr lang="en-US" altLang="zh-CN" sz="2000"/>
           </a:p>
           <a:p>
             <a:pPr lvl="0"/>
             <a:r>
-              <a:rPr lang="en-US" altLang="zh-CN"/>
-              <a:t>response</a:t>
-            </a:r>
-            <a:endParaRPr lang="en-US" altLang="zh-CN"/>
+              <a:rPr lang="en-US" altLang="zh-CN" sz="2400"/>
+              <a:t>Datetime localization</a:t>
+            </a:r>
+            <a:endParaRPr lang="en-US" altLang="zh-CN" sz="2400"/>
+          </a:p>
+          <a:p>
+            <a:pPr lvl="1"/>
+            <a:r>
+              <a:rPr lang="en-US" altLang="zh-CN" sz="2000"/>
+              <a:t>$d()</a:t>
+            </a:r>
+            <a:endParaRPr lang="en-US" altLang="zh-CN" sz="2000"/>
           </a:p>
           <a:p>
             <a:pPr lvl="0"/>
             <a:r>
-              <a:rPr lang="en-US" altLang="zh-CN"/>
-              <a:t>axios.interceptors.request.use(...)</a:t>
-            </a:r>
-            <a:endParaRPr lang="en-US" altLang="zh-CN"/>
+              <a:rPr lang="en-US" altLang="zh-CN" sz="2400"/>
+              <a:t>Number formatting</a:t>
+            </a:r>
+            <a:endParaRPr lang="en-US" altLang="zh-CN" sz="2400"/>
+          </a:p>
+          <a:p>
+            <a:pPr lvl="1"/>
+            <a:r>
+              <a:rPr lang="en-US" altLang="zh-CN" sz="2000"/>
+              <a:t>&lt;i18n-n :value=”...”&gt;&lt;/i18n&gt;</a:t>
+            </a:r>
+            <a:endParaRPr lang="en-US" altLang="zh-CN" sz="2000"/>
           </a:p>
           <a:p>
             <a:pPr lvl="0"/>
             <a:r>
-              <a:rPr lang="en-US" altLang="zh-CN"/>
-              <a:t>axios.interceptors.response.use(...)</a:t>
-            </a:r>
-            <a:endParaRPr lang="en-US" altLang="zh-CN"/>
+              <a:rPr lang="en-US" altLang="zh-CN" sz="2400"/>
+              <a:t>v-t</a:t>
+            </a:r>
+            <a:endParaRPr lang="en-US" altLang="zh-CN" sz="2400"/>
+          </a:p>
+          <a:p>
+            <a:pPr lvl="1"/>
+            <a:r>
+              <a:rPr lang="en-US" altLang="zh-CN" sz="2000"/>
+              <a:t>better performance than $t</a:t>
+            </a:r>
+            <a:endParaRPr lang="en-US" altLang="zh-CN" sz="2000"/>
           </a:p>
           <a:p>
             <a:pPr lvl="0"/>
             <a:r>
-              <a:rPr lang="en-US" altLang="zh-CN"/>
-              <a:t>Serialize</a:t>
+              <a:rPr lang="en-US" altLang="zh-CN" sz="2400"/>
+              <a:t>npm i --save-dev @kazupon/vue-i18n-loader</a:t>
+            </a:r>
+            <a:endParaRPr lang="en-US" altLang="zh-CN" sz="2400"/>
+          </a:p>
+          <a:p>
+            <a:pPr lvl="0"/>
+            <a:r>
+              <a:rPr lang="en-US" altLang="zh-CN" sz="2400"/>
+              <a:t>vue-cli-plugin-i18n</a:t>
+            </a:r>
+            <a:endParaRPr lang="en-US" altLang="zh-CN" sz="2400"/>
+          </a:p>
+          <a:p>
+            <a:pPr lvl="0"/>
+            <a:r>
+              <a:rPr lang="en-US" altLang="zh-CN"/>
+              <a:t>BabelEdit: translation editor</a:t>
             </a:r>
             <a:endParaRPr lang="en-US" altLang="zh-CN"/>
           </a:p>
           <a:p>
             <a:pPr lvl="1"/>
-            <a:r>
-              <a:rPr lang="en-US" altLang="zh-CN" sz="2000"/>
-              <a:t>default: json</a:t>
-            </a:r>
-            <a:endParaRPr lang="en-US" altLang="zh-CN"/>
-          </a:p>
-          <a:p>
             <a:endParaRPr lang="en-US" altLang="zh-CN"/>
           </a:p>
         </p:txBody>
@@ -4806,8 +4573,8 @@
         </p:nvSpPr>
         <p:spPr>
           <a:xfrm>
-            <a:off x="6494145" y="4746625"/>
-            <a:ext cx="3139440" cy="1814830"/>
+            <a:off x="9415145" y="914400"/>
+            <a:ext cx="2123440" cy="2584450"/>
           </a:xfrm>
           <a:prstGeom prst="rect">
             <a:avLst/>
@@ -4815,7 +4582,7 @@
           <a:noFill/>
           <a:ln>
             <a:solidFill>
-              <a:srgbClr val="0070C0"/>
+              <a:schemeClr val="accent2"/>
             </a:solidFill>
           </a:ln>
         </p:spPr>
@@ -4825,52 +4592,52 @@
           </a:bodyPr>
           <a:p>
             <a:r>
-              <a:rPr lang="zh-CN" altLang="en-US" sz="1600"/>
-              <a:t>axios.get('/user?ID=12345')</a:t>
-            </a:r>
-            <a:endParaRPr lang="zh-CN" altLang="en-US" sz="1600"/>
-          </a:p>
-          <a:p>
-            <a:r>
-              <a:rPr lang="zh-CN" altLang="en-US" sz="1600"/>
-              <a:t>  .then(function (response) {</a:t>
-            </a:r>
-            <a:endParaRPr lang="zh-CN" altLang="en-US" sz="1600"/>
-          </a:p>
-          <a:p>
-            <a:r>
-              <a:rPr lang="zh-CN" altLang="en-US" sz="1600"/>
-              <a:t>    console.log(response);</a:t>
-            </a:r>
-            <a:endParaRPr lang="zh-CN" altLang="en-US" sz="1600"/>
-          </a:p>
-          <a:p>
-            <a:r>
-              <a:rPr lang="zh-CN" altLang="en-US" sz="1600"/>
-              <a:t>  })</a:t>
-            </a:r>
-            <a:endParaRPr lang="zh-CN" altLang="en-US" sz="1600"/>
-          </a:p>
-          <a:p>
-            <a:r>
-              <a:rPr lang="zh-CN" altLang="en-US" sz="1600"/>
-              <a:t>  .catch(function (error) {</a:t>
-            </a:r>
-            <a:endParaRPr lang="zh-CN" altLang="en-US" sz="1600"/>
-          </a:p>
-          <a:p>
-            <a:r>
-              <a:rPr lang="zh-CN" altLang="en-US" sz="1600"/>
-              <a:t>    console.log(error);</a:t>
-            </a:r>
-            <a:endParaRPr lang="zh-CN" altLang="en-US" sz="1600"/>
-          </a:p>
-          <a:p>
-            <a:r>
-              <a:rPr lang="zh-CN" altLang="en-US" sz="1600"/>
-              <a:t>  });</a:t>
-            </a:r>
-            <a:endParaRPr lang="zh-CN" altLang="en-US" sz="1600"/>
+              <a:rPr lang="zh-CN" altLang="en-US"/>
+              <a:t>const messages = {</a:t>
+            </a:r>
+            <a:endParaRPr lang="zh-CN" altLang="en-US"/>
+          </a:p>
+          <a:p>
+            <a:r>
+              <a:rPr lang="zh-CN" altLang="en-US"/>
+              <a:t>  en: {</a:t>
+            </a:r>
+            <a:endParaRPr lang="zh-CN" altLang="en-US"/>
+          </a:p>
+          <a:p>
+            <a:r>
+              <a:rPr lang="zh-CN" altLang="en-US"/>
+              <a:t>    message: {</a:t>
+            </a:r>
+            <a:endParaRPr lang="zh-CN" altLang="en-US"/>
+          </a:p>
+          <a:p>
+            <a:r>
+              <a:rPr lang="zh-CN" altLang="en-US"/>
+              <a:t>      hello: '{msg} world'</a:t>
+            </a:r>
+            <a:endParaRPr lang="zh-CN" altLang="en-US"/>
+          </a:p>
+          <a:p>
+            <a:r>
+              <a:rPr lang="zh-CN" altLang="en-US"/>
+              <a:t>    }</a:t>
+            </a:r>
+            <a:endParaRPr lang="zh-CN" altLang="en-US"/>
+          </a:p>
+          <a:p>
+            <a:r>
+              <a:rPr lang="zh-CN" altLang="en-US"/>
+              <a:t>  }</a:t>
+            </a:r>
+            <a:endParaRPr lang="zh-CN" altLang="en-US"/>
+          </a:p>
+          <a:p>
+            <a:r>
+              <a:rPr lang="zh-CN" altLang="en-US"/>
+              <a:t>}</a:t>
+            </a:r>
+            <a:endParaRPr lang="zh-CN" altLang="en-US"/>
           </a:p>
         </p:txBody>
       </p:sp>
@@ -4882,8 +4649,8 @@
         </p:nvSpPr>
         <p:spPr>
           <a:xfrm>
-            <a:off x="6494145" y="1096645"/>
-            <a:ext cx="3846830" cy="3415030"/>
+            <a:off x="3856990" y="2405380"/>
+            <a:ext cx="5184775" cy="368300"/>
           </a:xfrm>
           <a:prstGeom prst="rect">
             <a:avLst/>
@@ -4891,7 +4658,7 @@
           <a:noFill/>
           <a:ln>
             <a:solidFill>
-              <a:srgbClr val="0070C0"/>
+              <a:schemeClr val="accent2"/>
             </a:solidFill>
           </a:ln>
         </p:spPr>
@@ -4902,70 +4669,7 @@
           <a:p>
             <a:r>
               <a:rPr lang="zh-CN" altLang="en-US"/>
-              <a:t>axios.post('/user', {</a:t>
-            </a:r>
-            <a:endParaRPr lang="zh-CN" altLang="en-US"/>
-          </a:p>
-          <a:p>
-            <a:r>
-              <a:rPr lang="zh-CN" altLang="en-US"/>
-              <a:t>    firstName: 'Fred',        // 参数 firstName</a:t>
-            </a:r>
-            <a:endParaRPr lang="zh-CN" altLang="en-US"/>
-          </a:p>
-          <a:p>
-            <a:r>
-              <a:rPr lang="zh-CN" altLang="en-US"/>
-              <a:t>    lastName: 'Flintstone'    // 参数 lastName</a:t>
-            </a:r>
-            <a:endParaRPr lang="zh-CN" altLang="en-US"/>
-          </a:p>
-          <a:p>
-            <a:r>
-              <a:rPr lang="zh-CN" altLang="en-US"/>
-              <a:t>  })</a:t>
-            </a:r>
-            <a:endParaRPr lang="zh-CN" altLang="en-US"/>
-          </a:p>
-          <a:p>
-            <a:r>
-              <a:rPr lang="zh-CN" altLang="en-US"/>
-              <a:t>  .then(function (response) {</a:t>
-            </a:r>
-            <a:endParaRPr lang="zh-CN" altLang="en-US"/>
-          </a:p>
-          <a:p>
-            <a:r>
-              <a:rPr lang="zh-CN" altLang="en-US"/>
-              <a:t>    console.log(response);</a:t>
-            </a:r>
-            <a:endParaRPr lang="zh-CN" altLang="en-US"/>
-          </a:p>
-          <a:p>
-            <a:r>
-              <a:rPr lang="zh-CN" altLang="en-US"/>
-              <a:t>  })</a:t>
-            </a:r>
-            <a:endParaRPr lang="zh-CN" altLang="en-US"/>
-          </a:p>
-          <a:p>
-            <a:r>
-              <a:rPr lang="zh-CN" altLang="en-US"/>
-              <a:t>  .catch(function (error) {</a:t>
-            </a:r>
-            <a:endParaRPr lang="zh-CN" altLang="en-US"/>
-          </a:p>
-          <a:p>
-            <a:r>
-              <a:rPr lang="zh-CN" altLang="en-US"/>
-              <a:t>    console.log(error);</a:t>
-            </a:r>
-            <a:endParaRPr lang="zh-CN" altLang="en-US"/>
-          </a:p>
-          <a:p>
-            <a:r>
-              <a:rPr lang="zh-CN" altLang="en-US"/>
-              <a:t>  });</a:t>
+              <a:t>&lt;p&gt;{{ $t('message.hello', { msg: 'hello' }) }}&lt;/p&gt;</a:t>
             </a:r>
             <a:endParaRPr lang="zh-CN" altLang="en-US"/>
           </a:p>
@@ -4979,8 +4683,8 @@
         </p:nvSpPr>
         <p:spPr>
           <a:xfrm>
-            <a:off x="9942195" y="4746625"/>
-            <a:ext cx="1685925" cy="1753235"/>
+            <a:off x="3856990" y="2881630"/>
+            <a:ext cx="5133975" cy="368300"/>
           </a:xfrm>
           <a:prstGeom prst="rect">
             <a:avLst/>
@@ -4988,7 +4692,7 @@
           <a:noFill/>
           <a:ln>
             <a:solidFill>
-              <a:srgbClr val="0070C0"/>
+              <a:schemeClr val="accent2"/>
             </a:solidFill>
           </a:ln>
         </p:spPr>
@@ -4998,45 +4702,106 @@
           </a:bodyPr>
           <a:p>
             <a:r>
-              <a:rPr lang="en-US" altLang="zh-CN"/>
-              <a:t>response:</a:t>
-            </a:r>
-            <a:endParaRPr lang="en-US" altLang="zh-CN"/>
-          </a:p>
-          <a:p>
-            <a:r>
-              <a:rPr lang="en-US" altLang="zh-CN"/>
-              <a:t>- data: {}</a:t>
-            </a:r>
-            <a:endParaRPr lang="en-US" altLang="zh-CN"/>
-          </a:p>
-          <a:p>
-            <a:r>
-              <a:rPr lang="en-US" altLang="zh-CN"/>
-              <a:t>- status</a:t>
-            </a:r>
-            <a:endParaRPr lang="en-US" altLang="zh-CN"/>
-          </a:p>
-          <a:p>
-            <a:r>
-              <a:rPr lang="en-US" altLang="zh-CN"/>
-              <a:t>- statusText</a:t>
-            </a:r>
-            <a:endParaRPr lang="en-US" altLang="zh-CN"/>
-          </a:p>
-          <a:p>
-            <a:r>
-              <a:rPr lang="en-US" altLang="zh-CN"/>
-              <a:t>- headers: {}</a:t>
-            </a:r>
-            <a:endParaRPr lang="en-US" altLang="zh-CN"/>
-          </a:p>
-          <a:p>
-            <a:r>
-              <a:rPr lang="en-US" altLang="zh-CN"/>
-              <a:t>- config: {}</a:t>
-            </a:r>
-            <a:endParaRPr lang="en-US" altLang="zh-CN"/>
+              <a:rPr lang="zh-CN" altLang="en-US"/>
+              <a:t>&lt;p&gt;{{ $t('message.hello', ['hello']) }}&lt;/p&gt;</a:t>
+            </a:r>
+            <a:endParaRPr lang="zh-CN" altLang="en-US"/>
+          </a:p>
+        </p:txBody>
+      </p:sp>
+      <p:sp>
+        <p:nvSpPr>
+          <p:cNvPr id="7" name="文本框 6"/>
+          <p:cNvSpPr txBox="1"/>
+          <p:nvPr/>
+        </p:nvSpPr>
+        <p:spPr>
+          <a:xfrm>
+            <a:off x="3856990" y="3302000"/>
+            <a:ext cx="5133975" cy="368300"/>
+          </a:xfrm>
+          <a:prstGeom prst="rect">
+            <a:avLst/>
+          </a:prstGeom>
+          <a:noFill/>
+          <a:ln>
+            <a:solidFill>
+              <a:schemeClr val="accent2"/>
+            </a:solidFill>
+          </a:ln>
+        </p:spPr>
+        <p:txBody>
+          <a:bodyPr wrap="square" rtlCol="0">
+            <a:spAutoFit/>
+          </a:bodyPr>
+          <a:p>
+            <a:r>
+              <a:rPr lang="zh-CN" altLang="en-US"/>
+              <a:t>&lt;p v-html="$t('message.hello')"&gt;&lt;/p&gt;</a:t>
+            </a:r>
+            <a:endParaRPr lang="zh-CN" altLang="en-US"/>
+          </a:p>
+        </p:txBody>
+      </p:sp>
+      <p:sp>
+        <p:nvSpPr>
+          <p:cNvPr id="8" name="文本框 7"/>
+          <p:cNvSpPr txBox="1"/>
+          <p:nvPr/>
+        </p:nvSpPr>
+        <p:spPr>
+          <a:xfrm>
+            <a:off x="8669655" y="4206240"/>
+            <a:ext cx="2868930" cy="1753235"/>
+          </a:xfrm>
+          <a:prstGeom prst="rect">
+            <a:avLst/>
+          </a:prstGeom>
+          <a:noFill/>
+          <a:ln>
+            <a:solidFill>
+              <a:schemeClr val="accent2"/>
+            </a:solidFill>
+          </a:ln>
+        </p:spPr>
+        <p:txBody>
+          <a:bodyPr wrap="square" rtlCol="0">
+            <a:spAutoFit/>
+          </a:bodyPr>
+          <a:p>
+            <a:r>
+              <a:rPr lang="zh-CN" altLang="en-US"/>
+              <a:t>const i18n = new VueI18n({</a:t>
+            </a:r>
+            <a:endParaRPr lang="zh-CN" altLang="en-US"/>
+          </a:p>
+          <a:p>
+            <a:r>
+              <a:rPr lang="zh-CN" altLang="en-US"/>
+              <a:t>  locale: 'ja',</a:t>
+            </a:r>
+            <a:endParaRPr lang="zh-CN" altLang="en-US"/>
+          </a:p>
+          <a:p>
+            <a:r>
+              <a:rPr lang="zh-CN" altLang="en-US"/>
+              <a:t>  fallbackLocale: 'en',</a:t>
+            </a:r>
+            <a:endParaRPr lang="zh-CN" altLang="en-US"/>
+          </a:p>
+          <a:p>
+            <a:r>
+              <a:rPr lang="zh-CN" altLang="en-US"/>
+              <a:t>  messages</a:t>
+            </a:r>
+            <a:endParaRPr lang="zh-CN" altLang="en-US"/>
+          </a:p>
+          <a:p>
+            <a:r>
+              <a:rPr lang="zh-CN" altLang="en-US"/>
+              <a:t>})</a:t>
+            </a:r>
+            <a:endParaRPr lang="zh-CN" altLang="en-US"/>
           </a:p>
         </p:txBody>
       </p:sp>
@@ -5074,7 +4839,7 @@
           <a:p>
             <a:r>
               <a:rPr lang="en-US" altLang="zh-CN"/>
-              <a:t>Window</a:t>
+              <a:t>Axios</a:t>
             </a:r>
             <a:endParaRPr lang="en-US" altLang="zh-CN"/>
           </a:p>
@@ -5096,21 +4861,307 @@
           <a:p>
             <a:r>
               <a:rPr lang="en-US" altLang="zh-CN"/>
-              <a:t>window.addEventListener('resize', funcName)</a:t>
-            </a:r>
-            <a:endParaRPr lang="en-US" altLang="zh-CN"/>
-          </a:p>
-          <a:p>
-            <a:r>
-              <a:rPr lang="en-US" altLang="zh-CN"/>
-              <a:t>window.removeEventListener('resize', funcName)</a:t>
-            </a:r>
-            <a:endParaRPr lang="en-US" altLang="zh-CN"/>
-          </a:p>
-          <a:p>
-            <a:r>
-              <a:rPr lang="en-US" altLang="zh-CN"/>
-              <a:t>window.innerWidth, window.innerHeight</a:t>
+              <a:t>npm install axios vue-axios</a:t>
+            </a:r>
+            <a:endParaRPr lang="en-US" altLang="zh-CN"/>
+          </a:p>
+          <a:p>
+            <a:r>
+              <a:rPr lang="en-US" altLang="zh-CN"/>
+              <a:t>request</a:t>
+            </a:r>
+            <a:endParaRPr lang="en-US" altLang="zh-CN"/>
+          </a:p>
+          <a:p>
+            <a:pPr lvl="1"/>
+            <a:r>
+              <a:rPr lang="en-US" altLang="zh-CN" sz="2000"/>
+              <a:t>get, post</a:t>
+            </a:r>
+            <a:endParaRPr lang="en-US" altLang="zh-CN" sz="2000"/>
+          </a:p>
+          <a:p>
+            <a:pPr lvl="0"/>
+            <a:r>
+              <a:rPr lang="en-US" altLang="zh-CN"/>
+              <a:t>response</a:t>
+            </a:r>
+            <a:endParaRPr lang="en-US" altLang="zh-CN"/>
+          </a:p>
+          <a:p>
+            <a:pPr lvl="0"/>
+            <a:r>
+              <a:rPr lang="en-US" altLang="zh-CN"/>
+              <a:t>axios.interceptors.request.use(...)</a:t>
+            </a:r>
+            <a:endParaRPr lang="en-US" altLang="zh-CN"/>
+          </a:p>
+          <a:p>
+            <a:pPr lvl="0"/>
+            <a:r>
+              <a:rPr lang="en-US" altLang="zh-CN"/>
+              <a:t>axios.interceptors.response.use(...)</a:t>
+            </a:r>
+            <a:endParaRPr lang="en-US" altLang="zh-CN"/>
+          </a:p>
+          <a:p>
+            <a:pPr lvl="0"/>
+            <a:r>
+              <a:rPr lang="en-US" altLang="zh-CN"/>
+              <a:t>Serialize</a:t>
+            </a:r>
+            <a:endParaRPr lang="en-US" altLang="zh-CN"/>
+          </a:p>
+          <a:p>
+            <a:pPr lvl="1"/>
+            <a:r>
+              <a:rPr lang="en-US" altLang="zh-CN" sz="2000"/>
+              <a:t>default: json</a:t>
+            </a:r>
+            <a:endParaRPr lang="en-US" altLang="zh-CN"/>
+          </a:p>
+          <a:p>
+            <a:endParaRPr lang="en-US" altLang="zh-CN"/>
+          </a:p>
+        </p:txBody>
+      </p:sp>
+      <p:sp>
+        <p:nvSpPr>
+          <p:cNvPr id="4" name="文本框 3"/>
+          <p:cNvSpPr txBox="1"/>
+          <p:nvPr/>
+        </p:nvSpPr>
+        <p:spPr>
+          <a:xfrm>
+            <a:off x="6494145" y="4746625"/>
+            <a:ext cx="3139440" cy="1814830"/>
+          </a:xfrm>
+          <a:prstGeom prst="rect">
+            <a:avLst/>
+          </a:prstGeom>
+          <a:noFill/>
+          <a:ln>
+            <a:solidFill>
+              <a:srgbClr val="0070C0"/>
+            </a:solidFill>
+          </a:ln>
+        </p:spPr>
+        <p:txBody>
+          <a:bodyPr wrap="square" rtlCol="0">
+            <a:spAutoFit/>
+          </a:bodyPr>
+          <a:p>
+            <a:r>
+              <a:rPr lang="zh-CN" altLang="en-US" sz="1600"/>
+              <a:t>axios.get('/user?ID=12345')</a:t>
+            </a:r>
+            <a:endParaRPr lang="zh-CN" altLang="en-US" sz="1600"/>
+          </a:p>
+          <a:p>
+            <a:r>
+              <a:rPr lang="zh-CN" altLang="en-US" sz="1600"/>
+              <a:t>  .then(function (response) {</a:t>
+            </a:r>
+            <a:endParaRPr lang="zh-CN" altLang="en-US" sz="1600"/>
+          </a:p>
+          <a:p>
+            <a:r>
+              <a:rPr lang="zh-CN" altLang="en-US" sz="1600"/>
+              <a:t>    console.log(response);</a:t>
+            </a:r>
+            <a:endParaRPr lang="zh-CN" altLang="en-US" sz="1600"/>
+          </a:p>
+          <a:p>
+            <a:r>
+              <a:rPr lang="zh-CN" altLang="en-US" sz="1600"/>
+              <a:t>  })</a:t>
+            </a:r>
+            <a:endParaRPr lang="zh-CN" altLang="en-US" sz="1600"/>
+          </a:p>
+          <a:p>
+            <a:r>
+              <a:rPr lang="zh-CN" altLang="en-US" sz="1600"/>
+              <a:t>  .catch(function (error) {</a:t>
+            </a:r>
+            <a:endParaRPr lang="zh-CN" altLang="en-US" sz="1600"/>
+          </a:p>
+          <a:p>
+            <a:r>
+              <a:rPr lang="zh-CN" altLang="en-US" sz="1600"/>
+              <a:t>    console.log(error);</a:t>
+            </a:r>
+            <a:endParaRPr lang="zh-CN" altLang="en-US" sz="1600"/>
+          </a:p>
+          <a:p>
+            <a:r>
+              <a:rPr lang="zh-CN" altLang="en-US" sz="1600"/>
+              <a:t>  });</a:t>
+            </a:r>
+            <a:endParaRPr lang="zh-CN" altLang="en-US" sz="1600"/>
+          </a:p>
+        </p:txBody>
+      </p:sp>
+      <p:sp>
+        <p:nvSpPr>
+          <p:cNvPr id="5" name="文本框 4"/>
+          <p:cNvSpPr txBox="1"/>
+          <p:nvPr/>
+        </p:nvSpPr>
+        <p:spPr>
+          <a:xfrm>
+            <a:off x="6494145" y="1096645"/>
+            <a:ext cx="3846830" cy="3415030"/>
+          </a:xfrm>
+          <a:prstGeom prst="rect">
+            <a:avLst/>
+          </a:prstGeom>
+          <a:noFill/>
+          <a:ln>
+            <a:solidFill>
+              <a:srgbClr val="0070C0"/>
+            </a:solidFill>
+          </a:ln>
+        </p:spPr>
+        <p:txBody>
+          <a:bodyPr wrap="square" rtlCol="0">
+            <a:spAutoFit/>
+          </a:bodyPr>
+          <a:p>
+            <a:r>
+              <a:rPr lang="zh-CN" altLang="en-US"/>
+              <a:t>axios.post('/user', {</a:t>
+            </a:r>
+            <a:endParaRPr lang="zh-CN" altLang="en-US"/>
+          </a:p>
+          <a:p>
+            <a:r>
+              <a:rPr lang="zh-CN" altLang="en-US"/>
+              <a:t>    firstName: 'Fred',        // 参数 firstName</a:t>
+            </a:r>
+            <a:endParaRPr lang="zh-CN" altLang="en-US"/>
+          </a:p>
+          <a:p>
+            <a:r>
+              <a:rPr lang="zh-CN" altLang="en-US"/>
+              <a:t>    lastName: 'Flintstone'    // 参数 lastName</a:t>
+            </a:r>
+            <a:endParaRPr lang="zh-CN" altLang="en-US"/>
+          </a:p>
+          <a:p>
+            <a:r>
+              <a:rPr lang="zh-CN" altLang="en-US"/>
+              <a:t>  })</a:t>
+            </a:r>
+            <a:endParaRPr lang="zh-CN" altLang="en-US"/>
+          </a:p>
+          <a:p>
+            <a:r>
+              <a:rPr lang="zh-CN" altLang="en-US"/>
+              <a:t>  .then(function (response) {</a:t>
+            </a:r>
+            <a:endParaRPr lang="zh-CN" altLang="en-US"/>
+          </a:p>
+          <a:p>
+            <a:r>
+              <a:rPr lang="zh-CN" altLang="en-US"/>
+              <a:t>    console.log(response);</a:t>
+            </a:r>
+            <a:endParaRPr lang="zh-CN" altLang="en-US"/>
+          </a:p>
+          <a:p>
+            <a:r>
+              <a:rPr lang="zh-CN" altLang="en-US"/>
+              <a:t>  })</a:t>
+            </a:r>
+            <a:endParaRPr lang="zh-CN" altLang="en-US"/>
+          </a:p>
+          <a:p>
+            <a:r>
+              <a:rPr lang="zh-CN" altLang="en-US"/>
+              <a:t>  .catch(function (error) {</a:t>
+            </a:r>
+            <a:endParaRPr lang="zh-CN" altLang="en-US"/>
+          </a:p>
+          <a:p>
+            <a:r>
+              <a:rPr lang="zh-CN" altLang="en-US"/>
+              <a:t>    console.log(error);</a:t>
+            </a:r>
+            <a:endParaRPr lang="zh-CN" altLang="en-US"/>
+          </a:p>
+          <a:p>
+            <a:r>
+              <a:rPr lang="zh-CN" altLang="en-US"/>
+              <a:t>  });</a:t>
+            </a:r>
+            <a:endParaRPr lang="zh-CN" altLang="en-US"/>
+          </a:p>
+        </p:txBody>
+      </p:sp>
+      <p:sp>
+        <p:nvSpPr>
+          <p:cNvPr id="6" name="文本框 5"/>
+          <p:cNvSpPr txBox="1"/>
+          <p:nvPr/>
+        </p:nvSpPr>
+        <p:spPr>
+          <a:xfrm>
+            <a:off x="9942195" y="4746625"/>
+            <a:ext cx="1685925" cy="1753235"/>
+          </a:xfrm>
+          <a:prstGeom prst="rect">
+            <a:avLst/>
+          </a:prstGeom>
+          <a:noFill/>
+          <a:ln>
+            <a:solidFill>
+              <a:srgbClr val="0070C0"/>
+            </a:solidFill>
+          </a:ln>
+        </p:spPr>
+        <p:txBody>
+          <a:bodyPr wrap="square" rtlCol="0">
+            <a:spAutoFit/>
+          </a:bodyPr>
+          <a:p>
+            <a:r>
+              <a:rPr lang="en-US" altLang="zh-CN"/>
+              <a:t>response:</a:t>
+            </a:r>
+            <a:endParaRPr lang="en-US" altLang="zh-CN"/>
+          </a:p>
+          <a:p>
+            <a:r>
+              <a:rPr lang="en-US" altLang="zh-CN"/>
+              <a:t>- data: {}</a:t>
+            </a:r>
+            <a:endParaRPr lang="en-US" altLang="zh-CN"/>
+          </a:p>
+          <a:p>
+            <a:r>
+              <a:rPr lang="en-US" altLang="zh-CN"/>
+              <a:t>- status</a:t>
+            </a:r>
+            <a:endParaRPr lang="en-US" altLang="zh-CN"/>
+          </a:p>
+          <a:p>
+            <a:r>
+              <a:rPr lang="en-US" altLang="zh-CN"/>
+              <a:t>- statusText</a:t>
+            </a:r>
+            <a:endParaRPr lang="en-US" altLang="zh-CN"/>
+          </a:p>
+          <a:p>
+            <a:r>
+              <a:rPr lang="en-US" altLang="zh-CN"/>
+              <a:t>- headers: {}</a:t>
+            </a:r>
+            <a:endParaRPr lang="en-US" altLang="zh-CN"/>
+          </a:p>
+          <a:p>
+            <a:r>
+              <a:rPr lang="en-US" altLang="zh-CN"/>
+              <a:t>- config: {}</a:t>
             </a:r>
             <a:endParaRPr lang="en-US" altLang="zh-CN"/>
           </a:p>
@@ -5150,7 +5201,7 @@
           <a:p>
             <a:r>
               <a:rPr lang="en-US" altLang="zh-CN"/>
-              <a:t>Element UI</a:t>
+              <a:t>Window</a:t>
             </a:r>
             <a:endParaRPr lang="en-US" altLang="zh-CN"/>
           </a:p>
@@ -5171,36 +5222,22 @@
           <a:bodyPr/>
           <a:p>
             <a:r>
-              <a:rPr lang="zh-CN" altLang="en-US"/>
-              <a:t>https://element.eleme.cn</a:t>
-            </a:r>
-            <a:endParaRPr lang="zh-CN" altLang="en-US"/>
-          </a:p>
-          <a:p>
-            <a:r>
-              <a:rPr lang="en-US" altLang="zh-CN"/>
-              <a:t>$msgbox(options)</a:t>
-            </a:r>
-            <a:endParaRPr lang="en-US" altLang="zh-CN"/>
-          </a:p>
-          <a:p>
-            <a:r>
-              <a:rPr lang="en-US" altLang="zh-CN"/>
-              <a:t>$alert(message, title, options)</a:t>
-            </a:r>
-            <a:endParaRPr lang="en-US" altLang="zh-CN"/>
-          </a:p>
-          <a:p>
-            <a:r>
-              <a:rPr lang="en-US" altLang="zh-CN"/>
-              <a:t>$confirm(message, title, options)</a:t>
-            </a:r>
-            <a:endParaRPr lang="en-US" altLang="zh-CN"/>
-          </a:p>
-          <a:p>
-            <a:r>
-              <a:rPr lang="en-US" altLang="zh-CN"/>
-              <a:t>$prompt(message, title, options)	// prompt input</a:t>
+              <a:rPr lang="en-US" altLang="zh-CN"/>
+              <a:t>window.addEventListener('resize', funcName)</a:t>
+            </a:r>
+            <a:endParaRPr lang="en-US" altLang="zh-CN"/>
+          </a:p>
+          <a:p>
+            <a:r>
+              <a:rPr lang="en-US" altLang="zh-CN"/>
+              <a:t>window.removeEventListener('resize', funcName)</a:t>
+            </a:r>
+            <a:endParaRPr lang="en-US" altLang="zh-CN"/>
+          </a:p>
+          <a:p>
+            <a:r>
+              <a:rPr lang="en-US" altLang="zh-CN"/>
+              <a:t>window.innerWidth, window.innerHeight</a:t>
             </a:r>
             <a:endParaRPr lang="en-US" altLang="zh-CN"/>
           </a:p>
@@ -5240,7 +5277,7 @@
           <a:p>
             <a:r>
               <a:rPr lang="en-US" altLang="zh-CN"/>
-              <a:t>Vue-devtools</a:t>
+              <a:t>Element UI</a:t>
             </a:r>
             <a:endParaRPr lang="en-US" altLang="zh-CN"/>
           </a:p>
@@ -5261,85 +5298,41 @@
           <a:bodyPr/>
           <a:p>
             <a:r>
-              <a:rPr lang="en-US" altLang="zh-CN"/>
-              <a:t>git clone </a:t>
-            </a:r>
-            <a:r>
               <a:rPr lang="zh-CN" altLang="en-US"/>
-              <a:t>https://github.com/vuejs/vue-devtools</a:t>
+              <a:t>https://element.eleme.cn</a:t>
             </a:r>
             <a:endParaRPr lang="zh-CN" altLang="en-US"/>
           </a:p>
           <a:p>
             <a:r>
               <a:rPr lang="en-US" altLang="zh-CN"/>
-              <a:t>cd vue-devtools</a:t>
-            </a:r>
-            <a:endParaRPr lang="en-US" altLang="zh-CN"/>
-          </a:p>
-          <a:p>
-            <a:r>
-              <a:rPr lang="en-US" altLang="zh-CN"/>
-              <a:t>cnpm install</a:t>
-            </a:r>
-            <a:endParaRPr lang="en-US" altLang="zh-CN"/>
-          </a:p>
-          <a:p>
-            <a:r>
-              <a:rPr lang="en-US" altLang="zh-CN"/>
-              <a:t>npm run build</a:t>
-            </a:r>
-            <a:endParaRPr lang="en-US" altLang="zh-CN"/>
-          </a:p>
-          <a:p>
-            <a:r>
-              <a:rPr lang="en-US" altLang="zh-CN"/>
-              <a:t>open chrome://extensions/ in Chrome</a:t>
-            </a:r>
-            <a:endParaRPr lang="en-US" altLang="zh-CN"/>
-          </a:p>
-          <a:p>
-            <a:endParaRPr lang="en-US" altLang="zh-CN"/>
-          </a:p>
-          <a:p>
-            <a:r>
-              <a:rPr lang="en-US" altLang="zh-CN"/>
-              <a:t>Select vue-devtools/shells/chrome folder</a:t>
-            </a:r>
-            <a:endParaRPr lang="en-US" altLang="zh-CN"/>
-          </a:p>
-          <a:p>
-            <a:endParaRPr lang="en-US" altLang="zh-CN"/>
-          </a:p>
-          <a:p>
-            <a:endParaRPr lang="zh-CN" altLang="en-US"/>
-          </a:p>
-        </p:txBody>
-      </p:sp>
-      <p:pic>
-        <p:nvPicPr>
-          <p:cNvPr id="4" name="图片 3"/>
-          <p:cNvPicPr>
-            <a:picLocks noChangeAspect="1"/>
-          </p:cNvPicPr>
-          <p:nvPr/>
-        </p:nvPicPr>
-        <p:blipFill>
-          <a:blip r:embed="rId1"/>
-          <a:stretch>
-            <a:fillRect/>
-          </a:stretch>
-        </p:blipFill>
-        <p:spPr>
-          <a:xfrm>
-            <a:off x="1139190" y="3563620"/>
-            <a:ext cx="1704975" cy="390525"/>
-          </a:xfrm>
-          <a:prstGeom prst="rect">
-            <a:avLst/>
-          </a:prstGeom>
-        </p:spPr>
-      </p:pic>
+              <a:t>$msgbox(options)</a:t>
+            </a:r>
+            <a:endParaRPr lang="en-US" altLang="zh-CN"/>
+          </a:p>
+          <a:p>
+            <a:r>
+              <a:rPr lang="en-US" altLang="zh-CN"/>
+              <a:t>$alert(message, title, options)</a:t>
+            </a:r>
+            <a:endParaRPr lang="en-US" altLang="zh-CN"/>
+          </a:p>
+          <a:p>
+            <a:r>
+              <a:rPr lang="en-US" altLang="zh-CN"/>
+              <a:t>$confirm(message, title, options)</a:t>
+            </a:r>
+            <a:endParaRPr lang="en-US" altLang="zh-CN"/>
+          </a:p>
+          <a:p>
+            <a:r>
+              <a:rPr lang="en-US" altLang="zh-CN"/>
+              <a:t>$prompt(message, title, options)	// prompt input</a:t>
+            </a:r>
+            <a:endParaRPr lang="en-US" altLang="zh-CN"/>
+          </a:p>
+        </p:txBody>
+      </p:sp>
     </p:spTree>
   </p:cSld>
   <p:clrMapOvr>
@@ -6345,13 +6338,118 @@
             <p:ph idx="1"/>
           </p:nvPr>
         </p:nvSpPr>
-        <p:spPr/>
+        <p:spPr>
+          <a:xfrm>
+            <a:off x="838200" y="1211580"/>
+            <a:ext cx="5940425" cy="4549140"/>
+          </a:xfrm>
+        </p:spPr>
         <p:txBody>
           <a:bodyPr/>
           <a:p>
             <a:r>
               <a:rPr lang="en-US" altLang="zh-CN"/>
               <a:t>vue ui</a:t>
+            </a:r>
+            <a:endParaRPr lang="en-US" altLang="zh-CN"/>
+          </a:p>
+        </p:txBody>
+      </p:sp>
+      <p:sp>
+        <p:nvSpPr>
+          <p:cNvPr id="4" name="文本框 3"/>
+          <p:cNvSpPr txBox="1"/>
+          <p:nvPr/>
+        </p:nvSpPr>
+        <p:spPr>
+          <a:xfrm>
+            <a:off x="6962140" y="1721485"/>
+            <a:ext cx="4784725" cy="3415030"/>
+          </a:xfrm>
+          <a:prstGeom prst="rect">
+            <a:avLst/>
+          </a:prstGeom>
+          <a:noFill/>
+          <a:ln>
+            <a:solidFill>
+              <a:srgbClr val="FFC000"/>
+            </a:solidFill>
+          </a:ln>
+        </p:spPr>
+        <p:txBody>
+          <a:bodyPr wrap="square" rtlCol="0">
+            <a:spAutoFit/>
+          </a:bodyPr>
+          <a:p>
+            <a:r>
+              <a:rPr lang="en-US" altLang="zh-CN"/>
+              <a:t>Drop console when release:</a:t>
+            </a:r>
+            <a:endParaRPr lang="en-US" altLang="zh-CN"/>
+          </a:p>
+          <a:p>
+            <a:r>
+              <a:rPr lang="en-US" altLang="zh-CN"/>
+              <a:t>build/webpack.prod.conf.js</a:t>
+            </a:r>
+            <a:endParaRPr lang="en-US" altLang="zh-CN"/>
+          </a:p>
+          <a:p>
+            <a:endParaRPr lang="en-US" altLang="zh-CN"/>
+          </a:p>
+          <a:p>
+            <a:r>
+              <a:rPr lang="en-US" altLang="zh-CN"/>
+              <a:t>	new UglifyJsPlugin({</a:t>
+            </a:r>
+            <a:endParaRPr lang="en-US" altLang="zh-CN"/>
+          </a:p>
+          <a:p>
+            <a:r>
+              <a:rPr lang="en-US" altLang="zh-CN"/>
+              <a:t>  		uglifyOptions: {</a:t>
+            </a:r>
+            <a:endParaRPr lang="en-US" altLang="zh-CN"/>
+          </a:p>
+          <a:p>
+            <a:r>
+              <a:rPr lang="en-US" altLang="zh-CN"/>
+              <a:t>    	compress: {</a:t>
+            </a:r>
+            <a:endParaRPr lang="en-US" altLang="zh-CN"/>
+          </a:p>
+          <a:p>
+            <a:r>
+              <a:rPr lang="en-US" altLang="zh-CN"/>
+              <a:t>      	warnings: false,</a:t>
+            </a:r>
+            <a:endParaRPr lang="en-US" altLang="zh-CN"/>
+          </a:p>
+          <a:p>
+            <a:r>
+              <a:rPr lang="en-US" altLang="zh-CN"/>
+              <a:t>      	drop_debugger: true, </a:t>
+            </a:r>
+            <a:endParaRPr lang="en-US" altLang="zh-CN"/>
+          </a:p>
+          <a:p>
+            <a:r>
+              <a:rPr lang="en-US" altLang="zh-CN"/>
+              <a:t>      	drop_console: true // 打包之后关闭console.log</a:t>
+            </a:r>
+            <a:endParaRPr lang="en-US" altLang="zh-CN"/>
+          </a:p>
+          <a:p>
+            <a:r>
+              <a:rPr lang="en-US" altLang="zh-CN"/>
+              <a:t>   	 }</a:t>
+            </a:r>
+            <a:endParaRPr lang="en-US" altLang="zh-CN"/>
+          </a:p>
+          <a:p>
+            <a:r>
+              <a:rPr lang="en-US" altLang="zh-CN"/>
+              <a:t>  	},</a:t>
             </a:r>
             <a:endParaRPr lang="en-US" altLang="zh-CN"/>
           </a:p>
@@ -6369,6 +6467,248 @@
 </file>
 
 <file path=ppt/slides/slide5.xml><?xml version="1.0" encoding="utf-8"?>
+<p:sld xmlns:a="http://schemas.openxmlformats.org/drawingml/2006/main" xmlns:r="http://schemas.openxmlformats.org/officeDocument/2006/relationships" xmlns:p="http://schemas.openxmlformats.org/presentationml/2006/main">
+  <p:cSld>
+    <p:spTree>
+      <p:nvGrpSpPr>
+        <p:cNvPr id="1" name=""/>
+        <p:cNvGrpSpPr/>
+        <p:nvPr/>
+      </p:nvGrpSpPr>
+      <p:grpSpPr/>
+      <p:sp>
+        <p:nvSpPr>
+          <p:cNvPr id="2" name="标题 1"/>
+          <p:cNvSpPr>
+            <a:spLocks noGrp="1"/>
+          </p:cNvSpPr>
+          <p:nvPr>
+            <p:ph type="title"/>
+          </p:nvPr>
+        </p:nvSpPr>
+        <p:spPr/>
+        <p:txBody>
+          <a:bodyPr/>
+          <a:p>
+            <a:r>
+              <a:rPr lang="en-US" altLang="zh-CN"/>
+              <a:t>Debug</a:t>
+            </a:r>
+            <a:endParaRPr lang="en-US" altLang="zh-CN"/>
+          </a:p>
+        </p:txBody>
+      </p:sp>
+      <p:sp>
+        <p:nvSpPr>
+          <p:cNvPr id="3" name="内容占位符 2"/>
+          <p:cNvSpPr>
+            <a:spLocks noGrp="1"/>
+          </p:cNvSpPr>
+          <p:nvPr>
+            <p:ph idx="1"/>
+          </p:nvPr>
+        </p:nvSpPr>
+        <p:spPr/>
+        <p:txBody>
+          <a:bodyPr/>
+          <a:p>
+            <a:r>
+              <a:rPr lang="en-US" altLang="zh-CN"/>
+              <a:t>npm run dev</a:t>
+            </a:r>
+            <a:endParaRPr lang="en-US" altLang="zh-CN"/>
+          </a:p>
+          <a:p>
+            <a:r>
+              <a:rPr lang="en-US" altLang="zh-CN"/>
+              <a:t>Vue-devtools</a:t>
+            </a:r>
+            <a:endParaRPr lang="en-US" altLang="zh-CN"/>
+          </a:p>
+          <a:p>
+            <a:pPr lvl="1"/>
+            <a:r>
+              <a:rPr lang="en-US" altLang="zh-CN">
+                <a:sym typeface="+mn-ea"/>
+              </a:rPr>
+              <a:t>Install</a:t>
+            </a:r>
+            <a:endParaRPr lang="en-US" altLang="zh-CN">
+              <a:sym typeface="+mn-ea"/>
+            </a:endParaRPr>
+          </a:p>
+          <a:p>
+            <a:pPr lvl="2"/>
+            <a:r>
+              <a:rPr lang="en-US" altLang="zh-CN">
+                <a:sym typeface="+mn-ea"/>
+              </a:rPr>
+              <a:t>git clone </a:t>
+            </a:r>
+            <a:r>
+              <a:rPr lang="zh-CN" altLang="en-US">
+                <a:sym typeface="+mn-ea"/>
+              </a:rPr>
+              <a:t>https://github.com/vuejs/vue-devtools</a:t>
+            </a:r>
+            <a:endParaRPr lang="zh-CN" altLang="en-US"/>
+          </a:p>
+          <a:p>
+            <a:pPr lvl="2"/>
+            <a:r>
+              <a:rPr lang="en-US" altLang="zh-CN">
+                <a:sym typeface="+mn-ea"/>
+              </a:rPr>
+              <a:t>cd vue-devtools</a:t>
+            </a:r>
+            <a:endParaRPr lang="en-US" altLang="zh-CN"/>
+          </a:p>
+          <a:p>
+            <a:pPr lvl="2"/>
+            <a:r>
+              <a:rPr lang="en-US" altLang="zh-CN">
+                <a:sym typeface="+mn-ea"/>
+              </a:rPr>
+              <a:t>cnpm install</a:t>
+            </a:r>
+            <a:endParaRPr lang="en-US" altLang="zh-CN"/>
+          </a:p>
+          <a:p>
+            <a:pPr lvl="2"/>
+            <a:r>
+              <a:rPr lang="en-US" altLang="zh-CN">
+                <a:sym typeface="+mn-ea"/>
+              </a:rPr>
+              <a:t>npm run build</a:t>
+            </a:r>
+            <a:endParaRPr lang="en-US" altLang="zh-CN"/>
+          </a:p>
+          <a:p>
+            <a:pPr lvl="2"/>
+            <a:r>
+              <a:rPr lang="en-US" altLang="zh-CN">
+                <a:sym typeface="+mn-ea"/>
+              </a:rPr>
+              <a:t>open chrome://extensions/ in Chrome</a:t>
+            </a:r>
+            <a:endParaRPr lang="en-US" altLang="zh-CN"/>
+          </a:p>
+          <a:p>
+            <a:pPr lvl="2"/>
+            <a:r>
+              <a:rPr lang="zh-CN" altLang="en-US">
+                <a:sym typeface="+mn-ea"/>
+              </a:rPr>
+              <a:t>打开</a:t>
+            </a:r>
+            <a:r>
+              <a:rPr lang="en-US" altLang="zh-CN">
+                <a:sym typeface="+mn-ea"/>
+              </a:rPr>
+              <a:t>“</a:t>
+            </a:r>
+            <a:r>
+              <a:rPr lang="zh-CN" altLang="en-US">
+                <a:sym typeface="+mn-ea"/>
+              </a:rPr>
+              <a:t>开发者模式</a:t>
+            </a:r>
+            <a:r>
+              <a:rPr lang="en-US" altLang="zh-CN">
+                <a:sym typeface="+mn-ea"/>
+              </a:rPr>
+              <a:t>”</a:t>
+            </a:r>
+            <a:endParaRPr lang="en-US" altLang="zh-CN"/>
+          </a:p>
+          <a:p>
+            <a:pPr lvl="2"/>
+            <a:r>
+              <a:rPr lang="en-US" altLang="zh-CN">
+                <a:sym typeface="+mn-ea"/>
+              </a:rPr>
+              <a:t>Select vue-devtools/shells/chrome folder</a:t>
+            </a:r>
+            <a:endParaRPr lang="en-US" altLang="zh-CN">
+              <a:sym typeface="+mn-ea"/>
+            </a:endParaRPr>
+          </a:p>
+          <a:p>
+            <a:pPr lvl="1"/>
+            <a:r>
+              <a:rPr lang="en-US" altLang="zh-CN" sz="2000">
+                <a:sym typeface="+mn-ea"/>
+              </a:rPr>
+              <a:t>Use</a:t>
+            </a:r>
+            <a:endParaRPr lang="en-US" altLang="zh-CN" sz="2000">
+              <a:sym typeface="+mn-ea"/>
+            </a:endParaRPr>
+          </a:p>
+          <a:p>
+            <a:pPr lvl="2"/>
+            <a:r>
+              <a:rPr lang="en-US" altLang="zh-CN" sz="1800">
+                <a:sym typeface="+mn-ea"/>
+              </a:rPr>
+              <a:t>Open vue debug page (localhost:8080)</a:t>
+            </a:r>
+            <a:endParaRPr lang="en-US" altLang="zh-CN" sz="1800">
+              <a:sym typeface="+mn-ea"/>
+            </a:endParaRPr>
+          </a:p>
+          <a:p>
+            <a:pPr lvl="2"/>
+            <a:r>
+              <a:rPr lang="en-US" altLang="zh-CN" sz="1800">
+                <a:sym typeface="+mn-ea"/>
+              </a:rPr>
+              <a:t>F12, Vue tab</a:t>
+            </a:r>
+            <a:endParaRPr lang="en-US" altLang="zh-CN"/>
+          </a:p>
+          <a:p>
+            <a:pPr lvl="1"/>
+            <a:endParaRPr lang="en-US" altLang="zh-CN"/>
+          </a:p>
+        </p:txBody>
+      </p:sp>
+      <p:pic>
+        <p:nvPicPr>
+          <p:cNvPr id="4" name="图片 3"/>
+          <p:cNvPicPr>
+            <a:picLocks noChangeAspect="1"/>
+          </p:cNvPicPr>
+          <p:nvPr/>
+        </p:nvPicPr>
+        <p:blipFill>
+          <a:blip r:embed="rId1"/>
+          <a:stretch>
+            <a:fillRect/>
+          </a:stretch>
+        </p:blipFill>
+        <p:spPr>
+          <a:xfrm>
+            <a:off x="4281170" y="3914775"/>
+            <a:ext cx="1704975" cy="390525"/>
+          </a:xfrm>
+          <a:prstGeom prst="rect">
+            <a:avLst/>
+          </a:prstGeom>
+        </p:spPr>
+      </p:pic>
+    </p:spTree>
+    <p:custDataLst>
+      <p:tags r:id="rId2"/>
+    </p:custDataLst>
+  </p:cSld>
+  <p:clrMapOvr>
+    <a:masterClrMapping/>
+  </p:clrMapOvr>
+</p:sld>
+</file>
+
+<file path=ppt/slides/slide6.xml><?xml version="1.0" encoding="utf-8"?>
 <p:sld xmlns:a="http://schemas.openxmlformats.org/drawingml/2006/main" xmlns:r="http://schemas.openxmlformats.org/officeDocument/2006/relationships" xmlns:p="http://schemas.openxmlformats.org/presentationml/2006/main">
   <p:cSld>
     <p:spTree>
@@ -7269,7 +7609,7 @@
 </p:sld>
 </file>
 
-<file path=ppt/slides/slide6.xml><?xml version="1.0" encoding="utf-8"?>
+<file path=ppt/slides/slide7.xml><?xml version="1.0" encoding="utf-8"?>
 <p:sld xmlns:a="http://schemas.openxmlformats.org/drawingml/2006/main" xmlns:r="http://schemas.openxmlformats.org/officeDocument/2006/relationships" xmlns:p="http://schemas.openxmlformats.org/presentationml/2006/main">
   <p:cSld>
     <p:spTree>
@@ -7546,100 +7886,6 @@
 </p:sld>
 </file>
 
-<file path=ppt/slides/slide7.xml><?xml version="1.0" encoding="utf-8"?>
-<p:sld xmlns:a="http://schemas.openxmlformats.org/drawingml/2006/main" xmlns:r="http://schemas.openxmlformats.org/officeDocument/2006/relationships" xmlns:p="http://schemas.openxmlformats.org/presentationml/2006/main">
-  <p:cSld>
-    <p:spTree>
-      <p:nvGrpSpPr>
-        <p:cNvPr id="1" name=""/>
-        <p:cNvGrpSpPr/>
-        <p:nvPr/>
-      </p:nvGrpSpPr>
-      <p:grpSpPr/>
-      <p:sp>
-        <p:nvSpPr>
-          <p:cNvPr id="2" name="Title 1"/>
-          <p:cNvSpPr>
-            <a:spLocks noGrp="1"/>
-          </p:cNvSpPr>
-          <p:nvPr>
-            <p:ph type="title"/>
-          </p:nvPr>
-        </p:nvSpPr>
-        <p:spPr/>
-        <p:txBody>
-          <a:bodyPr/>
-          <a:p>
-            <a:r>
-              <a:rPr lang="en-US" altLang="en-US"/>
-              <a:t>Component</a:t>
-            </a:r>
-            <a:endParaRPr lang="en-US" altLang="en-US"/>
-          </a:p>
-        </p:txBody>
-      </p:sp>
-      <p:sp>
-        <p:nvSpPr>
-          <p:cNvPr id="3" name="Content Placeholder 2"/>
-          <p:cNvSpPr>
-            <a:spLocks noGrp="1"/>
-          </p:cNvSpPr>
-          <p:nvPr>
-            <p:ph idx="1"/>
-          </p:nvPr>
-        </p:nvSpPr>
-        <p:spPr/>
-        <p:txBody>
-          <a:bodyPr/>
-          <a:p>
-            <a:r>
-              <a:rPr lang="en-US" altLang="en-US"/>
-              <a:t>Global registration</a:t>
-            </a:r>
-            <a:endParaRPr lang="en-US" altLang="en-US"/>
-          </a:p>
-          <a:p>
-            <a:pPr lvl="1"/>
-            <a:r>
-              <a:rPr lang="en-US" altLang="en-US"/>
-              <a:t>Vue.component('component-name', {data: ..., props: ..., template: ...})</a:t>
-            </a:r>
-            <a:endParaRPr lang="en-US" altLang="en-US"/>
-          </a:p>
-          <a:p>
-            <a:pPr lvl="2"/>
-            <a:r>
-              <a:rPr lang="en-US" altLang="en-US"/>
-              <a:t>HTML component</a:t>
-            </a:r>
-            <a:endParaRPr lang="en-US" altLang="en-US"/>
-          </a:p>
-          <a:p>
-            <a:pPr lvl="2"/>
-            <a:r>
-              <a:rPr lang="en-US" altLang="en-US"/>
-              <a:t>Encapsulate and reuse</a:t>
-            </a:r>
-            <a:endParaRPr lang="en-US" altLang="en-US"/>
-          </a:p>
-          <a:p>
-            <a:pPr lvl="2"/>
-            <a:r>
-              <a:rPr lang="en-US" altLang="en-US"/>
-              <a:t>data: must be function</a:t>
-            </a:r>
-            <a:endParaRPr lang="en-US" altLang="en-US"/>
-          </a:p>
-        </p:txBody>
-      </p:sp>
-    </p:spTree>
-  </p:cSld>
-  <p:clrMapOvr>
-    <a:masterClrMapping/>
-  </p:clrMapOvr>
-</p:sld>
-</file>
-
 <file path=ppt/slides/slide8.xml><?xml version="1.0" encoding="utf-8"?>
 <p:sld xmlns:a="http://schemas.openxmlformats.org/drawingml/2006/main" xmlns:r="http://schemas.openxmlformats.org/officeDocument/2006/relationships" xmlns:p="http://schemas.openxmlformats.org/presentationml/2006/main">
   <p:cSld>
@@ -7652,7 +7898,7 @@
       <p:grpSpPr/>
       <p:sp>
         <p:nvSpPr>
-          <p:cNvPr id="2" name="标题 1"/>
+          <p:cNvPr id="2" name="Title 1"/>
           <p:cNvSpPr>
             <a:spLocks noGrp="1"/>
           </p:cNvSpPr>
@@ -7665,16 +7911,16 @@
           <a:bodyPr/>
           <a:p>
             <a:r>
-              <a:rPr lang="en-US" altLang="zh-CN"/>
-              <a:t>Props</a:t>
-            </a:r>
-            <a:endParaRPr lang="en-US" altLang="zh-CN"/>
-          </a:p>
-        </p:txBody>
-      </p:sp>
-      <p:sp>
-        <p:nvSpPr>
-          <p:cNvPr id="3" name="内容占位符 2"/>
+              <a:rPr lang="en-US" altLang="en-US"/>
+              <a:t>Component</a:t>
+            </a:r>
+            <a:endParaRPr lang="en-US" altLang="en-US"/>
+          </a:p>
+        </p:txBody>
+      </p:sp>
+      <p:sp>
+        <p:nvSpPr>
+          <p:cNvPr id="3" name="Content Placeholder 2"/>
           <p:cNvSpPr>
             <a:spLocks noGrp="1"/>
           </p:cNvSpPr>
@@ -7687,34 +7933,42 @@
           <a:bodyPr/>
           <a:p>
             <a:r>
-              <a:rPr lang="en-US" altLang="zh-CN"/>
-              <a:t>Concept</a:t>
-            </a:r>
-            <a:endParaRPr lang="en-US" altLang="zh-CN"/>
+              <a:rPr lang="en-US" altLang="en-US"/>
+              <a:t>Global registration</a:t>
+            </a:r>
+            <a:endParaRPr lang="en-US" altLang="en-US"/>
           </a:p>
           <a:p>
             <a:pPr lvl="1"/>
             <a:r>
-              <a:rPr lang="en-US" altLang="zh-CN"/>
-              <a:t>one-way-down binding</a:t>
-            </a:r>
-            <a:endParaRPr lang="en-US" altLang="zh-CN"/>
+              <a:rPr lang="en-US" altLang="en-US"/>
+              <a:t>Vue.component('component-name', {data: ..., props: ..., template: ...})</a:t>
+            </a:r>
+            <a:endParaRPr lang="en-US" altLang="en-US"/>
           </a:p>
           <a:p>
             <a:pPr lvl="2"/>
             <a:r>
-              <a:rPr lang="en-US" altLang="zh-CN"/>
-              <a:t>When the parent property update, it will flow down to the child.</a:t>
-            </a:r>
-            <a:endParaRPr lang="en-US" altLang="zh-CN"/>
+              <a:rPr lang="en-US" altLang="en-US"/>
+              <a:t>HTML component</a:t>
+            </a:r>
+            <a:endParaRPr lang="en-US" altLang="en-US"/>
           </a:p>
           <a:p>
             <a:pPr lvl="2"/>
             <a:r>
-              <a:rPr lang="en-US" altLang="zh-CN"/>
-              <a:t>But not the other way around</a:t>
-            </a:r>
-            <a:endParaRPr lang="en-US" altLang="zh-CN"/>
+              <a:rPr lang="en-US" altLang="en-US"/>
+              <a:t>Encapsulate and reuse</a:t>
+            </a:r>
+            <a:endParaRPr lang="en-US" altLang="en-US"/>
+          </a:p>
+          <a:p>
+            <a:pPr lvl="2"/>
+            <a:r>
+              <a:rPr lang="en-US" altLang="en-US"/>
+              <a:t>data: must be function</a:t>
+            </a:r>
+            <a:endParaRPr lang="en-US" altLang="en-US"/>
           </a:p>
         </p:txBody>
       </p:sp>
@@ -7752,7 +8006,7 @@
           <a:p>
             <a:r>
               <a:rPr lang="en-US" altLang="zh-CN"/>
-              <a:t>Additional Tools &amp; Plugins</a:t>
+              <a:t>Props</a:t>
             </a:r>
             <a:endParaRPr lang="en-US" altLang="zh-CN"/>
           </a:p>
@@ -7774,78 +8028,37 @@
           <a:p>
             <a:r>
               <a:rPr lang="en-US" altLang="zh-CN"/>
-              <a:t>vue-router</a:t>
+              <a:t>Concept</a:t>
             </a:r>
             <a:endParaRPr lang="en-US" altLang="zh-CN"/>
           </a:p>
           <a:p>
             <a:pPr lvl="1"/>
-            <a:endParaRPr lang="en-US" altLang="zh-CN"/>
-          </a:p>
-          <a:p>
-            <a:r>
-              <a:rPr lang="en-US" altLang="zh-CN"/>
-              <a:t>vue-resource</a:t>
-            </a:r>
-            <a:endParaRPr lang="en-US" altLang="zh-CN"/>
-          </a:p>
-          <a:p>
-            <a:r>
-              <a:rPr lang="en-US" altLang="en-US"/>
-              <a:t>vuex</a:t>
-            </a:r>
-            <a:endParaRPr lang="en-US" altLang="en-US"/>
-          </a:p>
-          <a:p>
-            <a:pPr lvl="1"/>
-            <a:r>
-              <a:rPr lang="en-US" altLang="en-US" sz="2000"/>
-              <a:t>Store</a:t>
-            </a:r>
-            <a:endParaRPr lang="en-US" altLang="en-US"/>
-          </a:p>
-          <a:p>
-            <a:r>
-              <a:rPr lang="en-US" altLang="zh-CN"/>
-              <a:t>vue-async-data</a:t>
-            </a:r>
-            <a:endParaRPr lang="en-US" altLang="zh-CN"/>
-          </a:p>
-          <a:p>
-            <a:r>
-              <a:rPr lang="en-US" altLang="zh-CN"/>
-              <a:t>vue-validator</a:t>
-            </a:r>
-            <a:endParaRPr lang="en-US" altLang="zh-CN"/>
-          </a:p>
-          <a:p>
-            <a:r>
-              <a:rPr lang="en-US" altLang="zh-CN"/>
-              <a:t>vue-devtools</a:t>
-            </a:r>
-            <a:endParaRPr lang="en-US" altLang="zh-CN"/>
-          </a:p>
-          <a:p>
-            <a:pPr lvl="1"/>
-            <a:r>
-              <a:rPr lang="en-US" altLang="en-US"/>
-              <a:t>Chrome extension, Firefox addon</a:t>
-            </a:r>
-            <a:endParaRPr lang="en-US" altLang="zh-CN"/>
-          </a:p>
-          <a:p>
-            <a:r>
-              <a:rPr lang="en-US" altLang="zh-CN"/>
-              <a:t>vue-touch</a:t>
+            <a:r>
+              <a:rPr lang="en-US" altLang="zh-CN"/>
+              <a:t>one-way-down binding</a:t>
+            </a:r>
+            <a:endParaRPr lang="en-US" altLang="zh-CN"/>
+          </a:p>
+          <a:p>
+            <a:pPr lvl="2"/>
+            <a:r>
+              <a:rPr lang="en-US" altLang="zh-CN"/>
+              <a:t>When the parent property update, it will flow down to the child.</a:t>
+            </a:r>
+            <a:endParaRPr lang="en-US" altLang="zh-CN"/>
+          </a:p>
+          <a:p>
+            <a:pPr lvl="2"/>
+            <a:r>
+              <a:rPr lang="en-US" altLang="zh-CN"/>
+              <a:t>But not the other way around</a:t>
             </a:r>
             <a:endParaRPr lang="en-US" altLang="zh-CN"/>
           </a:p>
         </p:txBody>
       </p:sp>
     </p:spTree>
-    <p:custDataLst>
-      <p:tags r:id="rId1"/>
-    </p:custDataLst>
   </p:cSld>
   <p:clrMapOvr>
     <a:masterClrMapping/>
@@ -7863,11 +8076,19 @@
 
 <file path=ppt/tags/tag10.xml><?xml version="1.0" encoding="utf-8"?>
 <p:tagLst xmlns:p="http://schemas.openxmlformats.org/presentationml/2006/main">
+  <p:tag name="KSO_WM_BEAUTIFY_FLAG" val="#wm#"/>
+  <p:tag name="KSO_WM_TEMPLATE_CATEGORY" val="custom"/>
+  <p:tag name="KSO_WM_TEMPLATE_INDEX" val="160402"/>
+</p:tagLst>
+</file>
+
+<file path=ppt/tags/tag11.xml><?xml version="1.0" encoding="utf-8"?>
+<p:tagLst xmlns:p="http://schemas.openxmlformats.org/presentationml/2006/main">
   <p:tag name="KSO_WM_UNIT_TABLE_BEAUTIFY" val="smartTable{4d037d77-00c1-412e-a2bd-1ef68d8f08b5}"/>
 </p:tagLst>
 </file>
 
-<file path=ppt/tags/tag11.xml><?xml version="1.0" encoding="utf-8"?>
+<file path=ppt/tags/tag12.xml><?xml version="1.0" encoding="utf-8"?>
 <p:tagLst xmlns:p="http://schemas.openxmlformats.org/presentationml/2006/main">
   <p:tag name="KSO_WM_TAG_VERSION" val="1.0"/>
   <p:tag name="KSO_WM_BEAUTIFY_FLAG" val="#wm#"/>
@@ -7887,7 +8108,7 @@
 </p:tagLst>
 </file>
 
-<file path=ppt/tags/tag12.xml><?xml version="1.0" encoding="utf-8"?>
+<file path=ppt/tags/tag13.xml><?xml version="1.0" encoding="utf-8"?>
 <p:tagLst xmlns:p="http://schemas.openxmlformats.org/presentationml/2006/main">
   <p:tag name="KSO_WM_TAG_VERSION" val="1.0"/>
   <p:tag name="KSO_WM_BEAUTIFY_FLAG" val="#wm#"/>
@@ -7907,7 +8128,7 @@
 </p:tagLst>
 </file>
 
-<file path=ppt/tags/tag13.xml><?xml version="1.0" encoding="utf-8"?>
+<file path=ppt/tags/tag14.xml><?xml version="1.0" encoding="utf-8"?>
 <p:tagLst xmlns:p="http://schemas.openxmlformats.org/presentationml/2006/main">
   <p:tag name="KSO_WM_TEMPLATE_THUMBS_INDEX" val="1、9、12、16、19、20、24、27、28"/>
   <p:tag name="KSO_WM_TEMPLATE_CATEGORY" val="custom"/>
@@ -7923,7 +8144,7 @@
 </p:tagLst>
 </file>
 
-<file path=ppt/tags/tag14.xml><?xml version="1.0" encoding="utf-8"?>
+<file path=ppt/tags/tag15.xml><?xml version="1.0" encoding="utf-8"?>
 <p:tagLst xmlns:p="http://schemas.openxmlformats.org/presentationml/2006/main">
   <p:tag name="KSO_WM_BEAUTIFY_FLAG" val="#wm#"/>
   <p:tag name="KSO_WM_TEMPLATE_CATEGORY" val="custom"/>
@@ -7931,7 +8152,7 @@
 </p:tagLst>
 </file>
 
-<file path=ppt/tags/tag15.xml><?xml version="1.0" encoding="utf-8"?>
+<file path=ppt/tags/tag16.xml><?xml version="1.0" encoding="utf-8"?>
 <p:tagLst xmlns:p="http://schemas.openxmlformats.org/presentationml/2006/main">
   <p:tag name="KSO_WM_TAG_VERSION" val="1.0"/>
   <p:tag name="KSO_WM_BEAUTIFY_FLAG" val="#wm#"/>
@@ -7950,7 +8171,7 @@
 </p:tagLst>
 </file>
 
-<file path=ppt/tags/tag16.xml><?xml version="1.0" encoding="utf-8"?>
+<file path=ppt/tags/tag17.xml><?xml version="1.0" encoding="utf-8"?>
 <p:tagLst xmlns:p="http://schemas.openxmlformats.org/presentationml/2006/main">
   <p:tag name="KSO_WM_TAG_VERSION" val="1.0"/>
   <p:tag name="KSO_WM_BEAUTIFY_FLAG" val="#wm#"/>
@@ -7969,7 +8190,7 @@
 </p:tagLst>
 </file>
 
-<file path=ppt/tags/tag17.xml><?xml version="1.0" encoding="utf-8"?>
+<file path=ppt/tags/tag18.xml><?xml version="1.0" encoding="utf-8"?>
 <p:tagLst xmlns:p="http://schemas.openxmlformats.org/presentationml/2006/main">
   <p:tag name="KSO_WM_TEMPLATE_CATEGORY" val="custom"/>
   <p:tag name="KSO_WM_TEMPLATE_INDEX" val="160402"/>

--- a/Web/Vue-Notes.pptx
+++ b/Web/Vue-Notes.pptx
@@ -5,33 +5,43 @@
     <p:sldMasterId id="2147483648" r:id="rId1"/>
   </p:sldMasterIdLst>
   <p:notesMasterIdLst>
-    <p:notesMasterId r:id="rId10"/>
+    <p:notesMasterId r:id="rId11"/>
   </p:notesMasterIdLst>
   <p:handoutMasterIdLst>
-    <p:handoutMasterId r:id="rId25"/>
+    <p:handoutMasterId r:id="rId35"/>
   </p:handoutMasterIdLst>
   <p:sldIdLst>
     <p:sldId id="256" r:id="rId3"/>
-    <p:sldId id="266" r:id="rId4"/>
-    <p:sldId id="264" r:id="rId5"/>
-    <p:sldId id="281" r:id="rId6"/>
-    <p:sldId id="330" r:id="rId7"/>
-    <p:sldId id="273" r:id="rId8"/>
-    <p:sldId id="260" r:id="rId9"/>
-    <p:sldId id="274" r:id="rId11"/>
-    <p:sldId id="316" r:id="rId12"/>
-    <p:sldId id="270" r:id="rId13"/>
-    <p:sldId id="278" r:id="rId14"/>
-    <p:sldId id="290" r:id="rId15"/>
-    <p:sldId id="296" r:id="rId16"/>
-    <p:sldId id="294" r:id="rId17"/>
-    <p:sldId id="302" r:id="rId18"/>
-    <p:sldId id="308" r:id="rId19"/>
-    <p:sldId id="280" r:id="rId20"/>
-    <p:sldId id="282" r:id="rId21"/>
-    <p:sldId id="307" r:id="rId22"/>
-    <p:sldId id="314" r:id="rId23"/>
-    <p:sldId id="263" r:id="rId24"/>
+    <p:sldId id="393" r:id="rId4"/>
+    <p:sldId id="266" r:id="rId5"/>
+    <p:sldId id="264" r:id="rId6"/>
+    <p:sldId id="281" r:id="rId7"/>
+    <p:sldId id="330" r:id="rId8"/>
+    <p:sldId id="273" r:id="rId9"/>
+    <p:sldId id="260" r:id="rId10"/>
+    <p:sldId id="274" r:id="rId12"/>
+    <p:sldId id="349" r:id="rId13"/>
+    <p:sldId id="316" r:id="rId14"/>
+    <p:sldId id="270" r:id="rId15"/>
+    <p:sldId id="278" r:id="rId16"/>
+    <p:sldId id="290" r:id="rId17"/>
+    <p:sldId id="296" r:id="rId18"/>
+    <p:sldId id="294" r:id="rId19"/>
+    <p:sldId id="366" r:id="rId20"/>
+    <p:sldId id="302" r:id="rId21"/>
+    <p:sldId id="367" r:id="rId22"/>
+    <p:sldId id="378" r:id="rId23"/>
+    <p:sldId id="280" r:id="rId24"/>
+    <p:sldId id="282" r:id="rId25"/>
+    <p:sldId id="307" r:id="rId26"/>
+    <p:sldId id="314" r:id="rId27"/>
+    <p:sldId id="347" r:id="rId28"/>
+    <p:sldId id="394" r:id="rId29"/>
+    <p:sldId id="398" r:id="rId30"/>
+    <p:sldId id="395" r:id="rId31"/>
+    <p:sldId id="396" r:id="rId32"/>
+    <p:sldId id="397" r:id="rId33"/>
+    <p:sldId id="263" r:id="rId34"/>
   </p:sldIdLst>
   <p:sldSz cx="12192000" cy="6858000"/>
   <p:notesSz cx="6858000" cy="9144000"/>
@@ -3889,6 +3899,392 @@
           <a:p>
             <a:r>
               <a:rPr lang="en-US" altLang="zh-CN"/>
+              <a:t>Lifecycle Hooks</a:t>
+            </a:r>
+            <a:endParaRPr lang="en-US" altLang="zh-CN"/>
+          </a:p>
+        </p:txBody>
+      </p:sp>
+      <p:pic>
+        <p:nvPicPr>
+          <p:cNvPr id="6" name="内容占位符 5"/>
+          <p:cNvPicPr>
+            <a:picLocks noChangeAspect="1"/>
+          </p:cNvPicPr>
+          <p:nvPr>
+            <p:ph idx="1"/>
+          </p:nvPr>
+        </p:nvPicPr>
+        <p:blipFill>
+          <a:blip r:embed="rId1"/>
+          <a:stretch>
+            <a:fillRect/>
+          </a:stretch>
+        </p:blipFill>
+        <p:spPr>
+          <a:xfrm>
+            <a:off x="8689340" y="1262380"/>
+            <a:ext cx="1949450" cy="4549140"/>
+          </a:xfrm>
+          <a:prstGeom prst="rect">
+            <a:avLst/>
+          </a:prstGeom>
+        </p:spPr>
+      </p:pic>
+      <p:sp>
+        <p:nvSpPr>
+          <p:cNvPr id="7" name="Content Placeholder 2"/>
+          <p:cNvSpPr>
+            <a:spLocks noGrp="1"/>
+          </p:cNvSpPr>
+          <p:nvPr/>
+        </p:nvSpPr>
+        <p:spPr>
+          <a:xfrm>
+            <a:off x="838200" y="1211581"/>
+            <a:ext cx="10515600" cy="4549140"/>
+          </a:xfrm>
+          <a:prstGeom prst="rect">
+            <a:avLst/>
+          </a:prstGeom>
+        </p:spPr>
+        <p:txBody>
+          <a:bodyPr vert="horz" lIns="91440" tIns="45720" rIns="91440" bIns="45720" rtlCol="0">
+            <a:normAutofit/>
+          </a:bodyPr>
+          <a:lstStyle>
+            <a:lvl1pPr marL="342900" indent="-342900" algn="l" defTabSz="914400" rtl="0" eaLnBrk="1" latinLnBrk="0" hangingPunct="1">
+              <a:lnSpc>
+                <a:spcPct val="90000"/>
+              </a:lnSpc>
+              <a:spcBef>
+                <a:spcPts val="1000"/>
+              </a:spcBef>
+              <a:buFont typeface="黑体" panose="02010609060101010101" pitchFamily="49" charset="-122"/>
+              <a:buChar char="〉"/>
+              <a:defRPr sz="2400" kern="1200">
+                <a:solidFill>
+                  <a:schemeClr val="tx1"/>
+                </a:solidFill>
+                <a:latin typeface="+mn-lt"/>
+                <a:ea typeface="+mn-ea"/>
+                <a:cs typeface="+mn-cs"/>
+              </a:defRPr>
+            </a:lvl1pPr>
+            <a:lvl2pPr marL="800100" indent="-342900" algn="l" defTabSz="914400" rtl="0" eaLnBrk="1" latinLnBrk="0" hangingPunct="1">
+              <a:lnSpc>
+                <a:spcPct val="90000"/>
+              </a:lnSpc>
+              <a:spcBef>
+                <a:spcPts val="500"/>
+              </a:spcBef>
+              <a:buFont typeface="Arial" panose="020B0604020202020204" pitchFamily="34" charset="0"/>
+              <a:buChar char="•"/>
+              <a:defRPr sz="2000" kern="1200">
+                <a:solidFill>
+                  <a:schemeClr val="tx1"/>
+                </a:solidFill>
+                <a:latin typeface="+mn-lt"/>
+                <a:ea typeface="+mn-ea"/>
+                <a:cs typeface="+mn-cs"/>
+              </a:defRPr>
+            </a:lvl2pPr>
+            <a:lvl3pPr marL="1257300" indent="-342900" algn="l" defTabSz="914400" rtl="0" eaLnBrk="1" latinLnBrk="0" hangingPunct="1">
+              <a:lnSpc>
+                <a:spcPct val="90000"/>
+              </a:lnSpc>
+              <a:spcBef>
+                <a:spcPts val="500"/>
+              </a:spcBef>
+              <a:buFont typeface="Arial" panose="020B0604020202020204" pitchFamily="34" charset="0"/>
+              <a:buChar char="•"/>
+              <a:defRPr sz="1800" kern="1200">
+                <a:solidFill>
+                  <a:schemeClr val="tx1"/>
+                </a:solidFill>
+                <a:latin typeface="+mn-lt"/>
+                <a:ea typeface="+mn-ea"/>
+                <a:cs typeface="+mn-cs"/>
+              </a:defRPr>
+            </a:lvl3pPr>
+            <a:lvl4pPr marL="1657350" indent="-285750" algn="l" defTabSz="914400" rtl="0" eaLnBrk="1" latinLnBrk="0" hangingPunct="1">
+              <a:lnSpc>
+                <a:spcPct val="90000"/>
+              </a:lnSpc>
+              <a:spcBef>
+                <a:spcPts val="500"/>
+              </a:spcBef>
+              <a:buFont typeface="Arial" panose="020B0604020202020204" pitchFamily="34" charset="0"/>
+              <a:buChar char="•"/>
+              <a:defRPr sz="1800" kern="1200">
+                <a:solidFill>
+                  <a:schemeClr val="tx1"/>
+                </a:solidFill>
+                <a:latin typeface="+mn-lt"/>
+                <a:ea typeface="+mn-ea"/>
+                <a:cs typeface="+mn-cs"/>
+              </a:defRPr>
+            </a:lvl4pPr>
+            <a:lvl5pPr marL="2114550" indent="-285750" algn="l" defTabSz="914400" rtl="0" eaLnBrk="1" latinLnBrk="0" hangingPunct="1">
+              <a:lnSpc>
+                <a:spcPct val="90000"/>
+              </a:lnSpc>
+              <a:spcBef>
+                <a:spcPts val="500"/>
+              </a:spcBef>
+              <a:buFont typeface="Arial" panose="020B0604020202020204" pitchFamily="34" charset="0"/>
+              <a:buChar char="•"/>
+              <a:defRPr sz="1800" kern="1200">
+                <a:solidFill>
+                  <a:schemeClr val="tx1"/>
+                </a:solidFill>
+                <a:latin typeface="+mn-lt"/>
+                <a:ea typeface="+mn-ea"/>
+                <a:cs typeface="+mn-cs"/>
+              </a:defRPr>
+            </a:lvl5pPr>
+            <a:lvl6pPr marL="2514600" indent="-228600" algn="l" defTabSz="914400" rtl="0" eaLnBrk="1" latinLnBrk="0" hangingPunct="1">
+              <a:lnSpc>
+                <a:spcPct val="90000"/>
+              </a:lnSpc>
+              <a:spcBef>
+                <a:spcPts val="500"/>
+              </a:spcBef>
+              <a:buFont typeface="Arial" panose="020B0604020202020204" pitchFamily="34" charset="0"/>
+              <a:buChar char="•"/>
+              <a:defRPr sz="1800" kern="1200">
+                <a:solidFill>
+                  <a:schemeClr val="tx1"/>
+                </a:solidFill>
+                <a:latin typeface="+mn-lt"/>
+                <a:ea typeface="+mn-ea"/>
+                <a:cs typeface="+mn-cs"/>
+              </a:defRPr>
+            </a:lvl6pPr>
+            <a:lvl7pPr marL="2971800" indent="-228600" algn="l" defTabSz="914400" rtl="0" eaLnBrk="1" latinLnBrk="0" hangingPunct="1">
+              <a:lnSpc>
+                <a:spcPct val="90000"/>
+              </a:lnSpc>
+              <a:spcBef>
+                <a:spcPts val="500"/>
+              </a:spcBef>
+              <a:buFont typeface="Arial" panose="020B0604020202020204" pitchFamily="34" charset="0"/>
+              <a:buChar char="•"/>
+              <a:defRPr sz="1800" kern="1200">
+                <a:solidFill>
+                  <a:schemeClr val="tx1"/>
+                </a:solidFill>
+                <a:latin typeface="+mn-lt"/>
+                <a:ea typeface="+mn-ea"/>
+                <a:cs typeface="+mn-cs"/>
+              </a:defRPr>
+            </a:lvl7pPr>
+            <a:lvl8pPr marL="3429000" indent="-228600" algn="l" defTabSz="914400" rtl="0" eaLnBrk="1" latinLnBrk="0" hangingPunct="1">
+              <a:lnSpc>
+                <a:spcPct val="90000"/>
+              </a:lnSpc>
+              <a:spcBef>
+                <a:spcPts val="500"/>
+              </a:spcBef>
+              <a:buFont typeface="Arial" panose="020B0604020202020204" pitchFamily="34" charset="0"/>
+              <a:buChar char="•"/>
+              <a:defRPr sz="1800" kern="1200">
+                <a:solidFill>
+                  <a:schemeClr val="tx1"/>
+                </a:solidFill>
+                <a:latin typeface="+mn-lt"/>
+                <a:ea typeface="+mn-ea"/>
+                <a:cs typeface="+mn-cs"/>
+              </a:defRPr>
+            </a:lvl8pPr>
+            <a:lvl9pPr marL="3886200" indent="-228600" algn="l" defTabSz="914400" rtl="0" eaLnBrk="1" latinLnBrk="0" hangingPunct="1">
+              <a:lnSpc>
+                <a:spcPct val="90000"/>
+              </a:lnSpc>
+              <a:spcBef>
+                <a:spcPts val="500"/>
+              </a:spcBef>
+              <a:buFont typeface="Arial" panose="020B0604020202020204" pitchFamily="34" charset="0"/>
+              <a:buChar char="•"/>
+              <a:defRPr sz="1800" kern="1200">
+                <a:solidFill>
+                  <a:schemeClr val="tx1"/>
+                </a:solidFill>
+                <a:latin typeface="+mn-lt"/>
+                <a:ea typeface="+mn-ea"/>
+                <a:cs typeface="+mn-cs"/>
+              </a:defRPr>
+            </a:lvl9pPr>
+          </a:lstStyle>
+          <a:p>
+            <a:r>
+              <a:rPr lang="en-US" altLang="en-US"/>
+              <a:t>Hooks</a:t>
+            </a:r>
+            <a:endParaRPr lang="en-US" altLang="en-US"/>
+          </a:p>
+          <a:p>
+            <a:pPr lvl="1"/>
+            <a:r>
+              <a:rPr lang="en-US" altLang="en-US"/>
+              <a:t>created</a:t>
+            </a:r>
+            <a:endParaRPr lang="en-US" altLang="en-US"/>
+          </a:p>
+          <a:p>
+            <a:pPr lvl="1"/>
+            <a:r>
+              <a:rPr lang="en-US" altLang="en-US"/>
+              <a:t>mounted</a:t>
+            </a:r>
+            <a:endParaRPr lang="en-US" altLang="en-US"/>
+          </a:p>
+          <a:p>
+            <a:pPr lvl="1"/>
+            <a:r>
+              <a:rPr lang="en-US" altLang="en-US"/>
+              <a:t>destroyed</a:t>
+            </a:r>
+            <a:endParaRPr lang="en-US" altLang="en-US"/>
+          </a:p>
+          <a:p>
+            <a:pPr lvl="1"/>
+            <a:r>
+              <a:rPr lang="en-US" altLang="en-US"/>
+              <a:t>activated/deactivated</a:t>
+            </a:r>
+            <a:endParaRPr lang="en-US" altLang="en-US"/>
+          </a:p>
+          <a:p>
+            <a:pPr lvl="2"/>
+            <a:r>
+              <a:rPr lang="en-US" altLang="en-US"/>
+              <a:t>for keep-alive components</a:t>
+            </a:r>
+            <a:endParaRPr lang="en-US" altLang="en-US"/>
+          </a:p>
+        </p:txBody>
+      </p:sp>
+    </p:spTree>
+  </p:cSld>
+  <p:clrMapOvr>
+    <a:masterClrMapping/>
+  </p:clrMapOvr>
+</p:sld>
+</file>
+
+<file path=ppt/slides/slide11.xml><?xml version="1.0" encoding="utf-8"?>
+<p:sld xmlns:a="http://schemas.openxmlformats.org/drawingml/2006/main" xmlns:r="http://schemas.openxmlformats.org/officeDocument/2006/relationships" xmlns:p="http://schemas.openxmlformats.org/presentationml/2006/main">
+  <p:cSld>
+    <p:spTree>
+      <p:nvGrpSpPr>
+        <p:cNvPr id="1" name=""/>
+        <p:cNvGrpSpPr/>
+        <p:nvPr/>
+      </p:nvGrpSpPr>
+      <p:grpSpPr/>
+      <p:sp>
+        <p:nvSpPr>
+          <p:cNvPr id="2" name="标题 1"/>
+          <p:cNvSpPr>
+            <a:spLocks noGrp="1"/>
+          </p:cNvSpPr>
+          <p:nvPr>
+            <p:ph type="title"/>
+          </p:nvPr>
+        </p:nvSpPr>
+        <p:spPr/>
+        <p:txBody>
+          <a:bodyPr/>
+          <a:p>
+            <a:r>
+              <a:rPr lang="en-US" altLang="zh-CN"/>
+              <a:t>Props</a:t>
+            </a:r>
+            <a:endParaRPr lang="en-US" altLang="zh-CN"/>
+          </a:p>
+        </p:txBody>
+      </p:sp>
+      <p:sp>
+        <p:nvSpPr>
+          <p:cNvPr id="3" name="内容占位符 2"/>
+          <p:cNvSpPr>
+            <a:spLocks noGrp="1"/>
+          </p:cNvSpPr>
+          <p:nvPr>
+            <p:ph idx="1"/>
+          </p:nvPr>
+        </p:nvSpPr>
+        <p:spPr/>
+        <p:txBody>
+          <a:bodyPr/>
+          <a:p>
+            <a:r>
+              <a:rPr lang="en-US" altLang="zh-CN"/>
+              <a:t>Concept</a:t>
+            </a:r>
+            <a:endParaRPr lang="en-US" altLang="zh-CN"/>
+          </a:p>
+          <a:p>
+            <a:pPr lvl="1"/>
+            <a:r>
+              <a:rPr lang="en-US" altLang="zh-CN"/>
+              <a:t>one-way-down binding</a:t>
+            </a:r>
+            <a:endParaRPr lang="en-US" altLang="zh-CN"/>
+          </a:p>
+          <a:p>
+            <a:pPr lvl="2"/>
+            <a:r>
+              <a:rPr lang="en-US" altLang="zh-CN"/>
+              <a:t>When the parent property update, it will flow down to the child.</a:t>
+            </a:r>
+            <a:endParaRPr lang="en-US" altLang="zh-CN"/>
+          </a:p>
+          <a:p>
+            <a:pPr lvl="2"/>
+            <a:r>
+              <a:rPr lang="en-US" altLang="zh-CN"/>
+              <a:t>But not the other way around</a:t>
+            </a:r>
+            <a:endParaRPr lang="en-US" altLang="zh-CN"/>
+          </a:p>
+        </p:txBody>
+      </p:sp>
+    </p:spTree>
+  </p:cSld>
+  <p:clrMapOvr>
+    <a:masterClrMapping/>
+  </p:clrMapOvr>
+</p:sld>
+</file>
+
+<file path=ppt/slides/slide12.xml><?xml version="1.0" encoding="utf-8"?>
+<p:sld xmlns:a="http://schemas.openxmlformats.org/drawingml/2006/main" xmlns:r="http://schemas.openxmlformats.org/officeDocument/2006/relationships" xmlns:p="http://schemas.openxmlformats.org/presentationml/2006/main">
+  <p:cSld>
+    <p:spTree>
+      <p:nvGrpSpPr>
+        <p:cNvPr id="1" name=""/>
+        <p:cNvGrpSpPr/>
+        <p:nvPr/>
+      </p:nvGrpSpPr>
+      <p:grpSpPr/>
+      <p:sp>
+        <p:nvSpPr>
+          <p:cNvPr id="2" name="标题 1"/>
+          <p:cNvSpPr>
+            <a:spLocks noGrp="1"/>
+          </p:cNvSpPr>
+          <p:nvPr>
+            <p:ph type="title"/>
+          </p:nvPr>
+        </p:nvSpPr>
+        <p:spPr/>
+        <p:txBody>
+          <a:bodyPr/>
+          <a:p>
+            <a:r>
+              <a:rPr lang="en-US" altLang="zh-CN"/>
               <a:t>Additional Tools &amp; Plugins</a:t>
             </a:r>
             <a:endParaRPr lang="en-US" altLang="zh-CN"/>
@@ -3990,7 +4386,7 @@
 </p:sld>
 </file>
 
-<file path=ppt/slides/slide11.xml><?xml version="1.0" encoding="utf-8"?>
+<file path=ppt/slides/slide13.xml><?xml version="1.0" encoding="utf-8"?>
 <p:sld xmlns:a="http://schemas.openxmlformats.org/drawingml/2006/main" xmlns:r="http://schemas.openxmlformats.org/officeDocument/2006/relationships" xmlns:p="http://schemas.openxmlformats.org/presentationml/2006/main">
   <p:cSld>
     <p:spTree>
@@ -4132,7 +4528,7 @@
 </p:sld>
 </file>
 
-<file path=ppt/slides/slide12.xml><?xml version="1.0" encoding="utf-8"?>
+<file path=ppt/slides/slide14.xml><?xml version="1.0" encoding="utf-8"?>
 <p:sld xmlns:a="http://schemas.openxmlformats.org/drawingml/2006/main" xmlns:r="http://schemas.openxmlformats.org/officeDocument/2006/relationships" xmlns:p="http://schemas.openxmlformats.org/presentationml/2006/main">
   <p:cSld>
     <p:spTree>
@@ -4355,815 +4751,6 @@
               <a:t>Vue.use(VueRouter)</a:t>
             </a:r>
             <a:endParaRPr lang="zh-CN" altLang="en-US" sz="1400"/>
-          </a:p>
-        </p:txBody>
-      </p:sp>
-    </p:spTree>
-  </p:cSld>
-  <p:clrMapOvr>
-    <a:masterClrMapping/>
-  </p:clrMapOvr>
-</p:sld>
-</file>
-
-<file path=ppt/slides/slide13.xml><?xml version="1.0" encoding="utf-8"?>
-<p:sld xmlns:a="http://schemas.openxmlformats.org/drawingml/2006/main" xmlns:r="http://schemas.openxmlformats.org/officeDocument/2006/relationships" xmlns:p="http://schemas.openxmlformats.org/presentationml/2006/main">
-  <p:cSld>
-    <p:spTree>
-      <p:nvGrpSpPr>
-        <p:cNvPr id="1" name=""/>
-        <p:cNvGrpSpPr/>
-        <p:nvPr/>
-      </p:nvGrpSpPr>
-      <p:grpSpPr/>
-      <p:sp>
-        <p:nvSpPr>
-          <p:cNvPr id="2" name="标题 1"/>
-          <p:cNvSpPr>
-            <a:spLocks noGrp="1"/>
-          </p:cNvSpPr>
-          <p:nvPr>
-            <p:ph type="title"/>
-          </p:nvPr>
-        </p:nvSpPr>
-        <p:spPr/>
-        <p:txBody>
-          <a:bodyPr/>
-          <a:p>
-            <a:r>
-              <a:rPr lang="en-US" altLang="zh-CN"/>
-              <a:t>Vue-i18n</a:t>
-            </a:r>
-            <a:endParaRPr lang="en-US" altLang="zh-CN"/>
-          </a:p>
-        </p:txBody>
-      </p:sp>
-      <p:sp>
-        <p:nvSpPr>
-          <p:cNvPr id="3" name="内容占位符 2"/>
-          <p:cNvSpPr>
-            <a:spLocks noGrp="1"/>
-          </p:cNvSpPr>
-          <p:nvPr>
-            <p:ph idx="1"/>
-          </p:nvPr>
-        </p:nvSpPr>
-        <p:spPr>
-          <a:xfrm>
-            <a:off x="838200" y="1211580"/>
-            <a:ext cx="10515600" cy="5217160"/>
-          </a:xfrm>
-        </p:spPr>
-        <p:txBody>
-          <a:bodyPr>
-            <a:normAutofit fontScale="60000"/>
-          </a:bodyPr>
-          <a:p>
-            <a:r>
-              <a:rPr lang="zh-CN" altLang="en-US"/>
-              <a:t>https://github.com/kazupon/vue-i18n</a:t>
-            </a:r>
-            <a:endParaRPr lang="zh-CN" altLang="en-US"/>
-          </a:p>
-          <a:p>
-            <a:r>
-              <a:rPr lang="en-US" altLang="zh-CN"/>
-              <a:t>vue add i18n</a:t>
-            </a:r>
-            <a:endParaRPr lang="en-US" altLang="zh-CN"/>
-          </a:p>
-          <a:p>
-            <a:r>
-              <a:rPr lang="en-US" altLang="zh-CN"/>
-              <a:t>Formatting</a:t>
-            </a:r>
-            <a:endParaRPr lang="en-US" altLang="zh-CN"/>
-          </a:p>
-          <a:p>
-            <a:pPr lvl="1"/>
-            <a:r>
-              <a:rPr lang="en-US" altLang="zh-CN"/>
-              <a:t>Named formatting</a:t>
-            </a:r>
-            <a:endParaRPr lang="en-US" altLang="zh-CN"/>
-          </a:p>
-          <a:p>
-            <a:pPr lvl="1"/>
-            <a:r>
-              <a:rPr lang="en-US" altLang="zh-CN"/>
-              <a:t>List formatting</a:t>
-            </a:r>
-            <a:endParaRPr lang="en-US" altLang="zh-CN"/>
-          </a:p>
-          <a:p>
-            <a:pPr lvl="1"/>
-            <a:r>
-              <a:rPr lang="en-US" altLang="zh-CN"/>
-              <a:t>HTML formatting</a:t>
-            </a:r>
-            <a:endParaRPr lang="en-US" altLang="zh-CN"/>
-          </a:p>
-          <a:p>
-            <a:pPr lvl="1"/>
-            <a:r>
-              <a:rPr lang="en-US" altLang="zh-CN"/>
-              <a:t>Custom formatting</a:t>
-            </a:r>
-            <a:endParaRPr lang="en-US" altLang="zh-CN"/>
-          </a:p>
-          <a:p>
-            <a:pPr lvl="0"/>
-            <a:r>
-              <a:rPr lang="en-US" altLang="zh-CN" sz="2400"/>
-              <a:t>Pluralization</a:t>
-            </a:r>
-            <a:endParaRPr lang="en-US" altLang="zh-CN" sz="2400"/>
-          </a:p>
-          <a:p>
-            <a:pPr lvl="1"/>
-            <a:r>
-              <a:rPr lang="en-US" altLang="zh-CN" sz="2000"/>
-              <a:t>$tc()</a:t>
-            </a:r>
-            <a:endParaRPr lang="en-US" altLang="zh-CN" sz="2000"/>
-          </a:p>
-          <a:p>
-            <a:pPr lvl="0"/>
-            <a:r>
-              <a:rPr lang="en-US" altLang="zh-CN" sz="2400"/>
-              <a:t>Datetime localization</a:t>
-            </a:r>
-            <a:endParaRPr lang="en-US" altLang="zh-CN" sz="2400"/>
-          </a:p>
-          <a:p>
-            <a:pPr lvl="1"/>
-            <a:r>
-              <a:rPr lang="en-US" altLang="zh-CN" sz="2000"/>
-              <a:t>$d()</a:t>
-            </a:r>
-            <a:endParaRPr lang="en-US" altLang="zh-CN" sz="2000"/>
-          </a:p>
-          <a:p>
-            <a:pPr lvl="0"/>
-            <a:r>
-              <a:rPr lang="en-US" altLang="zh-CN" sz="2400"/>
-              <a:t>Number formatting</a:t>
-            </a:r>
-            <a:endParaRPr lang="en-US" altLang="zh-CN" sz="2400"/>
-          </a:p>
-          <a:p>
-            <a:pPr lvl="1"/>
-            <a:r>
-              <a:rPr lang="en-US" altLang="zh-CN" sz="2000"/>
-              <a:t>&lt;i18n-n :value=”...”&gt;&lt;/i18n&gt;</a:t>
-            </a:r>
-            <a:endParaRPr lang="en-US" altLang="zh-CN" sz="2000"/>
-          </a:p>
-          <a:p>
-            <a:pPr lvl="0"/>
-            <a:r>
-              <a:rPr lang="en-US" altLang="zh-CN" sz="2400"/>
-              <a:t>v-t</a:t>
-            </a:r>
-            <a:endParaRPr lang="en-US" altLang="zh-CN" sz="2400"/>
-          </a:p>
-          <a:p>
-            <a:pPr lvl="1"/>
-            <a:r>
-              <a:rPr lang="en-US" altLang="zh-CN" sz="2000"/>
-              <a:t>better performance than $t</a:t>
-            </a:r>
-            <a:endParaRPr lang="en-US" altLang="zh-CN" sz="2000"/>
-          </a:p>
-          <a:p>
-            <a:pPr lvl="0"/>
-            <a:r>
-              <a:rPr lang="en-US" altLang="zh-CN" sz="2400"/>
-              <a:t>npm i --save-dev @kazupon/vue-i18n-loader</a:t>
-            </a:r>
-            <a:endParaRPr lang="en-US" altLang="zh-CN" sz="2400"/>
-          </a:p>
-          <a:p>
-            <a:pPr lvl="0"/>
-            <a:r>
-              <a:rPr lang="en-US" altLang="zh-CN" sz="2400"/>
-              <a:t>vue-cli-plugin-i18n</a:t>
-            </a:r>
-            <a:endParaRPr lang="en-US" altLang="zh-CN" sz="2400"/>
-          </a:p>
-          <a:p>
-            <a:pPr lvl="0"/>
-            <a:r>
-              <a:rPr lang="en-US" altLang="zh-CN"/>
-              <a:t>BabelEdit: translation editor</a:t>
-            </a:r>
-            <a:endParaRPr lang="en-US" altLang="zh-CN"/>
-          </a:p>
-          <a:p>
-            <a:pPr lvl="1"/>
-            <a:endParaRPr lang="en-US" altLang="zh-CN"/>
-          </a:p>
-        </p:txBody>
-      </p:sp>
-      <p:sp>
-        <p:nvSpPr>
-          <p:cNvPr id="4" name="文本框 3"/>
-          <p:cNvSpPr txBox="1"/>
-          <p:nvPr/>
-        </p:nvSpPr>
-        <p:spPr>
-          <a:xfrm>
-            <a:off x="9415145" y="914400"/>
-            <a:ext cx="2123440" cy="2584450"/>
-          </a:xfrm>
-          <a:prstGeom prst="rect">
-            <a:avLst/>
-          </a:prstGeom>
-          <a:noFill/>
-          <a:ln>
-            <a:solidFill>
-              <a:schemeClr val="accent2"/>
-            </a:solidFill>
-          </a:ln>
-        </p:spPr>
-        <p:txBody>
-          <a:bodyPr wrap="square" rtlCol="0">
-            <a:spAutoFit/>
-          </a:bodyPr>
-          <a:p>
-            <a:r>
-              <a:rPr lang="zh-CN" altLang="en-US"/>
-              <a:t>const messages = {</a:t>
-            </a:r>
-            <a:endParaRPr lang="zh-CN" altLang="en-US"/>
-          </a:p>
-          <a:p>
-            <a:r>
-              <a:rPr lang="zh-CN" altLang="en-US"/>
-              <a:t>  en: {</a:t>
-            </a:r>
-            <a:endParaRPr lang="zh-CN" altLang="en-US"/>
-          </a:p>
-          <a:p>
-            <a:r>
-              <a:rPr lang="zh-CN" altLang="en-US"/>
-              <a:t>    message: {</a:t>
-            </a:r>
-            <a:endParaRPr lang="zh-CN" altLang="en-US"/>
-          </a:p>
-          <a:p>
-            <a:r>
-              <a:rPr lang="zh-CN" altLang="en-US"/>
-              <a:t>      hello: '{msg} world'</a:t>
-            </a:r>
-            <a:endParaRPr lang="zh-CN" altLang="en-US"/>
-          </a:p>
-          <a:p>
-            <a:r>
-              <a:rPr lang="zh-CN" altLang="en-US"/>
-              <a:t>    }</a:t>
-            </a:r>
-            <a:endParaRPr lang="zh-CN" altLang="en-US"/>
-          </a:p>
-          <a:p>
-            <a:r>
-              <a:rPr lang="zh-CN" altLang="en-US"/>
-              <a:t>  }</a:t>
-            </a:r>
-            <a:endParaRPr lang="zh-CN" altLang="en-US"/>
-          </a:p>
-          <a:p>
-            <a:r>
-              <a:rPr lang="zh-CN" altLang="en-US"/>
-              <a:t>}</a:t>
-            </a:r>
-            <a:endParaRPr lang="zh-CN" altLang="en-US"/>
-          </a:p>
-        </p:txBody>
-      </p:sp>
-      <p:sp>
-        <p:nvSpPr>
-          <p:cNvPr id="5" name="文本框 4"/>
-          <p:cNvSpPr txBox="1"/>
-          <p:nvPr/>
-        </p:nvSpPr>
-        <p:spPr>
-          <a:xfrm>
-            <a:off x="3856990" y="2405380"/>
-            <a:ext cx="5184775" cy="368300"/>
-          </a:xfrm>
-          <a:prstGeom prst="rect">
-            <a:avLst/>
-          </a:prstGeom>
-          <a:noFill/>
-          <a:ln>
-            <a:solidFill>
-              <a:schemeClr val="accent2"/>
-            </a:solidFill>
-          </a:ln>
-        </p:spPr>
-        <p:txBody>
-          <a:bodyPr wrap="square" rtlCol="0">
-            <a:spAutoFit/>
-          </a:bodyPr>
-          <a:p>
-            <a:r>
-              <a:rPr lang="zh-CN" altLang="en-US"/>
-              <a:t>&lt;p&gt;{{ $t('message.hello', { msg: 'hello' }) }}&lt;/p&gt;</a:t>
-            </a:r>
-            <a:endParaRPr lang="zh-CN" altLang="en-US"/>
-          </a:p>
-        </p:txBody>
-      </p:sp>
-      <p:sp>
-        <p:nvSpPr>
-          <p:cNvPr id="6" name="文本框 5"/>
-          <p:cNvSpPr txBox="1"/>
-          <p:nvPr/>
-        </p:nvSpPr>
-        <p:spPr>
-          <a:xfrm>
-            <a:off x="3856990" y="2881630"/>
-            <a:ext cx="5133975" cy="368300"/>
-          </a:xfrm>
-          <a:prstGeom prst="rect">
-            <a:avLst/>
-          </a:prstGeom>
-          <a:noFill/>
-          <a:ln>
-            <a:solidFill>
-              <a:schemeClr val="accent2"/>
-            </a:solidFill>
-          </a:ln>
-        </p:spPr>
-        <p:txBody>
-          <a:bodyPr wrap="square" rtlCol="0">
-            <a:spAutoFit/>
-          </a:bodyPr>
-          <a:p>
-            <a:r>
-              <a:rPr lang="zh-CN" altLang="en-US"/>
-              <a:t>&lt;p&gt;{{ $t('message.hello', ['hello']) }}&lt;/p&gt;</a:t>
-            </a:r>
-            <a:endParaRPr lang="zh-CN" altLang="en-US"/>
-          </a:p>
-        </p:txBody>
-      </p:sp>
-      <p:sp>
-        <p:nvSpPr>
-          <p:cNvPr id="7" name="文本框 6"/>
-          <p:cNvSpPr txBox="1"/>
-          <p:nvPr/>
-        </p:nvSpPr>
-        <p:spPr>
-          <a:xfrm>
-            <a:off x="3856990" y="3302000"/>
-            <a:ext cx="5133975" cy="368300"/>
-          </a:xfrm>
-          <a:prstGeom prst="rect">
-            <a:avLst/>
-          </a:prstGeom>
-          <a:noFill/>
-          <a:ln>
-            <a:solidFill>
-              <a:schemeClr val="accent2"/>
-            </a:solidFill>
-          </a:ln>
-        </p:spPr>
-        <p:txBody>
-          <a:bodyPr wrap="square" rtlCol="0">
-            <a:spAutoFit/>
-          </a:bodyPr>
-          <a:p>
-            <a:r>
-              <a:rPr lang="zh-CN" altLang="en-US"/>
-              <a:t>&lt;p v-html="$t('message.hello')"&gt;&lt;/p&gt;</a:t>
-            </a:r>
-            <a:endParaRPr lang="zh-CN" altLang="en-US"/>
-          </a:p>
-        </p:txBody>
-      </p:sp>
-      <p:sp>
-        <p:nvSpPr>
-          <p:cNvPr id="8" name="文本框 7"/>
-          <p:cNvSpPr txBox="1"/>
-          <p:nvPr/>
-        </p:nvSpPr>
-        <p:spPr>
-          <a:xfrm>
-            <a:off x="8669655" y="4206240"/>
-            <a:ext cx="2868930" cy="1753235"/>
-          </a:xfrm>
-          <a:prstGeom prst="rect">
-            <a:avLst/>
-          </a:prstGeom>
-          <a:noFill/>
-          <a:ln>
-            <a:solidFill>
-              <a:schemeClr val="accent2"/>
-            </a:solidFill>
-          </a:ln>
-        </p:spPr>
-        <p:txBody>
-          <a:bodyPr wrap="square" rtlCol="0">
-            <a:spAutoFit/>
-          </a:bodyPr>
-          <a:p>
-            <a:r>
-              <a:rPr lang="zh-CN" altLang="en-US"/>
-              <a:t>const i18n = new VueI18n({</a:t>
-            </a:r>
-            <a:endParaRPr lang="zh-CN" altLang="en-US"/>
-          </a:p>
-          <a:p>
-            <a:r>
-              <a:rPr lang="zh-CN" altLang="en-US"/>
-              <a:t>  locale: 'ja',</a:t>
-            </a:r>
-            <a:endParaRPr lang="zh-CN" altLang="en-US"/>
-          </a:p>
-          <a:p>
-            <a:r>
-              <a:rPr lang="zh-CN" altLang="en-US"/>
-              <a:t>  fallbackLocale: 'en',</a:t>
-            </a:r>
-            <a:endParaRPr lang="zh-CN" altLang="en-US"/>
-          </a:p>
-          <a:p>
-            <a:r>
-              <a:rPr lang="zh-CN" altLang="en-US"/>
-              <a:t>  messages</a:t>
-            </a:r>
-            <a:endParaRPr lang="zh-CN" altLang="en-US"/>
-          </a:p>
-          <a:p>
-            <a:r>
-              <a:rPr lang="zh-CN" altLang="en-US"/>
-              <a:t>})</a:t>
-            </a:r>
-            <a:endParaRPr lang="zh-CN" altLang="en-US"/>
-          </a:p>
-        </p:txBody>
-      </p:sp>
-    </p:spTree>
-  </p:cSld>
-  <p:clrMapOvr>
-    <a:masterClrMapping/>
-  </p:clrMapOvr>
-</p:sld>
-</file>
-
-<file path=ppt/slides/slide14.xml><?xml version="1.0" encoding="utf-8"?>
-<p:sld xmlns:a="http://schemas.openxmlformats.org/drawingml/2006/main" xmlns:r="http://schemas.openxmlformats.org/officeDocument/2006/relationships" xmlns:p="http://schemas.openxmlformats.org/presentationml/2006/main">
-  <p:cSld>
-    <p:spTree>
-      <p:nvGrpSpPr>
-        <p:cNvPr id="1" name=""/>
-        <p:cNvGrpSpPr/>
-        <p:nvPr/>
-      </p:nvGrpSpPr>
-      <p:grpSpPr/>
-      <p:sp>
-        <p:nvSpPr>
-          <p:cNvPr id="2" name="标题 1"/>
-          <p:cNvSpPr>
-            <a:spLocks noGrp="1"/>
-          </p:cNvSpPr>
-          <p:nvPr>
-            <p:ph type="title"/>
-          </p:nvPr>
-        </p:nvSpPr>
-        <p:spPr/>
-        <p:txBody>
-          <a:bodyPr/>
-          <a:p>
-            <a:r>
-              <a:rPr lang="en-US" altLang="zh-CN"/>
-              <a:t>Axios</a:t>
-            </a:r>
-            <a:endParaRPr lang="en-US" altLang="zh-CN"/>
-          </a:p>
-        </p:txBody>
-      </p:sp>
-      <p:sp>
-        <p:nvSpPr>
-          <p:cNvPr id="3" name="内容占位符 2"/>
-          <p:cNvSpPr>
-            <a:spLocks noGrp="1"/>
-          </p:cNvSpPr>
-          <p:nvPr>
-            <p:ph idx="1"/>
-          </p:nvPr>
-        </p:nvSpPr>
-        <p:spPr/>
-        <p:txBody>
-          <a:bodyPr/>
-          <a:p>
-            <a:r>
-              <a:rPr lang="en-US" altLang="zh-CN"/>
-              <a:t>npm install axios vue-axios</a:t>
-            </a:r>
-            <a:endParaRPr lang="en-US" altLang="zh-CN"/>
-          </a:p>
-          <a:p>
-            <a:r>
-              <a:rPr lang="en-US" altLang="zh-CN"/>
-              <a:t>request</a:t>
-            </a:r>
-            <a:endParaRPr lang="en-US" altLang="zh-CN"/>
-          </a:p>
-          <a:p>
-            <a:pPr lvl="1"/>
-            <a:r>
-              <a:rPr lang="en-US" altLang="zh-CN" sz="2000"/>
-              <a:t>get, post</a:t>
-            </a:r>
-            <a:endParaRPr lang="en-US" altLang="zh-CN" sz="2000"/>
-          </a:p>
-          <a:p>
-            <a:pPr lvl="0"/>
-            <a:r>
-              <a:rPr lang="en-US" altLang="zh-CN"/>
-              <a:t>response</a:t>
-            </a:r>
-            <a:endParaRPr lang="en-US" altLang="zh-CN"/>
-          </a:p>
-          <a:p>
-            <a:pPr lvl="0"/>
-            <a:r>
-              <a:rPr lang="en-US" altLang="zh-CN"/>
-              <a:t>axios.interceptors.request.use(...)</a:t>
-            </a:r>
-            <a:endParaRPr lang="en-US" altLang="zh-CN"/>
-          </a:p>
-          <a:p>
-            <a:pPr lvl="0"/>
-            <a:r>
-              <a:rPr lang="en-US" altLang="zh-CN"/>
-              <a:t>axios.interceptors.response.use(...)</a:t>
-            </a:r>
-            <a:endParaRPr lang="en-US" altLang="zh-CN"/>
-          </a:p>
-          <a:p>
-            <a:pPr lvl="0"/>
-            <a:r>
-              <a:rPr lang="en-US" altLang="zh-CN"/>
-              <a:t>Serialize</a:t>
-            </a:r>
-            <a:endParaRPr lang="en-US" altLang="zh-CN"/>
-          </a:p>
-          <a:p>
-            <a:pPr lvl="1"/>
-            <a:r>
-              <a:rPr lang="en-US" altLang="zh-CN" sz="2000"/>
-              <a:t>default: json</a:t>
-            </a:r>
-            <a:endParaRPr lang="en-US" altLang="zh-CN"/>
-          </a:p>
-          <a:p>
-            <a:endParaRPr lang="en-US" altLang="zh-CN"/>
-          </a:p>
-        </p:txBody>
-      </p:sp>
-      <p:sp>
-        <p:nvSpPr>
-          <p:cNvPr id="4" name="文本框 3"/>
-          <p:cNvSpPr txBox="1"/>
-          <p:nvPr/>
-        </p:nvSpPr>
-        <p:spPr>
-          <a:xfrm>
-            <a:off x="6494145" y="4746625"/>
-            <a:ext cx="3139440" cy="1814830"/>
-          </a:xfrm>
-          <a:prstGeom prst="rect">
-            <a:avLst/>
-          </a:prstGeom>
-          <a:noFill/>
-          <a:ln>
-            <a:solidFill>
-              <a:srgbClr val="0070C0"/>
-            </a:solidFill>
-          </a:ln>
-        </p:spPr>
-        <p:txBody>
-          <a:bodyPr wrap="square" rtlCol="0">
-            <a:spAutoFit/>
-          </a:bodyPr>
-          <a:p>
-            <a:r>
-              <a:rPr lang="zh-CN" altLang="en-US" sz="1600"/>
-              <a:t>axios.get('/user?ID=12345')</a:t>
-            </a:r>
-            <a:endParaRPr lang="zh-CN" altLang="en-US" sz="1600"/>
-          </a:p>
-          <a:p>
-            <a:r>
-              <a:rPr lang="zh-CN" altLang="en-US" sz="1600"/>
-              <a:t>  .then(function (response) {</a:t>
-            </a:r>
-            <a:endParaRPr lang="zh-CN" altLang="en-US" sz="1600"/>
-          </a:p>
-          <a:p>
-            <a:r>
-              <a:rPr lang="zh-CN" altLang="en-US" sz="1600"/>
-              <a:t>    console.log(response);</a:t>
-            </a:r>
-            <a:endParaRPr lang="zh-CN" altLang="en-US" sz="1600"/>
-          </a:p>
-          <a:p>
-            <a:r>
-              <a:rPr lang="zh-CN" altLang="en-US" sz="1600"/>
-              <a:t>  })</a:t>
-            </a:r>
-            <a:endParaRPr lang="zh-CN" altLang="en-US" sz="1600"/>
-          </a:p>
-          <a:p>
-            <a:r>
-              <a:rPr lang="zh-CN" altLang="en-US" sz="1600"/>
-              <a:t>  .catch(function (error) {</a:t>
-            </a:r>
-            <a:endParaRPr lang="zh-CN" altLang="en-US" sz="1600"/>
-          </a:p>
-          <a:p>
-            <a:r>
-              <a:rPr lang="zh-CN" altLang="en-US" sz="1600"/>
-              <a:t>    console.log(error);</a:t>
-            </a:r>
-            <a:endParaRPr lang="zh-CN" altLang="en-US" sz="1600"/>
-          </a:p>
-          <a:p>
-            <a:r>
-              <a:rPr lang="zh-CN" altLang="en-US" sz="1600"/>
-              <a:t>  });</a:t>
-            </a:r>
-            <a:endParaRPr lang="zh-CN" altLang="en-US" sz="1600"/>
-          </a:p>
-        </p:txBody>
-      </p:sp>
-      <p:sp>
-        <p:nvSpPr>
-          <p:cNvPr id="5" name="文本框 4"/>
-          <p:cNvSpPr txBox="1"/>
-          <p:nvPr/>
-        </p:nvSpPr>
-        <p:spPr>
-          <a:xfrm>
-            <a:off x="6494145" y="1096645"/>
-            <a:ext cx="3846830" cy="3415030"/>
-          </a:xfrm>
-          <a:prstGeom prst="rect">
-            <a:avLst/>
-          </a:prstGeom>
-          <a:noFill/>
-          <a:ln>
-            <a:solidFill>
-              <a:srgbClr val="0070C0"/>
-            </a:solidFill>
-          </a:ln>
-        </p:spPr>
-        <p:txBody>
-          <a:bodyPr wrap="square" rtlCol="0">
-            <a:spAutoFit/>
-          </a:bodyPr>
-          <a:p>
-            <a:r>
-              <a:rPr lang="zh-CN" altLang="en-US"/>
-              <a:t>axios.post('/user', {</a:t>
-            </a:r>
-            <a:endParaRPr lang="zh-CN" altLang="en-US"/>
-          </a:p>
-          <a:p>
-            <a:r>
-              <a:rPr lang="zh-CN" altLang="en-US"/>
-              <a:t>    firstName: 'Fred',        // 参数 firstName</a:t>
-            </a:r>
-            <a:endParaRPr lang="zh-CN" altLang="en-US"/>
-          </a:p>
-          <a:p>
-            <a:r>
-              <a:rPr lang="zh-CN" altLang="en-US"/>
-              <a:t>    lastName: 'Flintstone'    // 参数 lastName</a:t>
-            </a:r>
-            <a:endParaRPr lang="zh-CN" altLang="en-US"/>
-          </a:p>
-          <a:p>
-            <a:r>
-              <a:rPr lang="zh-CN" altLang="en-US"/>
-              <a:t>  })</a:t>
-            </a:r>
-            <a:endParaRPr lang="zh-CN" altLang="en-US"/>
-          </a:p>
-          <a:p>
-            <a:r>
-              <a:rPr lang="zh-CN" altLang="en-US"/>
-              <a:t>  .then(function (response) {</a:t>
-            </a:r>
-            <a:endParaRPr lang="zh-CN" altLang="en-US"/>
-          </a:p>
-          <a:p>
-            <a:r>
-              <a:rPr lang="zh-CN" altLang="en-US"/>
-              <a:t>    console.log(response);</a:t>
-            </a:r>
-            <a:endParaRPr lang="zh-CN" altLang="en-US"/>
-          </a:p>
-          <a:p>
-            <a:r>
-              <a:rPr lang="zh-CN" altLang="en-US"/>
-              <a:t>  })</a:t>
-            </a:r>
-            <a:endParaRPr lang="zh-CN" altLang="en-US"/>
-          </a:p>
-          <a:p>
-            <a:r>
-              <a:rPr lang="zh-CN" altLang="en-US"/>
-              <a:t>  .catch(function (error) {</a:t>
-            </a:r>
-            <a:endParaRPr lang="zh-CN" altLang="en-US"/>
-          </a:p>
-          <a:p>
-            <a:r>
-              <a:rPr lang="zh-CN" altLang="en-US"/>
-              <a:t>    console.log(error);</a:t>
-            </a:r>
-            <a:endParaRPr lang="zh-CN" altLang="en-US"/>
-          </a:p>
-          <a:p>
-            <a:r>
-              <a:rPr lang="zh-CN" altLang="en-US"/>
-              <a:t>  });</a:t>
-            </a:r>
-            <a:endParaRPr lang="zh-CN" altLang="en-US"/>
-          </a:p>
-        </p:txBody>
-      </p:sp>
-      <p:sp>
-        <p:nvSpPr>
-          <p:cNvPr id="6" name="文本框 5"/>
-          <p:cNvSpPr txBox="1"/>
-          <p:nvPr/>
-        </p:nvSpPr>
-        <p:spPr>
-          <a:xfrm>
-            <a:off x="9942195" y="4746625"/>
-            <a:ext cx="1685925" cy="1753235"/>
-          </a:xfrm>
-          <a:prstGeom prst="rect">
-            <a:avLst/>
-          </a:prstGeom>
-          <a:noFill/>
-          <a:ln>
-            <a:solidFill>
-              <a:srgbClr val="0070C0"/>
-            </a:solidFill>
-          </a:ln>
-        </p:spPr>
-        <p:txBody>
-          <a:bodyPr wrap="square" rtlCol="0">
-            <a:spAutoFit/>
-          </a:bodyPr>
-          <a:p>
-            <a:r>
-              <a:rPr lang="en-US" altLang="zh-CN"/>
-              <a:t>response:</a:t>
-            </a:r>
-            <a:endParaRPr lang="en-US" altLang="zh-CN"/>
-          </a:p>
-          <a:p>
-            <a:r>
-              <a:rPr lang="en-US" altLang="zh-CN"/>
-              <a:t>- data: {}</a:t>
-            </a:r>
-            <a:endParaRPr lang="en-US" altLang="zh-CN"/>
-          </a:p>
-          <a:p>
-            <a:r>
-              <a:rPr lang="en-US" altLang="zh-CN"/>
-              <a:t>- status</a:t>
-            </a:r>
-            <a:endParaRPr lang="en-US" altLang="zh-CN"/>
-          </a:p>
-          <a:p>
-            <a:r>
-              <a:rPr lang="en-US" altLang="zh-CN"/>
-              <a:t>- statusText</a:t>
-            </a:r>
-            <a:endParaRPr lang="en-US" altLang="zh-CN"/>
-          </a:p>
-          <a:p>
-            <a:r>
-              <a:rPr lang="en-US" altLang="zh-CN"/>
-              <a:t>- headers: {}</a:t>
-            </a:r>
-            <a:endParaRPr lang="en-US" altLang="zh-CN"/>
-          </a:p>
-          <a:p>
-            <a:r>
-              <a:rPr lang="en-US" altLang="zh-CN"/>
-              <a:t>- config: {}</a:t>
-            </a:r>
-            <a:endParaRPr lang="en-US" altLang="zh-CN"/>
           </a:p>
         </p:txBody>
       </p:sp>
@@ -5201,7 +4788,7 @@
           <a:p>
             <a:r>
               <a:rPr lang="en-US" altLang="zh-CN"/>
-              <a:t>Window</a:t>
+              <a:t>Vue-i18n</a:t>
             </a:r>
             <a:endParaRPr lang="en-US" altLang="zh-CN"/>
           </a:p>
@@ -5217,29 +4804,400 @@
             <p:ph idx="1"/>
           </p:nvPr>
         </p:nvSpPr>
-        <p:spPr/>
-        <p:txBody>
-          <a:bodyPr/>
-          <a:p>
-            <a:r>
-              <a:rPr lang="en-US" altLang="zh-CN"/>
-              <a:t>window.addEventListener('resize', funcName)</a:t>
-            </a:r>
-            <a:endParaRPr lang="en-US" altLang="zh-CN"/>
-          </a:p>
-          <a:p>
-            <a:r>
-              <a:rPr lang="en-US" altLang="zh-CN"/>
-              <a:t>window.removeEventListener('resize', funcName)</a:t>
-            </a:r>
-            <a:endParaRPr lang="en-US" altLang="zh-CN"/>
-          </a:p>
-          <a:p>
-            <a:r>
-              <a:rPr lang="en-US" altLang="zh-CN"/>
-              <a:t>window.innerWidth, window.innerHeight</a:t>
-            </a:r>
-            <a:endParaRPr lang="en-US" altLang="zh-CN"/>
+        <p:spPr>
+          <a:xfrm>
+            <a:off x="838200" y="1211580"/>
+            <a:ext cx="10515600" cy="5217160"/>
+          </a:xfrm>
+        </p:spPr>
+        <p:txBody>
+          <a:bodyPr>
+            <a:normAutofit fontScale="60000"/>
+          </a:bodyPr>
+          <a:p>
+            <a:r>
+              <a:rPr lang="zh-CN" altLang="en-US"/>
+              <a:t>https://github.com/kazupon/vue-i18n</a:t>
+            </a:r>
+            <a:endParaRPr lang="zh-CN" altLang="en-US"/>
+          </a:p>
+          <a:p>
+            <a:r>
+              <a:rPr lang="en-US" altLang="zh-CN"/>
+              <a:t>vue add i18n</a:t>
+            </a:r>
+            <a:endParaRPr lang="en-US" altLang="zh-CN"/>
+          </a:p>
+          <a:p>
+            <a:r>
+              <a:rPr lang="en-US" altLang="zh-CN"/>
+              <a:t>Formatting</a:t>
+            </a:r>
+            <a:endParaRPr lang="en-US" altLang="zh-CN"/>
+          </a:p>
+          <a:p>
+            <a:pPr lvl="1"/>
+            <a:r>
+              <a:rPr lang="en-US" altLang="zh-CN"/>
+              <a:t>Named formatting</a:t>
+            </a:r>
+            <a:endParaRPr lang="en-US" altLang="zh-CN"/>
+          </a:p>
+          <a:p>
+            <a:pPr lvl="1"/>
+            <a:r>
+              <a:rPr lang="en-US" altLang="zh-CN"/>
+              <a:t>List formatting</a:t>
+            </a:r>
+            <a:endParaRPr lang="en-US" altLang="zh-CN"/>
+          </a:p>
+          <a:p>
+            <a:pPr lvl="1"/>
+            <a:r>
+              <a:rPr lang="en-US" altLang="zh-CN"/>
+              <a:t>HTML formatting</a:t>
+            </a:r>
+            <a:endParaRPr lang="en-US" altLang="zh-CN"/>
+          </a:p>
+          <a:p>
+            <a:pPr lvl="1"/>
+            <a:r>
+              <a:rPr lang="en-US" altLang="zh-CN"/>
+              <a:t>Custom formatting</a:t>
+            </a:r>
+            <a:endParaRPr lang="en-US" altLang="zh-CN"/>
+          </a:p>
+          <a:p>
+            <a:pPr lvl="0"/>
+            <a:r>
+              <a:rPr lang="en-US" altLang="zh-CN" sz="2400"/>
+              <a:t>Pluralization</a:t>
+            </a:r>
+            <a:endParaRPr lang="en-US" altLang="zh-CN" sz="2400"/>
+          </a:p>
+          <a:p>
+            <a:pPr lvl="1"/>
+            <a:r>
+              <a:rPr lang="en-US" altLang="zh-CN" sz="2000"/>
+              <a:t>$tc()</a:t>
+            </a:r>
+            <a:endParaRPr lang="en-US" altLang="zh-CN" sz="2000"/>
+          </a:p>
+          <a:p>
+            <a:pPr lvl="0"/>
+            <a:r>
+              <a:rPr lang="en-US" altLang="zh-CN" sz="2400"/>
+              <a:t>Datetime localization</a:t>
+            </a:r>
+            <a:endParaRPr lang="en-US" altLang="zh-CN" sz="2400"/>
+          </a:p>
+          <a:p>
+            <a:pPr lvl="1"/>
+            <a:r>
+              <a:rPr lang="en-US" altLang="zh-CN" sz="2000"/>
+              <a:t>$d()</a:t>
+            </a:r>
+            <a:endParaRPr lang="en-US" altLang="zh-CN" sz="2000"/>
+          </a:p>
+          <a:p>
+            <a:pPr lvl="0"/>
+            <a:r>
+              <a:rPr lang="en-US" altLang="zh-CN" sz="2400"/>
+              <a:t>Number formatting</a:t>
+            </a:r>
+            <a:endParaRPr lang="en-US" altLang="zh-CN" sz="2400"/>
+          </a:p>
+          <a:p>
+            <a:pPr lvl="1"/>
+            <a:r>
+              <a:rPr lang="en-US" altLang="zh-CN" sz="2000"/>
+              <a:t>&lt;i18n-n :value=”...”&gt;&lt;/i18n&gt;</a:t>
+            </a:r>
+            <a:endParaRPr lang="en-US" altLang="zh-CN" sz="2000"/>
+          </a:p>
+          <a:p>
+            <a:pPr lvl="0"/>
+            <a:r>
+              <a:rPr lang="en-US" altLang="zh-CN" sz="2400"/>
+              <a:t>v-t</a:t>
+            </a:r>
+            <a:endParaRPr lang="en-US" altLang="zh-CN" sz="2400"/>
+          </a:p>
+          <a:p>
+            <a:pPr lvl="1"/>
+            <a:r>
+              <a:rPr lang="en-US" altLang="zh-CN" sz="2000"/>
+              <a:t>better performance than $t</a:t>
+            </a:r>
+            <a:endParaRPr lang="en-US" altLang="zh-CN" sz="2000"/>
+          </a:p>
+          <a:p>
+            <a:pPr lvl="0"/>
+            <a:r>
+              <a:rPr lang="en-US" altLang="zh-CN" sz="2400"/>
+              <a:t>npm i --save-dev @kazupon/vue-i18n-loader</a:t>
+            </a:r>
+            <a:endParaRPr lang="en-US" altLang="zh-CN" sz="2400"/>
+          </a:p>
+          <a:p>
+            <a:pPr lvl="0"/>
+            <a:r>
+              <a:rPr lang="en-US" altLang="zh-CN" sz="2400"/>
+              <a:t>vue-cli-plugin-i18n</a:t>
+            </a:r>
+            <a:endParaRPr lang="en-US" altLang="zh-CN" sz="2400"/>
+          </a:p>
+          <a:p>
+            <a:pPr lvl="0"/>
+            <a:r>
+              <a:rPr lang="en-US" altLang="zh-CN"/>
+              <a:t>BabelEdit: translation editor</a:t>
+            </a:r>
+            <a:endParaRPr lang="en-US" altLang="zh-CN"/>
+          </a:p>
+          <a:p>
+            <a:pPr lvl="1"/>
+            <a:endParaRPr lang="en-US" altLang="zh-CN"/>
+          </a:p>
+        </p:txBody>
+      </p:sp>
+      <p:sp>
+        <p:nvSpPr>
+          <p:cNvPr id="4" name="文本框 3"/>
+          <p:cNvSpPr txBox="1"/>
+          <p:nvPr/>
+        </p:nvSpPr>
+        <p:spPr>
+          <a:xfrm>
+            <a:off x="9415145" y="914400"/>
+            <a:ext cx="2123440" cy="2584450"/>
+          </a:xfrm>
+          <a:prstGeom prst="rect">
+            <a:avLst/>
+          </a:prstGeom>
+          <a:noFill/>
+          <a:ln>
+            <a:solidFill>
+              <a:schemeClr val="accent2"/>
+            </a:solidFill>
+          </a:ln>
+        </p:spPr>
+        <p:txBody>
+          <a:bodyPr wrap="square" rtlCol="0">
+            <a:spAutoFit/>
+          </a:bodyPr>
+          <a:p>
+            <a:r>
+              <a:rPr lang="zh-CN" altLang="en-US"/>
+              <a:t>const messages = {</a:t>
+            </a:r>
+            <a:endParaRPr lang="zh-CN" altLang="en-US"/>
+          </a:p>
+          <a:p>
+            <a:r>
+              <a:rPr lang="zh-CN" altLang="en-US"/>
+              <a:t>  en: {</a:t>
+            </a:r>
+            <a:endParaRPr lang="zh-CN" altLang="en-US"/>
+          </a:p>
+          <a:p>
+            <a:r>
+              <a:rPr lang="zh-CN" altLang="en-US"/>
+              <a:t>    message: {</a:t>
+            </a:r>
+            <a:endParaRPr lang="zh-CN" altLang="en-US"/>
+          </a:p>
+          <a:p>
+            <a:r>
+              <a:rPr lang="zh-CN" altLang="en-US"/>
+              <a:t>      hello: '{msg} world'</a:t>
+            </a:r>
+            <a:endParaRPr lang="zh-CN" altLang="en-US"/>
+          </a:p>
+          <a:p>
+            <a:r>
+              <a:rPr lang="zh-CN" altLang="en-US"/>
+              <a:t>    }</a:t>
+            </a:r>
+            <a:endParaRPr lang="zh-CN" altLang="en-US"/>
+          </a:p>
+          <a:p>
+            <a:r>
+              <a:rPr lang="zh-CN" altLang="en-US"/>
+              <a:t>  }</a:t>
+            </a:r>
+            <a:endParaRPr lang="zh-CN" altLang="en-US"/>
+          </a:p>
+          <a:p>
+            <a:r>
+              <a:rPr lang="zh-CN" altLang="en-US"/>
+              <a:t>}</a:t>
+            </a:r>
+            <a:endParaRPr lang="zh-CN" altLang="en-US"/>
+          </a:p>
+        </p:txBody>
+      </p:sp>
+      <p:sp>
+        <p:nvSpPr>
+          <p:cNvPr id="5" name="文本框 4"/>
+          <p:cNvSpPr txBox="1"/>
+          <p:nvPr/>
+        </p:nvSpPr>
+        <p:spPr>
+          <a:xfrm>
+            <a:off x="3856990" y="2405380"/>
+            <a:ext cx="5184775" cy="368300"/>
+          </a:xfrm>
+          <a:prstGeom prst="rect">
+            <a:avLst/>
+          </a:prstGeom>
+          <a:noFill/>
+          <a:ln>
+            <a:solidFill>
+              <a:schemeClr val="accent2"/>
+            </a:solidFill>
+          </a:ln>
+        </p:spPr>
+        <p:txBody>
+          <a:bodyPr wrap="square" rtlCol="0">
+            <a:spAutoFit/>
+          </a:bodyPr>
+          <a:p>
+            <a:r>
+              <a:rPr lang="zh-CN" altLang="en-US"/>
+              <a:t>&lt;p&gt;{{ $t('message.hello', { msg: 'hello' }) }}&lt;/p&gt;</a:t>
+            </a:r>
+            <a:endParaRPr lang="zh-CN" altLang="en-US"/>
+          </a:p>
+        </p:txBody>
+      </p:sp>
+      <p:sp>
+        <p:nvSpPr>
+          <p:cNvPr id="6" name="文本框 5"/>
+          <p:cNvSpPr txBox="1"/>
+          <p:nvPr/>
+        </p:nvSpPr>
+        <p:spPr>
+          <a:xfrm>
+            <a:off x="3856990" y="2881630"/>
+            <a:ext cx="5133975" cy="368300"/>
+          </a:xfrm>
+          <a:prstGeom prst="rect">
+            <a:avLst/>
+          </a:prstGeom>
+          <a:noFill/>
+          <a:ln>
+            <a:solidFill>
+              <a:schemeClr val="accent2"/>
+            </a:solidFill>
+          </a:ln>
+        </p:spPr>
+        <p:txBody>
+          <a:bodyPr wrap="square" rtlCol="0">
+            <a:spAutoFit/>
+          </a:bodyPr>
+          <a:p>
+            <a:r>
+              <a:rPr lang="zh-CN" altLang="en-US"/>
+              <a:t>&lt;p&gt;{{ $t('message.hello', ['hello']) }}&lt;/p&gt;</a:t>
+            </a:r>
+            <a:endParaRPr lang="zh-CN" altLang="en-US"/>
+          </a:p>
+        </p:txBody>
+      </p:sp>
+      <p:sp>
+        <p:nvSpPr>
+          <p:cNvPr id="7" name="文本框 6"/>
+          <p:cNvSpPr txBox="1"/>
+          <p:nvPr/>
+        </p:nvSpPr>
+        <p:spPr>
+          <a:xfrm>
+            <a:off x="3856990" y="3302000"/>
+            <a:ext cx="5133975" cy="368300"/>
+          </a:xfrm>
+          <a:prstGeom prst="rect">
+            <a:avLst/>
+          </a:prstGeom>
+          <a:noFill/>
+          <a:ln>
+            <a:solidFill>
+              <a:schemeClr val="accent2"/>
+            </a:solidFill>
+          </a:ln>
+        </p:spPr>
+        <p:txBody>
+          <a:bodyPr wrap="square" rtlCol="0">
+            <a:spAutoFit/>
+          </a:bodyPr>
+          <a:p>
+            <a:r>
+              <a:rPr lang="zh-CN" altLang="en-US"/>
+              <a:t>&lt;p v-html="$t('message.hello')"&gt;&lt;/p&gt;</a:t>
+            </a:r>
+            <a:endParaRPr lang="zh-CN" altLang="en-US"/>
+          </a:p>
+        </p:txBody>
+      </p:sp>
+      <p:sp>
+        <p:nvSpPr>
+          <p:cNvPr id="8" name="文本框 7"/>
+          <p:cNvSpPr txBox="1"/>
+          <p:nvPr/>
+        </p:nvSpPr>
+        <p:spPr>
+          <a:xfrm>
+            <a:off x="8669655" y="4206240"/>
+            <a:ext cx="2868930" cy="1753235"/>
+          </a:xfrm>
+          <a:prstGeom prst="rect">
+            <a:avLst/>
+          </a:prstGeom>
+          <a:noFill/>
+          <a:ln>
+            <a:solidFill>
+              <a:schemeClr val="accent2"/>
+            </a:solidFill>
+          </a:ln>
+        </p:spPr>
+        <p:txBody>
+          <a:bodyPr wrap="square" rtlCol="0">
+            <a:spAutoFit/>
+          </a:bodyPr>
+          <a:p>
+            <a:r>
+              <a:rPr lang="zh-CN" altLang="en-US"/>
+              <a:t>const i18n = new VueI18n({</a:t>
+            </a:r>
+            <a:endParaRPr lang="zh-CN" altLang="en-US"/>
+          </a:p>
+          <a:p>
+            <a:r>
+              <a:rPr lang="zh-CN" altLang="en-US"/>
+              <a:t>  locale: 'ja',</a:t>
+            </a:r>
+            <a:endParaRPr lang="zh-CN" altLang="en-US"/>
+          </a:p>
+          <a:p>
+            <a:r>
+              <a:rPr lang="zh-CN" altLang="en-US"/>
+              <a:t>  fallbackLocale: 'en',</a:t>
+            </a:r>
+            <a:endParaRPr lang="zh-CN" altLang="en-US"/>
+          </a:p>
+          <a:p>
+            <a:r>
+              <a:rPr lang="zh-CN" altLang="en-US"/>
+              <a:t>  messages</a:t>
+            </a:r>
+            <a:endParaRPr lang="zh-CN" altLang="en-US"/>
+          </a:p>
+          <a:p>
+            <a:r>
+              <a:rPr lang="zh-CN" altLang="en-US"/>
+              <a:t>})</a:t>
+            </a:r>
+            <a:endParaRPr lang="zh-CN" altLang="en-US"/>
           </a:p>
         </p:txBody>
       </p:sp>
@@ -5277,7 +5235,7 @@
           <a:p>
             <a:r>
               <a:rPr lang="en-US" altLang="zh-CN"/>
-              <a:t>Element UI</a:t>
+              <a:t>Axios</a:t>
             </a:r>
             <a:endParaRPr lang="en-US" altLang="zh-CN"/>
           </a:p>
@@ -5298,36 +5256,308 @@
           <a:bodyPr/>
           <a:p>
             <a:r>
+              <a:rPr lang="en-US" altLang="zh-CN"/>
+              <a:t>npm install axios vue-axios</a:t>
+            </a:r>
+            <a:endParaRPr lang="en-US" altLang="zh-CN"/>
+          </a:p>
+          <a:p>
+            <a:r>
+              <a:rPr lang="en-US" altLang="zh-CN"/>
+              <a:t>request</a:t>
+            </a:r>
+            <a:endParaRPr lang="en-US" altLang="zh-CN"/>
+          </a:p>
+          <a:p>
+            <a:pPr lvl="1"/>
+            <a:r>
+              <a:rPr lang="en-US" altLang="zh-CN" sz="2000"/>
+              <a:t>get, post</a:t>
+            </a:r>
+            <a:endParaRPr lang="en-US" altLang="zh-CN" sz="2000"/>
+          </a:p>
+          <a:p>
+            <a:pPr lvl="0"/>
+            <a:r>
+              <a:rPr lang="en-US" altLang="zh-CN"/>
+              <a:t>response</a:t>
+            </a:r>
+            <a:endParaRPr lang="en-US" altLang="zh-CN"/>
+          </a:p>
+          <a:p>
+            <a:pPr lvl="0"/>
+            <a:r>
+              <a:rPr lang="en-US" altLang="zh-CN"/>
+              <a:t>axios.interceptors.request.use(...)</a:t>
+            </a:r>
+            <a:endParaRPr lang="en-US" altLang="zh-CN"/>
+          </a:p>
+          <a:p>
+            <a:pPr lvl="0"/>
+            <a:r>
+              <a:rPr lang="en-US" altLang="zh-CN"/>
+              <a:t>axios.interceptors.response.use(...)</a:t>
+            </a:r>
+            <a:endParaRPr lang="en-US" altLang="zh-CN"/>
+          </a:p>
+          <a:p>
+            <a:pPr lvl="0"/>
+            <a:r>
+              <a:rPr lang="en-US" altLang="zh-CN"/>
+              <a:t>Serialize</a:t>
+            </a:r>
+            <a:endParaRPr lang="en-US" altLang="zh-CN"/>
+          </a:p>
+          <a:p>
+            <a:pPr lvl="1"/>
+            <a:r>
+              <a:rPr lang="en-US" altLang="zh-CN" sz="2000"/>
+              <a:t>default: json</a:t>
+            </a:r>
+            <a:endParaRPr lang="en-US" altLang="zh-CN"/>
+          </a:p>
+          <a:p>
+            <a:endParaRPr lang="en-US" altLang="zh-CN"/>
+          </a:p>
+        </p:txBody>
+      </p:sp>
+      <p:sp>
+        <p:nvSpPr>
+          <p:cNvPr id="4" name="文本框 3"/>
+          <p:cNvSpPr txBox="1"/>
+          <p:nvPr/>
+        </p:nvSpPr>
+        <p:spPr>
+          <a:xfrm>
+            <a:off x="6494145" y="4746625"/>
+            <a:ext cx="3139440" cy="1814830"/>
+          </a:xfrm>
+          <a:prstGeom prst="rect">
+            <a:avLst/>
+          </a:prstGeom>
+          <a:noFill/>
+          <a:ln>
+            <a:solidFill>
+              <a:srgbClr val="0070C0"/>
+            </a:solidFill>
+          </a:ln>
+        </p:spPr>
+        <p:txBody>
+          <a:bodyPr wrap="square" rtlCol="0">
+            <a:spAutoFit/>
+          </a:bodyPr>
+          <a:p>
+            <a:r>
+              <a:rPr lang="zh-CN" altLang="en-US" sz="1600"/>
+              <a:t>axios.get('/user?ID=12345')</a:t>
+            </a:r>
+            <a:endParaRPr lang="zh-CN" altLang="en-US" sz="1600"/>
+          </a:p>
+          <a:p>
+            <a:r>
+              <a:rPr lang="zh-CN" altLang="en-US" sz="1600"/>
+              <a:t>  .then(function (response) {</a:t>
+            </a:r>
+            <a:endParaRPr lang="zh-CN" altLang="en-US" sz="1600"/>
+          </a:p>
+          <a:p>
+            <a:r>
+              <a:rPr lang="zh-CN" altLang="en-US" sz="1600"/>
+              <a:t>    console.log(response);</a:t>
+            </a:r>
+            <a:endParaRPr lang="zh-CN" altLang="en-US" sz="1600"/>
+          </a:p>
+          <a:p>
+            <a:r>
+              <a:rPr lang="zh-CN" altLang="en-US" sz="1600"/>
+              <a:t>  })</a:t>
+            </a:r>
+            <a:endParaRPr lang="zh-CN" altLang="en-US" sz="1600"/>
+          </a:p>
+          <a:p>
+            <a:r>
+              <a:rPr lang="zh-CN" altLang="en-US" sz="1600"/>
+              <a:t>  .catch(function (error) {</a:t>
+            </a:r>
+            <a:endParaRPr lang="zh-CN" altLang="en-US" sz="1600"/>
+          </a:p>
+          <a:p>
+            <a:r>
+              <a:rPr lang="zh-CN" altLang="en-US" sz="1600"/>
+              <a:t>    console.log(error);</a:t>
+            </a:r>
+            <a:endParaRPr lang="zh-CN" altLang="en-US" sz="1600"/>
+          </a:p>
+          <a:p>
+            <a:r>
+              <a:rPr lang="zh-CN" altLang="en-US" sz="1600"/>
+              <a:t>  });</a:t>
+            </a:r>
+            <a:endParaRPr lang="zh-CN" altLang="en-US" sz="1600"/>
+          </a:p>
+        </p:txBody>
+      </p:sp>
+      <p:sp>
+        <p:nvSpPr>
+          <p:cNvPr id="5" name="文本框 4"/>
+          <p:cNvSpPr txBox="1"/>
+          <p:nvPr/>
+        </p:nvSpPr>
+        <p:spPr>
+          <a:xfrm>
+            <a:off x="6494145" y="1096645"/>
+            <a:ext cx="3846830" cy="3415030"/>
+          </a:xfrm>
+          <a:prstGeom prst="rect">
+            <a:avLst/>
+          </a:prstGeom>
+          <a:noFill/>
+          <a:ln>
+            <a:solidFill>
+              <a:srgbClr val="0070C0"/>
+            </a:solidFill>
+          </a:ln>
+        </p:spPr>
+        <p:txBody>
+          <a:bodyPr wrap="square" rtlCol="0">
+            <a:spAutoFit/>
+          </a:bodyPr>
+          <a:p>
+            <a:r>
               <a:rPr lang="zh-CN" altLang="en-US"/>
-              <a:t>https://element.eleme.cn</a:t>
+              <a:t>axios.post('/user', {</a:t>
             </a:r>
             <a:endParaRPr lang="zh-CN" altLang="en-US"/>
           </a:p>
           <a:p>
             <a:r>
-              <a:rPr lang="en-US" altLang="zh-CN"/>
-              <a:t>$msgbox(options)</a:t>
-            </a:r>
-            <a:endParaRPr lang="en-US" altLang="zh-CN"/>
-          </a:p>
-          <a:p>
-            <a:r>
-              <a:rPr lang="en-US" altLang="zh-CN"/>
-              <a:t>$alert(message, title, options)</a:t>
-            </a:r>
-            <a:endParaRPr lang="en-US" altLang="zh-CN"/>
-          </a:p>
-          <a:p>
-            <a:r>
-              <a:rPr lang="en-US" altLang="zh-CN"/>
-              <a:t>$confirm(message, title, options)</a:t>
-            </a:r>
-            <a:endParaRPr lang="en-US" altLang="zh-CN"/>
-          </a:p>
-          <a:p>
-            <a:r>
-              <a:rPr lang="en-US" altLang="zh-CN"/>
-              <a:t>$prompt(message, title, options)	// prompt input</a:t>
+              <a:rPr lang="zh-CN" altLang="en-US"/>
+              <a:t>    firstName: 'Fred',        // 参数 firstName</a:t>
+            </a:r>
+            <a:endParaRPr lang="zh-CN" altLang="en-US"/>
+          </a:p>
+          <a:p>
+            <a:r>
+              <a:rPr lang="zh-CN" altLang="en-US"/>
+              <a:t>    lastName: 'Flintstone'    // 参数 lastName</a:t>
+            </a:r>
+            <a:endParaRPr lang="zh-CN" altLang="en-US"/>
+          </a:p>
+          <a:p>
+            <a:r>
+              <a:rPr lang="zh-CN" altLang="en-US"/>
+              <a:t>  })</a:t>
+            </a:r>
+            <a:endParaRPr lang="zh-CN" altLang="en-US"/>
+          </a:p>
+          <a:p>
+            <a:r>
+              <a:rPr lang="zh-CN" altLang="en-US"/>
+              <a:t>  .then(function (response) {</a:t>
+            </a:r>
+            <a:endParaRPr lang="zh-CN" altLang="en-US"/>
+          </a:p>
+          <a:p>
+            <a:r>
+              <a:rPr lang="zh-CN" altLang="en-US"/>
+              <a:t>    console.log(response);</a:t>
+            </a:r>
+            <a:endParaRPr lang="zh-CN" altLang="en-US"/>
+          </a:p>
+          <a:p>
+            <a:r>
+              <a:rPr lang="zh-CN" altLang="en-US"/>
+              <a:t>  })</a:t>
+            </a:r>
+            <a:endParaRPr lang="zh-CN" altLang="en-US"/>
+          </a:p>
+          <a:p>
+            <a:r>
+              <a:rPr lang="zh-CN" altLang="en-US"/>
+              <a:t>  .catch(function (error) {</a:t>
+            </a:r>
+            <a:endParaRPr lang="zh-CN" altLang="en-US"/>
+          </a:p>
+          <a:p>
+            <a:r>
+              <a:rPr lang="zh-CN" altLang="en-US"/>
+              <a:t>    console.log(error);</a:t>
+            </a:r>
+            <a:endParaRPr lang="zh-CN" altLang="en-US"/>
+          </a:p>
+          <a:p>
+            <a:r>
+              <a:rPr lang="zh-CN" altLang="en-US"/>
+              <a:t>  });</a:t>
+            </a:r>
+            <a:endParaRPr lang="zh-CN" altLang="en-US"/>
+          </a:p>
+        </p:txBody>
+      </p:sp>
+      <p:sp>
+        <p:nvSpPr>
+          <p:cNvPr id="6" name="文本框 5"/>
+          <p:cNvSpPr txBox="1"/>
+          <p:nvPr/>
+        </p:nvSpPr>
+        <p:spPr>
+          <a:xfrm>
+            <a:off x="9942195" y="4746625"/>
+            <a:ext cx="1685925" cy="1753235"/>
+          </a:xfrm>
+          <a:prstGeom prst="rect">
+            <a:avLst/>
+          </a:prstGeom>
+          <a:noFill/>
+          <a:ln>
+            <a:solidFill>
+              <a:srgbClr val="0070C0"/>
+            </a:solidFill>
+          </a:ln>
+        </p:spPr>
+        <p:txBody>
+          <a:bodyPr wrap="square" rtlCol="0">
+            <a:spAutoFit/>
+          </a:bodyPr>
+          <a:p>
+            <a:r>
+              <a:rPr lang="en-US" altLang="zh-CN"/>
+              <a:t>response:</a:t>
+            </a:r>
+            <a:endParaRPr lang="en-US" altLang="zh-CN"/>
+          </a:p>
+          <a:p>
+            <a:r>
+              <a:rPr lang="en-US" altLang="zh-CN"/>
+              <a:t>- data: {}</a:t>
+            </a:r>
+            <a:endParaRPr lang="en-US" altLang="zh-CN"/>
+          </a:p>
+          <a:p>
+            <a:r>
+              <a:rPr lang="en-US" altLang="zh-CN"/>
+              <a:t>- status</a:t>
+            </a:r>
+            <a:endParaRPr lang="en-US" altLang="zh-CN"/>
+          </a:p>
+          <a:p>
+            <a:r>
+              <a:rPr lang="en-US" altLang="zh-CN"/>
+              <a:t>- statusText</a:t>
+            </a:r>
+            <a:endParaRPr lang="en-US" altLang="zh-CN"/>
+          </a:p>
+          <a:p>
+            <a:r>
+              <a:rPr lang="en-US" altLang="zh-CN"/>
+              <a:t>- headers: {}</a:t>
+            </a:r>
+            <a:endParaRPr lang="en-US" altLang="zh-CN"/>
+          </a:p>
+          <a:p>
+            <a:r>
+              <a:rPr lang="en-US" altLang="zh-CN"/>
+              <a:t>- config: {}</a:t>
             </a:r>
             <a:endParaRPr lang="en-US" altLang="zh-CN"/>
           </a:p>
@@ -5367,7 +5597,7 @@
           <a:p>
             <a:r>
               <a:rPr lang="en-US" altLang="zh-CN"/>
-              <a:t>Plugin</a:t>
+              <a:t>Share Data Between Components</a:t>
             </a:r>
             <a:endParaRPr lang="en-US" altLang="zh-CN"/>
           </a:p>
@@ -5389,7 +5619,7 @@
           <a:p>
             <a:r>
               <a:rPr lang="en-US" altLang="zh-CN"/>
-              <a:t>Vuetify</a:t>
+              <a:t>Parent -&gt; child</a:t>
             </a:r>
             <a:endParaRPr lang="en-US" altLang="zh-CN"/>
           </a:p>
@@ -5397,23 +5627,15 @@
             <a:pPr lvl="1"/>
             <a:r>
               <a:rPr lang="en-US" altLang="zh-CN"/>
-              <a:t>Install</a:t>
-            </a:r>
-            <a:endParaRPr lang="en-US" altLang="zh-CN"/>
-          </a:p>
-          <a:p>
-            <a:pPr lvl="2"/>
-            <a:r>
-              <a:rPr lang="en-US" altLang="zh-CN" sz="1800"/>
-              <a:t>vue add vuetify</a:t>
-            </a:r>
-            <a:endParaRPr lang="en-US" altLang="zh-CN" sz="1800"/>
-          </a:p>
-          <a:p>
-            <a:pPr lvl="2"/>
-            <a:r>
-              <a:rPr lang="en-US" altLang="zh-CN" sz="1800"/>
-              <a:t>npm install vuetify --save</a:t>
+              <a:t>props</a:t>
+            </a:r>
+            <a:endParaRPr lang="en-US" altLang="zh-CN"/>
+          </a:p>
+          <a:p>
+            <a:pPr lvl="0"/>
+            <a:r>
+              <a:rPr lang="en-US" altLang="zh-CN"/>
+              <a:t>Events</a:t>
             </a:r>
             <a:endParaRPr lang="en-US" altLang="zh-CN"/>
           </a:p>
@@ -5421,31 +5643,7 @@
             <a:pPr lvl="1"/>
             <a:r>
               <a:rPr lang="en-US" altLang="zh-CN"/>
-              <a:t>Ref</a:t>
-            </a:r>
-            <a:endParaRPr lang="en-US" altLang="zh-CN"/>
-          </a:p>
-          <a:p>
-            <a:pPr lvl="2"/>
-            <a:r>
-              <a:rPr lang="en-US" altLang="zh-CN"/>
-              <a:t>https://vuetifyjs.com</a:t>
-            </a:r>
-            <a:endParaRPr lang="en-US" altLang="zh-CN"/>
-          </a:p>
-          <a:p>
-            <a:pPr lvl="0"/>
-            <a:r>
-              <a:rPr lang="en-US" altLang="zh-CN"/>
-              <a:t>Vue-element-admin</a:t>
-            </a:r>
-            <a:endParaRPr lang="en-US" altLang="zh-CN"/>
-          </a:p>
-          <a:p>
-            <a:pPr lvl="0"/>
-            <a:r>
-              <a:rPr lang="en-US" altLang="zh-CN"/>
-              <a:t>vue-resize-directive</a:t>
+              <a:t>this.$emit(“msg”)</a:t>
             </a:r>
             <a:endParaRPr lang="en-US" altLang="zh-CN"/>
           </a:p>
@@ -5453,15 +5651,7 @@
             <a:pPr lvl="1"/>
             <a:r>
               <a:rPr lang="en-US" altLang="zh-CN"/>
-              <a:t>npm install vue-resize-directive --save</a:t>
-            </a:r>
-            <a:endParaRPr lang="en-US" altLang="zh-CN"/>
-          </a:p>
-          <a:p>
-            <a:pPr lvl="1"/>
-            <a:r>
-              <a:rPr lang="en-US" altLang="zh-CN"/>
-              <a:t>import resize from 'vue-resize-directive'</a:t>
+              <a:t>@msg='method'</a:t>
             </a:r>
             <a:endParaRPr lang="en-US" altLang="zh-CN"/>
           </a:p>
@@ -5501,7 +5691,7 @@
           <a:p>
             <a:r>
               <a:rPr lang="en-US" altLang="zh-CN"/>
-              <a:t>Module System</a:t>
+              <a:t>Window</a:t>
             </a:r>
             <a:endParaRPr lang="en-US" altLang="zh-CN"/>
           </a:p>
@@ -5523,7 +5713,21 @@
           <a:p>
             <a:r>
               <a:rPr lang="en-US" altLang="zh-CN"/>
-              <a:t>Webpack</a:t>
+              <a:t>window.addEventListener('resize', funcName)</a:t>
+            </a:r>
+            <a:endParaRPr lang="en-US" altLang="zh-CN"/>
+          </a:p>
+          <a:p>
+            <a:r>
+              <a:rPr lang="en-US" altLang="zh-CN"/>
+              <a:t>window.removeEventListener('resize', funcName)</a:t>
+            </a:r>
+            <a:endParaRPr lang="en-US" altLang="zh-CN"/>
+          </a:p>
+          <a:p>
+            <a:r>
+              <a:rPr lang="en-US" altLang="zh-CN"/>
+              <a:t>window.innerWidth, window.innerHeight</a:t>
             </a:r>
             <a:endParaRPr lang="en-US" altLang="zh-CN"/>
           </a:p>
@@ -5538,6 +5742,511 @@
 </file>
 
 <file path=ppt/slides/slide19.xml><?xml version="1.0" encoding="utf-8"?>
+<p:sld xmlns:a="http://schemas.openxmlformats.org/drawingml/2006/main" xmlns:r="http://schemas.openxmlformats.org/officeDocument/2006/relationships" xmlns:p="http://schemas.openxmlformats.org/presentationml/2006/main">
+  <p:cSld>
+    <p:spTree>
+      <p:nvGrpSpPr>
+        <p:cNvPr id="1" name=""/>
+        <p:cNvGrpSpPr/>
+        <p:nvPr/>
+      </p:nvGrpSpPr>
+      <p:grpSpPr/>
+      <p:sp>
+        <p:nvSpPr>
+          <p:cNvPr id="2" name="标题 1"/>
+          <p:cNvSpPr>
+            <a:spLocks noGrp="1"/>
+          </p:cNvSpPr>
+          <p:nvPr>
+            <p:ph type="title"/>
+          </p:nvPr>
+        </p:nvSpPr>
+        <p:spPr/>
+        <p:txBody>
+          <a:bodyPr/>
+          <a:p>
+            <a:r>
+              <a:rPr lang="en-US" altLang="zh-CN"/>
+              <a:t>Storage</a:t>
+            </a:r>
+            <a:endParaRPr lang="en-US" altLang="zh-CN"/>
+          </a:p>
+        </p:txBody>
+      </p:sp>
+      <p:sp>
+        <p:nvSpPr>
+          <p:cNvPr id="3" name="内容占位符 2"/>
+          <p:cNvSpPr>
+            <a:spLocks noGrp="1"/>
+          </p:cNvSpPr>
+          <p:nvPr>
+            <p:ph idx="1"/>
+          </p:nvPr>
+        </p:nvSpPr>
+        <p:spPr/>
+        <p:txBody>
+          <a:bodyPr/>
+          <a:p>
+            <a:r>
+              <a:rPr lang="en-US" altLang="zh-CN"/>
+              <a:t>Session storage</a:t>
+            </a:r>
+            <a:endParaRPr lang="en-US" altLang="zh-CN"/>
+          </a:p>
+          <a:p>
+            <a:pPr lvl="1"/>
+            <a:r>
+              <a:rPr lang="en-US" altLang="zh-CN" sz="2000"/>
+              <a:t>sessionStorage.setItem(key, value)</a:t>
+            </a:r>
+            <a:endParaRPr lang="en-US" altLang="zh-CN" sz="2000"/>
+          </a:p>
+          <a:p>
+            <a:pPr lvl="1"/>
+            <a:r>
+              <a:rPr lang="en-US" altLang="zh-CN" sz="2000"/>
+              <a:t>sessionStorage.getItem(key)</a:t>
+            </a:r>
+            <a:endParaRPr lang="en-US" altLang="zh-CN"/>
+          </a:p>
+          <a:p>
+            <a:r>
+              <a:rPr lang="en-US" altLang="zh-CN"/>
+              <a:t>Local storage</a:t>
+            </a:r>
+            <a:endParaRPr lang="en-US" altLang="zh-CN"/>
+          </a:p>
+          <a:p>
+            <a:pPr lvl="1"/>
+            <a:r>
+              <a:rPr lang="en-US" altLang="zh-CN">
+                <a:sym typeface="+mn-ea"/>
+              </a:rPr>
+              <a:t>localStorage.setItem(key, value)</a:t>
+            </a:r>
+            <a:endParaRPr lang="en-US" altLang="zh-CN"/>
+          </a:p>
+          <a:p>
+            <a:pPr lvl="1"/>
+            <a:r>
+              <a:rPr lang="en-US" altLang="zh-CN">
+                <a:sym typeface="+mn-ea"/>
+              </a:rPr>
+              <a:t>localStorage</a:t>
+            </a:r>
+            <a:r>
+              <a:rPr lang="en-US" altLang="zh-CN">
+                <a:sym typeface="+mn-ea"/>
+              </a:rPr>
+              <a:t>.getItem(key)</a:t>
+            </a:r>
+            <a:endParaRPr lang="en-US" altLang="zh-CN"/>
+          </a:p>
+          <a:p>
+            <a:pPr lvl="1"/>
+            <a:endParaRPr lang="en-US" altLang="zh-CN"/>
+          </a:p>
+        </p:txBody>
+      </p:sp>
+    </p:spTree>
+  </p:cSld>
+  <p:clrMapOvr>
+    <a:masterClrMapping/>
+  </p:clrMapOvr>
+</p:sld>
+</file>
+
+<file path=ppt/slides/slide2.xml><?xml version="1.0" encoding="utf-8"?>
+<p:sld xmlns:a="http://schemas.openxmlformats.org/drawingml/2006/main" xmlns:r="http://schemas.openxmlformats.org/officeDocument/2006/relationships" xmlns:p="http://schemas.openxmlformats.org/presentationml/2006/main">
+  <p:cSld>
+    <p:spTree>
+      <p:nvGrpSpPr>
+        <p:cNvPr id="1" name=""/>
+        <p:cNvGrpSpPr/>
+        <p:nvPr/>
+      </p:nvGrpSpPr>
+      <p:grpSpPr/>
+      <p:sp>
+        <p:nvSpPr>
+          <p:cNvPr id="4" name="标题 3"/>
+          <p:cNvSpPr>
+            <a:spLocks noGrp="1"/>
+          </p:cNvSpPr>
+          <p:nvPr>
+            <p:ph type="title"/>
+          </p:nvPr>
+        </p:nvSpPr>
+        <p:spPr/>
+        <p:txBody>
+          <a:bodyPr/>
+          <a:p>
+            <a:r>
+              <a:rPr lang="en-US" altLang="zh-CN"/>
+              <a:t>General</a:t>
+            </a:r>
+            <a:endParaRPr lang="en-US" altLang="zh-CN"/>
+          </a:p>
+        </p:txBody>
+      </p:sp>
+      <p:sp>
+        <p:nvSpPr>
+          <p:cNvPr id="5" name="文本占位符 4"/>
+          <p:cNvSpPr>
+            <a:spLocks noGrp="1"/>
+          </p:cNvSpPr>
+          <p:nvPr>
+            <p:ph type="body" idx="1"/>
+          </p:nvPr>
+        </p:nvSpPr>
+        <p:spPr/>
+        <p:txBody>
+          <a:bodyPr/>
+          <a:p>
+            <a:endParaRPr lang="zh-CN" altLang="en-US"/>
+          </a:p>
+        </p:txBody>
+      </p:sp>
+    </p:spTree>
+    <p:custDataLst>
+      <p:tags r:id="rId1"/>
+    </p:custDataLst>
+  </p:cSld>
+  <p:clrMapOvr>
+    <a:masterClrMapping/>
+  </p:clrMapOvr>
+</p:sld>
+</file>
+
+<file path=ppt/slides/slide20.xml><?xml version="1.0" encoding="utf-8"?>
+<p:sld xmlns:a="http://schemas.openxmlformats.org/drawingml/2006/main" xmlns:r="http://schemas.openxmlformats.org/officeDocument/2006/relationships" xmlns:p="http://schemas.openxmlformats.org/presentationml/2006/main">
+  <p:cSld>
+    <p:spTree>
+      <p:nvGrpSpPr>
+        <p:cNvPr id="1" name=""/>
+        <p:cNvGrpSpPr/>
+        <p:nvPr/>
+      </p:nvGrpSpPr>
+      <p:grpSpPr/>
+      <p:sp>
+        <p:nvSpPr>
+          <p:cNvPr id="2" name="标题 1"/>
+          <p:cNvSpPr>
+            <a:spLocks noGrp="1"/>
+          </p:cNvSpPr>
+          <p:nvPr>
+            <p:ph type="title"/>
+          </p:nvPr>
+        </p:nvSpPr>
+        <p:spPr/>
+        <p:txBody>
+          <a:bodyPr/>
+          <a:p>
+            <a:r>
+              <a:rPr lang="en-US" altLang="zh-CN"/>
+              <a:t>Load External JS</a:t>
+            </a:r>
+            <a:endParaRPr lang="en-US" altLang="zh-CN"/>
+          </a:p>
+        </p:txBody>
+      </p:sp>
+      <p:sp>
+        <p:nvSpPr>
+          <p:cNvPr id="3" name="内容占位符 2"/>
+          <p:cNvSpPr>
+            <a:spLocks noGrp="1"/>
+          </p:cNvSpPr>
+          <p:nvPr>
+            <p:ph idx="1"/>
+          </p:nvPr>
+        </p:nvSpPr>
+        <p:spPr/>
+        <p:txBody>
+          <a:bodyPr/>
+          <a:p>
+            <a:r>
+              <a:rPr lang="zh-CN" altLang="en-US"/>
+              <a:t>https://www.npmjs.com/package/vue-plugin-load-script</a:t>
+            </a:r>
+            <a:endParaRPr lang="zh-CN" altLang="en-US"/>
+          </a:p>
+          <a:p>
+            <a:r>
+              <a:rPr lang="en-US" altLang="zh-CN"/>
+              <a:t>Usage</a:t>
+            </a:r>
+            <a:endParaRPr lang="en-US" altLang="zh-CN"/>
+          </a:p>
+          <a:p>
+            <a:pPr lvl="1"/>
+            <a:r>
+              <a:rPr lang="en-US" altLang="zh-CN"/>
+              <a:t>In main.js</a:t>
+            </a:r>
+            <a:endParaRPr lang="en-US" altLang="zh-CN"/>
+          </a:p>
+          <a:p>
+            <a:pPr lvl="2"/>
+            <a:r>
+              <a:rPr lang="en-US" altLang="zh-CN"/>
+              <a:t>import LoadScript from 'vue-plugin-load-script'</a:t>
+            </a:r>
+            <a:endParaRPr lang="en-US" altLang="zh-CN" sz="1800"/>
+          </a:p>
+          <a:p>
+            <a:pPr lvl="2"/>
+            <a:r>
+              <a:rPr lang="en-US" altLang="zh-CN"/>
+              <a:t>Vue.use(LoadScript);</a:t>
+            </a:r>
+            <a:endParaRPr lang="en-US" altLang="zh-CN"/>
+          </a:p>
+          <a:p>
+            <a:pPr lvl="2"/>
+            <a:r>
+              <a:rPr lang="en-US" altLang="zh-CN"/>
+              <a:t>this.$loadScript("/js/jquery-2.2.4.min.js").then( () =&gt; {</a:t>
+            </a:r>
+            <a:endParaRPr lang="en-US" altLang="zh-CN"/>
+          </a:p>
+          <a:p>
+            <a:pPr lvl="2"/>
+            <a:r>
+              <a:rPr lang="en-US" altLang="zh-CN"/>
+              <a:t>})</a:t>
+            </a:r>
+            <a:endParaRPr lang="en-US" altLang="zh-CN"/>
+          </a:p>
+          <a:p>
+            <a:pPr lvl="2"/>
+            <a:r>
+              <a:rPr lang="en-US" altLang="zh-CN"/>
+              <a:t>.catch( () =&gt; {</a:t>
+            </a:r>
+            <a:endParaRPr lang="en-US" altLang="zh-CN"/>
+          </a:p>
+          <a:p>
+            <a:pPr lvl="2"/>
+            <a:r>
+              <a:rPr lang="en-US" altLang="zh-CN"/>
+              <a:t>})</a:t>
+            </a:r>
+            <a:endParaRPr lang="en-US" altLang="zh-CN"/>
+          </a:p>
+          <a:p>
+            <a:pPr lvl="2"/>
+            <a:r>
+              <a:rPr lang="en-US" altLang="zh-CN"/>
+              <a:t>this.$loadScript("https://maps.googleapis.com/maps/api/js")</a:t>
+            </a:r>
+            <a:endParaRPr lang="en-US" altLang="zh-CN"/>
+          </a:p>
+        </p:txBody>
+      </p:sp>
+    </p:spTree>
+  </p:cSld>
+  <p:clrMapOvr>
+    <a:masterClrMapping/>
+  </p:clrMapOvr>
+</p:sld>
+</file>
+
+<file path=ppt/slides/slide21.xml><?xml version="1.0" encoding="utf-8"?>
+<p:sld xmlns:a="http://schemas.openxmlformats.org/drawingml/2006/main" xmlns:r="http://schemas.openxmlformats.org/officeDocument/2006/relationships" xmlns:p="http://schemas.openxmlformats.org/presentationml/2006/main">
+  <p:cSld>
+    <p:spTree>
+      <p:nvGrpSpPr>
+        <p:cNvPr id="1" name=""/>
+        <p:cNvGrpSpPr/>
+        <p:nvPr/>
+      </p:nvGrpSpPr>
+      <p:grpSpPr/>
+      <p:sp>
+        <p:nvSpPr>
+          <p:cNvPr id="2" name="标题 1"/>
+          <p:cNvSpPr>
+            <a:spLocks noGrp="1"/>
+          </p:cNvSpPr>
+          <p:nvPr>
+            <p:ph type="title"/>
+          </p:nvPr>
+        </p:nvSpPr>
+        <p:spPr/>
+        <p:txBody>
+          <a:bodyPr/>
+          <a:p>
+            <a:r>
+              <a:rPr lang="en-US" altLang="zh-CN"/>
+              <a:t>Plugin</a:t>
+            </a:r>
+            <a:endParaRPr lang="en-US" altLang="zh-CN"/>
+          </a:p>
+        </p:txBody>
+      </p:sp>
+      <p:sp>
+        <p:nvSpPr>
+          <p:cNvPr id="3" name="内容占位符 2"/>
+          <p:cNvSpPr>
+            <a:spLocks noGrp="1"/>
+          </p:cNvSpPr>
+          <p:nvPr>
+            <p:ph idx="1"/>
+          </p:nvPr>
+        </p:nvSpPr>
+        <p:spPr/>
+        <p:txBody>
+          <a:bodyPr/>
+          <a:p>
+            <a:r>
+              <a:rPr lang="en-US" altLang="zh-CN"/>
+              <a:t>Vuetify</a:t>
+            </a:r>
+            <a:endParaRPr lang="en-US" altLang="zh-CN"/>
+          </a:p>
+          <a:p>
+            <a:pPr lvl="1"/>
+            <a:r>
+              <a:rPr lang="en-US" altLang="zh-CN"/>
+              <a:t>Install</a:t>
+            </a:r>
+            <a:endParaRPr lang="en-US" altLang="zh-CN"/>
+          </a:p>
+          <a:p>
+            <a:pPr lvl="2"/>
+            <a:r>
+              <a:rPr lang="en-US" altLang="zh-CN" sz="1800"/>
+              <a:t>vue add vuetify</a:t>
+            </a:r>
+            <a:endParaRPr lang="en-US" altLang="zh-CN" sz="1800"/>
+          </a:p>
+          <a:p>
+            <a:pPr lvl="2"/>
+            <a:r>
+              <a:rPr lang="en-US" altLang="zh-CN" sz="1800"/>
+              <a:t>npm install vuetify --save</a:t>
+            </a:r>
+            <a:endParaRPr lang="en-US" altLang="zh-CN"/>
+          </a:p>
+          <a:p>
+            <a:pPr lvl="1"/>
+            <a:r>
+              <a:rPr lang="en-US" altLang="zh-CN"/>
+              <a:t>Ref</a:t>
+            </a:r>
+            <a:endParaRPr lang="en-US" altLang="zh-CN"/>
+          </a:p>
+          <a:p>
+            <a:pPr lvl="2"/>
+            <a:r>
+              <a:rPr lang="en-US" altLang="zh-CN"/>
+              <a:t>https://vuetifyjs.com</a:t>
+            </a:r>
+            <a:endParaRPr lang="en-US" altLang="zh-CN"/>
+          </a:p>
+          <a:p>
+            <a:pPr lvl="0"/>
+            <a:r>
+              <a:rPr lang="en-US" altLang="zh-CN"/>
+              <a:t>Vue-element-admin</a:t>
+            </a:r>
+            <a:endParaRPr lang="en-US" altLang="zh-CN"/>
+          </a:p>
+          <a:p>
+            <a:pPr lvl="0"/>
+            <a:r>
+              <a:rPr lang="en-US" altLang="zh-CN"/>
+              <a:t>vue-resize-directive</a:t>
+            </a:r>
+            <a:endParaRPr lang="en-US" altLang="zh-CN"/>
+          </a:p>
+          <a:p>
+            <a:pPr lvl="1"/>
+            <a:r>
+              <a:rPr lang="en-US" altLang="zh-CN"/>
+              <a:t>npm install vue-resize-directive --save</a:t>
+            </a:r>
+            <a:endParaRPr lang="en-US" altLang="zh-CN"/>
+          </a:p>
+          <a:p>
+            <a:pPr lvl="1"/>
+            <a:r>
+              <a:rPr lang="en-US" altLang="zh-CN"/>
+              <a:t>import resize from 'vue-resize-directive'</a:t>
+            </a:r>
+            <a:endParaRPr lang="en-US" altLang="zh-CN"/>
+          </a:p>
+        </p:txBody>
+      </p:sp>
+    </p:spTree>
+  </p:cSld>
+  <p:clrMapOvr>
+    <a:masterClrMapping/>
+  </p:clrMapOvr>
+</p:sld>
+</file>
+
+<file path=ppt/slides/slide22.xml><?xml version="1.0" encoding="utf-8"?>
+<p:sld xmlns:a="http://schemas.openxmlformats.org/drawingml/2006/main" xmlns:r="http://schemas.openxmlformats.org/officeDocument/2006/relationships" xmlns:p="http://schemas.openxmlformats.org/presentationml/2006/main">
+  <p:cSld>
+    <p:spTree>
+      <p:nvGrpSpPr>
+        <p:cNvPr id="1" name=""/>
+        <p:cNvGrpSpPr/>
+        <p:nvPr/>
+      </p:nvGrpSpPr>
+      <p:grpSpPr/>
+      <p:sp>
+        <p:nvSpPr>
+          <p:cNvPr id="2" name="标题 1"/>
+          <p:cNvSpPr>
+            <a:spLocks noGrp="1"/>
+          </p:cNvSpPr>
+          <p:nvPr>
+            <p:ph type="title"/>
+          </p:nvPr>
+        </p:nvSpPr>
+        <p:spPr/>
+        <p:txBody>
+          <a:bodyPr/>
+          <a:p>
+            <a:r>
+              <a:rPr lang="en-US" altLang="zh-CN"/>
+              <a:t>Module System</a:t>
+            </a:r>
+            <a:endParaRPr lang="en-US" altLang="zh-CN"/>
+          </a:p>
+        </p:txBody>
+      </p:sp>
+      <p:sp>
+        <p:nvSpPr>
+          <p:cNvPr id="3" name="内容占位符 2"/>
+          <p:cNvSpPr>
+            <a:spLocks noGrp="1"/>
+          </p:cNvSpPr>
+          <p:nvPr>
+            <p:ph idx="1"/>
+          </p:nvPr>
+        </p:nvSpPr>
+        <p:spPr/>
+        <p:txBody>
+          <a:bodyPr/>
+          <a:p>
+            <a:r>
+              <a:rPr lang="en-US" altLang="zh-CN"/>
+              <a:t>Webpack</a:t>
+            </a:r>
+            <a:endParaRPr lang="en-US" altLang="zh-CN"/>
+          </a:p>
+        </p:txBody>
+      </p:sp>
+    </p:spTree>
+  </p:cSld>
+  <p:clrMapOvr>
+    <a:masterClrMapping/>
+  </p:clrMapOvr>
+</p:sld>
+</file>
+
+<file path=ppt/slides/slide23.xml><?xml version="1.0" encoding="utf-8"?>
 <p:sld xmlns:a="http://schemas.openxmlformats.org/drawingml/2006/main" xmlns:r="http://schemas.openxmlformats.org/officeDocument/2006/relationships" xmlns:p="http://schemas.openxmlformats.org/presentationml/2006/main">
   <p:cSld>
     <p:spTree>
@@ -5739,88 +6448,7 @@
 </p:sld>
 </file>
 
-<file path=ppt/slides/slide2.xml><?xml version="1.0" encoding="utf-8"?>
-<p:sld xmlns:a="http://schemas.openxmlformats.org/drawingml/2006/main" xmlns:r="http://schemas.openxmlformats.org/officeDocument/2006/relationships" xmlns:p="http://schemas.openxmlformats.org/presentationml/2006/main">
-  <p:cSld>
-    <p:spTree>
-      <p:nvGrpSpPr>
-        <p:cNvPr id="1" name=""/>
-        <p:cNvGrpSpPr/>
-        <p:nvPr/>
-      </p:nvGrpSpPr>
-      <p:grpSpPr/>
-      <p:sp>
-        <p:nvSpPr>
-          <p:cNvPr id="2" name="标题 1"/>
-          <p:cNvSpPr>
-            <a:spLocks noGrp="1"/>
-          </p:cNvSpPr>
-          <p:nvPr>
-            <p:ph type="title"/>
-          </p:nvPr>
-        </p:nvSpPr>
-        <p:spPr/>
-        <p:txBody>
-          <a:bodyPr/>
-          <a:p>
-            <a:r>
-              <a:rPr lang="en-US" altLang="zh-CN"/>
-              <a:t>Introdution</a:t>
-            </a:r>
-            <a:endParaRPr lang="en-US" altLang="zh-CN"/>
-          </a:p>
-        </p:txBody>
-      </p:sp>
-      <p:sp>
-        <p:nvSpPr>
-          <p:cNvPr id="3" name="内容占位符 2"/>
-          <p:cNvSpPr>
-            <a:spLocks noGrp="1"/>
-          </p:cNvSpPr>
-          <p:nvPr>
-            <p:ph idx="1"/>
-          </p:nvPr>
-        </p:nvSpPr>
-        <p:spPr/>
-        <p:txBody>
-          <a:bodyPr/>
-          <a:p>
-            <a:r>
-              <a:rPr lang="en-US" altLang="zh-CN"/>
-              <a:t>Progressive JS framework that focuses on building UI</a:t>
-            </a:r>
-            <a:endParaRPr lang="en-US" altLang="zh-CN"/>
-          </a:p>
-          <a:p>
-            <a:pPr lvl="1"/>
-            <a:r>
-              <a:rPr lang="en-US" altLang="zh-CN"/>
-              <a:t>React</a:t>
-            </a:r>
-            <a:endParaRPr lang="en-US" altLang="zh-CN"/>
-          </a:p>
-          <a:p>
-            <a:pPr lvl="1"/>
-            <a:r>
-              <a:rPr lang="en-US" altLang="zh-CN"/>
-              <a:t>AngularJS</a:t>
-            </a:r>
-            <a:endParaRPr lang="en-US" altLang="zh-CN"/>
-          </a:p>
-        </p:txBody>
-      </p:sp>
-    </p:spTree>
-    <p:custDataLst>
-      <p:tags r:id="rId1"/>
-    </p:custDataLst>
-  </p:cSld>
-  <p:clrMapOvr>
-    <a:masterClrMapping/>
-  </p:clrMapOvr>
-</p:sld>
-</file>
-
-<file path=ppt/slides/slide20.xml><?xml version="1.0" encoding="utf-8"?>
+<file path=ppt/slides/slide24.xml><?xml version="1.0" encoding="utf-8"?>
 <p:sld xmlns:a="http://schemas.openxmlformats.org/drawingml/2006/main" xmlns:r="http://schemas.openxmlformats.org/officeDocument/2006/relationships" xmlns:p="http://schemas.openxmlformats.org/presentationml/2006/main">
   <p:cSld>
     <p:spTree>
@@ -5967,7 +6595,795 @@
 </p:sld>
 </file>
 
-<file path=ppt/slides/slide21.xml><?xml version="1.0" encoding="utf-8"?>
+<file path=ppt/slides/slide25.xml><?xml version="1.0" encoding="utf-8"?>
+<p:sld xmlns:a="http://schemas.openxmlformats.org/drawingml/2006/main" xmlns:r="http://schemas.openxmlformats.org/officeDocument/2006/relationships" xmlns:p="http://schemas.openxmlformats.org/presentationml/2006/main">
+  <p:cSld>
+    <p:spTree>
+      <p:nvGrpSpPr>
+        <p:cNvPr id="1" name=""/>
+        <p:cNvGrpSpPr/>
+        <p:nvPr/>
+      </p:nvGrpSpPr>
+      <p:grpSpPr/>
+      <p:sp>
+        <p:nvSpPr>
+          <p:cNvPr id="2" name="标题 1"/>
+          <p:cNvSpPr>
+            <a:spLocks noGrp="1"/>
+          </p:cNvSpPr>
+          <p:nvPr>
+            <p:ph type="title"/>
+          </p:nvPr>
+        </p:nvSpPr>
+        <p:spPr/>
+        <p:txBody>
+          <a:bodyPr/>
+          <a:p>
+            <a:r>
+              <a:rPr lang="en-US" altLang="zh-CN"/>
+              <a:t>SEO</a:t>
+            </a:r>
+            <a:endParaRPr lang="en-US" altLang="zh-CN"/>
+          </a:p>
+        </p:txBody>
+      </p:sp>
+      <p:sp>
+        <p:nvSpPr>
+          <p:cNvPr id="3" name="内容占位符 2"/>
+          <p:cNvSpPr>
+            <a:spLocks noGrp="1"/>
+          </p:cNvSpPr>
+          <p:nvPr>
+            <p:ph idx="1"/>
+          </p:nvPr>
+        </p:nvSpPr>
+        <p:spPr/>
+        <p:txBody>
+          <a:bodyPr/>
+          <a:p>
+            <a:r>
+              <a:rPr lang="zh-CN" altLang="en-US"/>
+              <a:t>https://blog.csdn.net/dengzy926/article/details/105397730</a:t>
+            </a:r>
+            <a:endParaRPr lang="zh-CN" altLang="en-US"/>
+          </a:p>
+        </p:txBody>
+      </p:sp>
+    </p:spTree>
+  </p:cSld>
+  <p:clrMapOvr>
+    <a:masterClrMapping/>
+  </p:clrMapOvr>
+</p:sld>
+</file>
+
+<file path=ppt/slides/slide26.xml><?xml version="1.0" encoding="utf-8"?>
+<p:sld xmlns:a="http://schemas.openxmlformats.org/drawingml/2006/main" xmlns:r="http://schemas.openxmlformats.org/officeDocument/2006/relationships" xmlns:p="http://schemas.openxmlformats.org/presentationml/2006/main">
+  <p:cSld>
+    <p:spTree>
+      <p:nvGrpSpPr>
+        <p:cNvPr id="1" name=""/>
+        <p:cNvGrpSpPr/>
+        <p:nvPr/>
+      </p:nvGrpSpPr>
+      <p:grpSpPr/>
+      <p:sp>
+        <p:nvSpPr>
+          <p:cNvPr id="4" name="标题 3"/>
+          <p:cNvSpPr>
+            <a:spLocks noGrp="1"/>
+          </p:cNvSpPr>
+          <p:nvPr>
+            <p:ph type="title"/>
+          </p:nvPr>
+        </p:nvSpPr>
+        <p:spPr/>
+        <p:txBody>
+          <a:bodyPr/>
+          <a:p>
+            <a:r>
+              <a:rPr lang="en-US" altLang="zh-CN"/>
+              <a:t>Components</a:t>
+            </a:r>
+            <a:endParaRPr lang="en-US" altLang="zh-CN"/>
+          </a:p>
+        </p:txBody>
+      </p:sp>
+      <p:sp>
+        <p:nvSpPr>
+          <p:cNvPr id="5" name="文本占位符 4"/>
+          <p:cNvSpPr>
+            <a:spLocks noGrp="1"/>
+          </p:cNvSpPr>
+          <p:nvPr>
+            <p:ph type="body" idx="1"/>
+          </p:nvPr>
+        </p:nvSpPr>
+        <p:spPr/>
+        <p:txBody>
+          <a:bodyPr/>
+          <a:p>
+            <a:endParaRPr lang="zh-CN" altLang="en-US"/>
+          </a:p>
+        </p:txBody>
+      </p:sp>
+    </p:spTree>
+  </p:cSld>
+  <p:clrMapOvr>
+    <a:masterClrMapping/>
+  </p:clrMapOvr>
+</p:sld>
+</file>
+
+<file path=ppt/slides/slide27.xml><?xml version="1.0" encoding="utf-8"?>
+<p:sld xmlns:a="http://schemas.openxmlformats.org/drawingml/2006/main" xmlns:r="http://schemas.openxmlformats.org/officeDocument/2006/relationships" xmlns:p="http://schemas.openxmlformats.org/presentationml/2006/main">
+  <p:cSld>
+    <p:spTree>
+      <p:nvGrpSpPr>
+        <p:cNvPr id="1" name=""/>
+        <p:cNvGrpSpPr/>
+        <p:nvPr/>
+      </p:nvGrpSpPr>
+      <p:grpSpPr/>
+      <p:sp>
+        <p:nvSpPr>
+          <p:cNvPr id="4" name="标题 3"/>
+          <p:cNvSpPr>
+            <a:spLocks noGrp="1"/>
+          </p:cNvSpPr>
+          <p:nvPr>
+            <p:ph type="title"/>
+          </p:nvPr>
+        </p:nvSpPr>
+        <p:spPr/>
+        <p:txBody>
+          <a:bodyPr/>
+          <a:p>
+            <a:r>
+              <a:rPr lang="en-US" altLang="zh-CN"/>
+              <a:t>Vue UI Framework</a:t>
+            </a:r>
+            <a:endParaRPr lang="en-US" altLang="zh-CN"/>
+          </a:p>
+        </p:txBody>
+      </p:sp>
+      <p:sp>
+        <p:nvSpPr>
+          <p:cNvPr id="5" name="内容占位符 4"/>
+          <p:cNvSpPr>
+            <a:spLocks noGrp="1"/>
+          </p:cNvSpPr>
+          <p:nvPr>
+            <p:ph idx="1"/>
+          </p:nvPr>
+        </p:nvSpPr>
+        <p:spPr/>
+        <p:txBody>
+          <a:bodyPr/>
+          <a:p>
+            <a:r>
+              <a:rPr lang="en-US" altLang="zh-CN"/>
+              <a:t>Element UI</a:t>
+            </a:r>
+            <a:endParaRPr lang="en-US" altLang="zh-CN"/>
+          </a:p>
+          <a:p>
+            <a:r>
+              <a:rPr lang="en-US" altLang="zh-CN"/>
+              <a:t>Vuetify</a:t>
+            </a:r>
+            <a:endParaRPr lang="en-US" altLang="zh-CN"/>
+          </a:p>
+          <a:p>
+            <a:pPr lvl="1"/>
+            <a:r>
+              <a:rPr lang="en-US" altLang="zh-CN"/>
+              <a:t>https://vuetifyjs.com/en/</a:t>
+            </a:r>
+            <a:endParaRPr lang="en-US" altLang="zh-CN"/>
+          </a:p>
+          <a:p>
+            <a:pPr lvl="0"/>
+            <a:r>
+              <a:rPr lang="en-US" altLang="zh-CN"/>
+              <a:t>BootstrapVue</a:t>
+            </a:r>
+            <a:endParaRPr lang="en-US" altLang="zh-CN"/>
+          </a:p>
+          <a:p>
+            <a:pPr lvl="1"/>
+            <a:r>
+              <a:rPr lang="en-US" altLang="zh-CN"/>
+              <a:t>https://bootstrap-vue.org/</a:t>
+            </a:r>
+            <a:endParaRPr lang="en-US" altLang="zh-CN"/>
+          </a:p>
+          <a:p>
+            <a:pPr lvl="1"/>
+            <a:r>
+              <a:rPr lang="en-US" altLang="zh-CN"/>
+              <a:t>https://github.com/bootstrap-vue/bootstrap-vue</a:t>
+            </a:r>
+            <a:endParaRPr lang="en-US" altLang="zh-CN"/>
+          </a:p>
+          <a:p>
+            <a:pPr lvl="0"/>
+            <a:r>
+              <a:rPr lang="en-US" altLang="zh-CN"/>
+              <a:t>Buefy</a:t>
+            </a:r>
+            <a:endParaRPr lang="en-US" altLang="zh-CN"/>
+          </a:p>
+          <a:p>
+            <a:pPr lvl="0"/>
+            <a:r>
+              <a:rPr lang="en-US" altLang="zh-CN"/>
+              <a:t>Quasar</a:t>
+            </a:r>
+            <a:endParaRPr lang="en-US" altLang="zh-CN"/>
+          </a:p>
+        </p:txBody>
+      </p:sp>
+    </p:spTree>
+  </p:cSld>
+  <p:clrMapOvr>
+    <a:masterClrMapping/>
+  </p:clrMapOvr>
+</p:sld>
+</file>
+
+<file path=ppt/slides/slide28.xml><?xml version="1.0" encoding="utf-8"?>
+<p:sld xmlns:a="http://schemas.openxmlformats.org/drawingml/2006/main" xmlns:r="http://schemas.openxmlformats.org/officeDocument/2006/relationships" xmlns:p="http://schemas.openxmlformats.org/presentationml/2006/main">
+  <p:cSld>
+    <p:spTree>
+      <p:nvGrpSpPr>
+        <p:cNvPr id="1" name=""/>
+        <p:cNvGrpSpPr/>
+        <p:nvPr/>
+      </p:nvGrpSpPr>
+      <p:grpSpPr/>
+      <p:sp>
+        <p:nvSpPr>
+          <p:cNvPr id="2" name="标题 1"/>
+          <p:cNvSpPr>
+            <a:spLocks noGrp="1"/>
+          </p:cNvSpPr>
+          <p:nvPr>
+            <p:ph type="title"/>
+          </p:nvPr>
+        </p:nvSpPr>
+        <p:spPr/>
+        <p:txBody>
+          <a:bodyPr/>
+          <a:p>
+            <a:r>
+              <a:rPr lang="en-US" altLang="zh-CN"/>
+              <a:t>Element UI</a:t>
+            </a:r>
+            <a:endParaRPr lang="en-US" altLang="zh-CN"/>
+          </a:p>
+        </p:txBody>
+      </p:sp>
+      <p:sp>
+        <p:nvSpPr>
+          <p:cNvPr id="3" name="内容占位符 2"/>
+          <p:cNvSpPr>
+            <a:spLocks noGrp="1"/>
+          </p:cNvSpPr>
+          <p:nvPr>
+            <p:ph idx="1"/>
+          </p:nvPr>
+        </p:nvSpPr>
+        <p:spPr/>
+        <p:txBody>
+          <a:bodyPr/>
+          <a:p>
+            <a:r>
+              <a:rPr lang="zh-CN" altLang="en-US"/>
+              <a:t>https://element.eleme.cn/#/zh-CN</a:t>
+            </a:r>
+            <a:endParaRPr lang="zh-CN" altLang="en-US"/>
+          </a:p>
+          <a:p>
+            <a:r>
+              <a:rPr lang="en-US" altLang="zh-CN"/>
+              <a:t>Install</a:t>
+            </a:r>
+            <a:endParaRPr lang="en-US" altLang="zh-CN"/>
+          </a:p>
+          <a:p>
+            <a:pPr lvl="1"/>
+            <a:r>
+              <a:rPr lang="en-US" altLang="zh-CN"/>
+              <a:t>npm i element-ui -S</a:t>
+            </a:r>
+            <a:endParaRPr lang="en-US" altLang="zh-CN"/>
+          </a:p>
+          <a:p>
+            <a:pPr lvl="0"/>
+            <a:r>
+              <a:rPr lang="en-US" altLang="zh-CN"/>
+              <a:t>Usage</a:t>
+            </a:r>
+            <a:endParaRPr lang="en-US" altLang="zh-CN"/>
+          </a:p>
+          <a:p>
+            <a:pPr lvl="1"/>
+            <a:r>
+              <a:rPr lang="en-US" altLang="zh-CN"/>
+              <a:t>Import all</a:t>
+            </a:r>
+            <a:endParaRPr lang="en-US" altLang="zh-CN"/>
+          </a:p>
+          <a:p>
+            <a:pPr lvl="1"/>
+            <a:r>
+              <a:rPr lang="en-US" altLang="zh-CN"/>
+              <a:t>Import on demand</a:t>
+            </a:r>
+            <a:endParaRPr lang="en-US" altLang="zh-CN"/>
+          </a:p>
+          <a:p>
+            <a:pPr lvl="2"/>
+            <a:r>
+              <a:rPr lang="en-US" altLang="zh-CN"/>
+              <a:t>npm i babel-plugin-component -D</a:t>
+            </a:r>
+            <a:endParaRPr lang="en-US" altLang="zh-CN"/>
+          </a:p>
+          <a:p>
+            <a:pPr lvl="2"/>
+            <a:r>
+              <a:rPr lang="en-US" altLang="zh-CN"/>
+              <a:t>npm install babel-cli babel-preset-es2015</a:t>
+            </a:r>
+            <a:endParaRPr lang="en-US" altLang="zh-CN"/>
+          </a:p>
+          <a:p>
+            <a:pPr lvl="1"/>
+            <a:r>
+              <a:rPr lang="en-US" altLang="zh-CN">
+                <a:sym typeface="+mn-ea"/>
+              </a:rPr>
+              <a:t>$msgbox(options)</a:t>
+            </a:r>
+            <a:endParaRPr lang="en-US" altLang="zh-CN"/>
+          </a:p>
+          <a:p>
+            <a:pPr lvl="1"/>
+            <a:r>
+              <a:rPr lang="en-US" altLang="zh-CN">
+                <a:sym typeface="+mn-ea"/>
+              </a:rPr>
+              <a:t>$alert(message, title, options)</a:t>
+            </a:r>
+            <a:endParaRPr lang="en-US" altLang="zh-CN"/>
+          </a:p>
+          <a:p>
+            <a:pPr lvl="1"/>
+            <a:r>
+              <a:rPr lang="en-US" altLang="zh-CN">
+                <a:sym typeface="+mn-ea"/>
+              </a:rPr>
+              <a:t>$confirm(message, title, options)</a:t>
+            </a:r>
+            <a:endParaRPr lang="en-US" altLang="zh-CN"/>
+          </a:p>
+          <a:p>
+            <a:pPr lvl="1"/>
+            <a:r>
+              <a:rPr lang="en-US" altLang="zh-CN">
+                <a:sym typeface="+mn-ea"/>
+              </a:rPr>
+              <a:t>$prompt(message, title, options)	// prompt input</a:t>
+            </a:r>
+            <a:endParaRPr lang="en-US" altLang="zh-CN"/>
+          </a:p>
+          <a:p>
+            <a:pPr lvl="1"/>
+            <a:endParaRPr lang="en-US" altLang="zh-CN"/>
+          </a:p>
+        </p:txBody>
+      </p:sp>
+    </p:spTree>
+  </p:cSld>
+  <p:clrMapOvr>
+    <a:masterClrMapping/>
+  </p:clrMapOvr>
+</p:sld>
+</file>
+
+<file path=ppt/slides/slide29.xml><?xml version="1.0" encoding="utf-8"?>
+<p:sld xmlns:a="http://schemas.openxmlformats.org/drawingml/2006/main" xmlns:r="http://schemas.openxmlformats.org/officeDocument/2006/relationships" xmlns:p="http://schemas.openxmlformats.org/presentationml/2006/main">
+  <p:cSld>
+    <p:spTree>
+      <p:nvGrpSpPr>
+        <p:cNvPr id="1" name=""/>
+        <p:cNvGrpSpPr/>
+        <p:nvPr/>
+      </p:nvGrpSpPr>
+      <p:grpSpPr/>
+      <p:sp>
+        <p:nvSpPr>
+          <p:cNvPr id="2" name="标题 1"/>
+          <p:cNvSpPr>
+            <a:spLocks noGrp="1"/>
+          </p:cNvSpPr>
+          <p:nvPr>
+            <p:ph type="title"/>
+          </p:nvPr>
+        </p:nvSpPr>
+        <p:spPr/>
+        <p:txBody>
+          <a:bodyPr/>
+          <a:p>
+            <a:r>
+              <a:rPr lang="en-US" altLang="zh-CN"/>
+              <a:t>Font Awesome</a:t>
+            </a:r>
+            <a:endParaRPr lang="en-US" altLang="zh-CN"/>
+          </a:p>
+        </p:txBody>
+      </p:sp>
+      <p:sp>
+        <p:nvSpPr>
+          <p:cNvPr id="3" name="内容占位符 2"/>
+          <p:cNvSpPr>
+            <a:spLocks noGrp="1"/>
+          </p:cNvSpPr>
+          <p:nvPr>
+            <p:ph idx="1"/>
+          </p:nvPr>
+        </p:nvSpPr>
+        <p:spPr>
+          <a:xfrm>
+            <a:off x="838200" y="1211580"/>
+            <a:ext cx="10515600" cy="5239385"/>
+          </a:xfrm>
+        </p:spPr>
+        <p:txBody>
+          <a:bodyPr>
+            <a:normAutofit fontScale="80000"/>
+          </a:bodyPr>
+          <a:p>
+            <a:r>
+              <a:rPr lang="en-US" altLang="zh-CN"/>
+              <a:t>References</a:t>
+            </a:r>
+            <a:endParaRPr lang="en-US" altLang="zh-CN"/>
+          </a:p>
+          <a:p>
+            <a:pPr lvl="1"/>
+            <a:r>
+              <a:rPr lang="en-US" altLang="zh-CN"/>
+              <a:t>https://fontawesome.com/icons?d=gallery&amp;m=free</a:t>
+            </a:r>
+            <a:endParaRPr lang="en-US" altLang="zh-CN"/>
+          </a:p>
+          <a:p>
+            <a:pPr lvl="1"/>
+            <a:r>
+              <a:rPr lang="en-US" altLang="zh-CN"/>
+              <a:t>https://github.com/FortAwesome/vue-fontawesome</a:t>
+            </a:r>
+            <a:endParaRPr lang="en-US" altLang="zh-CN"/>
+          </a:p>
+          <a:p>
+            <a:pPr lvl="1"/>
+            <a:r>
+              <a:rPr lang="en-US" altLang="zh-CN"/>
+              <a:t>https://blog.logrocket.com/full-guide-to-using-font-awesome-icons-in-vue-js-apps-5574c74d9b2d/</a:t>
+            </a:r>
+            <a:endParaRPr lang="en-US" altLang="zh-CN"/>
+          </a:p>
+          <a:p>
+            <a:pPr lvl="0"/>
+            <a:r>
+              <a:rPr lang="en-US" altLang="zh-CN"/>
+              <a:t>Icon library</a:t>
+            </a:r>
+            <a:endParaRPr lang="en-US" altLang="zh-CN"/>
+          </a:p>
+          <a:p>
+            <a:pPr lvl="1"/>
+            <a:r>
+              <a:rPr lang="en-US" altLang="zh-CN"/>
+              <a:t>solid (fas), regular (far), light (fal), brands (fab)</a:t>
+            </a:r>
+            <a:endParaRPr lang="en-US" altLang="zh-CN"/>
+          </a:p>
+          <a:p>
+            <a:pPr lvl="0"/>
+            <a:r>
+              <a:rPr lang="en-US" altLang="zh-CN" sz="2400"/>
+              <a:t>Usage</a:t>
+            </a:r>
+            <a:endParaRPr lang="en-US" altLang="zh-CN" sz="2400"/>
+          </a:p>
+          <a:p>
+            <a:pPr lvl="1"/>
+            <a:r>
+              <a:rPr lang="en-US" altLang="zh-CN"/>
+              <a:t>&lt;link href="https://cdnjs.cloudflare.com/ajax/libs/font-awesome/5.11.2/css/all.min.css" rel="stylesheet" type="text/css"&gt;</a:t>
+            </a:r>
+            <a:endParaRPr lang="en-US" altLang="zh-CN"/>
+          </a:p>
+          <a:p>
+            <a:pPr lvl="0"/>
+            <a:r>
+              <a:rPr lang="en-US" altLang="zh-CN"/>
+              <a:t>Vue-fontawesome</a:t>
+            </a:r>
+            <a:endParaRPr lang="en-US" altLang="zh-CN"/>
+          </a:p>
+          <a:p>
+            <a:pPr lvl="1"/>
+            <a:r>
+              <a:rPr lang="en-US" altLang="zh-CN"/>
+              <a:t>npm install --save @fortawesome/fontawesome-svg-core  @fortawesome/free-solid-svg-icons</a:t>
+            </a:r>
+            <a:r>
+              <a:rPr lang="en-US" altLang="zh-CN">
+                <a:sym typeface="+mn-ea"/>
+              </a:rPr>
+              <a:t> @fortawesome/free-regular-svg-icons </a:t>
+            </a:r>
+            <a:r>
+              <a:rPr lang="en-US" altLang="zh-CN"/>
+              <a:t>@fortawesome/vue-fontawesome</a:t>
+            </a:r>
+            <a:endParaRPr lang="en-US" altLang="zh-CN"/>
+          </a:p>
+          <a:p>
+            <a:pPr lvl="1"/>
+            <a:r>
+              <a:rPr lang="en-US" altLang="zh-CN"/>
+              <a:t>In main.js</a:t>
+            </a:r>
+            <a:endParaRPr lang="en-US" altLang="zh-CN"/>
+          </a:p>
+          <a:p>
+            <a:pPr lvl="2"/>
+            <a:r>
+              <a:rPr lang="en-US" altLang="zh-CN"/>
+              <a:t>import { library } from '@fortawesome/fontawesome-svg-core'</a:t>
+            </a:r>
+            <a:endParaRPr lang="en-US" altLang="zh-CN"/>
+          </a:p>
+          <a:p>
+            <a:pPr lvl="2"/>
+            <a:r>
+              <a:rPr lang="en-US" altLang="zh-CN"/>
+              <a:t>import { faCoffee } from '@fortawesome/free-solid-svg-icons'</a:t>
+            </a:r>
+            <a:endParaRPr lang="en-US" altLang="zh-CN"/>
+          </a:p>
+          <a:p>
+            <a:pPr lvl="2"/>
+            <a:r>
+              <a:rPr lang="en-US" altLang="zh-CN"/>
+              <a:t>import { FontAwesomeIcon } from '@fortawesome/vue-fontawesome'</a:t>
+            </a:r>
+            <a:endParaRPr lang="en-US" altLang="zh-CN"/>
+          </a:p>
+          <a:p>
+            <a:pPr lvl="2"/>
+            <a:r>
+              <a:rPr lang="en-US" altLang="zh-CN"/>
+              <a:t>library.add(faCoffee)</a:t>
+            </a:r>
+            <a:endParaRPr lang="en-US" altLang="zh-CN"/>
+          </a:p>
+          <a:p>
+            <a:pPr lvl="2"/>
+            <a:r>
+              <a:rPr lang="en-US" altLang="zh-CN"/>
+              <a:t>Vue.component('font-awesome-icon', FontAwesomeIcon)</a:t>
+            </a:r>
+            <a:endParaRPr lang="en-US" altLang="zh-CN"/>
+          </a:p>
+        </p:txBody>
+      </p:sp>
+    </p:spTree>
+  </p:cSld>
+  <p:clrMapOvr>
+    <a:masterClrMapping/>
+  </p:clrMapOvr>
+</p:sld>
+</file>
+
+<file path=ppt/slides/slide3.xml><?xml version="1.0" encoding="utf-8"?>
+<p:sld xmlns:a="http://schemas.openxmlformats.org/drawingml/2006/main" xmlns:r="http://schemas.openxmlformats.org/officeDocument/2006/relationships" xmlns:p="http://schemas.openxmlformats.org/presentationml/2006/main">
+  <p:cSld>
+    <p:spTree>
+      <p:nvGrpSpPr>
+        <p:cNvPr id="1" name=""/>
+        <p:cNvGrpSpPr/>
+        <p:nvPr/>
+      </p:nvGrpSpPr>
+      <p:grpSpPr/>
+      <p:sp>
+        <p:nvSpPr>
+          <p:cNvPr id="2" name="标题 1"/>
+          <p:cNvSpPr>
+            <a:spLocks noGrp="1"/>
+          </p:cNvSpPr>
+          <p:nvPr>
+            <p:ph type="title"/>
+          </p:nvPr>
+        </p:nvSpPr>
+        <p:spPr/>
+        <p:txBody>
+          <a:bodyPr/>
+          <a:p>
+            <a:r>
+              <a:rPr lang="en-US" altLang="zh-CN"/>
+              <a:t>Introdution</a:t>
+            </a:r>
+            <a:endParaRPr lang="en-US" altLang="zh-CN"/>
+          </a:p>
+        </p:txBody>
+      </p:sp>
+      <p:sp>
+        <p:nvSpPr>
+          <p:cNvPr id="3" name="内容占位符 2"/>
+          <p:cNvSpPr>
+            <a:spLocks noGrp="1"/>
+          </p:cNvSpPr>
+          <p:nvPr>
+            <p:ph idx="1"/>
+          </p:nvPr>
+        </p:nvSpPr>
+        <p:spPr/>
+        <p:txBody>
+          <a:bodyPr/>
+          <a:p>
+            <a:r>
+              <a:rPr lang="en-US" altLang="zh-CN"/>
+              <a:t>Progressive JS framework that focuses on building UI</a:t>
+            </a:r>
+            <a:endParaRPr lang="en-US" altLang="zh-CN"/>
+          </a:p>
+          <a:p>
+            <a:pPr lvl="1"/>
+            <a:r>
+              <a:rPr lang="en-US" altLang="zh-CN"/>
+              <a:t>React</a:t>
+            </a:r>
+            <a:endParaRPr lang="en-US" altLang="zh-CN"/>
+          </a:p>
+          <a:p>
+            <a:pPr lvl="1"/>
+            <a:r>
+              <a:rPr lang="en-US" altLang="zh-CN"/>
+              <a:t>AngularJS</a:t>
+            </a:r>
+            <a:endParaRPr lang="en-US" altLang="zh-CN"/>
+          </a:p>
+        </p:txBody>
+      </p:sp>
+    </p:spTree>
+    <p:custDataLst>
+      <p:tags r:id="rId1"/>
+    </p:custDataLst>
+  </p:cSld>
+  <p:clrMapOvr>
+    <a:masterClrMapping/>
+  </p:clrMapOvr>
+</p:sld>
+</file>
+
+<file path=ppt/slides/slide30.xml><?xml version="1.0" encoding="utf-8"?>
+<p:sld xmlns:a="http://schemas.openxmlformats.org/drawingml/2006/main" xmlns:r="http://schemas.openxmlformats.org/officeDocument/2006/relationships" xmlns:p="http://schemas.openxmlformats.org/presentationml/2006/main">
+  <p:cSld>
+    <p:spTree>
+      <p:nvGrpSpPr>
+        <p:cNvPr id="1" name=""/>
+        <p:cNvGrpSpPr/>
+        <p:nvPr/>
+      </p:nvGrpSpPr>
+      <p:grpSpPr/>
+      <p:sp>
+        <p:nvSpPr>
+          <p:cNvPr id="2" name="标题 1"/>
+          <p:cNvSpPr>
+            <a:spLocks noGrp="1"/>
+          </p:cNvSpPr>
+          <p:nvPr>
+            <p:ph type="title"/>
+          </p:nvPr>
+        </p:nvSpPr>
+        <p:spPr/>
+        <p:txBody>
+          <a:bodyPr/>
+          <a:p>
+            <a:r>
+              <a:rPr lang="en-US" altLang="zh-CN"/>
+              <a:t>Progress UI</a:t>
+            </a:r>
+            <a:endParaRPr lang="en-US" altLang="zh-CN"/>
+          </a:p>
+        </p:txBody>
+      </p:sp>
+      <p:sp>
+        <p:nvSpPr>
+          <p:cNvPr id="3" name="内容占位符 2"/>
+          <p:cNvSpPr>
+            <a:spLocks noGrp="1"/>
+          </p:cNvSpPr>
+          <p:nvPr>
+            <p:ph idx="1"/>
+          </p:nvPr>
+        </p:nvSpPr>
+        <p:spPr/>
+        <p:txBody>
+          <a:bodyPr/>
+          <a:p>
+            <a:r>
+              <a:rPr lang="zh-CN" altLang="en-US"/>
+              <a:t>vue-ellipse-progress</a:t>
+            </a:r>
+            <a:endParaRPr lang="zh-CN" altLang="en-US"/>
+          </a:p>
+          <a:p>
+            <a:pPr lvl="1"/>
+            <a:r>
+              <a:rPr lang="zh-CN" altLang="en-US"/>
+              <a:t>https://github.com/setaman/vue-ellipse-progress</a:t>
+            </a:r>
+            <a:endParaRPr lang="zh-CN" altLang="en-US"/>
+          </a:p>
+          <a:p>
+            <a:pPr lvl="1"/>
+            <a:r>
+              <a:rPr lang="zh-CN" altLang="en-US"/>
+              <a:t>npm i </a:t>
+            </a:r>
+            <a:r>
+              <a:rPr lang="en-US" altLang="zh-CN"/>
+              <a:t>-S </a:t>
+            </a:r>
+            <a:r>
+              <a:rPr lang="zh-CN" altLang="en-US"/>
+              <a:t>vue-ellipse-progress</a:t>
+            </a:r>
+            <a:endParaRPr lang="zh-CN" altLang="en-US"/>
+          </a:p>
+          <a:p>
+            <a:pPr lvl="0"/>
+            <a:r>
+              <a:rPr lang="en-US" altLang="zh-CN"/>
+              <a:t>vue-progressbar</a:t>
+            </a:r>
+            <a:endParaRPr lang="en-US" altLang="zh-CN"/>
+          </a:p>
+          <a:p>
+            <a:pPr lvl="1"/>
+            <a:r>
+              <a:rPr lang="en-US" altLang="zh-CN"/>
+              <a:t>https://github.com/hilongjw/vue-progressbar</a:t>
+            </a:r>
+            <a:endParaRPr lang="en-US" altLang="zh-CN"/>
+          </a:p>
+          <a:p>
+            <a:pPr lvl="1"/>
+            <a:r>
+              <a:rPr lang="en-US" altLang="zh-CN"/>
+              <a:t>npm i vue-progressbar</a:t>
+            </a:r>
+            <a:endParaRPr lang="en-US" altLang="zh-CN"/>
+          </a:p>
+        </p:txBody>
+      </p:sp>
+    </p:spTree>
+  </p:cSld>
+  <p:clrMapOvr>
+    <a:masterClrMapping/>
+  </p:clrMapOvr>
+</p:sld>
+</file>
+
+<file path=ppt/slides/slide31.xml><?xml version="1.0" encoding="utf-8"?>
 <p:sld xmlns:a="http://schemas.openxmlformats.org/drawingml/2006/main" xmlns:r="http://schemas.openxmlformats.org/officeDocument/2006/relationships" xmlns:p="http://schemas.openxmlformats.org/presentationml/2006/main">
   <p:cSld>
     <p:spTree>
@@ -6056,246 +7472,6 @@
 </p:sld>
 </file>
 
-<file path=ppt/slides/slide3.xml><?xml version="1.0" encoding="utf-8"?>
-<p:sld xmlns:a="http://schemas.openxmlformats.org/drawingml/2006/main" xmlns:r="http://schemas.openxmlformats.org/officeDocument/2006/relationships" xmlns:p="http://schemas.openxmlformats.org/presentationml/2006/main">
-  <p:cSld>
-    <p:spTree>
-      <p:nvGrpSpPr>
-        <p:cNvPr id="1" name=""/>
-        <p:cNvGrpSpPr/>
-        <p:nvPr/>
-      </p:nvGrpSpPr>
-      <p:grpSpPr/>
-      <p:sp>
-        <p:nvSpPr>
-          <p:cNvPr id="2" name="标题 1"/>
-          <p:cNvSpPr>
-            <a:spLocks noGrp="1"/>
-          </p:cNvSpPr>
-          <p:nvPr>
-            <p:ph type="title"/>
-          </p:nvPr>
-        </p:nvSpPr>
-        <p:spPr/>
-        <p:txBody>
-          <a:bodyPr/>
-          <a:p>
-            <a:r>
-              <a:rPr lang="en-US" altLang="zh-CN"/>
-              <a:t>Install</a:t>
-            </a:r>
-            <a:endParaRPr lang="en-US" altLang="zh-CN"/>
-          </a:p>
-        </p:txBody>
-      </p:sp>
-      <p:sp>
-        <p:nvSpPr>
-          <p:cNvPr id="3" name="内容占位符 2"/>
-          <p:cNvSpPr>
-            <a:spLocks noGrp="1"/>
-          </p:cNvSpPr>
-          <p:nvPr>
-            <p:ph idx="1"/>
-          </p:nvPr>
-        </p:nvSpPr>
-        <p:spPr>
-          <a:xfrm>
-            <a:off x="838200" y="1211580"/>
-            <a:ext cx="10515600" cy="5353685"/>
-          </a:xfrm>
-        </p:spPr>
-        <p:txBody>
-          <a:bodyPr>
-            <a:normAutofit/>
-          </a:bodyPr>
-          <a:p>
-            <a:r>
-              <a:rPr lang="en-US" altLang="zh-CN" sz="2000"/>
-              <a:t>Methods</a:t>
-            </a:r>
-            <a:endParaRPr lang="en-US" altLang="zh-CN" sz="2000"/>
-          </a:p>
-          <a:p>
-            <a:pPr lvl="1"/>
-            <a:r>
-              <a:rPr lang="en-US" altLang="zh-CN" sz="1800"/>
-              <a:t>Include the &lt;script&gt; tag in the html file (cdnjs)</a:t>
-            </a:r>
-            <a:endParaRPr lang="en-US" altLang="zh-CN" sz="1800"/>
-          </a:p>
-          <a:p>
-            <a:pPr lvl="1"/>
-            <a:r>
-              <a:rPr lang="en-US" altLang="zh-CN" sz="1800"/>
-              <a:t>Install using NPM</a:t>
-            </a:r>
-            <a:endParaRPr lang="en-US" altLang="zh-CN" sz="1800"/>
-          </a:p>
-          <a:p>
-            <a:pPr lvl="2"/>
-            <a:r>
-              <a:rPr lang="en-US" altLang="en-US" sz="1600"/>
-              <a:t>curl -sL https://deb.nodesource.com/setup_12.x | sudo -E bash -</a:t>
-            </a:r>
-            <a:endParaRPr lang="en-US" altLang="en-US" sz="1600"/>
-          </a:p>
-          <a:p>
-            <a:pPr lvl="2"/>
-            <a:r>
-              <a:rPr lang="en-US" altLang="en-US" sz="1600"/>
-              <a:t>sudo apt i</a:t>
-            </a:r>
-            <a:r>
-              <a:rPr lang="en-US" altLang="zh-CN" sz="1600"/>
-              <a:t>nstall </a:t>
-            </a:r>
-            <a:r>
-              <a:rPr lang="en-US" altLang="en-US" sz="1600"/>
-              <a:t>n</a:t>
-            </a:r>
-            <a:r>
-              <a:rPr lang="en-US" altLang="zh-CN" sz="1600"/>
-              <a:t>odejs </a:t>
-            </a:r>
-            <a:r>
-              <a:rPr lang="en-US" altLang="en-US" sz="1600"/>
-              <a:t>npm</a:t>
-            </a:r>
-            <a:endParaRPr lang="en-US" altLang="en-US" sz="1600"/>
-          </a:p>
-          <a:p>
-            <a:pPr lvl="2"/>
-            <a:r>
-              <a:rPr lang="en-US" altLang="en-US" sz="1600"/>
-              <a:t>nodejs -v</a:t>
-            </a:r>
-            <a:endParaRPr lang="en-US" altLang="en-US" sz="1600"/>
-          </a:p>
-          <a:p>
-            <a:pPr lvl="2"/>
-            <a:r>
-              <a:rPr lang="en-US" altLang="en-US" sz="1600"/>
-              <a:t>sudo </a:t>
-            </a:r>
-            <a:r>
-              <a:rPr lang="en-US" altLang="zh-CN" sz="1600"/>
-              <a:t>npm install -g cnpm --registry=https://registry.npm.taobao.org</a:t>
-            </a:r>
-            <a:endParaRPr lang="en-US" altLang="zh-CN" sz="1600"/>
-          </a:p>
-          <a:p>
-            <a:pPr lvl="1"/>
-            <a:r>
-              <a:rPr lang="en-US" altLang="zh-CN" sz="1800"/>
-              <a:t>Use the vue-cli tool along with Webpack</a:t>
-            </a:r>
-            <a:endParaRPr lang="en-US" altLang="zh-CN" sz="1800"/>
-          </a:p>
-          <a:p>
-            <a:pPr lvl="2"/>
-            <a:r>
-              <a:rPr lang="en-US" altLang="en-US" sz="1600"/>
-              <a:t>sudo c</a:t>
-            </a:r>
-            <a:r>
-              <a:rPr lang="en-US" altLang="zh-CN" sz="1600"/>
-              <a:t>npm install -g </a:t>
-            </a:r>
-            <a:r>
-              <a:rPr lang="en-US" altLang="en-US" sz="1600"/>
-              <a:t>@</a:t>
-            </a:r>
-            <a:r>
-              <a:rPr lang="en-US" altLang="zh-CN" sz="1600"/>
-              <a:t>vue</a:t>
-            </a:r>
-            <a:r>
-              <a:rPr lang="en-US" altLang="en-US" sz="1600"/>
-              <a:t>/</a:t>
-            </a:r>
-            <a:r>
-              <a:rPr lang="en-US" altLang="zh-CN" sz="1600"/>
-              <a:t>cli	// Install vue-cli globally</a:t>
-            </a:r>
-            <a:endParaRPr lang="en-US" altLang="zh-CN" sz="1600"/>
-          </a:p>
-          <a:p>
-            <a:pPr lvl="2"/>
-            <a:r>
-              <a:rPr lang="en-US" altLang="en-US" sz="1600"/>
-              <a:t>vue --version</a:t>
-            </a:r>
-            <a:endParaRPr lang="en-US" altLang="en-US" sz="1600"/>
-          </a:p>
-          <a:p>
-            <a:pPr lvl="2"/>
-            <a:r>
-              <a:rPr lang="en-US" altLang="en-US" sz="1600"/>
-              <a:t>vue init webpack myapp</a:t>
-            </a:r>
-            <a:endParaRPr lang="en-US" altLang="en-US" sz="1600"/>
-          </a:p>
-          <a:p>
-            <a:pPr lvl="2"/>
-            <a:r>
-              <a:rPr lang="en-US" altLang="en-US" sz="1600"/>
-              <a:t>npm run dev</a:t>
-            </a:r>
-            <a:endParaRPr lang="en-US" altLang="zh-CN" sz="1600"/>
-          </a:p>
-          <a:p>
-            <a:pPr lvl="2"/>
-            <a:r>
-              <a:rPr lang="en-US" altLang="zh-CN" sz="1600"/>
-              <a:t>npm run build // Build application to production</a:t>
-            </a:r>
-            <a:endParaRPr lang="en-US" altLang="zh-CN" sz="1600"/>
-          </a:p>
-          <a:p>
-            <a:pPr lvl="1"/>
-            <a:r>
-              <a:rPr lang="en-US" altLang="zh-CN" sz="1800"/>
-              <a:t>Install using the client-side package manager</a:t>
-            </a:r>
-            <a:endParaRPr lang="en-US" altLang="zh-CN" sz="1800"/>
-          </a:p>
-          <a:p>
-            <a:pPr lvl="0"/>
-            <a:r>
-              <a:rPr lang="en-US" altLang="en-US" sz="2000"/>
-              <a:t>Vim Support</a:t>
-            </a:r>
-            <a:endParaRPr lang="en-US" altLang="en-US" sz="2000"/>
-          </a:p>
-          <a:p>
-            <a:pPr lvl="1"/>
-            <a:r>
-              <a:rPr lang="en-US" altLang="en-US" sz="1800"/>
-              <a:t>https://github.com/posva/vim-vue</a:t>
-            </a:r>
-            <a:endParaRPr lang="en-US" altLang="en-US" sz="1800"/>
-          </a:p>
-          <a:p>
-            <a:pPr lvl="1"/>
-            <a:r>
-              <a:rPr lang="en-US" altLang="en-US" sz="1800"/>
-              <a:t>Vundle: Plugin 'posva/vim-vue'</a:t>
-            </a:r>
-            <a:endParaRPr lang="en-US" altLang="en-US" sz="1800"/>
-          </a:p>
-        </p:txBody>
-      </p:sp>
-    </p:spTree>
-    <p:custDataLst>
-      <p:tags r:id="rId1"/>
-    </p:custDataLst>
-  </p:cSld>
-  <p:clrMapOvr>
-    <a:masterClrMapping/>
-  </p:clrMapOvr>
-</p:sld>
-</file>
-
 <file path=ppt/slides/slide4.xml><?xml version="1.0" encoding="utf-8"?>
 <p:sld xmlns:a="http://schemas.openxmlformats.org/drawingml/2006/main" xmlns:r="http://schemas.openxmlformats.org/officeDocument/2006/relationships" xmlns:p="http://schemas.openxmlformats.org/presentationml/2006/main">
   <p:cSld>
@@ -6322,7 +7498,7 @@
           <a:p>
             <a:r>
               <a:rPr lang="en-US" altLang="zh-CN"/>
-              <a:t>Config</a:t>
+              <a:t>Install</a:t>
             </a:r>
             <a:endParaRPr lang="en-US" altLang="zh-CN"/>
           </a:p>
@@ -6341,117 +7517,187 @@
         <p:spPr>
           <a:xfrm>
             <a:off x="838200" y="1211580"/>
-            <a:ext cx="5940425" cy="4549140"/>
+            <a:ext cx="10515600" cy="5353685"/>
           </a:xfrm>
         </p:spPr>
         <p:txBody>
-          <a:bodyPr/>
-          <a:p>
-            <a:r>
-              <a:rPr lang="en-US" altLang="zh-CN"/>
-              <a:t>vue ui</a:t>
-            </a:r>
-            <a:endParaRPr lang="en-US" altLang="zh-CN"/>
-          </a:p>
-        </p:txBody>
-      </p:sp>
-      <p:sp>
-        <p:nvSpPr>
-          <p:cNvPr id="4" name="文本框 3"/>
-          <p:cNvSpPr txBox="1"/>
-          <p:nvPr/>
-        </p:nvSpPr>
-        <p:spPr>
-          <a:xfrm>
-            <a:off x="6962140" y="1721485"/>
-            <a:ext cx="4784725" cy="3415030"/>
-          </a:xfrm>
-          <a:prstGeom prst="rect">
-            <a:avLst/>
-          </a:prstGeom>
-          <a:noFill/>
-          <a:ln>
-            <a:solidFill>
-              <a:srgbClr val="FFC000"/>
-            </a:solidFill>
-          </a:ln>
-        </p:spPr>
-        <p:txBody>
-          <a:bodyPr wrap="square" rtlCol="0">
-            <a:spAutoFit/>
+          <a:bodyPr>
+            <a:normAutofit/>
           </a:bodyPr>
           <a:p>
             <a:r>
-              <a:rPr lang="en-US" altLang="zh-CN"/>
-              <a:t>Drop console when release:</a:t>
-            </a:r>
-            <a:endParaRPr lang="en-US" altLang="zh-CN"/>
-          </a:p>
-          <a:p>
-            <a:r>
-              <a:rPr lang="en-US" altLang="zh-CN"/>
-              <a:t>build/webpack.prod.conf.js</a:t>
-            </a:r>
-            <a:endParaRPr lang="en-US" altLang="zh-CN"/>
-          </a:p>
-          <a:p>
-            <a:endParaRPr lang="en-US" altLang="zh-CN"/>
-          </a:p>
-          <a:p>
-            <a:r>
-              <a:rPr lang="en-US" altLang="zh-CN"/>
-              <a:t>	new UglifyJsPlugin({</a:t>
-            </a:r>
-            <a:endParaRPr lang="en-US" altLang="zh-CN"/>
-          </a:p>
-          <a:p>
-            <a:r>
-              <a:rPr lang="en-US" altLang="zh-CN"/>
-              <a:t>  		uglifyOptions: {</a:t>
-            </a:r>
-            <a:endParaRPr lang="en-US" altLang="zh-CN"/>
-          </a:p>
-          <a:p>
-            <a:r>
-              <a:rPr lang="en-US" altLang="zh-CN"/>
-              <a:t>    	compress: {</a:t>
-            </a:r>
-            <a:endParaRPr lang="en-US" altLang="zh-CN"/>
-          </a:p>
-          <a:p>
-            <a:r>
-              <a:rPr lang="en-US" altLang="zh-CN"/>
-              <a:t>      	warnings: false,</a:t>
-            </a:r>
-            <a:endParaRPr lang="en-US" altLang="zh-CN"/>
-          </a:p>
-          <a:p>
-            <a:r>
-              <a:rPr lang="en-US" altLang="zh-CN"/>
-              <a:t>      	drop_debugger: true, </a:t>
-            </a:r>
-            <a:endParaRPr lang="en-US" altLang="zh-CN"/>
-          </a:p>
-          <a:p>
-            <a:r>
-              <a:rPr lang="en-US" altLang="zh-CN"/>
-              <a:t>      	drop_console: true // 打包之后关闭console.log</a:t>
-            </a:r>
-            <a:endParaRPr lang="en-US" altLang="zh-CN"/>
-          </a:p>
-          <a:p>
-            <a:r>
-              <a:rPr lang="en-US" altLang="zh-CN"/>
-              <a:t>   	 }</a:t>
-            </a:r>
-            <a:endParaRPr lang="en-US" altLang="zh-CN"/>
-          </a:p>
-          <a:p>
-            <a:r>
-              <a:rPr lang="en-US" altLang="zh-CN"/>
-              <a:t>  	},</a:t>
-            </a:r>
-            <a:endParaRPr lang="en-US" altLang="zh-CN"/>
+              <a:rPr lang="en-US" altLang="zh-CN" sz="2000"/>
+              <a:t>Methods</a:t>
+            </a:r>
+            <a:endParaRPr lang="en-US" altLang="zh-CN" sz="2000"/>
+          </a:p>
+          <a:p>
+            <a:pPr lvl="1"/>
+            <a:r>
+              <a:rPr lang="en-US" altLang="zh-CN" sz="1800"/>
+              <a:t>Include the &lt;script&gt; tag in the html file (cdnjs)</a:t>
+            </a:r>
+            <a:endParaRPr lang="en-US" altLang="zh-CN" sz="1800"/>
+          </a:p>
+          <a:p>
+            <a:pPr lvl="1"/>
+            <a:r>
+              <a:rPr lang="en-US" altLang="zh-CN" sz="1800"/>
+              <a:t>Install using NPM</a:t>
+            </a:r>
+            <a:endParaRPr lang="en-US" altLang="zh-CN" sz="1800"/>
+          </a:p>
+          <a:p>
+            <a:pPr lvl="2"/>
+            <a:r>
+              <a:rPr lang="en-US" altLang="en-US" sz="1600"/>
+              <a:t>curl -sL https://deb.nodesource.com/setup_12.x | sudo -E bash -</a:t>
+            </a:r>
+            <a:endParaRPr lang="en-US" altLang="en-US" sz="1600"/>
+          </a:p>
+          <a:p>
+            <a:pPr lvl="2"/>
+            <a:r>
+              <a:rPr lang="en-US" altLang="en-US" sz="1600"/>
+              <a:t>sudo apt i</a:t>
+            </a:r>
+            <a:r>
+              <a:rPr lang="en-US" altLang="zh-CN" sz="1600"/>
+              <a:t>nstall </a:t>
+            </a:r>
+            <a:r>
+              <a:rPr lang="en-US" altLang="en-US" sz="1600"/>
+              <a:t>n</a:t>
+            </a:r>
+            <a:r>
+              <a:rPr lang="en-US" altLang="zh-CN" sz="1600"/>
+              <a:t>odejs </a:t>
+            </a:r>
+            <a:r>
+              <a:rPr lang="en-US" altLang="en-US" sz="1600"/>
+              <a:t>npm</a:t>
+            </a:r>
+            <a:endParaRPr lang="en-US" altLang="en-US" sz="1600"/>
+          </a:p>
+          <a:p>
+            <a:pPr lvl="2"/>
+            <a:r>
+              <a:rPr lang="en-US" altLang="en-US" sz="1600"/>
+              <a:t>nodejs -v</a:t>
+            </a:r>
+            <a:endParaRPr lang="en-US" altLang="en-US" sz="1600"/>
+          </a:p>
+          <a:p>
+            <a:pPr lvl="2"/>
+            <a:r>
+              <a:rPr lang="en-US" altLang="en-US" sz="1600"/>
+              <a:t>sudo </a:t>
+            </a:r>
+            <a:r>
+              <a:rPr lang="en-US" altLang="zh-CN" sz="1600"/>
+              <a:t>npm install -g cnpm --registry=https://registry.npm.taobao.org</a:t>
+            </a:r>
+            <a:endParaRPr lang="en-US" altLang="zh-CN" sz="1600"/>
+          </a:p>
+          <a:p>
+            <a:pPr lvl="1"/>
+            <a:r>
+              <a:rPr lang="en-US" altLang="zh-CN" sz="1800"/>
+              <a:t>Use the vue-cli tool along with Webpack</a:t>
+            </a:r>
+            <a:endParaRPr lang="en-US" altLang="zh-CN" sz="1800"/>
+          </a:p>
+          <a:p>
+            <a:pPr lvl="2"/>
+            <a:r>
+              <a:rPr lang="en-US" altLang="en-US" sz="1600"/>
+              <a:t>sudo c</a:t>
+            </a:r>
+            <a:r>
+              <a:rPr lang="en-US" altLang="zh-CN" sz="1600"/>
+              <a:t>npm install -g </a:t>
+            </a:r>
+            <a:r>
+              <a:rPr lang="en-US" altLang="en-US" sz="1600"/>
+              <a:t>@</a:t>
+            </a:r>
+            <a:r>
+              <a:rPr lang="en-US" altLang="zh-CN" sz="1600"/>
+              <a:t>vue</a:t>
+            </a:r>
+            <a:r>
+              <a:rPr lang="en-US" altLang="en-US" sz="1600"/>
+              <a:t>/</a:t>
+            </a:r>
+            <a:r>
+              <a:rPr lang="en-US" altLang="zh-CN" sz="1600"/>
+              <a:t>cli	// Install vue-cli globally</a:t>
+            </a:r>
+            <a:endParaRPr lang="en-US" altLang="zh-CN" sz="1600"/>
+          </a:p>
+          <a:p>
+            <a:pPr lvl="2"/>
+            <a:r>
+              <a:rPr lang="en-US" altLang="en-US" sz="1600"/>
+              <a:t>vue --version</a:t>
+            </a:r>
+            <a:endParaRPr lang="en-US" altLang="en-US" sz="1600"/>
+          </a:p>
+          <a:p>
+            <a:pPr lvl="2"/>
+            <a:r>
+              <a:rPr lang="en-US" altLang="en-US" sz="1600"/>
+              <a:t>vue init webpack myapp</a:t>
+            </a:r>
+            <a:endParaRPr lang="en-US" altLang="en-US" sz="1600"/>
+          </a:p>
+          <a:p>
+            <a:pPr lvl="2"/>
+            <a:r>
+              <a:rPr lang="en-US" altLang="en-US" sz="1600"/>
+              <a:t>npm run dev</a:t>
+            </a:r>
+            <a:endParaRPr lang="en-US" altLang="zh-CN" sz="1600"/>
+          </a:p>
+          <a:p>
+            <a:pPr lvl="2"/>
+            <a:r>
+              <a:rPr lang="en-US" altLang="zh-CN" sz="1600"/>
+              <a:t>npm run build // Build application to production</a:t>
+            </a:r>
+            <a:endParaRPr lang="en-US" altLang="zh-CN" sz="1600"/>
+          </a:p>
+          <a:p>
+            <a:pPr lvl="1"/>
+            <a:r>
+              <a:rPr lang="en-US" altLang="zh-CN" sz="1800"/>
+              <a:t>Install using the client-side package manager</a:t>
+            </a:r>
+            <a:endParaRPr lang="en-US" altLang="zh-CN" sz="1800"/>
+          </a:p>
+          <a:p>
+            <a:pPr lvl="0"/>
+            <a:r>
+              <a:rPr lang="en-US" altLang="en-US" sz="2000"/>
+              <a:t>Vim Support</a:t>
+            </a:r>
+            <a:endParaRPr lang="en-US" altLang="en-US" sz="2000"/>
+          </a:p>
+          <a:p>
+            <a:pPr lvl="1"/>
+            <a:r>
+              <a:rPr lang="en-US" altLang="en-US" sz="1800"/>
+              <a:t>https://github.com/posva/vim-vue</a:t>
+            </a:r>
+            <a:endParaRPr lang="en-US" altLang="en-US" sz="1800"/>
+          </a:p>
+          <a:p>
+            <a:pPr lvl="1"/>
+            <a:r>
+              <a:rPr lang="en-US" altLang="en-US" sz="1800"/>
+              <a:t>Vundle: Plugin 'posva/vim-vue'</a:t>
+            </a:r>
+            <a:endParaRPr lang="en-US" altLang="en-US" sz="1800"/>
           </a:p>
         </p:txBody>
       </p:sp>
@@ -6492,6 +7738,176 @@
           <a:p>
             <a:r>
               <a:rPr lang="en-US" altLang="zh-CN"/>
+              <a:t>Config</a:t>
+            </a:r>
+            <a:endParaRPr lang="en-US" altLang="zh-CN"/>
+          </a:p>
+        </p:txBody>
+      </p:sp>
+      <p:sp>
+        <p:nvSpPr>
+          <p:cNvPr id="3" name="内容占位符 2"/>
+          <p:cNvSpPr>
+            <a:spLocks noGrp="1"/>
+          </p:cNvSpPr>
+          <p:nvPr>
+            <p:ph idx="1"/>
+          </p:nvPr>
+        </p:nvSpPr>
+        <p:spPr>
+          <a:xfrm>
+            <a:off x="838200" y="1211580"/>
+            <a:ext cx="5940425" cy="4549140"/>
+          </a:xfrm>
+        </p:spPr>
+        <p:txBody>
+          <a:bodyPr/>
+          <a:p>
+            <a:r>
+              <a:rPr lang="en-US" altLang="zh-CN"/>
+              <a:t>vue ui</a:t>
+            </a:r>
+            <a:endParaRPr lang="en-US" altLang="zh-CN"/>
+          </a:p>
+        </p:txBody>
+      </p:sp>
+      <p:sp>
+        <p:nvSpPr>
+          <p:cNvPr id="4" name="文本框 3"/>
+          <p:cNvSpPr txBox="1"/>
+          <p:nvPr/>
+        </p:nvSpPr>
+        <p:spPr>
+          <a:xfrm>
+            <a:off x="6962140" y="1721485"/>
+            <a:ext cx="4784725" cy="3415030"/>
+          </a:xfrm>
+          <a:prstGeom prst="rect">
+            <a:avLst/>
+          </a:prstGeom>
+          <a:noFill/>
+          <a:ln>
+            <a:solidFill>
+              <a:srgbClr val="FFC000"/>
+            </a:solidFill>
+          </a:ln>
+        </p:spPr>
+        <p:txBody>
+          <a:bodyPr wrap="square" rtlCol="0">
+            <a:spAutoFit/>
+          </a:bodyPr>
+          <a:p>
+            <a:r>
+              <a:rPr lang="en-US" altLang="zh-CN"/>
+              <a:t>Drop console when release:</a:t>
+            </a:r>
+            <a:endParaRPr lang="en-US" altLang="zh-CN"/>
+          </a:p>
+          <a:p>
+            <a:r>
+              <a:rPr lang="en-US" altLang="zh-CN"/>
+              <a:t>build/webpack.prod.conf.js</a:t>
+            </a:r>
+            <a:endParaRPr lang="en-US" altLang="zh-CN"/>
+          </a:p>
+          <a:p>
+            <a:endParaRPr lang="en-US" altLang="zh-CN"/>
+          </a:p>
+          <a:p>
+            <a:r>
+              <a:rPr lang="en-US" altLang="zh-CN"/>
+              <a:t>	new UglifyJsPlugin({</a:t>
+            </a:r>
+            <a:endParaRPr lang="en-US" altLang="zh-CN"/>
+          </a:p>
+          <a:p>
+            <a:r>
+              <a:rPr lang="en-US" altLang="zh-CN"/>
+              <a:t>  		uglifyOptions: {</a:t>
+            </a:r>
+            <a:endParaRPr lang="en-US" altLang="zh-CN"/>
+          </a:p>
+          <a:p>
+            <a:r>
+              <a:rPr lang="en-US" altLang="zh-CN"/>
+              <a:t>    	compress: {</a:t>
+            </a:r>
+            <a:endParaRPr lang="en-US" altLang="zh-CN"/>
+          </a:p>
+          <a:p>
+            <a:r>
+              <a:rPr lang="en-US" altLang="zh-CN"/>
+              <a:t>      	warnings: false,</a:t>
+            </a:r>
+            <a:endParaRPr lang="en-US" altLang="zh-CN"/>
+          </a:p>
+          <a:p>
+            <a:r>
+              <a:rPr lang="en-US" altLang="zh-CN"/>
+              <a:t>      	drop_debugger: true, </a:t>
+            </a:r>
+            <a:endParaRPr lang="en-US" altLang="zh-CN"/>
+          </a:p>
+          <a:p>
+            <a:r>
+              <a:rPr lang="en-US" altLang="zh-CN"/>
+              <a:t>      	drop_console: true // 打包之后关闭console.log</a:t>
+            </a:r>
+            <a:endParaRPr lang="en-US" altLang="zh-CN"/>
+          </a:p>
+          <a:p>
+            <a:r>
+              <a:rPr lang="en-US" altLang="zh-CN"/>
+              <a:t>   	 }</a:t>
+            </a:r>
+            <a:endParaRPr lang="en-US" altLang="zh-CN"/>
+          </a:p>
+          <a:p>
+            <a:r>
+              <a:rPr lang="en-US" altLang="zh-CN"/>
+              <a:t>  	},</a:t>
+            </a:r>
+            <a:endParaRPr lang="en-US" altLang="zh-CN"/>
+          </a:p>
+        </p:txBody>
+      </p:sp>
+    </p:spTree>
+    <p:custDataLst>
+      <p:tags r:id="rId1"/>
+    </p:custDataLst>
+  </p:cSld>
+  <p:clrMapOvr>
+    <a:masterClrMapping/>
+  </p:clrMapOvr>
+</p:sld>
+</file>
+
+<file path=ppt/slides/slide6.xml><?xml version="1.0" encoding="utf-8"?>
+<p:sld xmlns:a="http://schemas.openxmlformats.org/drawingml/2006/main" xmlns:r="http://schemas.openxmlformats.org/officeDocument/2006/relationships" xmlns:p="http://schemas.openxmlformats.org/presentationml/2006/main">
+  <p:cSld>
+    <p:spTree>
+      <p:nvGrpSpPr>
+        <p:cNvPr id="1" name=""/>
+        <p:cNvGrpSpPr/>
+        <p:nvPr/>
+      </p:nvGrpSpPr>
+      <p:grpSpPr/>
+      <p:sp>
+        <p:nvSpPr>
+          <p:cNvPr id="2" name="标题 1"/>
+          <p:cNvSpPr>
+            <a:spLocks noGrp="1"/>
+          </p:cNvSpPr>
+          <p:nvPr>
+            <p:ph type="title"/>
+          </p:nvPr>
+        </p:nvSpPr>
+        <p:spPr/>
+        <p:txBody>
+          <a:bodyPr/>
+          <a:p>
+            <a:r>
+              <a:rPr lang="en-US" altLang="zh-CN"/>
               <a:t>Debug</a:t>
             </a:r>
             <a:endParaRPr lang="en-US" altLang="zh-CN"/>
@@ -6510,11 +7926,36 @@
         </p:nvSpPr>
         <p:spPr/>
         <p:txBody>
-          <a:bodyPr/>
+          <a:bodyPr>
+            <a:normAutofit fontScale="90000" lnSpcReduction="20000"/>
+          </a:bodyPr>
           <a:p>
             <a:r>
               <a:rPr lang="en-US" altLang="zh-CN"/>
               <a:t>npm run dev</a:t>
+            </a:r>
+            <a:endParaRPr lang="en-US" altLang="zh-CN"/>
+          </a:p>
+          <a:p>
+            <a:r>
+              <a:rPr lang="en-US" altLang="zh-CN"/>
+              <a:t>webpack.prod.conf.js</a:t>
+            </a:r>
+            <a:endParaRPr lang="en-US" altLang="zh-CN"/>
+          </a:p>
+          <a:p>
+            <a:pPr lvl="1"/>
+            <a:r>
+              <a:rPr lang="en-US" altLang="zh-CN" sz="2000"/>
+              <a:t>drop_debugger</a:t>
+            </a:r>
+            <a:endParaRPr lang="en-US" altLang="zh-CN" sz="2000"/>
+          </a:p>
+          <a:p>
+            <a:pPr lvl="1"/>
+            <a:r>
+              <a:rPr lang="en-US" altLang="zh-CN" sz="2000"/>
+              <a:t>drop_console</a:t>
             </a:r>
             <a:endParaRPr lang="en-US" altLang="zh-CN"/>
           </a:p>
@@ -6708,7 +8149,7 @@
 </p:sld>
 </file>
 
-<file path=ppt/slides/slide6.xml><?xml version="1.0" encoding="utf-8"?>
+<file path=ppt/slides/slide7.xml><?xml version="1.0" encoding="utf-8"?>
 <p:sld xmlns:a="http://schemas.openxmlformats.org/drawingml/2006/main" xmlns:r="http://schemas.openxmlformats.org/officeDocument/2006/relationships" xmlns:p="http://schemas.openxmlformats.org/presentationml/2006/main">
   <p:cSld>
     <p:spTree>
@@ -7609,7 +9050,7 @@
 </p:sld>
 </file>
 
-<file path=ppt/slides/slide7.xml><?xml version="1.0" encoding="utf-8"?>
+<file path=ppt/slides/slide8.xml><?xml version="1.0" encoding="utf-8"?>
 <p:sld xmlns:a="http://schemas.openxmlformats.org/drawingml/2006/main" xmlns:r="http://schemas.openxmlformats.org/officeDocument/2006/relationships" xmlns:p="http://schemas.openxmlformats.org/presentationml/2006/main">
   <p:cSld>
     <p:spTree>
@@ -7886,100 +9327,6 @@
 </p:sld>
 </file>
 
-<file path=ppt/slides/slide8.xml><?xml version="1.0" encoding="utf-8"?>
-<p:sld xmlns:a="http://schemas.openxmlformats.org/drawingml/2006/main" xmlns:r="http://schemas.openxmlformats.org/officeDocument/2006/relationships" xmlns:p="http://schemas.openxmlformats.org/presentationml/2006/main">
-  <p:cSld>
-    <p:spTree>
-      <p:nvGrpSpPr>
-        <p:cNvPr id="1" name=""/>
-        <p:cNvGrpSpPr/>
-        <p:nvPr/>
-      </p:nvGrpSpPr>
-      <p:grpSpPr/>
-      <p:sp>
-        <p:nvSpPr>
-          <p:cNvPr id="2" name="Title 1"/>
-          <p:cNvSpPr>
-            <a:spLocks noGrp="1"/>
-          </p:cNvSpPr>
-          <p:nvPr>
-            <p:ph type="title"/>
-          </p:nvPr>
-        </p:nvSpPr>
-        <p:spPr/>
-        <p:txBody>
-          <a:bodyPr/>
-          <a:p>
-            <a:r>
-              <a:rPr lang="en-US" altLang="en-US"/>
-              <a:t>Component</a:t>
-            </a:r>
-            <a:endParaRPr lang="en-US" altLang="en-US"/>
-          </a:p>
-        </p:txBody>
-      </p:sp>
-      <p:sp>
-        <p:nvSpPr>
-          <p:cNvPr id="3" name="Content Placeholder 2"/>
-          <p:cNvSpPr>
-            <a:spLocks noGrp="1"/>
-          </p:cNvSpPr>
-          <p:nvPr>
-            <p:ph idx="1"/>
-          </p:nvPr>
-        </p:nvSpPr>
-        <p:spPr/>
-        <p:txBody>
-          <a:bodyPr/>
-          <a:p>
-            <a:r>
-              <a:rPr lang="en-US" altLang="en-US"/>
-              <a:t>Global registration</a:t>
-            </a:r>
-            <a:endParaRPr lang="en-US" altLang="en-US"/>
-          </a:p>
-          <a:p>
-            <a:pPr lvl="1"/>
-            <a:r>
-              <a:rPr lang="en-US" altLang="en-US"/>
-              <a:t>Vue.component('component-name', {data: ..., props: ..., template: ...})</a:t>
-            </a:r>
-            <a:endParaRPr lang="en-US" altLang="en-US"/>
-          </a:p>
-          <a:p>
-            <a:pPr lvl="2"/>
-            <a:r>
-              <a:rPr lang="en-US" altLang="en-US"/>
-              <a:t>HTML component</a:t>
-            </a:r>
-            <a:endParaRPr lang="en-US" altLang="en-US"/>
-          </a:p>
-          <a:p>
-            <a:pPr lvl="2"/>
-            <a:r>
-              <a:rPr lang="en-US" altLang="en-US"/>
-              <a:t>Encapsulate and reuse</a:t>
-            </a:r>
-            <a:endParaRPr lang="en-US" altLang="en-US"/>
-          </a:p>
-          <a:p>
-            <a:pPr lvl="2"/>
-            <a:r>
-              <a:rPr lang="en-US" altLang="en-US"/>
-              <a:t>data: must be function</a:t>
-            </a:r>
-            <a:endParaRPr lang="en-US" altLang="en-US"/>
-          </a:p>
-        </p:txBody>
-      </p:sp>
-    </p:spTree>
-  </p:cSld>
-  <p:clrMapOvr>
-    <a:masterClrMapping/>
-  </p:clrMapOvr>
-</p:sld>
-</file>
-
 <file path=ppt/slides/slide9.xml><?xml version="1.0" encoding="utf-8"?>
 <p:sld xmlns:a="http://schemas.openxmlformats.org/drawingml/2006/main" xmlns:r="http://schemas.openxmlformats.org/officeDocument/2006/relationships" xmlns:p="http://schemas.openxmlformats.org/presentationml/2006/main">
   <p:cSld>
@@ -7992,7 +9339,7 @@
       <p:grpSpPr/>
       <p:sp>
         <p:nvSpPr>
-          <p:cNvPr id="2" name="标题 1"/>
+          <p:cNvPr id="2" name="Title 1"/>
           <p:cNvSpPr>
             <a:spLocks noGrp="1"/>
           </p:cNvSpPr>
@@ -8005,16 +9352,16 @@
           <a:bodyPr/>
           <a:p>
             <a:r>
-              <a:rPr lang="en-US" altLang="zh-CN"/>
-              <a:t>Props</a:t>
-            </a:r>
-            <a:endParaRPr lang="en-US" altLang="zh-CN"/>
-          </a:p>
-        </p:txBody>
-      </p:sp>
-      <p:sp>
-        <p:nvSpPr>
-          <p:cNvPr id="3" name="内容占位符 2"/>
+              <a:rPr lang="en-US" altLang="en-US"/>
+              <a:t>Component</a:t>
+            </a:r>
+            <a:endParaRPr lang="en-US" altLang="en-US"/>
+          </a:p>
+        </p:txBody>
+      </p:sp>
+      <p:sp>
+        <p:nvSpPr>
+          <p:cNvPr id="3" name="Content Placeholder 2"/>
           <p:cNvSpPr>
             <a:spLocks noGrp="1"/>
           </p:cNvSpPr>
@@ -8027,34 +9374,42 @@
           <a:bodyPr/>
           <a:p>
             <a:r>
-              <a:rPr lang="en-US" altLang="zh-CN"/>
-              <a:t>Concept</a:t>
-            </a:r>
-            <a:endParaRPr lang="en-US" altLang="zh-CN"/>
+              <a:rPr lang="en-US" altLang="en-US"/>
+              <a:t>Global registration</a:t>
+            </a:r>
+            <a:endParaRPr lang="en-US" altLang="en-US"/>
           </a:p>
           <a:p>
             <a:pPr lvl="1"/>
             <a:r>
-              <a:rPr lang="en-US" altLang="zh-CN"/>
-              <a:t>one-way-down binding</a:t>
-            </a:r>
-            <a:endParaRPr lang="en-US" altLang="zh-CN"/>
+              <a:rPr lang="en-US" altLang="en-US"/>
+              <a:t>Vue.component('component-name', {data: ..., props: ..., template: ...})</a:t>
+            </a:r>
+            <a:endParaRPr lang="en-US" altLang="en-US"/>
           </a:p>
           <a:p>
             <a:pPr lvl="2"/>
             <a:r>
-              <a:rPr lang="en-US" altLang="zh-CN"/>
-              <a:t>When the parent property update, it will flow down to the child.</a:t>
-            </a:r>
-            <a:endParaRPr lang="en-US" altLang="zh-CN"/>
+              <a:rPr lang="en-US" altLang="en-US"/>
+              <a:t>HTML component</a:t>
+            </a:r>
+            <a:endParaRPr lang="en-US" altLang="en-US"/>
           </a:p>
           <a:p>
             <a:pPr lvl="2"/>
             <a:r>
-              <a:rPr lang="en-US" altLang="zh-CN"/>
-              <a:t>But not the other way around</a:t>
-            </a:r>
-            <a:endParaRPr lang="en-US" altLang="zh-CN"/>
+              <a:rPr lang="en-US" altLang="en-US"/>
+              <a:t>Encapsulate and reuse</a:t>
+            </a:r>
+            <a:endParaRPr lang="en-US" altLang="en-US"/>
+          </a:p>
+          <a:p>
+            <a:pPr lvl="2"/>
+            <a:r>
+              <a:rPr lang="en-US" altLang="en-US"/>
+              <a:t>data: must be function</a:t>
+            </a:r>
+            <a:endParaRPr lang="en-US" altLang="en-US"/>
           </a:p>
         </p:txBody>
       </p:sp>
@@ -8084,11 +9439,19 @@
 
 <file path=ppt/tags/tag11.xml><?xml version="1.0" encoding="utf-8"?>
 <p:tagLst xmlns:p="http://schemas.openxmlformats.org/presentationml/2006/main">
+  <p:tag name="KSO_WM_BEAUTIFY_FLAG" val="#wm#"/>
+  <p:tag name="KSO_WM_TEMPLATE_CATEGORY" val="custom"/>
+  <p:tag name="KSO_WM_TEMPLATE_INDEX" val="160402"/>
+</p:tagLst>
+</file>
+
+<file path=ppt/tags/tag12.xml><?xml version="1.0" encoding="utf-8"?>
+<p:tagLst xmlns:p="http://schemas.openxmlformats.org/presentationml/2006/main">
   <p:tag name="KSO_WM_UNIT_TABLE_BEAUTIFY" val="smartTable{4d037d77-00c1-412e-a2bd-1ef68d8f08b5}"/>
 </p:tagLst>
 </file>
 
-<file path=ppt/tags/tag12.xml><?xml version="1.0" encoding="utf-8"?>
+<file path=ppt/tags/tag13.xml><?xml version="1.0" encoding="utf-8"?>
 <p:tagLst xmlns:p="http://schemas.openxmlformats.org/presentationml/2006/main">
   <p:tag name="KSO_WM_TAG_VERSION" val="1.0"/>
   <p:tag name="KSO_WM_BEAUTIFY_FLAG" val="#wm#"/>
@@ -8108,7 +9471,7 @@
 </p:tagLst>
 </file>
 
-<file path=ppt/tags/tag13.xml><?xml version="1.0" encoding="utf-8"?>
+<file path=ppt/tags/tag14.xml><?xml version="1.0" encoding="utf-8"?>
 <p:tagLst xmlns:p="http://schemas.openxmlformats.org/presentationml/2006/main">
   <p:tag name="KSO_WM_TAG_VERSION" val="1.0"/>
   <p:tag name="KSO_WM_BEAUTIFY_FLAG" val="#wm#"/>
@@ -8128,7 +9491,7 @@
 </p:tagLst>
 </file>
 
-<file path=ppt/tags/tag14.xml><?xml version="1.0" encoding="utf-8"?>
+<file path=ppt/tags/tag15.xml><?xml version="1.0" encoding="utf-8"?>
 <p:tagLst xmlns:p="http://schemas.openxmlformats.org/presentationml/2006/main">
   <p:tag name="KSO_WM_TEMPLATE_THUMBS_INDEX" val="1、9、12、16、19、20、24、27、28"/>
   <p:tag name="KSO_WM_TEMPLATE_CATEGORY" val="custom"/>
@@ -8144,7 +9507,7 @@
 </p:tagLst>
 </file>
 
-<file path=ppt/tags/tag15.xml><?xml version="1.0" encoding="utf-8"?>
+<file path=ppt/tags/tag16.xml><?xml version="1.0" encoding="utf-8"?>
 <p:tagLst xmlns:p="http://schemas.openxmlformats.org/presentationml/2006/main">
   <p:tag name="KSO_WM_BEAUTIFY_FLAG" val="#wm#"/>
   <p:tag name="KSO_WM_TEMPLATE_CATEGORY" val="custom"/>
@@ -8152,7 +9515,7 @@
 </p:tagLst>
 </file>
 
-<file path=ppt/tags/tag16.xml><?xml version="1.0" encoding="utf-8"?>
+<file path=ppt/tags/tag17.xml><?xml version="1.0" encoding="utf-8"?>
 <p:tagLst xmlns:p="http://schemas.openxmlformats.org/presentationml/2006/main">
   <p:tag name="KSO_WM_TAG_VERSION" val="1.0"/>
   <p:tag name="KSO_WM_BEAUTIFY_FLAG" val="#wm#"/>
@@ -8171,7 +9534,7 @@
 </p:tagLst>
 </file>
 
-<file path=ppt/tags/tag17.xml><?xml version="1.0" encoding="utf-8"?>
+<file path=ppt/tags/tag18.xml><?xml version="1.0" encoding="utf-8"?>
 <p:tagLst xmlns:p="http://schemas.openxmlformats.org/presentationml/2006/main">
   <p:tag name="KSO_WM_TAG_VERSION" val="1.0"/>
   <p:tag name="KSO_WM_BEAUTIFY_FLAG" val="#wm#"/>
@@ -8190,7 +9553,7 @@
 </p:tagLst>
 </file>
 
-<file path=ppt/tags/tag18.xml><?xml version="1.0" encoding="utf-8"?>
+<file path=ppt/tags/tag19.xml><?xml version="1.0" encoding="utf-8"?>
 <p:tagLst xmlns:p="http://schemas.openxmlformats.org/presentationml/2006/main">
   <p:tag name="KSO_WM_TEMPLATE_CATEGORY" val="custom"/>
   <p:tag name="KSO_WM_TEMPLATE_INDEX" val="160402"/>

--- a/Web/Vue-Notes.pptx
+++ b/Web/Vue-Notes.pptx
@@ -8,7 +8,7 @@
     <p:notesMasterId r:id="rId11"/>
   </p:notesMasterIdLst>
   <p:handoutMasterIdLst>
-    <p:handoutMasterId r:id="rId35"/>
+    <p:handoutMasterId r:id="rId37"/>
   </p:handoutMasterIdLst>
   <p:sldIdLst>
     <p:sldId id="256" r:id="rId3"/>
@@ -41,7 +41,9 @@
     <p:sldId id="395" r:id="rId31"/>
     <p:sldId id="396" r:id="rId32"/>
     <p:sldId id="397" r:id="rId33"/>
-    <p:sldId id="263" r:id="rId34"/>
+    <p:sldId id="425" r:id="rId34"/>
+    <p:sldId id="423" r:id="rId35"/>
+    <p:sldId id="263" r:id="rId36"/>
   </p:sldIdLst>
   <p:sldSz cx="12192000" cy="6858000"/>
   <p:notesSz cx="6858000" cy="9144000"/>
@@ -6236,6 +6238,45 @@
             </a:r>
             <a:endParaRPr lang="en-US" altLang="zh-CN"/>
           </a:p>
+          <a:p>
+            <a:r>
+              <a:rPr lang="en-US" altLang="zh-CN"/>
+              <a:t>Speed up npm run build</a:t>
+            </a:r>
+            <a:endParaRPr lang="en-US" altLang="zh-CN"/>
+          </a:p>
+          <a:p>
+            <a:pPr lvl="1"/>
+            <a:r>
+              <a:rPr lang="en-US" altLang="zh-CN"/>
+              <a:t>https://www.hangge.com/blog/cache/detail_2105.html</a:t>
+            </a:r>
+            <a:endParaRPr lang="en-US" altLang="zh-CN"/>
+          </a:p>
+          <a:p>
+            <a:pPr lvl="1"/>
+            <a:r>
+              <a:rPr lang="en-US" altLang="zh-CN"/>
+              <a:t>266041ms</a:t>
+            </a:r>
+            <a:endParaRPr lang="en-US" altLang="zh-CN"/>
+          </a:p>
+          <a:p>
+            <a:pPr lvl="1"/>
+            <a:r>
+              <a:rPr lang="en-US" altLang="zh-CN"/>
+              <a:t>Install node latest version</a:t>
+            </a:r>
+            <a:endParaRPr lang="en-US" altLang="zh-CN"/>
+          </a:p>
+          <a:p>
+            <a:pPr lvl="2"/>
+            <a:r>
+              <a:rPr lang="en-US" altLang="zh-CN"/>
+              <a:t>from 8.x to 14.x: </a:t>
+            </a:r>
+            <a:endParaRPr lang="en-US" altLang="zh-CN"/>
+          </a:p>
         </p:txBody>
       </p:sp>
     </p:spTree>
@@ -7392,6 +7433,284 @@
         <p:cNvGrpSpPr/>
         <p:nvPr/>
       </p:nvGrpSpPr>
+      <p:grpSpPr/>
+      <p:sp>
+        <p:nvSpPr>
+          <p:cNvPr id="2" name="标题 1"/>
+          <p:cNvSpPr>
+            <a:spLocks noGrp="1"/>
+          </p:cNvSpPr>
+          <p:nvPr>
+            <p:ph type="title"/>
+          </p:nvPr>
+        </p:nvSpPr>
+        <p:spPr/>
+        <p:txBody>
+          <a:bodyPr/>
+          <a:p>
+            <a:r>
+              <a:rPr lang="en-US" altLang="zh-CN"/>
+              <a:t>Vue-Konva</a:t>
+            </a:r>
+            <a:endParaRPr lang="en-US" altLang="zh-CN"/>
+          </a:p>
+        </p:txBody>
+      </p:sp>
+      <p:sp>
+        <p:nvSpPr>
+          <p:cNvPr id="3" name="内容占位符 2"/>
+          <p:cNvSpPr>
+            <a:spLocks noGrp="1"/>
+          </p:cNvSpPr>
+          <p:nvPr>
+            <p:ph idx="1"/>
+          </p:nvPr>
+        </p:nvSpPr>
+        <p:spPr/>
+        <p:txBody>
+          <a:bodyPr/>
+          <a:p>
+            <a:r>
+              <a:rPr lang="en-US" altLang="zh-CN"/>
+              <a:t>References</a:t>
+            </a:r>
+            <a:endParaRPr lang="en-US" altLang="zh-CN"/>
+          </a:p>
+          <a:p>
+            <a:pPr lvl="1"/>
+            <a:r>
+              <a:rPr lang="en-US" altLang="zh-CN"/>
+              <a:t>https://github.com/konvajs/vue-konva</a:t>
+            </a:r>
+            <a:endParaRPr lang="en-US" altLang="zh-CN"/>
+          </a:p>
+          <a:p>
+            <a:pPr lvl="0"/>
+            <a:r>
+              <a:rPr lang="en-US" altLang="zh-CN"/>
+              <a:t>Install</a:t>
+            </a:r>
+            <a:endParaRPr lang="en-US" altLang="zh-CN"/>
+          </a:p>
+          <a:p>
+            <a:pPr lvl="1"/>
+            <a:r>
+              <a:rPr lang="en-US" altLang="zh-CN" sz="2000"/>
+              <a:t>npm i -S konva vue-konva</a:t>
+            </a:r>
+            <a:endParaRPr lang="en-US" altLang="zh-CN" sz="2000"/>
+          </a:p>
+          <a:p>
+            <a:pPr lvl="1"/>
+            <a:r>
+              <a:rPr lang="en-US" altLang="zh-CN" sz="2000"/>
+              <a:t>vue.js v2.4+</a:t>
+            </a:r>
+            <a:endParaRPr lang="en-US" altLang="zh-CN"/>
+          </a:p>
+          <a:p>
+            <a:pPr lvl="0"/>
+            <a:r>
+              <a:rPr lang="en-US" altLang="zh-CN"/>
+              <a:t>Shapes</a:t>
+            </a:r>
+            <a:endParaRPr lang="en-US" altLang="zh-CN"/>
+          </a:p>
+          <a:p>
+            <a:pPr lvl="1"/>
+            <a:r>
+              <a:rPr lang="en-US" altLang="zh-CN"/>
+              <a:t>v-rect, v-circle, v-ellipse, v-line, v-image, v-svg, v-text, v-text-path, v-star, v-label, v-path, v-regular-polygon</a:t>
+            </a:r>
+            <a:endParaRPr lang="en-US" altLang="zh-CN"/>
+          </a:p>
+        </p:txBody>
+      </p:sp>
+    </p:spTree>
+  </p:cSld>
+  <p:clrMapOvr>
+    <a:masterClrMapping/>
+  </p:clrMapOvr>
+</p:sld>
+</file>
+
+<file path=ppt/slides/slide32.xml><?xml version="1.0" encoding="utf-8"?>
+<p:sld xmlns:a="http://schemas.openxmlformats.org/drawingml/2006/main" xmlns:r="http://schemas.openxmlformats.org/officeDocument/2006/relationships" xmlns:p="http://schemas.openxmlformats.org/presentationml/2006/main">
+  <p:cSld>
+    <p:spTree>
+      <p:nvGrpSpPr>
+        <p:cNvPr id="1" name=""/>
+        <p:cNvGrpSpPr/>
+        <p:nvPr/>
+      </p:nvGrpSpPr>
+      <p:grpSpPr/>
+      <p:sp>
+        <p:nvSpPr>
+          <p:cNvPr id="2" name="标题 1"/>
+          <p:cNvSpPr>
+            <a:spLocks noGrp="1"/>
+          </p:cNvSpPr>
+          <p:nvPr>
+            <p:ph type="title"/>
+          </p:nvPr>
+        </p:nvSpPr>
+        <p:spPr/>
+        <p:txBody>
+          <a:bodyPr/>
+          <a:p>
+            <a:r>
+              <a:rPr lang="en-US" altLang="zh-CN"/>
+              <a:t>FAQ</a:t>
+            </a:r>
+            <a:endParaRPr lang="en-US" altLang="zh-CN"/>
+          </a:p>
+        </p:txBody>
+      </p:sp>
+      <p:sp>
+        <p:nvSpPr>
+          <p:cNvPr id="3" name="内容占位符 2"/>
+          <p:cNvSpPr>
+            <a:spLocks noGrp="1"/>
+          </p:cNvSpPr>
+          <p:nvPr>
+            <p:ph idx="1"/>
+          </p:nvPr>
+        </p:nvSpPr>
+        <p:spPr>
+          <a:xfrm>
+            <a:off x="838200" y="1211580"/>
+            <a:ext cx="10515600" cy="4744720"/>
+          </a:xfrm>
+        </p:spPr>
+        <p:txBody>
+          <a:bodyPr>
+            <a:normAutofit/>
+          </a:bodyPr>
+          <a:p>
+            <a:r>
+              <a:rPr lang="en-US" altLang="zh-CN"/>
+              <a:t>Fixed CORS issue during debug</a:t>
+            </a:r>
+            <a:endParaRPr lang="en-US" altLang="zh-CN"/>
+          </a:p>
+          <a:p>
+            <a:pPr lvl="1"/>
+            <a:r>
+              <a:rPr lang="en-US" altLang="zh-CN"/>
+              <a:t>Modify config/index.js</a:t>
+            </a:r>
+            <a:endParaRPr lang="en-US" altLang="zh-CN"/>
+          </a:p>
+        </p:txBody>
+      </p:sp>
+      <p:sp>
+        <p:nvSpPr>
+          <p:cNvPr id="4" name="文本框 3"/>
+          <p:cNvSpPr txBox="1"/>
+          <p:nvPr/>
+        </p:nvSpPr>
+        <p:spPr>
+          <a:xfrm>
+            <a:off x="6924040" y="1211580"/>
+            <a:ext cx="4429760" cy="2861310"/>
+          </a:xfrm>
+          <a:prstGeom prst="rect">
+            <a:avLst/>
+          </a:prstGeom>
+          <a:noFill/>
+          <a:ln>
+            <a:solidFill>
+              <a:schemeClr val="accent6"/>
+            </a:solidFill>
+            <a:prstDash val="dash"/>
+          </a:ln>
+        </p:spPr>
+        <p:txBody>
+          <a:bodyPr wrap="square" rtlCol="0">
+            <a:spAutoFit/>
+          </a:bodyPr>
+          <a:p>
+            <a:r>
+              <a:rPr lang="zh-CN" altLang="en-US"/>
+              <a:t>        proxyTable: {</a:t>
+            </a:r>
+            <a:endParaRPr lang="zh-CN" altLang="en-US"/>
+          </a:p>
+          <a:p>
+            <a:r>
+              <a:rPr lang="zh-CN" altLang="en-US"/>
+              <a:t>            '/': {</a:t>
+            </a:r>
+            <a:endParaRPr lang="zh-CN" altLang="en-US"/>
+          </a:p>
+          <a:p>
+            <a:r>
+              <a:rPr lang="zh-CN" altLang="en-US"/>
+              <a:t>                target: 'http://47.105.68.219:8090/',</a:t>
+            </a:r>
+            <a:endParaRPr lang="zh-CN" altLang="en-US"/>
+          </a:p>
+          <a:p>
+            <a:r>
+              <a:rPr lang="zh-CN" altLang="en-US"/>
+              <a:t>                changeOrigin: true, </a:t>
+            </a:r>
+            <a:endParaRPr lang="zh-CN" altLang="en-US"/>
+          </a:p>
+          <a:p>
+            <a:r>
+              <a:rPr lang="zh-CN" altLang="en-US"/>
+              <a:t>                pathRewrite: {</a:t>
+            </a:r>
+            <a:endParaRPr lang="zh-CN" altLang="en-US"/>
+          </a:p>
+          <a:p>
+            <a:r>
+              <a:rPr lang="zh-CN" altLang="en-US"/>
+              <a:t>                    '^/': '/'</a:t>
+            </a:r>
+            <a:endParaRPr lang="zh-CN" altLang="en-US"/>
+          </a:p>
+          <a:p>
+            <a:r>
+              <a:rPr lang="zh-CN" altLang="en-US"/>
+              <a:t>                }</a:t>
+            </a:r>
+            <a:endParaRPr lang="zh-CN" altLang="en-US"/>
+          </a:p>
+          <a:p>
+            <a:r>
+              <a:rPr lang="zh-CN" altLang="en-US"/>
+              <a:t>            }</a:t>
+            </a:r>
+            <a:endParaRPr lang="zh-CN" altLang="en-US"/>
+          </a:p>
+          <a:p>
+            <a:r>
+              <a:rPr lang="zh-CN" altLang="en-US"/>
+              <a:t>        },</a:t>
+            </a:r>
+            <a:endParaRPr lang="zh-CN" altLang="en-US"/>
+          </a:p>
+        </p:txBody>
+      </p:sp>
+    </p:spTree>
+  </p:cSld>
+  <p:clrMapOvr>
+    <a:masterClrMapping/>
+  </p:clrMapOvr>
+</p:sld>
+</file>
+
+<file path=ppt/slides/slide33.xml><?xml version="1.0" encoding="utf-8"?>
+<p:sld xmlns:a="http://schemas.openxmlformats.org/drawingml/2006/main" xmlns:r="http://schemas.openxmlformats.org/officeDocument/2006/relationships" xmlns:p="http://schemas.openxmlformats.org/presentationml/2006/main">
+  <p:cSld>
+    <p:spTree>
+      <p:nvGrpSpPr>
+        <p:cNvPr id="1" name=""/>
+        <p:cNvGrpSpPr/>
+        <p:nvPr/>
+      </p:nvGrpSpPr>
       <p:grpSpPr>
         <a:xfrm>
           <a:off x="0" y="0"/>
@@ -7551,7 +7870,7 @@
             <a:pPr lvl="2"/>
             <a:r>
               <a:rPr lang="en-US" altLang="en-US" sz="1600"/>
-              <a:t>curl -sL https://deb.nodesource.com/setup_12.x | sudo -E bash -</a:t>
+              <a:t>curl -sL https://deb.nodesource.com/setup_14.x | sudo -E bash -</a:t>
             </a:r>
             <a:endParaRPr lang="en-US" altLang="en-US" sz="1600"/>
           </a:p>

--- a/Web/Vue-Notes.pptx
+++ b/Web/Vue-Notes.pptx
@@ -8,7 +8,7 @@
     <p:notesMasterId r:id="rId11"/>
   </p:notesMasterIdLst>
   <p:handoutMasterIdLst>
-    <p:handoutMasterId r:id="rId37"/>
+    <p:handoutMasterId r:id="rId39"/>
   </p:handoutMasterIdLst>
   <p:sldIdLst>
     <p:sldId id="256" r:id="rId3"/>
@@ -43,7 +43,9 @@
     <p:sldId id="397" r:id="rId33"/>
     <p:sldId id="425" r:id="rId34"/>
     <p:sldId id="423" r:id="rId35"/>
-    <p:sldId id="263" r:id="rId36"/>
+    <p:sldId id="428" r:id="rId36"/>
+    <p:sldId id="429" r:id="rId37"/>
+    <p:sldId id="263" r:id="rId38"/>
   </p:sldIdLst>
   <p:sldSz cx="12192000" cy="6858000"/>
   <p:notesSz cx="6858000" cy="9144000"/>
@@ -3850,15 +3852,11 @@
             </a:r>
             <a:r>
               <a:rPr lang="en-US" altLang="en-US" smtClean="0"/>
-              <a:t>16</a:t>
+              <a:t>6</a:t>
             </a:r>
             <a:r>
               <a:rPr lang="en-US" altLang="zh-CN" smtClean="0"/>
-              <a:t>/201</a:t>
-            </a:r>
-            <a:r>
-              <a:rPr lang="en-US" altLang="en-US" smtClean="0"/>
-              <a:t>9</a:t>
+              <a:t>/2021</a:t>
             </a:r>
             <a:endParaRPr lang="en-US" altLang="en-US" smtClean="0"/>
           </a:p>
@@ -7703,6 +7701,285 @@
 </file>
 
 <file path=ppt/slides/slide33.xml><?xml version="1.0" encoding="utf-8"?>
+<p:sld xmlns:a="http://schemas.openxmlformats.org/drawingml/2006/main" xmlns:r="http://schemas.openxmlformats.org/officeDocument/2006/relationships" xmlns:p="http://schemas.openxmlformats.org/presentationml/2006/main">
+  <p:cSld>
+    <p:spTree>
+      <p:nvGrpSpPr>
+        <p:cNvPr id="1" name=""/>
+        <p:cNvGrpSpPr/>
+        <p:nvPr/>
+      </p:nvGrpSpPr>
+      <p:grpSpPr/>
+      <p:sp>
+        <p:nvSpPr>
+          <p:cNvPr id="4" name="标题 3"/>
+          <p:cNvSpPr>
+            <a:spLocks noGrp="1"/>
+          </p:cNvSpPr>
+          <p:nvPr>
+            <p:ph type="title"/>
+          </p:nvPr>
+        </p:nvSpPr>
+        <p:spPr/>
+        <p:txBody>
+          <a:bodyPr/>
+          <a:p>
+            <a:r>
+              <a:rPr lang="en-US" altLang="zh-CN"/>
+              <a:t>Advanced</a:t>
+            </a:r>
+            <a:endParaRPr lang="en-US" altLang="zh-CN"/>
+          </a:p>
+        </p:txBody>
+      </p:sp>
+      <p:sp>
+        <p:nvSpPr>
+          <p:cNvPr id="5" name="文本占位符 4"/>
+          <p:cNvSpPr>
+            <a:spLocks noGrp="1"/>
+          </p:cNvSpPr>
+          <p:nvPr>
+            <p:ph type="body" idx="1"/>
+          </p:nvPr>
+        </p:nvSpPr>
+        <p:spPr/>
+        <p:txBody>
+          <a:bodyPr/>
+          <a:p>
+            <a:endParaRPr lang="zh-CN" altLang="en-US"/>
+          </a:p>
+        </p:txBody>
+      </p:sp>
+    </p:spTree>
+  </p:cSld>
+  <p:clrMapOvr>
+    <a:masterClrMapping/>
+  </p:clrMapOvr>
+</p:sld>
+</file>
+
+<file path=ppt/slides/slide34.xml><?xml version="1.0" encoding="utf-8"?>
+<p:sld xmlns:a="http://schemas.openxmlformats.org/drawingml/2006/main" xmlns:r="http://schemas.openxmlformats.org/officeDocument/2006/relationships" xmlns:p="http://schemas.openxmlformats.org/presentationml/2006/main">
+  <p:cSld>
+    <p:spTree>
+      <p:nvGrpSpPr>
+        <p:cNvPr id="1" name=""/>
+        <p:cNvGrpSpPr/>
+        <p:nvPr/>
+      </p:nvGrpSpPr>
+      <p:grpSpPr/>
+      <p:sp>
+        <p:nvSpPr>
+          <p:cNvPr id="4" name="标题 3"/>
+          <p:cNvSpPr>
+            <a:spLocks noGrp="1"/>
+          </p:cNvSpPr>
+          <p:nvPr>
+            <p:ph type="title"/>
+          </p:nvPr>
+        </p:nvSpPr>
+        <p:spPr/>
+        <p:txBody>
+          <a:bodyPr/>
+          <a:p>
+            <a:r>
+              <a:rPr lang="en-US" altLang="zh-CN"/>
+              <a:t>Handle Large JS Files</a:t>
+            </a:r>
+            <a:endParaRPr lang="en-US" altLang="zh-CN"/>
+          </a:p>
+        </p:txBody>
+      </p:sp>
+      <p:sp>
+        <p:nvSpPr>
+          <p:cNvPr id="5" name="内容占位符 4"/>
+          <p:cNvSpPr>
+            <a:spLocks noGrp="1"/>
+          </p:cNvSpPr>
+          <p:nvPr>
+            <p:ph idx="1"/>
+          </p:nvPr>
+        </p:nvSpPr>
+        <p:spPr>
+          <a:xfrm>
+            <a:off x="838200" y="1211580"/>
+            <a:ext cx="7535545" cy="4549140"/>
+          </a:xfrm>
+        </p:spPr>
+        <p:txBody>
+          <a:bodyPr/>
+          <a:p>
+            <a:r>
+              <a:rPr lang="en-US" altLang="zh-CN"/>
+              <a:t>Reference</a:t>
+            </a:r>
+            <a:endParaRPr lang="en-US" altLang="zh-CN"/>
+          </a:p>
+          <a:p>
+            <a:pPr lvl="1"/>
+            <a:r>
+              <a:rPr lang="en-US" altLang="zh-CN"/>
+              <a:t>https://github.com/vuejs-templates/webpack/issues/1297</a:t>
+            </a:r>
+            <a:endParaRPr lang="en-US" altLang="zh-CN"/>
+          </a:p>
+          <a:p>
+            <a:pPr lvl="1"/>
+            <a:r>
+              <a:rPr lang="en-US" altLang="zh-CN"/>
+              <a:t>https://www.jianshu.com/p/1c60ed2064b5</a:t>
+            </a:r>
+            <a:endParaRPr lang="en-US" altLang="zh-CN"/>
+          </a:p>
+          <a:p>
+            <a:pPr lvl="1"/>
+            <a:r>
+              <a:rPr lang="en-US" altLang="zh-CN">
+                <a:sym typeface="+mn-ea"/>
+              </a:rPr>
+              <a:t>https://blog.csdn.net/qq_19694913/article/details/82628637</a:t>
+            </a:r>
+            <a:endParaRPr lang="en-US" altLang="zh-CN"/>
+          </a:p>
+          <a:p>
+            <a:pPr lvl="0"/>
+            <a:r>
+              <a:rPr lang="en-US" altLang="zh-CN"/>
+              <a:t>npm run build --report</a:t>
+            </a:r>
+            <a:endParaRPr lang="en-US" altLang="zh-CN"/>
+          </a:p>
+          <a:p>
+            <a:pPr lvl="0"/>
+            <a:r>
+              <a:rPr lang="en-US" altLang="zh-CN"/>
+              <a:t>Reduce size</a:t>
+            </a:r>
+            <a:endParaRPr lang="en-US" altLang="zh-CN"/>
+          </a:p>
+          <a:p>
+            <a:pPr lvl="1"/>
+            <a:r>
+              <a:rPr lang="en-US" altLang="zh-CN"/>
+              <a:t>element ui</a:t>
+            </a:r>
+            <a:endParaRPr lang="en-US" altLang="zh-CN"/>
+          </a:p>
+          <a:p>
+            <a:pPr lvl="2"/>
+            <a:r>
+              <a:rPr lang="en-US" altLang="zh-CN"/>
+              <a:t>remove whole library import</a:t>
+            </a:r>
+            <a:endParaRPr lang="en-US" altLang="zh-CN"/>
+          </a:p>
+          <a:p>
+            <a:pPr lvl="2"/>
+            <a:r>
+              <a:rPr lang="en-US" altLang="zh-CN"/>
+              <a:t>import only used component</a:t>
+            </a:r>
+            <a:endParaRPr lang="en-US" altLang="zh-CN"/>
+          </a:p>
+          <a:p>
+            <a:pPr lvl="1"/>
+            <a:r>
+              <a:rPr lang="en-US" altLang="zh-CN"/>
+              <a:t>remove language pack in moment.js</a:t>
+            </a:r>
+            <a:endParaRPr lang="en-US" altLang="zh-CN"/>
+          </a:p>
+        </p:txBody>
+      </p:sp>
+      <p:sp>
+        <p:nvSpPr>
+          <p:cNvPr id="2" name="文本框 1"/>
+          <p:cNvSpPr txBox="1"/>
+          <p:nvPr/>
+        </p:nvSpPr>
+        <p:spPr>
+          <a:xfrm>
+            <a:off x="8669655" y="1211580"/>
+            <a:ext cx="2923540" cy="2461260"/>
+          </a:xfrm>
+          <a:prstGeom prst="rect">
+            <a:avLst/>
+          </a:prstGeom>
+          <a:noFill/>
+          <a:ln>
+            <a:solidFill>
+              <a:srgbClr val="FFC000"/>
+            </a:solidFill>
+            <a:prstDash val="dash"/>
+          </a:ln>
+        </p:spPr>
+        <p:txBody>
+          <a:bodyPr wrap="square" rtlCol="0">
+            <a:spAutoFit/>
+          </a:bodyPr>
+          <a:p>
+            <a:r>
+              <a:rPr lang="zh-CN" altLang="en-US" sz="1400"/>
+              <a:t>const webpack = require('webpack')</a:t>
+            </a:r>
+            <a:endParaRPr lang="zh-CN" altLang="en-US" sz="1400"/>
+          </a:p>
+          <a:p>
+            <a:r>
+              <a:rPr lang="zh-CN" altLang="en-US" sz="1400"/>
+              <a:t>module.exports = {</a:t>
+            </a:r>
+            <a:endParaRPr lang="zh-CN" altLang="en-US" sz="1400"/>
+          </a:p>
+          <a:p>
+            <a:r>
+              <a:rPr lang="zh-CN" altLang="en-US" sz="1400"/>
+              <a:t>    plugins: [</a:t>
+            </a:r>
+            <a:endParaRPr lang="zh-CN" altLang="en-US" sz="1400"/>
+          </a:p>
+          <a:p>
+            <a:r>
+              <a:rPr lang="zh-CN" altLang="en-US" sz="1400"/>
+              <a:t>    new webpack.IgnorePlugin(/^\.\/locale$/, /moment$/)</a:t>
+            </a:r>
+            <a:endParaRPr lang="zh-CN" altLang="en-US" sz="1400"/>
+          </a:p>
+          <a:p>
+            <a:r>
+              <a:rPr lang="zh-CN" altLang="en-US" sz="1400"/>
+              <a:t>  ]</a:t>
+            </a:r>
+            <a:endParaRPr lang="zh-CN" altLang="en-US" sz="1400"/>
+          </a:p>
+          <a:p>
+            <a:r>
+              <a:rPr lang="zh-CN" altLang="en-US" sz="1400"/>
+              <a:t>}</a:t>
+            </a:r>
+            <a:endParaRPr lang="zh-CN" altLang="en-US" sz="1400"/>
+          </a:p>
+          <a:p>
+            <a:endParaRPr lang="zh-CN" altLang="en-US" sz="1400"/>
+          </a:p>
+          <a:p>
+            <a:r>
+              <a:rPr lang="zh-CN" altLang="en-US" sz="1400"/>
+              <a:t>import 'moment/locale/zh-cn';</a:t>
+            </a:r>
+            <a:endParaRPr lang="zh-CN" altLang="en-US" sz="1400"/>
+          </a:p>
+        </p:txBody>
+      </p:sp>
+    </p:spTree>
+  </p:cSld>
+  <p:clrMapOvr>
+    <a:masterClrMapping/>
+  </p:clrMapOvr>
+</p:sld>
+</file>
+
+<file path=ppt/slides/slide35.xml><?xml version="1.0" encoding="utf-8"?>
 <p:sld xmlns:a="http://schemas.openxmlformats.org/drawingml/2006/main" xmlns:r="http://schemas.openxmlformats.org/officeDocument/2006/relationships" xmlns:p="http://schemas.openxmlformats.org/presentationml/2006/main">
   <p:cSld>
     <p:spTree>

--- a/Web/Vue-Notes.pptx
+++ b/Web/Vue-Notes.pptx
@@ -8,7 +8,7 @@
     <p:notesMasterId r:id="rId11"/>
   </p:notesMasterIdLst>
   <p:handoutMasterIdLst>
-    <p:handoutMasterId r:id="rId39"/>
+    <p:handoutMasterId r:id="rId41"/>
   </p:handoutMasterIdLst>
   <p:sldIdLst>
     <p:sldId id="256" r:id="rId3"/>
@@ -35,17 +35,19 @@
     <p:sldId id="282" r:id="rId25"/>
     <p:sldId id="307" r:id="rId26"/>
     <p:sldId id="314" r:id="rId27"/>
-    <p:sldId id="347" r:id="rId28"/>
-    <p:sldId id="394" r:id="rId29"/>
-    <p:sldId id="398" r:id="rId30"/>
-    <p:sldId id="395" r:id="rId31"/>
-    <p:sldId id="396" r:id="rId32"/>
-    <p:sldId id="397" r:id="rId33"/>
-    <p:sldId id="425" r:id="rId34"/>
-    <p:sldId id="423" r:id="rId35"/>
-    <p:sldId id="428" r:id="rId36"/>
-    <p:sldId id="429" r:id="rId37"/>
-    <p:sldId id="263" r:id="rId38"/>
+    <p:sldId id="432" r:id="rId28"/>
+    <p:sldId id="347" r:id="rId29"/>
+    <p:sldId id="431" r:id="rId30"/>
+    <p:sldId id="394" r:id="rId31"/>
+    <p:sldId id="398" r:id="rId32"/>
+    <p:sldId id="395" r:id="rId33"/>
+    <p:sldId id="396" r:id="rId34"/>
+    <p:sldId id="397" r:id="rId35"/>
+    <p:sldId id="425" r:id="rId36"/>
+    <p:sldId id="423" r:id="rId37"/>
+    <p:sldId id="428" r:id="rId38"/>
+    <p:sldId id="429" r:id="rId39"/>
+    <p:sldId id="263" r:id="rId40"/>
   </p:sldIdLst>
   <p:sldSz cx="12192000" cy="6858000"/>
   <p:notesSz cx="6858000" cy="9144000"/>
@@ -6660,7 +6662,7 @@
           <a:p>
             <a:r>
               <a:rPr lang="en-US" altLang="zh-CN"/>
-              <a:t>SEO</a:t>
+              <a:t>SEO - General</a:t>
             </a:r>
             <a:endParaRPr lang="en-US" altLang="zh-CN"/>
           </a:p>
@@ -6676,18 +6678,253 @@
             <p:ph idx="1"/>
           </p:nvPr>
         </p:nvSpPr>
-        <p:spPr/>
-        <p:txBody>
-          <a:bodyPr/>
-          <a:p>
-            <a:r>
-              <a:rPr lang="zh-CN" altLang="en-US"/>
-              <a:t>https://blog.csdn.net/dengzy926/article/details/105397730</a:t>
-            </a:r>
-            <a:endParaRPr lang="zh-CN" altLang="en-US"/>
-          </a:p>
-        </p:txBody>
-      </p:sp>
+        <p:spPr>
+          <a:xfrm>
+            <a:off x="838200" y="1211580"/>
+            <a:ext cx="6173470" cy="5022850"/>
+          </a:xfrm>
+        </p:spPr>
+        <p:txBody>
+          <a:bodyPr>
+            <a:noAutofit/>
+          </a:bodyPr>
+          <a:p>
+            <a:r>
+              <a:rPr lang="en-US" altLang="zh-CN" sz="1400"/>
+              <a:t>References</a:t>
+            </a:r>
+            <a:endParaRPr lang="en-US" altLang="zh-CN" sz="1400"/>
+          </a:p>
+          <a:p>
+            <a:pPr lvl="1"/>
+            <a:r>
+              <a:rPr lang="en-US" altLang="zh-CN" sz="1200"/>
+              <a:t>https://segmentfault.com/a/1190000023481810?utm_source=sf-similar-article</a:t>
+            </a:r>
+            <a:endParaRPr lang="en-US" altLang="zh-CN" sz="1200"/>
+          </a:p>
+          <a:p>
+            <a:r>
+              <a:rPr lang="en-US" altLang="zh-CN" sz="1400"/>
+              <a:t>CSR (Client-Side Rendering)</a:t>
+            </a:r>
+            <a:endParaRPr lang="en-US" altLang="zh-CN" sz="1400"/>
+          </a:p>
+          <a:p>
+            <a:pPr lvl="1"/>
+            <a:r>
+              <a:rPr lang="zh-CN" altLang="en-US" sz="1200"/>
+              <a:t>缺点</a:t>
+            </a:r>
+            <a:endParaRPr lang="zh-CN" altLang="en-US" sz="1200"/>
+          </a:p>
+          <a:p>
+            <a:pPr lvl="2"/>
+            <a:r>
+              <a:rPr lang="en-US" altLang="zh-CN" sz="1000"/>
+              <a:t>SEO不友好（爬虫如果没有执行js的能力，如百度，获取到的页面是空的，不利于网站推广）</a:t>
+            </a:r>
+            <a:endParaRPr lang="en-US" altLang="zh-CN" sz="1000"/>
+          </a:p>
+          <a:p>
+            <a:pPr lvl="2"/>
+            <a:r>
+              <a:rPr lang="en-US" altLang="zh-CN" sz="1000"/>
+              <a:t>首屏加载慢（到达浏览器端后再加载数据，增加用户等待时间）</a:t>
+            </a:r>
+            <a:endParaRPr lang="en-US" altLang="zh-CN" sz="1000"/>
+          </a:p>
+          <a:p>
+            <a:r>
+              <a:rPr lang="en-US" altLang="zh-CN" sz="1400"/>
+              <a:t>SSR (Server-Side Rendering)</a:t>
+            </a:r>
+            <a:endParaRPr lang="en-US" altLang="zh-CN" sz="1400"/>
+          </a:p>
+          <a:p>
+            <a:pPr lvl="1"/>
+            <a:r>
+              <a:rPr lang="en-US" altLang="zh-CN" sz="1200"/>
+              <a:t>Vue: Nuxt.js</a:t>
+            </a:r>
+            <a:endParaRPr lang="en-US" altLang="zh-CN" sz="1200"/>
+          </a:p>
+          <a:p>
+            <a:pPr lvl="1"/>
+            <a:r>
+              <a:rPr lang="en-US" altLang="zh-CN" sz="1200"/>
+              <a:t>React: Nextjs</a:t>
+            </a:r>
+            <a:endParaRPr lang="en-US" altLang="zh-CN" sz="1200"/>
+          </a:p>
+          <a:p>
+            <a:pPr lvl="1"/>
+            <a:r>
+              <a:rPr lang="zh-CN" altLang="en-US" sz="1200"/>
+              <a:t>缺点</a:t>
+            </a:r>
+            <a:endParaRPr lang="zh-CN" altLang="en-US" sz="1200"/>
+          </a:p>
+          <a:p>
+            <a:pPr lvl="2"/>
+            <a:r>
+              <a:rPr lang="zh-CN" altLang="en-US" sz="1000"/>
+              <a:t>代码改动大</a:t>
+            </a:r>
+            <a:endParaRPr lang="zh-CN" altLang="en-US" sz="1000"/>
+          </a:p>
+          <a:p>
+            <a:pPr lvl="2"/>
+            <a:r>
+              <a:rPr lang="en-US" altLang="zh-CN" sz="1000"/>
+              <a:t>Node</a:t>
+            </a:r>
+            <a:r>
+              <a:rPr lang="zh-CN" altLang="en-US" sz="1000"/>
+              <a:t>容易成为性能瓶颈</a:t>
+            </a:r>
+            <a:endParaRPr lang="zh-CN" altLang="en-US" sz="1000"/>
+          </a:p>
+          <a:p>
+            <a:pPr lvl="0"/>
+            <a:r>
+              <a:rPr lang="zh-CN" altLang="en-US" sz="1400"/>
+              <a:t>构建时预渲染</a:t>
+            </a:r>
+            <a:endParaRPr lang="zh-CN" altLang="en-US" sz="1400"/>
+          </a:p>
+          <a:p>
+            <a:pPr lvl="1"/>
+            <a:r>
+              <a:rPr lang="en-US" altLang="zh-CN" sz="1200"/>
+              <a:t>prerender-spa-plugin, puppeteer, phantomjs</a:t>
+            </a:r>
+            <a:endParaRPr lang="en-US" altLang="zh-CN" sz="1200"/>
+          </a:p>
+          <a:p>
+            <a:pPr lvl="1"/>
+            <a:r>
+              <a:rPr lang="zh-CN" altLang="en-US" sz="1200"/>
+              <a:t>缺点</a:t>
+            </a:r>
+            <a:endParaRPr lang="zh-CN" altLang="en-US" sz="1200"/>
+          </a:p>
+          <a:p>
+            <a:pPr lvl="2"/>
+            <a:r>
+              <a:rPr lang="zh-CN" altLang="en-US" sz="1000"/>
+              <a:t>无法用于大量动态路径页面场景</a:t>
+            </a:r>
+            <a:endParaRPr lang="zh-CN" altLang="en-US" sz="1000"/>
+          </a:p>
+          <a:p>
+            <a:pPr lvl="2"/>
+            <a:r>
+              <a:rPr lang="zh-CN" altLang="en-US" sz="1000"/>
+              <a:t>后台请求数据变动时前端应该同步更新版本</a:t>
+            </a:r>
+            <a:endParaRPr lang="zh-CN" altLang="en-US" sz="1000"/>
+          </a:p>
+          <a:p>
+            <a:pPr lvl="0"/>
+            <a:r>
+              <a:rPr lang="zh-CN" altLang="en-US" sz="1400"/>
+              <a:t>服务端动态渲染（利用user-agent）</a:t>
+            </a:r>
+            <a:endParaRPr lang="zh-CN" altLang="en-US" sz="1400"/>
+          </a:p>
+          <a:p>
+            <a:pPr lvl="1"/>
+            <a:r>
+              <a:rPr lang="en-US" altLang="zh-CN" sz="1200"/>
+              <a:t>puppeteer, rendertron, prerender.io</a:t>
+            </a:r>
+            <a:endParaRPr lang="en-US" altLang="zh-CN" sz="1200"/>
+          </a:p>
+          <a:p>
+            <a:pPr lvl="1"/>
+            <a:endParaRPr lang="en-US" altLang="zh-CN" sz="1200"/>
+          </a:p>
+        </p:txBody>
+      </p:sp>
+      <p:pic>
+        <p:nvPicPr>
+          <p:cNvPr id="101" name="图片 100"/>
+          <p:cNvPicPr/>
+          <p:nvPr/>
+        </p:nvPicPr>
+        <p:blipFill>
+          <a:blip r:embed="rId1"/>
+          <a:stretch>
+            <a:fillRect/>
+          </a:stretch>
+        </p:blipFill>
+        <p:spPr>
+          <a:xfrm>
+            <a:off x="7066915" y="182880"/>
+            <a:ext cx="3521075" cy="2487295"/>
+          </a:xfrm>
+          <a:prstGeom prst="rect">
+            <a:avLst/>
+          </a:prstGeom>
+          <a:noFill/>
+          <a:ln w="9525">
+            <a:noFill/>
+          </a:ln>
+        </p:spPr>
+      </p:pic>
+      <p:pic>
+        <p:nvPicPr>
+          <p:cNvPr id="102" name="图片 101"/>
+          <p:cNvPicPr/>
+          <p:nvPr/>
+        </p:nvPicPr>
+        <p:blipFill>
+          <a:blip r:embed="rId2"/>
+          <a:stretch>
+            <a:fillRect/>
+          </a:stretch>
+        </p:blipFill>
+        <p:spPr>
+          <a:xfrm>
+            <a:off x="7011670" y="2748280"/>
+            <a:ext cx="3576320" cy="2550795"/>
+          </a:xfrm>
+          <a:prstGeom prst="rect">
+            <a:avLst/>
+          </a:prstGeom>
+          <a:noFill/>
+          <a:ln w="9525">
+            <a:noFill/>
+          </a:ln>
+        </p:spPr>
+      </p:pic>
+      <p:pic>
+        <p:nvPicPr>
+          <p:cNvPr id="103" name="图片 102"/>
+          <p:cNvPicPr/>
+          <p:nvPr/>
+        </p:nvPicPr>
+        <p:blipFill>
+          <a:blip r:embed="rId3"/>
+          <a:stretch>
+            <a:fillRect/>
+          </a:stretch>
+        </p:blipFill>
+        <p:spPr>
+          <a:xfrm>
+            <a:off x="5779135" y="5192395"/>
+            <a:ext cx="5848350" cy="1501775"/>
+          </a:xfrm>
+          <a:prstGeom prst="rect">
+            <a:avLst/>
+          </a:prstGeom>
+          <a:noFill/>
+          <a:ln w="9525">
+            <a:noFill/>
+          </a:ln>
+        </p:spPr>
+      </p:pic>
     </p:spTree>
   </p:cSld>
   <p:clrMapOvr>
@@ -6708,7 +6945,7 @@
       <p:grpSpPr/>
       <p:sp>
         <p:nvSpPr>
-          <p:cNvPr id="4" name="标题 3"/>
+          <p:cNvPr id="2" name="标题 1"/>
           <p:cNvSpPr>
             <a:spLocks noGrp="1"/>
           </p:cNvSpPr>
@@ -6722,27 +6959,381 @@
           <a:p>
             <a:r>
               <a:rPr lang="en-US" altLang="zh-CN"/>
-              <a:t>Components</a:t>
-            </a:r>
-            <a:endParaRPr lang="en-US" altLang="zh-CN"/>
-          </a:p>
-        </p:txBody>
-      </p:sp>
-      <p:sp>
-        <p:nvSpPr>
-          <p:cNvPr id="5" name="文本占位符 4"/>
-          <p:cNvSpPr>
-            <a:spLocks noGrp="1"/>
-          </p:cNvSpPr>
-          <p:nvPr>
-            <p:ph type="body" idx="1"/>
-          </p:nvPr>
-        </p:nvSpPr>
-        <p:spPr/>
-        <p:txBody>
-          <a:bodyPr/>
-          <a:p>
+              <a:t>SEO - Phantomjs</a:t>
+            </a:r>
             <a:endParaRPr lang="zh-CN" altLang="en-US"/>
+          </a:p>
+        </p:txBody>
+      </p:sp>
+      <p:sp>
+        <p:nvSpPr>
+          <p:cNvPr id="3" name="内容占位符 2"/>
+          <p:cNvSpPr>
+            <a:spLocks noGrp="1"/>
+          </p:cNvSpPr>
+          <p:nvPr>
+            <p:ph idx="1"/>
+          </p:nvPr>
+        </p:nvSpPr>
+        <p:spPr>
+          <a:xfrm>
+            <a:off x="838200" y="1211580"/>
+            <a:ext cx="6386195" cy="5227320"/>
+          </a:xfrm>
+        </p:spPr>
+        <p:txBody>
+          <a:bodyPr>
+            <a:normAutofit fontScale="50000"/>
+          </a:bodyPr>
+          <a:p>
+            <a:r>
+              <a:rPr lang="en-US" altLang="zh-CN"/>
+              <a:t>References</a:t>
+            </a:r>
+            <a:endParaRPr lang="en-US" altLang="zh-CN"/>
+          </a:p>
+          <a:p>
+            <a:pPr lvl="1"/>
+            <a:r>
+              <a:rPr lang="zh-CN" altLang="en-US"/>
+              <a:t>https://blog.csdn.net/dengzy926/article/details/105397730</a:t>
+            </a:r>
+            <a:endParaRPr lang="zh-CN" altLang="en-US"/>
+          </a:p>
+          <a:p>
+            <a:pPr lvl="1"/>
+            <a:r>
+              <a:rPr lang="en-US" altLang="zh-CN">
+                <a:sym typeface="+mn-ea"/>
+              </a:rPr>
+              <a:t>https://www.jianshu.com/p/3b72c08cafb2</a:t>
+            </a:r>
+            <a:endParaRPr lang="zh-CN" altLang="en-US"/>
+          </a:p>
+          <a:p>
+            <a:pPr lvl="0"/>
+            <a:r>
+              <a:rPr lang="en-US" altLang="zh-CN"/>
+              <a:t>使用Phantomjs针对爬虫做处理</a:t>
+            </a:r>
+            <a:endParaRPr lang="en-US" altLang="zh-CN"/>
+          </a:p>
+          <a:p>
+            <a:pPr lvl="1"/>
+            <a:r>
+              <a:rPr lang="en-US" altLang="zh-CN"/>
+              <a:t>对已用SPA开发完成的项目，这是不二之选</a:t>
+            </a:r>
+            <a:endParaRPr lang="en-US" altLang="zh-CN"/>
+          </a:p>
+          <a:p>
+            <a:pPr lvl="1"/>
+            <a:r>
+              <a:rPr lang="en-US" altLang="zh-CN"/>
+              <a:t>无界面的webkit内核浏览器</a:t>
+            </a:r>
+            <a:endParaRPr lang="en-US" altLang="zh-CN"/>
+          </a:p>
+          <a:p>
+            <a:pPr lvl="1"/>
+            <a:r>
+              <a:rPr lang="en-US" altLang="zh-CN"/>
+              <a:t>通过Nginx配置，判断访问的来源UA是否是爬虫访问，如果是则将搜索引擎的爬虫请求转发到一个node server，再通过PhantomJS来解析完整的HTML，返回给爬虫。</a:t>
+            </a:r>
+            <a:endParaRPr lang="en-US" altLang="zh-CN"/>
+          </a:p>
+          <a:p>
+            <a:pPr lvl="0"/>
+            <a:r>
+              <a:rPr lang="en-US" altLang="zh-CN" sz="2400">
+                <a:sym typeface="+mn-ea"/>
+              </a:rPr>
+              <a:t>Steps</a:t>
+            </a:r>
+            <a:endParaRPr lang="en-US" altLang="zh-CN" sz="2400"/>
+          </a:p>
+          <a:p>
+            <a:pPr lvl="1"/>
+            <a:r>
+              <a:rPr lang="en-US" altLang="zh-CN" sz="2400">
+                <a:sym typeface="+mn-ea"/>
+              </a:rPr>
+              <a:t>install method 1</a:t>
+            </a:r>
+            <a:endParaRPr lang="en-US" altLang="zh-CN" sz="2400">
+              <a:sym typeface="+mn-ea"/>
+            </a:endParaRPr>
+          </a:p>
+          <a:p>
+            <a:pPr lvl="2"/>
+            <a:r>
+              <a:rPr lang="en-US" altLang="zh-CN" sz="2400">
+                <a:sym typeface="+mn-ea"/>
+              </a:rPr>
+              <a:t>npm i phantomjs</a:t>
+            </a:r>
+            <a:endParaRPr lang="en-US" altLang="zh-CN" sz="2400"/>
+          </a:p>
+          <a:p>
+            <a:pPr lvl="1"/>
+            <a:r>
+              <a:rPr lang="en-US" altLang="zh-CN" sz="2400">
+                <a:sym typeface="+mn-ea"/>
+              </a:rPr>
+              <a:t>install method 2</a:t>
+            </a:r>
+            <a:endParaRPr lang="en-US" altLang="zh-CN" sz="2400">
+              <a:sym typeface="+mn-ea"/>
+            </a:endParaRPr>
+          </a:p>
+          <a:p>
+            <a:pPr lvl="2"/>
+            <a:r>
+              <a:rPr lang="en-US" altLang="zh-CN" sz="2400">
+                <a:sym typeface="+mn-ea"/>
+              </a:rPr>
+              <a:t>wget https://bitbucket.org/ariya/phantomjs/downloads/phantomjs-2.1.1-linux-x86_64.tar.bz2 </a:t>
+            </a:r>
+            <a:endParaRPr lang="en-US" altLang="zh-CN" sz="2400"/>
+          </a:p>
+          <a:p>
+            <a:pPr lvl="2"/>
+            <a:r>
+              <a:rPr lang="en-US" altLang="zh-CN" sz="2400">
+                <a:sym typeface="+mn-ea"/>
+              </a:rPr>
+              <a:t>tar xvjf phantomjs-2.1.1-linux-x86_64.tar.bz2 -C /usr/local/share/ </a:t>
+            </a:r>
+            <a:endParaRPr lang="en-US" altLang="zh-CN" sz="2400"/>
+          </a:p>
+          <a:p>
+            <a:pPr lvl="1"/>
+            <a:r>
+              <a:rPr lang="en-US" altLang="zh-CN" sz="2400">
+                <a:sym typeface="+mn-ea"/>
+              </a:rPr>
+              <a:t>git clone https://github.com/lengziyu/vue-seo-phantomjs.git</a:t>
+            </a:r>
+            <a:endParaRPr lang="en-US" altLang="zh-CN" sz="2400"/>
+          </a:p>
+          <a:p>
+            <a:pPr lvl="1"/>
+            <a:r>
+              <a:rPr lang="en-US" altLang="zh-CN" sz="2400">
+                <a:sym typeface="+mn-ea"/>
+              </a:rPr>
+              <a:t>cd vue-seo-phantomjs &amp;&amp; phantomjs spider.js 'https://www.baidu.com'</a:t>
+            </a:r>
+            <a:endParaRPr lang="en-US" altLang="zh-CN" sz="2400">
+              <a:sym typeface="+mn-ea"/>
+            </a:endParaRPr>
+          </a:p>
+          <a:p>
+            <a:pPr lvl="0"/>
+            <a:r>
+              <a:rPr lang="en-US" altLang="zh-CN" sz="2400">
+                <a:sym typeface="+mn-ea"/>
+              </a:rPr>
+              <a:t>Promise issue</a:t>
+            </a:r>
+            <a:endParaRPr lang="en-US" altLang="zh-CN" sz="2400">
+              <a:sym typeface="+mn-ea"/>
+            </a:endParaRPr>
+          </a:p>
+          <a:p>
+            <a:pPr lvl="1"/>
+            <a:r>
+              <a:rPr lang="en-US" altLang="zh-CN" sz="2400">
+                <a:sym typeface="+mn-ea"/>
+              </a:rPr>
+              <a:t>phantonjs ReferenceError: Can't find variable: Promise</a:t>
+            </a:r>
+            <a:endParaRPr lang="en-US" altLang="zh-CN" sz="2400"/>
+          </a:p>
+          <a:p>
+            <a:pPr lvl="2"/>
+            <a:r>
+              <a:rPr lang="en-US" altLang="zh-CN" sz="2400">
+                <a:sym typeface="+mn-ea"/>
+              </a:rPr>
+              <a:t>cnpm i -S es6-promise</a:t>
+            </a:r>
+            <a:endParaRPr lang="en-US" altLang="zh-CN" sz="2400"/>
+          </a:p>
+          <a:p>
+            <a:pPr lvl="2"/>
+            <a:r>
+              <a:rPr lang="en-US" altLang="zh-CN" sz="2400">
+                <a:sym typeface="+mn-ea"/>
+              </a:rPr>
+              <a:t>main.js:</a:t>
+            </a:r>
+            <a:endParaRPr lang="en-US" altLang="zh-CN" sz="2400"/>
+          </a:p>
+          <a:p>
+            <a:pPr lvl="3"/>
+            <a:r>
+              <a:rPr lang="en-US" altLang="zh-CN" sz="2400">
+                <a:sym typeface="+mn-ea"/>
+              </a:rPr>
+              <a:t>import Promise from ‘es6-promise’</a:t>
+            </a:r>
+            <a:endParaRPr lang="en-US" altLang="zh-CN" sz="2400"/>
+          </a:p>
+          <a:p>
+            <a:pPr lvl="3"/>
+            <a:r>
+              <a:rPr lang="en-US" altLang="zh-CN" sz="2400">
+                <a:sym typeface="+mn-ea"/>
+              </a:rPr>
+              <a:t>Promise.polyfill()</a:t>
+            </a:r>
+            <a:endParaRPr lang="en-US" altLang="zh-CN"/>
+          </a:p>
+        </p:txBody>
+      </p:sp>
+      <p:sp>
+        <p:nvSpPr>
+          <p:cNvPr id="4" name="文本框 3"/>
+          <p:cNvSpPr txBox="1"/>
+          <p:nvPr/>
+        </p:nvSpPr>
+        <p:spPr>
+          <a:xfrm>
+            <a:off x="8164830" y="1211580"/>
+            <a:ext cx="3506470" cy="4892675"/>
+          </a:xfrm>
+          <a:prstGeom prst="rect">
+            <a:avLst/>
+          </a:prstGeom>
+          <a:noFill/>
+          <a:ln>
+            <a:solidFill>
+              <a:srgbClr val="FFC000"/>
+            </a:solidFill>
+          </a:ln>
+        </p:spPr>
+        <p:txBody>
+          <a:bodyPr wrap="square" rtlCol="0">
+            <a:spAutoFit/>
+          </a:bodyPr>
+          <a:p>
+            <a:r>
+              <a:rPr lang="zh-CN" altLang="en-US" sz="1200"/>
+              <a:t>upstream spider_server {</a:t>
+            </a:r>
+            <a:endParaRPr lang="zh-CN" altLang="en-US" sz="1200"/>
+          </a:p>
+          <a:p>
+            <a:r>
+              <a:rPr lang="zh-CN" altLang="en-US" sz="1200"/>
+              <a:t>  server localhost:3000;</a:t>
+            </a:r>
+            <a:endParaRPr lang="zh-CN" altLang="en-US" sz="1200"/>
+          </a:p>
+          <a:p>
+            <a:r>
+              <a:rPr lang="zh-CN" altLang="en-US" sz="1200"/>
+              <a:t>}</a:t>
+            </a:r>
+            <a:endParaRPr lang="zh-CN" altLang="en-US" sz="1200"/>
+          </a:p>
+          <a:p>
+            <a:endParaRPr lang="zh-CN" altLang="en-US" sz="1200"/>
+          </a:p>
+          <a:p>
+            <a:r>
+              <a:rPr lang="zh-CN" altLang="en-US" sz="1200"/>
+              <a:t>server {</a:t>
+            </a:r>
+            <a:endParaRPr lang="zh-CN" altLang="en-US" sz="1200"/>
+          </a:p>
+          <a:p>
+            <a:r>
+              <a:rPr lang="zh-CN" altLang="en-US" sz="1200"/>
+              <a:t>    listen       80;</a:t>
+            </a:r>
+            <a:endParaRPr lang="zh-CN" altLang="en-US" sz="1200"/>
+          </a:p>
+          <a:p>
+            <a:r>
+              <a:rPr lang="zh-CN" altLang="en-US" sz="1200"/>
+              <a:t>    server_name  example.com;</a:t>
+            </a:r>
+            <a:endParaRPr lang="zh-CN" altLang="en-US" sz="1200"/>
+          </a:p>
+          <a:p>
+            <a:r>
+              <a:rPr lang="zh-CN" altLang="en-US" sz="1200"/>
+              <a:t>    </a:t>
+            </a:r>
+            <a:endParaRPr lang="zh-CN" altLang="en-US" sz="1200"/>
+          </a:p>
+          <a:p>
+            <a:r>
+              <a:rPr lang="zh-CN" altLang="en-US" sz="1200"/>
+              <a:t>    location / {</a:t>
+            </a:r>
+            <a:endParaRPr lang="zh-CN" altLang="en-US" sz="1200"/>
+          </a:p>
+          <a:p>
+            <a:r>
+              <a:rPr lang="zh-CN" altLang="en-US" sz="1200"/>
+              <a:t>      proxy_set_header  Host            $host:$proxy_port;</a:t>
+            </a:r>
+            <a:endParaRPr lang="zh-CN" altLang="en-US" sz="1200"/>
+          </a:p>
+          <a:p>
+            <a:r>
+              <a:rPr lang="zh-CN" altLang="en-US" sz="1200"/>
+              <a:t>      proxy_set_header  X-Real-IP       $remote_addr;</a:t>
+            </a:r>
+            <a:endParaRPr lang="zh-CN" altLang="en-US" sz="1200"/>
+          </a:p>
+          <a:p>
+            <a:r>
+              <a:rPr lang="zh-CN" altLang="en-US" sz="1200"/>
+              <a:t>      proxy_set_header  X-Forwarded-For $proxy_add_x_forwarded_for;</a:t>
+            </a:r>
+            <a:endParaRPr lang="zh-CN" altLang="en-US" sz="1200"/>
+          </a:p>
+          <a:p>
+            <a:endParaRPr lang="zh-CN" altLang="en-US" sz="1200"/>
+          </a:p>
+          <a:p>
+            <a:r>
+              <a:rPr lang="zh-CN" altLang="en-US" sz="1200"/>
+              <a:t>      if ($http_user_agent ~* "Baiduspider|twitterbot|facebookexternalhit|rogerbot|linkedinbot|embedly|quora link preview|showyoubot|outbrain|pinterest|slackbot|vkShare|W3C_Validator|bingbot|Sosospider|Sogou Pic Spider|Googlebot|360Spider") {</a:t>
+            </a:r>
+            <a:endParaRPr lang="zh-CN" altLang="en-US" sz="1200"/>
+          </a:p>
+          <a:p>
+            <a:r>
+              <a:rPr lang="zh-CN" altLang="en-US" sz="1200"/>
+              <a:t>        proxy_pass  http://spider_server;</a:t>
+            </a:r>
+            <a:endParaRPr lang="zh-CN" altLang="en-US" sz="1200"/>
+          </a:p>
+          <a:p>
+            <a:r>
+              <a:rPr lang="zh-CN" altLang="en-US" sz="1200"/>
+              <a:t>      }</a:t>
+            </a:r>
+            <a:endParaRPr lang="zh-CN" altLang="en-US" sz="1200"/>
+          </a:p>
+          <a:p>
+            <a:r>
+              <a:rPr lang="zh-CN" altLang="en-US" sz="1200"/>
+              <a:t>    }</a:t>
+            </a:r>
+            <a:endParaRPr lang="zh-CN" altLang="en-US" sz="1200"/>
+          </a:p>
+          <a:p>
+            <a:r>
+              <a:rPr lang="zh-CN" altLang="en-US" sz="1200"/>
+              <a:t>}</a:t>
+            </a:r>
+            <a:endParaRPr lang="zh-CN" altLang="en-US" sz="1200"/>
           </a:p>
         </p:txBody>
       </p:sp>
@@ -6766,7 +7357,7 @@
       <p:grpSpPr/>
       <p:sp>
         <p:nvSpPr>
-          <p:cNvPr id="4" name="标题 3"/>
+          <p:cNvPr id="2" name="标题 1"/>
           <p:cNvSpPr>
             <a:spLocks noGrp="1"/>
           </p:cNvSpPr>
@@ -6780,15 +7371,15 @@
           <a:p>
             <a:r>
               <a:rPr lang="en-US" altLang="zh-CN"/>
-              <a:t>Vue UI Framework</a:t>
-            </a:r>
-            <a:endParaRPr lang="en-US" altLang="zh-CN"/>
-          </a:p>
-        </p:txBody>
-      </p:sp>
-      <p:sp>
-        <p:nvSpPr>
-          <p:cNvPr id="5" name="内容占位符 4"/>
+              <a:t>SEO - Puppeteer</a:t>
+            </a:r>
+            <a:endParaRPr lang="en-US" altLang="zh-CN"/>
+          </a:p>
+        </p:txBody>
+      </p:sp>
+      <p:sp>
+        <p:nvSpPr>
+          <p:cNvPr id="3" name="内容占位符 2"/>
           <p:cNvSpPr>
             <a:spLocks noGrp="1"/>
           </p:cNvSpPr>
@@ -6798,68 +7389,35 @@
         </p:nvSpPr>
         <p:spPr/>
         <p:txBody>
-          <a:bodyPr/>
-          <a:p>
-            <a:r>
-              <a:rPr lang="en-US" altLang="zh-CN"/>
-              <a:t>Element UI</a:t>
-            </a:r>
-            <a:endParaRPr lang="en-US" altLang="zh-CN"/>
-          </a:p>
-          <a:p>
-            <a:r>
-              <a:rPr lang="en-US" altLang="zh-CN"/>
-              <a:t>Vuetify</a:t>
-            </a:r>
-            <a:endParaRPr lang="en-US" altLang="zh-CN"/>
-          </a:p>
-          <a:p>
-            <a:pPr lvl="1"/>
-            <a:r>
-              <a:rPr lang="en-US" altLang="zh-CN"/>
-              <a:t>https://vuetifyjs.com/en/</a:t>
-            </a:r>
-            <a:endParaRPr lang="en-US" altLang="zh-CN"/>
-          </a:p>
-          <a:p>
-            <a:pPr lvl="0"/>
-            <a:r>
-              <a:rPr lang="en-US" altLang="zh-CN"/>
-              <a:t>BootstrapVue</a:t>
-            </a:r>
-            <a:endParaRPr lang="en-US" altLang="zh-CN"/>
-          </a:p>
-          <a:p>
-            <a:pPr lvl="1"/>
-            <a:r>
-              <a:rPr lang="en-US" altLang="zh-CN"/>
-              <a:t>https://bootstrap-vue.org/</a:t>
-            </a:r>
-            <a:endParaRPr lang="en-US" altLang="zh-CN"/>
-          </a:p>
-          <a:p>
-            <a:pPr lvl="1"/>
-            <a:r>
-              <a:rPr lang="en-US" altLang="zh-CN"/>
-              <a:t>https://github.com/bootstrap-vue/bootstrap-vue</a:t>
-            </a:r>
-            <a:endParaRPr lang="en-US" altLang="zh-CN"/>
-          </a:p>
-          <a:p>
-            <a:pPr lvl="0"/>
-            <a:r>
-              <a:rPr lang="en-US" altLang="zh-CN"/>
-              <a:t>Buefy</a:t>
-            </a:r>
-            <a:endParaRPr lang="en-US" altLang="zh-CN"/>
-          </a:p>
-          <a:p>
-            <a:pPr lvl="0"/>
-            <a:r>
-              <a:rPr lang="en-US" altLang="zh-CN"/>
-              <a:t>Quasar</a:t>
-            </a:r>
-            <a:endParaRPr lang="en-US" altLang="zh-CN"/>
+          <a:bodyPr>
+            <a:normAutofit/>
+          </a:bodyPr>
+          <a:p>
+            <a:r>
+              <a:rPr lang="en-US" altLang="zh-CN" sz="2000"/>
+              <a:t>References</a:t>
+            </a:r>
+            <a:endParaRPr lang="en-US" altLang="zh-CN" sz="2000"/>
+          </a:p>
+          <a:p>
+            <a:pPr lvl="1"/>
+            <a:r>
+              <a:rPr lang="en-US" altLang="zh-CN" sz="1665"/>
+              <a:t>https://developers.google.com/web/tools/puppeteer/articles/ssr</a:t>
+            </a:r>
+            <a:endParaRPr lang="en-US" altLang="zh-CN" sz="1665"/>
+          </a:p>
+          <a:p>
+            <a:pPr lvl="1"/>
+            <a:r>
+              <a:rPr lang="en-US" altLang="zh-CN" sz="1665"/>
+              <a:t>https://zhuanlan.zhihu.com/p/70006823</a:t>
+            </a:r>
+            <a:endParaRPr lang="en-US" altLang="zh-CN" sz="1665"/>
+          </a:p>
+          <a:p>
+            <a:pPr lvl="1"/>
+            <a:endParaRPr lang="en-US" altLang="zh-CN" sz="1800"/>
           </a:p>
         </p:txBody>
       </p:sp>
@@ -6883,7 +7441,7 @@
       <p:grpSpPr/>
       <p:sp>
         <p:nvSpPr>
-          <p:cNvPr id="2" name="标题 1"/>
+          <p:cNvPr id="4" name="标题 3"/>
           <p:cNvSpPr>
             <a:spLocks noGrp="1"/>
           </p:cNvSpPr>
@@ -6897,130 +7455,27 @@
           <a:p>
             <a:r>
               <a:rPr lang="en-US" altLang="zh-CN"/>
-              <a:t>Element UI</a:t>
-            </a:r>
-            <a:endParaRPr lang="en-US" altLang="zh-CN"/>
-          </a:p>
-        </p:txBody>
-      </p:sp>
-      <p:sp>
-        <p:nvSpPr>
-          <p:cNvPr id="3" name="内容占位符 2"/>
-          <p:cNvSpPr>
-            <a:spLocks noGrp="1"/>
-          </p:cNvSpPr>
-          <p:nvPr>
-            <p:ph idx="1"/>
+              <a:t>Components</a:t>
+            </a:r>
+            <a:endParaRPr lang="en-US" altLang="zh-CN"/>
+          </a:p>
+        </p:txBody>
+      </p:sp>
+      <p:sp>
+        <p:nvSpPr>
+          <p:cNvPr id="5" name="文本占位符 4"/>
+          <p:cNvSpPr>
+            <a:spLocks noGrp="1"/>
+          </p:cNvSpPr>
+          <p:nvPr>
+            <p:ph type="body" idx="1"/>
           </p:nvPr>
         </p:nvSpPr>
         <p:spPr/>
         <p:txBody>
           <a:bodyPr/>
           <a:p>
-            <a:r>
-              <a:rPr lang="zh-CN" altLang="en-US"/>
-              <a:t>https://element.eleme.cn/#/zh-CN</a:t>
-            </a:r>
             <a:endParaRPr lang="zh-CN" altLang="en-US"/>
-          </a:p>
-          <a:p>
-            <a:r>
-              <a:rPr lang="en-US" altLang="zh-CN"/>
-              <a:t>Install</a:t>
-            </a:r>
-            <a:endParaRPr lang="en-US" altLang="zh-CN"/>
-          </a:p>
-          <a:p>
-            <a:pPr lvl="1"/>
-            <a:r>
-              <a:rPr lang="en-US" altLang="zh-CN"/>
-              <a:t>npm i element-ui -S</a:t>
-            </a:r>
-            <a:endParaRPr lang="en-US" altLang="zh-CN"/>
-          </a:p>
-          <a:p>
-            <a:pPr lvl="0"/>
-            <a:r>
-              <a:rPr lang="en-US" altLang="zh-CN"/>
-              <a:t>Usage</a:t>
-            </a:r>
-            <a:endParaRPr lang="en-US" altLang="zh-CN"/>
-          </a:p>
-          <a:p>
-            <a:pPr lvl="1"/>
-            <a:r>
-              <a:rPr lang="en-US" altLang="zh-CN"/>
-              <a:t>Import all</a:t>
-            </a:r>
-            <a:endParaRPr lang="en-US" altLang="zh-CN"/>
-          </a:p>
-          <a:p>
-            <a:pPr lvl="1"/>
-            <a:r>
-              <a:rPr lang="en-US" altLang="zh-CN"/>
-              <a:t>Import on demand</a:t>
-            </a:r>
-            <a:endParaRPr lang="en-US" altLang="zh-CN"/>
-          </a:p>
-          <a:p>
-            <a:pPr lvl="2"/>
-            <a:r>
-              <a:rPr lang="en-US" altLang="zh-CN"/>
-              <a:t>npm i babel-plugin-component -D</a:t>
-            </a:r>
-            <a:endParaRPr lang="en-US" altLang="zh-CN"/>
-          </a:p>
-          <a:p>
-            <a:pPr lvl="2"/>
-            <a:r>
-              <a:rPr lang="en-US" altLang="zh-CN"/>
-              <a:t>npm install babel-cli babel-preset-es2015</a:t>
-            </a:r>
-            <a:endParaRPr lang="en-US" altLang="zh-CN"/>
-          </a:p>
-          <a:p>
-            <a:pPr lvl="1"/>
-            <a:r>
-              <a:rPr lang="en-US" altLang="zh-CN">
-                <a:sym typeface="+mn-ea"/>
-              </a:rPr>
-              <a:t>$msgbox(options)</a:t>
-            </a:r>
-            <a:endParaRPr lang="en-US" altLang="zh-CN"/>
-          </a:p>
-          <a:p>
-            <a:pPr lvl="1"/>
-            <a:r>
-              <a:rPr lang="en-US" altLang="zh-CN">
-                <a:sym typeface="+mn-ea"/>
-              </a:rPr>
-              <a:t>$alert(message, title, options)</a:t>
-            </a:r>
-            <a:endParaRPr lang="en-US" altLang="zh-CN"/>
-          </a:p>
-          <a:p>
-            <a:pPr lvl="1"/>
-            <a:r>
-              <a:rPr lang="en-US" altLang="zh-CN">
-                <a:sym typeface="+mn-ea"/>
-              </a:rPr>
-              <a:t>$confirm(message, title, options)</a:t>
-            </a:r>
-            <a:endParaRPr lang="en-US" altLang="zh-CN"/>
-          </a:p>
-          <a:p>
-            <a:pPr lvl="1"/>
-            <a:r>
-              <a:rPr lang="en-US" altLang="zh-CN">
-                <a:sym typeface="+mn-ea"/>
-              </a:rPr>
-              <a:t>$prompt(message, title, options)	// prompt input</a:t>
-            </a:r>
-            <a:endParaRPr lang="en-US" altLang="zh-CN"/>
-          </a:p>
-          <a:p>
-            <a:pPr lvl="1"/>
-            <a:endParaRPr lang="en-US" altLang="zh-CN"/>
           </a:p>
         </p:txBody>
       </p:sp>
@@ -7044,7 +7499,7 @@
       <p:grpSpPr/>
       <p:sp>
         <p:nvSpPr>
-          <p:cNvPr id="2" name="标题 1"/>
+          <p:cNvPr id="4" name="标题 3"/>
           <p:cNvSpPr>
             <a:spLocks noGrp="1"/>
           </p:cNvSpPr>
@@ -7058,15 +7513,15 @@
           <a:p>
             <a:r>
               <a:rPr lang="en-US" altLang="zh-CN"/>
-              <a:t>Font Awesome</a:t>
-            </a:r>
-            <a:endParaRPr lang="en-US" altLang="zh-CN"/>
-          </a:p>
-        </p:txBody>
-      </p:sp>
-      <p:sp>
-        <p:nvSpPr>
-          <p:cNvPr id="3" name="内容占位符 2"/>
+              <a:t>Vue UI Framework</a:t>
+            </a:r>
+            <a:endParaRPr lang="en-US" altLang="zh-CN"/>
+          </a:p>
+        </p:txBody>
+      </p:sp>
+      <p:sp>
+        <p:nvSpPr>
+          <p:cNvPr id="5" name="内容占位符 4"/>
           <p:cNvSpPr>
             <a:spLocks noGrp="1"/>
           </p:cNvSpPr>
@@ -7074,44 +7529,28 @@
             <p:ph idx="1"/>
           </p:nvPr>
         </p:nvSpPr>
-        <p:spPr>
-          <a:xfrm>
-            <a:off x="838200" y="1211580"/>
-            <a:ext cx="10515600" cy="5239385"/>
-          </a:xfrm>
-        </p:spPr>
-        <p:txBody>
-          <a:bodyPr>
-            <a:normAutofit fontScale="80000"/>
-          </a:bodyPr>
-          <a:p>
-            <a:r>
-              <a:rPr lang="en-US" altLang="zh-CN"/>
-              <a:t>References</a:t>
-            </a:r>
-            <a:endParaRPr lang="en-US" altLang="zh-CN"/>
-          </a:p>
-          <a:p>
-            <a:pPr lvl="1"/>
-            <a:r>
-              <a:rPr lang="en-US" altLang="zh-CN"/>
-              <a:t>https://fontawesome.com/icons?d=gallery&amp;m=free</a:t>
-            </a:r>
-            <a:endParaRPr lang="en-US" altLang="zh-CN"/>
-          </a:p>
-          <a:p>
-            <a:pPr lvl="1"/>
-            <a:r>
-              <a:rPr lang="en-US" altLang="zh-CN"/>
-              <a:t>https://github.com/FortAwesome/vue-fontawesome</a:t>
-            </a:r>
-            <a:endParaRPr lang="en-US" altLang="zh-CN"/>
-          </a:p>
-          <a:p>
-            <a:pPr lvl="1"/>
-            <a:r>
-              <a:rPr lang="en-US" altLang="zh-CN"/>
-              <a:t>https://blog.logrocket.com/full-guide-to-using-font-awesome-icons-in-vue-js-apps-5574c74d9b2d/</a:t>
+        <p:spPr/>
+        <p:txBody>
+          <a:bodyPr/>
+          <a:p>
+            <a:r>
+              <a:rPr lang="en-US" altLang="zh-CN"/>
+              <a:t>Element UI</a:t>
+            </a:r>
+            <a:endParaRPr lang="en-US" altLang="zh-CN"/>
+          </a:p>
+          <a:p>
+            <a:r>
+              <a:rPr lang="en-US" altLang="zh-CN"/>
+              <a:t>Vuetify</a:t>
+            </a:r>
+            <a:endParaRPr lang="en-US" altLang="zh-CN"/>
+          </a:p>
+          <a:p>
+            <a:pPr lvl="1"/>
+            <a:r>
+              <a:rPr lang="en-US" altLang="zh-CN"/>
+              <a:t>https://vuetifyjs.com/en/</a:t>
             </a:r>
             <a:endParaRPr lang="en-US" altLang="zh-CN"/>
           </a:p>
@@ -7119,31 +7558,31 @@
             <a:pPr lvl="0"/>
             <a:r>
               <a:rPr lang="en-US" altLang="zh-CN"/>
-              <a:t>Icon library</a:t>
-            </a:r>
-            <a:endParaRPr lang="en-US" altLang="zh-CN"/>
-          </a:p>
-          <a:p>
-            <a:pPr lvl="1"/>
-            <a:r>
-              <a:rPr lang="en-US" altLang="zh-CN"/>
-              <a:t>solid (fas), regular (far), light (fal), brands (fab)</a:t>
+              <a:t>BootstrapVue</a:t>
+            </a:r>
+            <a:endParaRPr lang="en-US" altLang="zh-CN"/>
+          </a:p>
+          <a:p>
+            <a:pPr lvl="1"/>
+            <a:r>
+              <a:rPr lang="en-US" altLang="zh-CN"/>
+              <a:t>https://bootstrap-vue.org/</a:t>
+            </a:r>
+            <a:endParaRPr lang="en-US" altLang="zh-CN"/>
+          </a:p>
+          <a:p>
+            <a:pPr lvl="1"/>
+            <a:r>
+              <a:rPr lang="en-US" altLang="zh-CN"/>
+              <a:t>https://github.com/bootstrap-vue/bootstrap-vue</a:t>
             </a:r>
             <a:endParaRPr lang="en-US" altLang="zh-CN"/>
           </a:p>
           <a:p>
             <a:pPr lvl="0"/>
             <a:r>
-              <a:rPr lang="en-US" altLang="zh-CN" sz="2400"/>
-              <a:t>Usage</a:t>
-            </a:r>
-            <a:endParaRPr lang="en-US" altLang="zh-CN" sz="2400"/>
-          </a:p>
-          <a:p>
-            <a:pPr lvl="1"/>
-            <a:r>
-              <a:rPr lang="en-US" altLang="zh-CN"/>
-              <a:t>&lt;link href="https://cdnjs.cloudflare.com/ajax/libs/font-awesome/5.11.2/css/all.min.css" rel="stylesheet" type="text/css"&gt;</a:t>
+              <a:rPr lang="en-US" altLang="zh-CN"/>
+              <a:t>Buefy</a:t>
             </a:r>
             <a:endParaRPr lang="en-US" altLang="zh-CN"/>
           </a:p>
@@ -7151,73 +7590,7 @@
             <a:pPr lvl="0"/>
             <a:r>
               <a:rPr lang="en-US" altLang="zh-CN"/>
-              <a:t>Vue-fontawesome</a:t>
-            </a:r>
-            <a:endParaRPr lang="en-US" altLang="zh-CN"/>
-          </a:p>
-          <a:p>
-            <a:pPr lvl="1"/>
-            <a:r>
-              <a:rPr lang="en-US" altLang="zh-CN"/>
-              <a:t>npm install --save @fortawesome/fontawesome-svg-core  @fortawesome/free-solid-svg-icons</a:t>
-            </a:r>
-            <a:r>
-              <a:rPr lang="en-US" altLang="zh-CN">
-                <a:sym typeface="+mn-ea"/>
-              </a:rPr>
-              <a:t> @fortawesome/free-regular-svg-icons </a:t>
-            </a:r>
-            <a:r>
-              <a:rPr lang="en-US" altLang="zh-CN"/>
-              <a:t>@fortawesome/vue-fontawesome</a:t>
-            </a:r>
-            <a:endParaRPr lang="en-US" altLang="zh-CN"/>
-          </a:p>
-          <a:p>
-            <a:pPr lvl="1"/>
-            <a:r>
-              <a:rPr lang="en-US" altLang="zh-CN"/>
-              <a:t>In main.js</a:t>
-            </a:r>
-            <a:endParaRPr lang="en-US" altLang="zh-CN"/>
-          </a:p>
-          <a:p>
-            <a:pPr lvl="2"/>
-            <a:r>
-              <a:rPr lang="en-US" altLang="zh-CN"/>
-              <a:t>import { library } from '@fortawesome/fontawesome-svg-core'</a:t>
-            </a:r>
-            <a:endParaRPr lang="en-US" altLang="zh-CN"/>
-          </a:p>
-          <a:p>
-            <a:pPr lvl="2"/>
-            <a:r>
-              <a:rPr lang="en-US" altLang="zh-CN"/>
-              <a:t>import { faCoffee } from '@fortawesome/free-solid-svg-icons'</a:t>
-            </a:r>
-            <a:endParaRPr lang="en-US" altLang="zh-CN"/>
-          </a:p>
-          <a:p>
-            <a:pPr lvl="2"/>
-            <a:r>
-              <a:rPr lang="en-US" altLang="zh-CN"/>
-              <a:t>import { FontAwesomeIcon } from '@fortawesome/vue-fontawesome'</a:t>
-            </a:r>
-            <a:endParaRPr lang="en-US" altLang="zh-CN"/>
-          </a:p>
-          <a:p>
-            <a:pPr lvl="2"/>
-            <a:r>
-              <a:rPr lang="en-US" altLang="zh-CN"/>
-              <a:t>library.add(faCoffee)</a:t>
-            </a:r>
-            <a:endParaRPr lang="en-US" altLang="zh-CN"/>
-          </a:p>
-          <a:p>
-            <a:pPr lvl="2"/>
-            <a:r>
-              <a:rPr lang="en-US" altLang="zh-CN"/>
-              <a:t>Vue.component('font-awesome-icon', FontAwesomeIcon)</a:t>
+              <a:t>Quasar</a:t>
             </a:r>
             <a:endParaRPr lang="en-US" altLang="zh-CN"/>
           </a:p>
@@ -7338,7 +7711,7 @@
           <a:p>
             <a:r>
               <a:rPr lang="en-US" altLang="zh-CN"/>
-              <a:t>Progress UI</a:t>
+              <a:t>Element UI</a:t>
             </a:r>
             <a:endParaRPr lang="en-US" altLang="zh-CN"/>
           </a:p>
@@ -7360,56 +7733,107 @@
           <a:p>
             <a:r>
               <a:rPr lang="zh-CN" altLang="en-US"/>
-              <a:t>vue-ellipse-progress</a:t>
+              <a:t>https://element.eleme.cn/#/zh-CN</a:t>
             </a:r>
             <a:endParaRPr lang="zh-CN" altLang="en-US"/>
           </a:p>
           <a:p>
-            <a:pPr lvl="1"/>
-            <a:r>
-              <a:rPr lang="zh-CN" altLang="en-US"/>
-              <a:t>https://github.com/setaman/vue-ellipse-progress</a:t>
-            </a:r>
-            <a:endParaRPr lang="zh-CN" altLang="en-US"/>
-          </a:p>
-          <a:p>
-            <a:pPr lvl="1"/>
-            <a:r>
-              <a:rPr lang="zh-CN" altLang="en-US"/>
-              <a:t>npm i </a:t>
-            </a:r>
-            <a:r>
-              <a:rPr lang="en-US" altLang="zh-CN"/>
-              <a:t>-S </a:t>
-            </a:r>
-            <a:r>
-              <a:rPr lang="zh-CN" altLang="en-US"/>
-              <a:t>vue-ellipse-progress</a:t>
-            </a:r>
-            <a:endParaRPr lang="zh-CN" altLang="en-US"/>
+            <a:r>
+              <a:rPr lang="en-US" altLang="zh-CN"/>
+              <a:t>Install</a:t>
+            </a:r>
+            <a:endParaRPr lang="en-US" altLang="zh-CN"/>
+          </a:p>
+          <a:p>
+            <a:pPr lvl="1"/>
+            <a:r>
+              <a:rPr lang="en-US" altLang="zh-CN"/>
+              <a:t>npm i element-ui -S</a:t>
+            </a:r>
+            <a:endParaRPr lang="en-US" altLang="zh-CN"/>
           </a:p>
           <a:p>
             <a:pPr lvl="0"/>
             <a:r>
               <a:rPr lang="en-US" altLang="zh-CN"/>
-              <a:t>vue-progressbar</a:t>
-            </a:r>
-            <a:endParaRPr lang="en-US" altLang="zh-CN"/>
-          </a:p>
-          <a:p>
-            <a:pPr lvl="1"/>
-            <a:r>
-              <a:rPr lang="en-US" altLang="zh-CN"/>
-              <a:t>https://github.com/hilongjw/vue-progressbar</a:t>
-            </a:r>
-            <a:endParaRPr lang="en-US" altLang="zh-CN"/>
-          </a:p>
-          <a:p>
-            <a:pPr lvl="1"/>
-            <a:r>
-              <a:rPr lang="en-US" altLang="zh-CN"/>
-              <a:t>npm i vue-progressbar</a:t>
-            </a:r>
+              <a:t>Usage</a:t>
+            </a:r>
+            <a:endParaRPr lang="en-US" altLang="zh-CN"/>
+          </a:p>
+          <a:p>
+            <a:pPr lvl="1"/>
+            <a:r>
+              <a:rPr lang="en-US" altLang="zh-CN"/>
+              <a:t>Import all</a:t>
+            </a:r>
+            <a:endParaRPr lang="en-US" altLang="zh-CN"/>
+          </a:p>
+          <a:p>
+            <a:pPr lvl="1"/>
+            <a:r>
+              <a:rPr lang="en-US" altLang="zh-CN"/>
+              <a:t>Import on demand</a:t>
+            </a:r>
+            <a:endParaRPr lang="en-US" altLang="zh-CN"/>
+          </a:p>
+          <a:p>
+            <a:pPr lvl="2"/>
+            <a:r>
+              <a:rPr lang="en-US" altLang="zh-CN"/>
+              <a:t>npm i babel-plugin-component -D</a:t>
+            </a:r>
+            <a:endParaRPr lang="en-US" altLang="zh-CN"/>
+          </a:p>
+          <a:p>
+            <a:pPr lvl="2"/>
+            <a:r>
+              <a:rPr lang="en-US" altLang="zh-CN"/>
+              <a:t>npm install babel-cli babel-preset-es2015</a:t>
+            </a:r>
+            <a:endParaRPr lang="en-US" altLang="zh-CN"/>
+          </a:p>
+          <a:p>
+            <a:pPr lvl="1"/>
+            <a:r>
+              <a:rPr lang="en-US" altLang="zh-CN">
+                <a:sym typeface="+mn-ea"/>
+              </a:rPr>
+              <a:t>$msgbox(options)</a:t>
+            </a:r>
+            <a:endParaRPr lang="en-US" altLang="zh-CN"/>
+          </a:p>
+          <a:p>
+            <a:pPr lvl="1"/>
+            <a:r>
+              <a:rPr lang="en-US" altLang="zh-CN">
+                <a:sym typeface="+mn-ea"/>
+              </a:rPr>
+              <a:t>$alert(message, title, options)</a:t>
+            </a:r>
+            <a:endParaRPr lang="en-US" altLang="zh-CN"/>
+          </a:p>
+          <a:p>
+            <a:pPr lvl="1"/>
+            <a:r>
+              <a:rPr lang="en-US" altLang="zh-CN">
+                <a:sym typeface="+mn-ea"/>
+              </a:rPr>
+              <a:t>$confirm(message, title, options)</a:t>
+            </a:r>
+            <a:endParaRPr lang="en-US" altLang="zh-CN"/>
+          </a:p>
+          <a:p>
+            <a:pPr lvl="1"/>
+            <a:r>
+              <a:rPr lang="en-US" altLang="zh-CN">
+                <a:sym typeface="+mn-ea"/>
+              </a:rPr>
+              <a:t>$prompt(message, title, options)	// prompt input</a:t>
+            </a:r>
+            <a:endParaRPr lang="en-US" altLang="zh-CN"/>
+          </a:p>
+          <a:p>
+            <a:pPr lvl="1"/>
             <a:endParaRPr lang="en-US" altLang="zh-CN"/>
           </a:p>
         </p:txBody>
@@ -7448,7 +7872,7 @@
           <a:p>
             <a:r>
               <a:rPr lang="en-US" altLang="zh-CN"/>
-              <a:t>Vue-Konva</a:t>
+              <a:t>Font Awesome</a:t>
             </a:r>
             <a:endParaRPr lang="en-US" altLang="zh-CN"/>
           </a:p>
@@ -7464,9 +7888,16 @@
             <p:ph idx="1"/>
           </p:nvPr>
         </p:nvSpPr>
-        <p:spPr/>
-        <p:txBody>
-          <a:bodyPr/>
+        <p:spPr>
+          <a:xfrm>
+            <a:off x="838200" y="1211580"/>
+            <a:ext cx="10515600" cy="5239385"/>
+          </a:xfrm>
+        </p:spPr>
+        <p:txBody>
+          <a:bodyPr>
+            <a:normAutofit fontScale="80000"/>
+          </a:bodyPr>
           <a:p>
             <a:r>
               <a:rPr lang="en-US" altLang="zh-CN"/>
@@ -7478,7 +7909,23 @@
             <a:pPr lvl="1"/>
             <a:r>
               <a:rPr lang="en-US" altLang="zh-CN"/>
-              <a:t>https://github.com/konvajs/vue-konva</a:t>
+              <a:t>https://fontawesome.com/icons?d=gallery&amp;m=free</a:t>
+            </a:r>
+            <a:endParaRPr lang="en-US" altLang="zh-CN"/>
+          </a:p>
+          <a:p>
+            <a:pPr lvl="1"/>
+            <a:r>
+              <a:rPr lang="en-US" altLang="zh-CN"/>
+              <a:t>https://github.com/FortAwesome/vue-fontawesome</a:t>
+            </a:r>
+            <a:endParaRPr lang="en-US" altLang="zh-CN"/>
+          </a:p>
+          <a:p>
+            <a:pPr lvl="1"/>
+            <a:r>
+              <a:rPr lang="en-US" altLang="zh-CN"/>
+              <a:t>https://blog.logrocket.com/full-guide-to-using-font-awesome-icons-in-vue-js-apps-5574c74d9b2d/</a:t>
             </a:r>
             <a:endParaRPr lang="en-US" altLang="zh-CN"/>
           </a:p>
@@ -7486,39 +7933,105 @@
             <a:pPr lvl="0"/>
             <a:r>
               <a:rPr lang="en-US" altLang="zh-CN"/>
-              <a:t>Install</a:t>
-            </a:r>
-            <a:endParaRPr lang="en-US" altLang="zh-CN"/>
-          </a:p>
-          <a:p>
-            <a:pPr lvl="1"/>
-            <a:r>
-              <a:rPr lang="en-US" altLang="zh-CN" sz="2000"/>
-              <a:t>npm i -S konva vue-konva</a:t>
-            </a:r>
-            <a:endParaRPr lang="en-US" altLang="zh-CN" sz="2000"/>
-          </a:p>
-          <a:p>
-            <a:pPr lvl="1"/>
-            <a:r>
-              <a:rPr lang="en-US" altLang="zh-CN" sz="2000"/>
-              <a:t>vue.js v2.4+</a:t>
+              <a:t>Icon library</a:t>
+            </a:r>
+            <a:endParaRPr lang="en-US" altLang="zh-CN"/>
+          </a:p>
+          <a:p>
+            <a:pPr lvl="1"/>
+            <a:r>
+              <a:rPr lang="en-US" altLang="zh-CN"/>
+              <a:t>solid (fas), regular (far), light (fal), brands (fab)</a:t>
             </a:r>
             <a:endParaRPr lang="en-US" altLang="zh-CN"/>
           </a:p>
           <a:p>
             <a:pPr lvl="0"/>
             <a:r>
-              <a:rPr lang="en-US" altLang="zh-CN"/>
-              <a:t>Shapes</a:t>
-            </a:r>
-            <a:endParaRPr lang="en-US" altLang="zh-CN"/>
-          </a:p>
-          <a:p>
-            <a:pPr lvl="1"/>
-            <a:r>
-              <a:rPr lang="en-US" altLang="zh-CN"/>
-              <a:t>v-rect, v-circle, v-ellipse, v-line, v-image, v-svg, v-text, v-text-path, v-star, v-label, v-path, v-regular-polygon</a:t>
+              <a:rPr lang="en-US" altLang="zh-CN" sz="2400"/>
+              <a:t>Usage</a:t>
+            </a:r>
+            <a:endParaRPr lang="en-US" altLang="zh-CN" sz="2400"/>
+          </a:p>
+          <a:p>
+            <a:pPr lvl="1"/>
+            <a:r>
+              <a:rPr lang="en-US" altLang="zh-CN"/>
+              <a:t>&lt;link href="https://cdnjs.cloudflare.com/ajax/libs/font-awesome/5.11.2/css/all.min.css" rel="stylesheet" type="text/css"&gt;</a:t>
+            </a:r>
+            <a:endParaRPr lang="en-US" altLang="zh-CN"/>
+          </a:p>
+          <a:p>
+            <a:pPr lvl="0"/>
+            <a:r>
+              <a:rPr lang="en-US" altLang="zh-CN"/>
+              <a:t>Vue-fontawesome</a:t>
+            </a:r>
+            <a:endParaRPr lang="en-US" altLang="zh-CN"/>
+          </a:p>
+          <a:p>
+            <a:pPr lvl="1"/>
+            <a:r>
+              <a:rPr lang="en-US" altLang="zh-CN"/>
+              <a:t>npm install --save @fortawesome/fontawesome-svg-core  @fortawesome/free-solid-svg-icons</a:t>
+            </a:r>
+            <a:r>
+              <a:rPr lang="en-US" altLang="zh-CN">
+                <a:sym typeface="+mn-ea"/>
+              </a:rPr>
+              <a:t> @fortawesome/free-regular-svg-icons </a:t>
+            </a:r>
+            <a:r>
+              <a:rPr lang="en-US" altLang="zh-CN"/>
+              <a:t>@fortawesome/vue-fontawesome</a:t>
+            </a:r>
+            <a:endParaRPr lang="en-US" altLang="zh-CN"/>
+          </a:p>
+          <a:p>
+            <a:pPr lvl="1"/>
+            <a:r>
+              <a:rPr lang="en-US" altLang="zh-CN"/>
+              <a:t>In main.js</a:t>
+            </a:r>
+            <a:endParaRPr lang="en-US" altLang="zh-CN"/>
+          </a:p>
+          <a:p>
+            <a:pPr lvl="2"/>
+            <a:r>
+              <a:rPr lang="en-US" altLang="zh-CN"/>
+              <a:t>import { library } from '@fortawesome/fontawesome-svg-core'</a:t>
+            </a:r>
+            <a:endParaRPr lang="en-US" altLang="zh-CN"/>
+          </a:p>
+          <a:p>
+            <a:pPr lvl="2"/>
+            <a:r>
+              <a:rPr lang="en-US" altLang="zh-CN"/>
+              <a:t>import { faCoffee } from '@fortawesome/free-solid-svg-icons'</a:t>
+            </a:r>
+            <a:endParaRPr lang="en-US" altLang="zh-CN"/>
+          </a:p>
+          <a:p>
+            <a:pPr lvl="2"/>
+            <a:r>
+              <a:rPr lang="en-US" altLang="zh-CN"/>
+              <a:t>import { FontAwesomeIcon } from '@fortawesome/vue-fontawesome'</a:t>
+            </a:r>
+            <a:endParaRPr lang="en-US" altLang="zh-CN"/>
+          </a:p>
+          <a:p>
+            <a:pPr lvl="2"/>
+            <a:r>
+              <a:rPr lang="en-US" altLang="zh-CN"/>
+              <a:t>library.add(faCoffee)</a:t>
+            </a:r>
+            <a:endParaRPr lang="en-US" altLang="zh-CN"/>
+          </a:p>
+          <a:p>
+            <a:pPr lvl="2"/>
+            <a:r>
+              <a:rPr lang="en-US" altLang="zh-CN"/>
+              <a:t>Vue.component('font-awesome-icon', FontAwesomeIcon)</a:t>
             </a:r>
             <a:endParaRPr lang="en-US" altLang="zh-CN"/>
           </a:p>
@@ -7558,7 +8071,7 @@
           <a:p>
             <a:r>
               <a:rPr lang="en-US" altLang="zh-CN"/>
-              <a:t>FAQ</a:t>
+              <a:t>Progress UI</a:t>
             </a:r>
             <a:endParaRPr lang="en-US" altLang="zh-CN"/>
           </a:p>
@@ -7574,121 +8087,63 @@
             <p:ph idx="1"/>
           </p:nvPr>
         </p:nvSpPr>
-        <p:spPr>
-          <a:xfrm>
-            <a:off x="838200" y="1211580"/>
-            <a:ext cx="10515600" cy="4744720"/>
-          </a:xfrm>
-        </p:spPr>
-        <p:txBody>
-          <a:bodyPr>
-            <a:normAutofit/>
-          </a:bodyPr>
-          <a:p>
-            <a:r>
-              <a:rPr lang="en-US" altLang="zh-CN"/>
-              <a:t>Fixed CORS issue during debug</a:t>
-            </a:r>
-            <a:endParaRPr lang="en-US" altLang="zh-CN"/>
-          </a:p>
-          <a:p>
-            <a:pPr lvl="1"/>
-            <a:r>
-              <a:rPr lang="en-US" altLang="zh-CN"/>
-              <a:t>Modify config/index.js</a:t>
-            </a:r>
-            <a:endParaRPr lang="en-US" altLang="zh-CN"/>
-          </a:p>
-        </p:txBody>
-      </p:sp>
-      <p:sp>
-        <p:nvSpPr>
-          <p:cNvPr id="4" name="文本框 3"/>
-          <p:cNvSpPr txBox="1"/>
-          <p:nvPr/>
-        </p:nvSpPr>
-        <p:spPr>
-          <a:xfrm>
-            <a:off x="6924040" y="1211580"/>
-            <a:ext cx="4429760" cy="2861310"/>
-          </a:xfrm>
-          <a:prstGeom prst="rect">
-            <a:avLst/>
-          </a:prstGeom>
-          <a:noFill/>
-          <a:ln>
-            <a:solidFill>
-              <a:schemeClr val="accent6"/>
-            </a:solidFill>
-            <a:prstDash val="dash"/>
-          </a:ln>
-        </p:spPr>
-        <p:txBody>
-          <a:bodyPr wrap="square" rtlCol="0">
-            <a:spAutoFit/>
-          </a:bodyPr>
+        <p:spPr/>
+        <p:txBody>
+          <a:bodyPr/>
           <a:p>
             <a:r>
               <a:rPr lang="zh-CN" altLang="en-US"/>
-              <a:t>        proxyTable: {</a:t>
+              <a:t>vue-ellipse-progress</a:t>
             </a:r>
             <a:endParaRPr lang="zh-CN" altLang="en-US"/>
           </a:p>
           <a:p>
+            <a:pPr lvl="1"/>
             <a:r>
               <a:rPr lang="zh-CN" altLang="en-US"/>
-              <a:t>            '/': {</a:t>
+              <a:t>https://github.com/setaman/vue-ellipse-progress</a:t>
             </a:r>
             <a:endParaRPr lang="zh-CN" altLang="en-US"/>
           </a:p>
           <a:p>
+            <a:pPr lvl="1"/>
             <a:r>
               <a:rPr lang="zh-CN" altLang="en-US"/>
-              <a:t>                target: 'http://47.105.68.219:8090/',</a:t>
+              <a:t>npm i </a:t>
+            </a:r>
+            <a:r>
+              <a:rPr lang="en-US" altLang="zh-CN"/>
+              <a:t>-S </a:t>
+            </a:r>
+            <a:r>
+              <a:rPr lang="zh-CN" altLang="en-US"/>
+              <a:t>vue-ellipse-progress</a:t>
             </a:r>
             <a:endParaRPr lang="zh-CN" altLang="en-US"/>
           </a:p>
           <a:p>
-            <a:r>
-              <a:rPr lang="zh-CN" altLang="en-US"/>
-              <a:t>                changeOrigin: true, </a:t>
-            </a:r>
-            <a:endParaRPr lang="zh-CN" altLang="en-US"/>
-          </a:p>
-          <a:p>
-            <a:r>
-              <a:rPr lang="zh-CN" altLang="en-US"/>
-              <a:t>                pathRewrite: {</a:t>
-            </a:r>
-            <a:endParaRPr lang="zh-CN" altLang="en-US"/>
-          </a:p>
-          <a:p>
-            <a:r>
-              <a:rPr lang="zh-CN" altLang="en-US"/>
-              <a:t>                    '^/': '/'</a:t>
-            </a:r>
-            <a:endParaRPr lang="zh-CN" altLang="en-US"/>
-          </a:p>
-          <a:p>
-            <a:r>
-              <a:rPr lang="zh-CN" altLang="en-US"/>
-              <a:t>                }</a:t>
-            </a:r>
-            <a:endParaRPr lang="zh-CN" altLang="en-US"/>
-          </a:p>
-          <a:p>
-            <a:r>
-              <a:rPr lang="zh-CN" altLang="en-US"/>
-              <a:t>            }</a:t>
-            </a:r>
-            <a:endParaRPr lang="zh-CN" altLang="en-US"/>
-          </a:p>
-          <a:p>
-            <a:r>
-              <a:rPr lang="zh-CN" altLang="en-US"/>
-              <a:t>        },</a:t>
-            </a:r>
-            <a:endParaRPr lang="zh-CN" altLang="en-US"/>
+            <a:pPr lvl="0"/>
+            <a:r>
+              <a:rPr lang="en-US" altLang="zh-CN"/>
+              <a:t>vue-progressbar</a:t>
+            </a:r>
+            <a:endParaRPr lang="en-US" altLang="zh-CN"/>
+          </a:p>
+          <a:p>
+            <a:pPr lvl="1"/>
+            <a:r>
+              <a:rPr lang="en-US" altLang="zh-CN"/>
+              <a:t>https://github.com/hilongjw/vue-progressbar</a:t>
+            </a:r>
+            <a:endParaRPr lang="en-US" altLang="zh-CN"/>
+          </a:p>
+          <a:p>
+            <a:pPr lvl="1"/>
+            <a:r>
+              <a:rPr lang="en-US" altLang="zh-CN"/>
+              <a:t>npm i vue-progressbar</a:t>
+            </a:r>
+            <a:endParaRPr lang="en-US" altLang="zh-CN"/>
           </a:p>
         </p:txBody>
       </p:sp>
@@ -7712,7 +8167,7 @@
       <p:grpSpPr/>
       <p:sp>
         <p:nvSpPr>
-          <p:cNvPr id="4" name="标题 3"/>
+          <p:cNvPr id="2" name="标题 1"/>
           <p:cNvSpPr>
             <a:spLocks noGrp="1"/>
           </p:cNvSpPr>
@@ -7726,27 +8181,79 @@
           <a:p>
             <a:r>
               <a:rPr lang="en-US" altLang="zh-CN"/>
-              <a:t>Advanced</a:t>
-            </a:r>
-            <a:endParaRPr lang="en-US" altLang="zh-CN"/>
-          </a:p>
-        </p:txBody>
-      </p:sp>
-      <p:sp>
-        <p:nvSpPr>
-          <p:cNvPr id="5" name="文本占位符 4"/>
-          <p:cNvSpPr>
-            <a:spLocks noGrp="1"/>
-          </p:cNvSpPr>
-          <p:nvPr>
-            <p:ph type="body" idx="1"/>
+              <a:t>Vue-Konva</a:t>
+            </a:r>
+            <a:endParaRPr lang="en-US" altLang="zh-CN"/>
+          </a:p>
+        </p:txBody>
+      </p:sp>
+      <p:sp>
+        <p:nvSpPr>
+          <p:cNvPr id="3" name="内容占位符 2"/>
+          <p:cNvSpPr>
+            <a:spLocks noGrp="1"/>
+          </p:cNvSpPr>
+          <p:nvPr>
+            <p:ph idx="1"/>
           </p:nvPr>
         </p:nvSpPr>
         <p:spPr/>
         <p:txBody>
           <a:bodyPr/>
           <a:p>
-            <a:endParaRPr lang="zh-CN" altLang="en-US"/>
+            <a:r>
+              <a:rPr lang="en-US" altLang="zh-CN"/>
+              <a:t>References</a:t>
+            </a:r>
+            <a:endParaRPr lang="en-US" altLang="zh-CN"/>
+          </a:p>
+          <a:p>
+            <a:pPr lvl="1"/>
+            <a:r>
+              <a:rPr lang="en-US" altLang="zh-CN"/>
+              <a:t>https://github.com/konvajs/vue-konva</a:t>
+            </a:r>
+            <a:endParaRPr lang="en-US" altLang="zh-CN"/>
+          </a:p>
+          <a:p>
+            <a:pPr lvl="0"/>
+            <a:r>
+              <a:rPr lang="en-US" altLang="zh-CN"/>
+              <a:t>Install</a:t>
+            </a:r>
+            <a:endParaRPr lang="en-US" altLang="zh-CN"/>
+          </a:p>
+          <a:p>
+            <a:pPr lvl="1"/>
+            <a:r>
+              <a:rPr lang="en-US" altLang="zh-CN" sz="2000"/>
+              <a:t>npm i -S konva vue-konva</a:t>
+            </a:r>
+            <a:endParaRPr lang="en-US" altLang="zh-CN" sz="2000"/>
+          </a:p>
+          <a:p>
+            <a:pPr lvl="1"/>
+            <a:r>
+              <a:rPr lang="en-US" altLang="zh-CN" sz="2000"/>
+              <a:t>vue.js v2.4+</a:t>
+            </a:r>
+            <a:endParaRPr lang="en-US" altLang="zh-CN"/>
+          </a:p>
+          <a:p>
+            <a:pPr lvl="0"/>
+            <a:r>
+              <a:rPr lang="en-US" altLang="zh-CN"/>
+              <a:t>Shapes</a:t>
+            </a:r>
+            <a:endParaRPr lang="en-US" altLang="zh-CN"/>
+          </a:p>
+          <a:p>
+            <a:pPr lvl="1"/>
+            <a:r>
+              <a:rPr lang="en-US" altLang="zh-CN"/>
+              <a:t>v-rect, v-circle, v-ellipse, v-line, v-image, v-svg, v-text, v-text-path, v-star, v-label, v-path, v-regular-polygon</a:t>
+            </a:r>
+            <a:endParaRPr lang="en-US" altLang="zh-CN"/>
           </a:p>
         </p:txBody>
       </p:sp>
@@ -7770,6 +8277,232 @@
       <p:grpSpPr/>
       <p:sp>
         <p:nvSpPr>
+          <p:cNvPr id="2" name="标题 1"/>
+          <p:cNvSpPr>
+            <a:spLocks noGrp="1"/>
+          </p:cNvSpPr>
+          <p:nvPr>
+            <p:ph type="title"/>
+          </p:nvPr>
+        </p:nvSpPr>
+        <p:spPr/>
+        <p:txBody>
+          <a:bodyPr/>
+          <a:p>
+            <a:r>
+              <a:rPr lang="en-US" altLang="zh-CN"/>
+              <a:t>FAQ</a:t>
+            </a:r>
+            <a:endParaRPr lang="en-US" altLang="zh-CN"/>
+          </a:p>
+        </p:txBody>
+      </p:sp>
+      <p:sp>
+        <p:nvSpPr>
+          <p:cNvPr id="3" name="内容占位符 2"/>
+          <p:cNvSpPr>
+            <a:spLocks noGrp="1"/>
+          </p:cNvSpPr>
+          <p:nvPr>
+            <p:ph idx="1"/>
+          </p:nvPr>
+        </p:nvSpPr>
+        <p:spPr>
+          <a:xfrm>
+            <a:off x="838200" y="1211580"/>
+            <a:ext cx="10515600" cy="4744720"/>
+          </a:xfrm>
+        </p:spPr>
+        <p:txBody>
+          <a:bodyPr>
+            <a:normAutofit/>
+          </a:bodyPr>
+          <a:p>
+            <a:r>
+              <a:rPr lang="en-US" altLang="zh-CN"/>
+              <a:t>Fixed CORS issue during debug</a:t>
+            </a:r>
+            <a:endParaRPr lang="en-US" altLang="zh-CN"/>
+          </a:p>
+          <a:p>
+            <a:pPr lvl="1"/>
+            <a:r>
+              <a:rPr lang="en-US" altLang="zh-CN"/>
+              <a:t>Modify config/index.js</a:t>
+            </a:r>
+            <a:endParaRPr lang="en-US" altLang="zh-CN"/>
+          </a:p>
+        </p:txBody>
+      </p:sp>
+      <p:sp>
+        <p:nvSpPr>
+          <p:cNvPr id="4" name="文本框 3"/>
+          <p:cNvSpPr txBox="1"/>
+          <p:nvPr/>
+        </p:nvSpPr>
+        <p:spPr>
+          <a:xfrm>
+            <a:off x="6924040" y="1211580"/>
+            <a:ext cx="4429760" cy="2861310"/>
+          </a:xfrm>
+          <a:prstGeom prst="rect">
+            <a:avLst/>
+          </a:prstGeom>
+          <a:noFill/>
+          <a:ln>
+            <a:solidFill>
+              <a:schemeClr val="accent6"/>
+            </a:solidFill>
+            <a:prstDash val="dash"/>
+          </a:ln>
+        </p:spPr>
+        <p:txBody>
+          <a:bodyPr wrap="square" rtlCol="0">
+            <a:spAutoFit/>
+          </a:bodyPr>
+          <a:p>
+            <a:r>
+              <a:rPr lang="zh-CN" altLang="en-US"/>
+              <a:t>        proxyTable: {</a:t>
+            </a:r>
+            <a:endParaRPr lang="zh-CN" altLang="en-US"/>
+          </a:p>
+          <a:p>
+            <a:r>
+              <a:rPr lang="zh-CN" altLang="en-US"/>
+              <a:t>            '/': {</a:t>
+            </a:r>
+            <a:endParaRPr lang="zh-CN" altLang="en-US"/>
+          </a:p>
+          <a:p>
+            <a:r>
+              <a:rPr lang="zh-CN" altLang="en-US"/>
+              <a:t>                target: 'http://47.105.68.219:8090/',</a:t>
+            </a:r>
+            <a:endParaRPr lang="zh-CN" altLang="en-US"/>
+          </a:p>
+          <a:p>
+            <a:r>
+              <a:rPr lang="zh-CN" altLang="en-US"/>
+              <a:t>                changeOrigin: true, </a:t>
+            </a:r>
+            <a:endParaRPr lang="zh-CN" altLang="en-US"/>
+          </a:p>
+          <a:p>
+            <a:r>
+              <a:rPr lang="zh-CN" altLang="en-US"/>
+              <a:t>                pathRewrite: {</a:t>
+            </a:r>
+            <a:endParaRPr lang="zh-CN" altLang="en-US"/>
+          </a:p>
+          <a:p>
+            <a:r>
+              <a:rPr lang="zh-CN" altLang="en-US"/>
+              <a:t>                    '^/': '/'</a:t>
+            </a:r>
+            <a:endParaRPr lang="zh-CN" altLang="en-US"/>
+          </a:p>
+          <a:p>
+            <a:r>
+              <a:rPr lang="zh-CN" altLang="en-US"/>
+              <a:t>                }</a:t>
+            </a:r>
+            <a:endParaRPr lang="zh-CN" altLang="en-US"/>
+          </a:p>
+          <a:p>
+            <a:r>
+              <a:rPr lang="zh-CN" altLang="en-US"/>
+              <a:t>            }</a:t>
+            </a:r>
+            <a:endParaRPr lang="zh-CN" altLang="en-US"/>
+          </a:p>
+          <a:p>
+            <a:r>
+              <a:rPr lang="zh-CN" altLang="en-US"/>
+              <a:t>        },</a:t>
+            </a:r>
+            <a:endParaRPr lang="zh-CN" altLang="en-US"/>
+          </a:p>
+        </p:txBody>
+      </p:sp>
+    </p:spTree>
+  </p:cSld>
+  <p:clrMapOvr>
+    <a:masterClrMapping/>
+  </p:clrMapOvr>
+</p:sld>
+</file>
+
+<file path=ppt/slides/slide35.xml><?xml version="1.0" encoding="utf-8"?>
+<p:sld xmlns:a="http://schemas.openxmlformats.org/drawingml/2006/main" xmlns:r="http://schemas.openxmlformats.org/officeDocument/2006/relationships" xmlns:p="http://schemas.openxmlformats.org/presentationml/2006/main">
+  <p:cSld>
+    <p:spTree>
+      <p:nvGrpSpPr>
+        <p:cNvPr id="1" name=""/>
+        <p:cNvGrpSpPr/>
+        <p:nvPr/>
+      </p:nvGrpSpPr>
+      <p:grpSpPr/>
+      <p:sp>
+        <p:nvSpPr>
+          <p:cNvPr id="4" name="标题 3"/>
+          <p:cNvSpPr>
+            <a:spLocks noGrp="1"/>
+          </p:cNvSpPr>
+          <p:nvPr>
+            <p:ph type="title"/>
+          </p:nvPr>
+        </p:nvSpPr>
+        <p:spPr/>
+        <p:txBody>
+          <a:bodyPr/>
+          <a:p>
+            <a:r>
+              <a:rPr lang="en-US" altLang="zh-CN"/>
+              <a:t>Advanced</a:t>
+            </a:r>
+            <a:endParaRPr lang="en-US" altLang="zh-CN"/>
+          </a:p>
+        </p:txBody>
+      </p:sp>
+      <p:sp>
+        <p:nvSpPr>
+          <p:cNvPr id="5" name="文本占位符 4"/>
+          <p:cNvSpPr>
+            <a:spLocks noGrp="1"/>
+          </p:cNvSpPr>
+          <p:nvPr>
+            <p:ph type="body" idx="1"/>
+          </p:nvPr>
+        </p:nvSpPr>
+        <p:spPr/>
+        <p:txBody>
+          <a:bodyPr/>
+          <a:p>
+            <a:endParaRPr lang="zh-CN" altLang="en-US"/>
+          </a:p>
+        </p:txBody>
+      </p:sp>
+    </p:spTree>
+  </p:cSld>
+  <p:clrMapOvr>
+    <a:masterClrMapping/>
+  </p:clrMapOvr>
+</p:sld>
+</file>
+
+<file path=ppt/slides/slide36.xml><?xml version="1.0" encoding="utf-8"?>
+<p:sld xmlns:a="http://schemas.openxmlformats.org/drawingml/2006/main" xmlns:r="http://schemas.openxmlformats.org/officeDocument/2006/relationships" xmlns:p="http://schemas.openxmlformats.org/presentationml/2006/main">
+  <p:cSld>
+    <p:spTree>
+      <p:nvGrpSpPr>
+        <p:cNvPr id="1" name=""/>
+        <p:cNvGrpSpPr/>
+        <p:nvPr/>
+      </p:nvGrpSpPr>
+      <p:grpSpPr/>
+      <p:sp>
+        <p:nvSpPr>
           <p:cNvPr id="4" name="标题 3"/>
           <p:cNvSpPr>
             <a:spLocks noGrp="1"/>
@@ -7979,7 +8712,7 @@
 </p:sld>
 </file>
 
-<file path=ppt/slides/slide35.xml><?xml version="1.0" encoding="utf-8"?>
+<file path=ppt/slides/slide37.xml><?xml version="1.0" encoding="utf-8"?>
 <p:sld xmlns:a="http://schemas.openxmlformats.org/drawingml/2006/main" xmlns:r="http://schemas.openxmlformats.org/officeDocument/2006/relationships" xmlns:p="http://schemas.openxmlformats.org/presentationml/2006/main">
   <p:cSld>
     <p:spTree>

--- a/Web/Vue-Notes.pptx
+++ b/Web/Vue-Notes.pptx
@@ -8,7 +8,7 @@
     <p:notesMasterId r:id="rId12"/>
   </p:notesMasterIdLst>
   <p:handoutMasterIdLst>
-    <p:handoutMasterId r:id="rId58"/>
+    <p:handoutMasterId r:id="rId59"/>
   </p:handoutMasterIdLst>
   <p:sldIdLst>
     <p:sldId id="256" r:id="rId3"/>
@@ -64,12 +64,13 @@
     <p:sldId id="429" r:id="rId54"/>
     <p:sldId id="462" r:id="rId55"/>
     <p:sldId id="514" r:id="rId56"/>
-    <p:sldId id="263" r:id="rId57"/>
+    <p:sldId id="604" r:id="rId57"/>
+    <p:sldId id="263" r:id="rId58"/>
   </p:sldIdLst>
   <p:sldSz cx="12192000" cy="6858000"/>
   <p:notesSz cx="6858000" cy="9144000"/>
   <p:custDataLst>
-    <p:tags r:id="rId62"/>
+    <p:tags r:id="rId63"/>
   </p:custDataLst>
   <p:defaultTextStyle>
     <a:defPPr>
@@ -5768,7 +5769,12 @@
             <p:ph idx="1"/>
           </p:nvPr>
         </p:nvSpPr>
-        <p:spPr/>
+        <p:spPr>
+          <a:xfrm>
+            <a:off x="838200" y="1211580"/>
+            <a:ext cx="5154930" cy="4549140"/>
+          </a:xfrm>
+        </p:spPr>
         <p:txBody>
           <a:bodyPr/>
           <a:p>
@@ -5787,6 +5793,14 @@
             <a:endParaRPr lang="en-US" altLang="zh-CN"/>
           </a:p>
           <a:p>
+            <a:pPr lvl="1"/>
+            <a:r>
+              <a:rPr lang="en-US" altLang="zh-CN"/>
+              <a:t>refs</a:t>
+            </a:r>
+            <a:endParaRPr lang="en-US" altLang="zh-CN"/>
+          </a:p>
+          <a:p>
             <a:pPr lvl="0"/>
             <a:r>
               <a:rPr lang="en-US" altLang="zh-CN"/>
@@ -5798,6 +5812,14 @@
             <a:pPr lvl="1"/>
             <a:r>
               <a:rPr lang="en-US" altLang="zh-CN"/>
+              <a:t>父组件监听子组件触发的事件，需要在子组件用使用 $emit 触发，在父组件中使用 v-on: / @ 自定义事件监听</a:t>
+            </a:r>
+            <a:endParaRPr lang="en-US" altLang="zh-CN"/>
+          </a:p>
+          <a:p>
+            <a:pPr lvl="1"/>
+            <a:r>
+              <a:rPr lang="en-US" altLang="zh-CN"/>
               <a:t>this.$emit(“msg”)</a:t>
             </a:r>
             <a:endParaRPr lang="en-US" altLang="zh-CN"/>
@@ -5809,6 +5831,484 @@
               <a:t>@msg='method'</a:t>
             </a:r>
             <a:endParaRPr lang="en-US" altLang="zh-CN"/>
+          </a:p>
+        </p:txBody>
+      </p:sp>
+      <p:sp>
+        <p:nvSpPr>
+          <p:cNvPr id="4" name="文本框 3"/>
+          <p:cNvSpPr txBox="1"/>
+          <p:nvPr/>
+        </p:nvSpPr>
+        <p:spPr>
+          <a:xfrm>
+            <a:off x="6188710" y="1076325"/>
+            <a:ext cx="2908300" cy="5169535"/>
+          </a:xfrm>
+          <a:prstGeom prst="rect">
+            <a:avLst/>
+          </a:prstGeom>
+          <a:noFill/>
+          <a:ln>
+            <a:solidFill>
+              <a:srgbClr val="C00000"/>
+            </a:solidFill>
+          </a:ln>
+        </p:spPr>
+        <p:txBody>
+          <a:bodyPr wrap="square" rtlCol="0">
+            <a:spAutoFit/>
+          </a:bodyPr>
+          <a:p>
+            <a:r>
+              <a:rPr lang="zh-CN" altLang="en-US" sz="1000"/>
+              <a:t>// 父组件</a:t>
+            </a:r>
+            <a:endParaRPr lang="zh-CN" altLang="en-US" sz="1000"/>
+          </a:p>
+          <a:p>
+            <a:r>
+              <a:rPr lang="zh-CN" altLang="en-US" sz="1000"/>
+              <a:t>&lt;template&gt;</a:t>
+            </a:r>
+            <a:endParaRPr lang="zh-CN" altLang="en-US" sz="1000"/>
+          </a:p>
+          <a:p>
+            <a:r>
+              <a:rPr lang="zh-CN" altLang="en-US" sz="1000"/>
+              <a:t>  &lt;div&gt;</a:t>
+            </a:r>
+            <a:endParaRPr lang="zh-CN" altLang="en-US" sz="1000"/>
+          </a:p>
+          <a:p>
+            <a:r>
+              <a:rPr lang="zh-CN" altLang="en-US" sz="1000"/>
+              <a:t>    &lt;button @click="handleClick"&gt;按钮&lt;/button&gt;</a:t>
+            </a:r>
+            <a:endParaRPr lang="zh-CN" altLang="en-US" sz="1000"/>
+          </a:p>
+          <a:p>
+            <a:r>
+              <a:rPr lang="zh-CN" altLang="en-US" sz="1000"/>
+              <a:t>    &lt;Child </a:t>
+            </a:r>
+            <a:r>
+              <a:rPr lang="zh-CN" altLang="en-US" sz="1000">
+                <a:solidFill>
+                  <a:srgbClr val="FF0000"/>
+                </a:solidFill>
+              </a:rPr>
+              <a:t>ref="child"</a:t>
+            </a:r>
+            <a:r>
+              <a:rPr lang="zh-CN" altLang="en-US" sz="1000"/>
+              <a:t>&gt;&lt;/Child&gt;</a:t>
+            </a:r>
+            <a:endParaRPr lang="zh-CN" altLang="en-US" sz="1000"/>
+          </a:p>
+          <a:p>
+            <a:r>
+              <a:rPr lang="zh-CN" altLang="en-US" sz="1000"/>
+              <a:t>  &lt;/div&gt;</a:t>
+            </a:r>
+            <a:endParaRPr lang="zh-CN" altLang="en-US" sz="1000"/>
+          </a:p>
+          <a:p>
+            <a:r>
+              <a:rPr lang="zh-CN" altLang="en-US" sz="1000"/>
+              <a:t>&lt;/template&gt;</a:t>
+            </a:r>
+            <a:endParaRPr lang="zh-CN" altLang="en-US" sz="1000"/>
+          </a:p>
+          <a:p>
+            <a:r>
+              <a:rPr lang="zh-CN" altLang="en-US" sz="1000"/>
+              <a:t>​</a:t>
+            </a:r>
+            <a:endParaRPr lang="zh-CN" altLang="en-US" sz="1000"/>
+          </a:p>
+          <a:p>
+            <a:r>
+              <a:rPr lang="zh-CN" altLang="en-US" sz="1000"/>
+              <a:t>​</a:t>
+            </a:r>
+            <a:endParaRPr lang="zh-CN" altLang="en-US" sz="1000"/>
+          </a:p>
+          <a:p>
+            <a:r>
+              <a:rPr lang="zh-CN" altLang="en-US" sz="1000"/>
+              <a:t>&lt;script&gt;</a:t>
+            </a:r>
+            <a:endParaRPr lang="zh-CN" altLang="en-US" sz="1000"/>
+          </a:p>
+          <a:p>
+            <a:r>
+              <a:rPr lang="zh-CN" altLang="en-US" sz="1000"/>
+              <a:t>import Child from './components/child.vue'</a:t>
+            </a:r>
+            <a:endParaRPr lang="zh-CN" altLang="en-US" sz="1000"/>
+          </a:p>
+          <a:p>
+            <a:r>
+              <a:rPr lang="zh-CN" altLang="en-US" sz="1000"/>
+              <a:t>export default {</a:t>
+            </a:r>
+            <a:endParaRPr lang="zh-CN" altLang="en-US" sz="1000"/>
+          </a:p>
+          <a:p>
+            <a:r>
+              <a:rPr lang="zh-CN" altLang="en-US" sz="1000"/>
+              <a:t>  components: {</a:t>
+            </a:r>
+            <a:endParaRPr lang="zh-CN" altLang="en-US" sz="1000"/>
+          </a:p>
+          <a:p>
+            <a:r>
+              <a:rPr lang="zh-CN" altLang="en-US" sz="1000"/>
+              <a:t>    Child,</a:t>
+            </a:r>
+            <a:endParaRPr lang="zh-CN" altLang="en-US" sz="1000"/>
+          </a:p>
+          <a:p>
+            <a:r>
+              <a:rPr lang="zh-CN" altLang="en-US" sz="1000"/>
+              <a:t>  },</a:t>
+            </a:r>
+            <a:endParaRPr lang="zh-CN" altLang="en-US" sz="1000"/>
+          </a:p>
+          <a:p>
+            <a:r>
+              <a:rPr lang="zh-CN" altLang="en-US" sz="1000"/>
+              <a:t>  methods: {</a:t>
+            </a:r>
+            <a:endParaRPr lang="zh-CN" altLang="en-US" sz="1000"/>
+          </a:p>
+          <a:p>
+            <a:r>
+              <a:rPr lang="zh-CN" altLang="en-US" sz="1000"/>
+              <a:t>    handleClick() {</a:t>
+            </a:r>
+            <a:endParaRPr lang="zh-CN" altLang="en-US" sz="1000"/>
+          </a:p>
+          <a:p>
+            <a:r>
+              <a:rPr lang="zh-CN" altLang="en-US" sz="1000"/>
+              <a:t>      </a:t>
+            </a:r>
+            <a:r>
+              <a:rPr lang="zh-CN" altLang="en-US" sz="1000">
+                <a:solidFill>
+                  <a:srgbClr val="FF0000"/>
+                </a:solidFill>
+              </a:rPr>
+              <a:t>this.$refs.child.sing()</a:t>
+            </a:r>
+            <a:endParaRPr lang="zh-CN" altLang="en-US" sz="1000"/>
+          </a:p>
+          <a:p>
+            <a:r>
+              <a:rPr lang="zh-CN" altLang="en-US" sz="1000"/>
+              <a:t>    },</a:t>
+            </a:r>
+            <a:endParaRPr lang="zh-CN" altLang="en-US" sz="1000"/>
+          </a:p>
+          <a:p>
+            <a:r>
+              <a:rPr lang="zh-CN" altLang="en-US" sz="1000"/>
+              <a:t>  },</a:t>
+            </a:r>
+            <a:endParaRPr lang="zh-CN" altLang="en-US" sz="1000"/>
+          </a:p>
+          <a:p>
+            <a:r>
+              <a:rPr lang="zh-CN" altLang="en-US" sz="1000"/>
+              <a:t>}</a:t>
+            </a:r>
+            <a:endParaRPr lang="zh-CN" altLang="en-US" sz="1000"/>
+          </a:p>
+          <a:p>
+            <a:r>
+              <a:rPr lang="zh-CN" altLang="en-US" sz="1000"/>
+              <a:t>&lt;/script&gt;</a:t>
+            </a:r>
+            <a:endParaRPr lang="zh-CN" altLang="en-US" sz="1000"/>
+          </a:p>
+          <a:p>
+            <a:r>
+              <a:rPr lang="zh-CN" altLang="en-US" sz="1000"/>
+              <a:t>​</a:t>
+            </a:r>
+            <a:endParaRPr lang="zh-CN" altLang="en-US" sz="1000"/>
+          </a:p>
+          <a:p>
+            <a:r>
+              <a:rPr lang="zh-CN" altLang="en-US" sz="1000"/>
+              <a:t>// 子组件</a:t>
+            </a:r>
+            <a:endParaRPr lang="zh-CN" altLang="en-US" sz="1000"/>
+          </a:p>
+          <a:p>
+            <a:r>
+              <a:rPr lang="zh-CN" altLang="en-US" sz="1000"/>
+              <a:t>&lt;script&gt;</a:t>
+            </a:r>
+            <a:endParaRPr lang="zh-CN" altLang="en-US" sz="1000"/>
+          </a:p>
+          <a:p>
+            <a:r>
+              <a:rPr lang="zh-CN" altLang="en-US" sz="1000"/>
+              <a:t>export default {</a:t>
+            </a:r>
+            <a:endParaRPr lang="zh-CN" altLang="en-US" sz="1000"/>
+          </a:p>
+          <a:p>
+            <a:r>
+              <a:rPr lang="zh-CN" altLang="en-US" sz="1000"/>
+              <a:t>  methods: {</a:t>
+            </a:r>
+            <a:endParaRPr lang="zh-CN" altLang="en-US" sz="1000"/>
+          </a:p>
+          <a:p>
+            <a:r>
+              <a:rPr lang="zh-CN" altLang="en-US" sz="1000"/>
+              <a:t>    sing() {</a:t>
+            </a:r>
+            <a:endParaRPr lang="zh-CN" altLang="en-US" sz="1000"/>
+          </a:p>
+          <a:p>
+            <a:r>
+              <a:rPr lang="zh-CN" altLang="en-US" sz="1000"/>
+              <a:t>      console.log('使用refs直接调用函数方法')</a:t>
+            </a:r>
+            <a:endParaRPr lang="zh-CN" altLang="en-US" sz="1000"/>
+          </a:p>
+          <a:p>
+            <a:r>
+              <a:rPr lang="zh-CN" altLang="en-US" sz="1000"/>
+              <a:t>    },</a:t>
+            </a:r>
+            <a:endParaRPr lang="zh-CN" altLang="en-US" sz="1000"/>
+          </a:p>
+          <a:p>
+            <a:r>
+              <a:rPr lang="zh-CN" altLang="en-US" sz="1000"/>
+              <a:t>  },</a:t>
+            </a:r>
+            <a:endParaRPr lang="zh-CN" altLang="en-US" sz="1000"/>
+          </a:p>
+          <a:p>
+            <a:r>
+              <a:rPr lang="zh-CN" altLang="en-US" sz="1000"/>
+              <a:t>}</a:t>
+            </a:r>
+            <a:endParaRPr lang="zh-CN" altLang="en-US" sz="1000"/>
+          </a:p>
+          <a:p>
+            <a:r>
+              <a:rPr lang="zh-CN" altLang="en-US" sz="1000"/>
+              <a:t>&lt;/script&gt;</a:t>
+            </a:r>
+            <a:endParaRPr lang="zh-CN" altLang="en-US" sz="1000"/>
+          </a:p>
+        </p:txBody>
+      </p:sp>
+      <p:sp>
+        <p:nvSpPr>
+          <p:cNvPr id="5" name="文本框 4"/>
+          <p:cNvSpPr txBox="1"/>
+          <p:nvPr/>
+        </p:nvSpPr>
+        <p:spPr>
+          <a:xfrm>
+            <a:off x="9215755" y="1042035"/>
+            <a:ext cx="2908300" cy="3630930"/>
+          </a:xfrm>
+          <a:prstGeom prst="rect">
+            <a:avLst/>
+          </a:prstGeom>
+          <a:noFill/>
+          <a:ln>
+            <a:solidFill>
+              <a:srgbClr val="C00000"/>
+            </a:solidFill>
+          </a:ln>
+        </p:spPr>
+        <p:txBody>
+          <a:bodyPr wrap="square" rtlCol="0">
+            <a:spAutoFit/>
+          </a:bodyPr>
+          <a:p>
+            <a:r>
+              <a:rPr lang="zh-CN" altLang="en-US" sz="1000"/>
+              <a:t>// 父组件</a:t>
+            </a:r>
+            <a:endParaRPr lang="zh-CN" altLang="en-US" sz="1000"/>
+          </a:p>
+          <a:p>
+            <a:r>
+              <a:rPr lang="zh-CN" altLang="en-US" sz="1000"/>
+              <a:t>&lt;template&gt;</a:t>
+            </a:r>
+            <a:endParaRPr lang="zh-CN" altLang="en-US" sz="1000"/>
+          </a:p>
+          <a:p>
+            <a:r>
+              <a:rPr lang="zh-CN" altLang="en-US" sz="1000"/>
+              <a:t>  &lt;div&gt;</a:t>
+            </a:r>
+            <a:endParaRPr lang="zh-CN" altLang="en-US" sz="1000"/>
+          </a:p>
+          <a:p>
+            <a:r>
+              <a:rPr lang="zh-CN" altLang="en-US" sz="1000"/>
+              <a:t>    &lt;magic-eight-ball </a:t>
+            </a:r>
+            <a:r>
+              <a:rPr lang="zh-CN" altLang="en-US" sz="1000">
+                <a:solidFill>
+                  <a:srgbClr val="FF0000"/>
+                </a:solidFill>
+              </a:rPr>
+              <a:t> @give-advice="showAdvice"</a:t>
+            </a:r>
+            <a:r>
+              <a:rPr lang="zh-CN" altLang="en-US" sz="1000"/>
+              <a:t>&gt;</a:t>
+            </a:r>
+            <a:endParaRPr lang="zh-CN" altLang="en-US" sz="1000"/>
+          </a:p>
+          <a:p>
+            <a:r>
+              <a:rPr lang="zh-CN" altLang="en-US" sz="1000"/>
+              <a:t>    &lt;/magic-eight-ball&gt;</a:t>
+            </a:r>
+            <a:endParaRPr lang="zh-CN" altLang="en-US" sz="1000"/>
+          </a:p>
+          <a:p>
+            <a:r>
+              <a:rPr lang="zh-CN" altLang="en-US" sz="1000"/>
+              <a:t>  &lt;/div&gt;</a:t>
+            </a:r>
+            <a:endParaRPr lang="zh-CN" altLang="en-US" sz="1000"/>
+          </a:p>
+          <a:p>
+            <a:r>
+              <a:rPr lang="zh-CN" altLang="en-US" sz="1000"/>
+              <a:t>&lt;/template&gt;</a:t>
+            </a:r>
+            <a:endParaRPr lang="zh-CN" altLang="en-US" sz="1000"/>
+          </a:p>
+          <a:p>
+            <a:endParaRPr lang="zh-CN" altLang="en-US" sz="1000"/>
+          </a:p>
+          <a:p>
+            <a:r>
+              <a:rPr lang="zh-CN" altLang="en-US" sz="1000">
+                <a:sym typeface="+mn-ea"/>
+              </a:rPr>
+              <a:t>// 子组件</a:t>
+            </a:r>
+            <a:endParaRPr lang="zh-CN" altLang="en-US" sz="1000"/>
+          </a:p>
+          <a:p>
+            <a:r>
+              <a:rPr lang="zh-CN" altLang="en-US" sz="1000"/>
+              <a:t>&lt;script&gt;</a:t>
+            </a:r>
+            <a:endParaRPr lang="zh-CN" altLang="en-US" sz="1000"/>
+          </a:p>
+          <a:p>
+            <a:r>
+              <a:rPr lang="zh-CN" altLang="en-US" sz="1000"/>
+              <a:t>  export default {</a:t>
+            </a:r>
+            <a:endParaRPr lang="zh-CN" altLang="en-US" sz="1000"/>
+          </a:p>
+          <a:p>
+            <a:r>
+              <a:rPr lang="zh-CN" altLang="en-US" sz="1000"/>
+              <a:t>    methods:{</a:t>
+            </a:r>
+            <a:endParaRPr lang="zh-CN" altLang="en-US" sz="1000"/>
+          </a:p>
+          <a:p>
+            <a:r>
+              <a:rPr lang="zh-CN" altLang="en-US" sz="1000"/>
+              <a:t>      giveAdvice(){</a:t>
+            </a:r>
+            <a:endParaRPr lang="zh-CN" altLang="en-US" sz="1000"/>
+          </a:p>
+          <a:p>
+            <a:r>
+              <a:rPr lang="zh-CN" altLang="en-US" sz="1000"/>
+              <a:t>        let randomAdviceIndex = Math.floor(Math.random()</a:t>
+            </a:r>
+            <a:endParaRPr lang="zh-CN" altLang="en-US" sz="1000"/>
+          </a:p>
+          <a:p>
+            <a:r>
+              <a:rPr lang="zh-CN" altLang="en-US" sz="1000"/>
+              <a:t>          *this.possibleAdvice.length);</a:t>
+            </a:r>
+            <a:endParaRPr lang="zh-CN" altLang="en-US" sz="1000"/>
+          </a:p>
+          <a:p>
+            <a:r>
+              <a:rPr lang="zh-CN" altLang="en-US" sz="1000"/>
+              <a:t>       </a:t>
+            </a:r>
+            <a:r>
+              <a:rPr lang="zh-CN" altLang="en-US" sz="1000">
+                <a:solidFill>
+                  <a:srgbClr val="FF0000"/>
+                </a:solidFill>
+              </a:rPr>
+              <a:t> this.$emit('give-advice',</a:t>
+            </a:r>
+            <a:endParaRPr lang="zh-CN" altLang="en-US" sz="1000">
+              <a:solidFill>
+                <a:srgbClr val="FF0000"/>
+              </a:solidFill>
+            </a:endParaRPr>
+          </a:p>
+          <a:p>
+            <a:r>
+              <a:rPr lang="zh-CN" altLang="en-US" sz="1000">
+                <a:solidFill>
+                  <a:srgbClr val="FF0000"/>
+                </a:solidFill>
+              </a:rPr>
+              <a:t>           this.possibleAdvice[randomAdviceIndex])</a:t>
+            </a:r>
+            <a:endParaRPr lang="zh-CN" altLang="en-US" sz="1000"/>
+          </a:p>
+          <a:p>
+            <a:r>
+              <a:rPr lang="zh-CN" altLang="en-US" sz="1000"/>
+              <a:t>      }</a:t>
+            </a:r>
+            <a:endParaRPr lang="zh-CN" altLang="en-US" sz="1000"/>
+          </a:p>
+          <a:p>
+            <a:r>
+              <a:rPr lang="zh-CN" altLang="en-US" sz="1000"/>
+              <a:t>    }</a:t>
+            </a:r>
+            <a:endParaRPr lang="zh-CN" altLang="en-US" sz="1000"/>
+          </a:p>
+          <a:p>
+            <a:r>
+              <a:rPr lang="zh-CN" altLang="en-US" sz="1000"/>
+              <a:t>  }</a:t>
+            </a:r>
+            <a:endParaRPr lang="zh-CN" altLang="en-US" sz="1000"/>
+          </a:p>
+          <a:p>
+            <a:r>
+              <a:rPr lang="zh-CN" altLang="en-US" sz="1000"/>
+              <a:t>&lt;/script&gt;</a:t>
+            </a:r>
+            <a:endParaRPr lang="zh-CN" altLang="en-US" sz="1000"/>
           </a:p>
         </p:txBody>
       </p:sp>
@@ -12690,6 +13190,165 @@
 </file>
 
 <file path=ppt/slides/slide54.xml><?xml version="1.0" encoding="utf-8"?>
+<p:sld xmlns:a="http://schemas.openxmlformats.org/drawingml/2006/main" xmlns:r="http://schemas.openxmlformats.org/officeDocument/2006/relationships" xmlns:p="http://schemas.openxmlformats.org/presentationml/2006/main">
+  <p:cSld>
+    <p:spTree>
+      <p:nvGrpSpPr>
+        <p:cNvPr id="1" name=""/>
+        <p:cNvGrpSpPr/>
+        <p:nvPr/>
+      </p:nvGrpSpPr>
+      <p:grpSpPr/>
+      <p:sp>
+        <p:nvSpPr>
+          <p:cNvPr id="2" name="标题 1"/>
+          <p:cNvSpPr>
+            <a:spLocks noGrp="1"/>
+          </p:cNvSpPr>
+          <p:nvPr>
+            <p:ph type="title"/>
+          </p:nvPr>
+        </p:nvSpPr>
+        <p:spPr/>
+        <p:txBody>
+          <a:bodyPr/>
+          <a:p>
+            <a:r>
+              <a:rPr lang="en-US" altLang="zh-CN"/>
+              <a:t>Patch Package</a:t>
+            </a:r>
+            <a:endParaRPr lang="en-US" altLang="zh-CN"/>
+          </a:p>
+        </p:txBody>
+      </p:sp>
+      <p:sp>
+        <p:nvSpPr>
+          <p:cNvPr id="3" name="内容占位符 2"/>
+          <p:cNvSpPr>
+            <a:spLocks noGrp="1"/>
+          </p:cNvSpPr>
+          <p:nvPr>
+            <p:ph idx="1"/>
+          </p:nvPr>
+        </p:nvSpPr>
+        <p:spPr/>
+        <p:txBody>
+          <a:bodyPr/>
+          <a:p>
+            <a:r>
+              <a:rPr lang="en-US" altLang="zh-CN"/>
+              <a:t>References</a:t>
+            </a:r>
+            <a:endParaRPr lang="en-US" altLang="zh-CN"/>
+          </a:p>
+          <a:p>
+            <a:pPr lvl="1"/>
+            <a:r>
+              <a:rPr lang="en-US" altLang="zh-CN"/>
+              <a:t>https://github.com/ds300/patch-package</a:t>
+            </a:r>
+            <a:endParaRPr lang="en-US" altLang="zh-CN"/>
+          </a:p>
+          <a:p>
+            <a:pPr lvl="0"/>
+            <a:r>
+              <a:rPr lang="en-US" altLang="zh-CN"/>
+              <a:t>Steps</a:t>
+            </a:r>
+            <a:endParaRPr lang="en-US" altLang="zh-CN"/>
+          </a:p>
+          <a:p>
+            <a:pPr lvl="1"/>
+            <a:r>
+              <a:rPr lang="en-US" altLang="zh-CN"/>
+              <a:t>In package.json</a:t>
+            </a:r>
+            <a:endParaRPr lang="en-US" altLang="zh-CN"/>
+          </a:p>
+          <a:p>
+            <a:pPr marL="914400" lvl="2" indent="0">
+              <a:buNone/>
+            </a:pPr>
+            <a:r>
+              <a:rPr lang="en-US" altLang="zh-CN"/>
+              <a:t> "scripts": {</a:t>
+            </a:r>
+            <a:endParaRPr lang="en-US" altLang="zh-CN"/>
+          </a:p>
+          <a:p>
+            <a:pPr marL="914400" lvl="2" indent="0">
+              <a:buNone/>
+            </a:pPr>
+            <a:r>
+              <a:rPr lang="en-US" altLang="zh-CN"/>
+              <a:t>+  "postinstall": "patch-package"</a:t>
+            </a:r>
+            <a:endParaRPr lang="en-US" altLang="zh-CN"/>
+          </a:p>
+          <a:p>
+            <a:pPr marL="914400" lvl="2" indent="0">
+              <a:buNone/>
+            </a:pPr>
+            <a:r>
+              <a:rPr lang="en-US" altLang="zh-CN"/>
+              <a:t> }</a:t>
+            </a:r>
+            <a:endParaRPr lang="en-US" altLang="zh-CN"/>
+          </a:p>
+          <a:p>
+            <a:pPr lvl="1"/>
+            <a:r>
+              <a:rPr lang="en-US" altLang="zh-CN"/>
+              <a:t>npm i patch-package</a:t>
+            </a:r>
+            <a:endParaRPr lang="en-US" altLang="zh-CN"/>
+          </a:p>
+          <a:p>
+            <a:pPr lvl="1"/>
+            <a:r>
+              <a:rPr lang="en-US" altLang="zh-CN"/>
+              <a:t>modify source in node_modules/</a:t>
+            </a:r>
+            <a:endParaRPr lang="en-US" altLang="zh-CN"/>
+          </a:p>
+          <a:p>
+            <a:pPr lvl="1"/>
+            <a:r>
+              <a:rPr lang="en-US" altLang="zh-CN"/>
+              <a:t>npx patch-package some-package</a:t>
+            </a:r>
+            <a:endParaRPr lang="en-US" altLang="zh-CN"/>
+          </a:p>
+          <a:p>
+            <a:pPr lvl="1"/>
+            <a:r>
+              <a:rPr lang="en-US" altLang="zh-CN"/>
+              <a:t>npm i</a:t>
+            </a:r>
+            <a:endParaRPr lang="en-US" altLang="zh-CN"/>
+          </a:p>
+          <a:p>
+            <a:pPr lvl="1"/>
+            <a:r>
+              <a:rPr lang="en-US" altLang="zh-CN"/>
+              <a:t>npm run build</a:t>
+            </a:r>
+            <a:endParaRPr lang="en-US" altLang="zh-CN"/>
+          </a:p>
+        </p:txBody>
+      </p:sp>
+    </p:spTree>
+    <p:custDataLst>
+      <p:tags r:id="rId1"/>
+    </p:custDataLst>
+  </p:cSld>
+  <p:clrMapOvr>
+    <a:masterClrMapping/>
+  </p:clrMapOvr>
+</p:sld>
+</file>
+
+<file path=ppt/slides/slide55.xml><?xml version="1.0" encoding="utf-8"?>
 <p:sld xmlns:a="http://schemas.openxmlformats.org/drawingml/2006/main" xmlns:r="http://schemas.openxmlformats.org/officeDocument/2006/relationships" xmlns:p="http://schemas.openxmlformats.org/presentationml/2006/main">
   <p:cSld>
     <p:spTree>
@@ -14856,6 +15515,12 @@
 
 <file path=ppt/tags/tag62.xml><?xml version="1.0" encoding="utf-8"?>
 <p:tagLst xmlns:p="http://schemas.openxmlformats.org/presentationml/2006/main">
+  <p:tag name="KSO_WM_SPECIAL_SOURCE" val="bdnull"/>
+</p:tagLst>
+</file>
+
+<file path=ppt/tags/tag63.xml><?xml version="1.0" encoding="utf-8"?>
+<p:tagLst xmlns:p="http://schemas.openxmlformats.org/presentationml/2006/main">
   <p:tag name="KSO_WM_TAG_VERSION" val="1.0"/>
   <p:tag name="KSO_WM_BEAUTIFY_FLAG" val="#wm#"/>
   <p:tag name="KSO_WM_TEMPLATE_CATEGORY" val="custom"/>
@@ -14873,7 +15538,7 @@
 </p:tagLst>
 </file>
 
-<file path=ppt/tags/tag63.xml><?xml version="1.0" encoding="utf-8"?>
+<file path=ppt/tags/tag64.xml><?xml version="1.0" encoding="utf-8"?>
 <p:tagLst xmlns:p="http://schemas.openxmlformats.org/presentationml/2006/main">
   <p:tag name="KSO_WM_TAG_VERSION" val="1.0"/>
   <p:tag name="KSO_WM_BEAUTIFY_FLAG" val="#wm#"/>
@@ -14892,7 +15557,7 @@
 </p:tagLst>
 </file>
 
-<file path=ppt/tags/tag64.xml><?xml version="1.0" encoding="utf-8"?>
+<file path=ppt/tags/tag65.xml><?xml version="1.0" encoding="utf-8"?>
 <p:tagLst xmlns:p="http://schemas.openxmlformats.org/presentationml/2006/main">
   <p:tag name="KSO_WM_TEMPLATE_CATEGORY" val="custom"/>
   <p:tag name="KSO_WM_TEMPLATE_INDEX" val="160402"/>
@@ -14908,9 +15573,10 @@
 </p:tagLst>
 </file>
 
-<file path=ppt/tags/tag65.xml><?xml version="1.0" encoding="utf-8"?>
+<file path=ppt/tags/tag66.xml><?xml version="1.0" encoding="utf-8"?>
 <p:tagLst xmlns:p="http://schemas.openxmlformats.org/presentationml/2006/main">
   <p:tag name="KSO_DOCER_TEMPLATE_OPEN_ONCE_MARK" val="1"/>
+  <p:tag name="COMMONDATA" val="eyJoZGlkIjoiODcwZjc5M2RmYzUwOWE5MjVkODVjZGMyZDUwOTRjYmEifQ=="/>
 </p:tagLst>
 </file>
 

--- a/Web/Vue-Notes.pptx
+++ b/Web/Vue-Notes.pptx
@@ -12088,13 +12088,28 @@
         <p:spPr>
           <a:xfrm>
             <a:off x="838200" y="1211580"/>
-            <a:ext cx="10515600" cy="5353685"/>
+            <a:ext cx="6445250" cy="5353685"/>
           </a:xfrm>
         </p:spPr>
         <p:txBody>
           <a:bodyPr>
-            <a:normAutofit lnSpcReduction="10000"/>
+            <a:normAutofit fontScale="90000" lnSpcReduction="10000"/>
           </a:bodyPr>
+          <a:p>
+            <a:r>
+              <a:rPr lang="en-US" altLang="zh-CN" sz="2000"/>
+              <a:t>References</a:t>
+            </a:r>
+            <a:endParaRPr lang="en-US" altLang="zh-CN" sz="2000"/>
+          </a:p>
+          <a:p>
+            <a:pPr lvl="1"/>
+            <a:r>
+              <a:rPr lang="en-US" altLang="zh-CN" sz="1665"/>
+              <a:t>https://github.com/vuejs/create-vue</a:t>
+            </a:r>
+            <a:endParaRPr lang="en-US" altLang="zh-CN" sz="1665"/>
+          </a:p>
           <a:p>
             <a:r>
               <a:rPr lang="en-US" altLang="zh-CN" sz="2000"/>
@@ -12114,17 +12129,9 @@
             <a:pPr lvl="1"/>
             <a:r>
               <a:rPr lang="en-US" altLang="zh-CN" sz="1800"/>
-              <a:t>Install using NPM</a:t>
+              <a:t>Install Node.js</a:t>
             </a:r>
             <a:endParaRPr lang="en-US" altLang="zh-CN" sz="1800"/>
-          </a:p>
-          <a:p>
-            <a:pPr lvl="2"/>
-            <a:r>
-              <a:rPr lang="en-US" altLang="en-US" sz="1600"/>
-              <a:t>curl -sL https://deb.nodesource.com/setup_14.x | sudo -E bash -</a:t>
-            </a:r>
-            <a:endParaRPr lang="en-US" altLang="en-US" sz="1600"/>
           </a:p>
           <a:p>
             <a:pPr lvl="2"/>
@@ -12159,100 +12166,230 @@
             <a:endParaRPr lang="en-US" altLang="en-US" sz="1600"/>
           </a:p>
           <a:p>
+            <a:pPr lvl="1"/>
+            <a:r>
+              <a:rPr lang="en-US" altLang="en-US" sz="1775"/>
+              <a:t>Use create-vue tool (based on Vite)</a:t>
+            </a:r>
+            <a:endParaRPr lang="en-US" altLang="en-US" sz="1775"/>
+          </a:p>
+          <a:p>
             <a:pPr lvl="2"/>
             <a:r>
-              <a:rPr lang="en-US" altLang="en-US" sz="1600"/>
-              <a:t>sudo </a:t>
-            </a:r>
-            <a:r>
-              <a:rPr lang="en-US" altLang="zh-CN" sz="1600"/>
-              <a:t>npm install -g cnpm --registry=https://registry.npm.taobao.org</a:t>
-            </a:r>
-            <a:endParaRPr lang="en-US" altLang="zh-CN" sz="1600"/>
-          </a:p>
-          <a:p>
-            <a:pPr lvl="1"/>
-            <a:r>
-              <a:rPr lang="en-US" altLang="zh-CN" sz="1800"/>
+              <a:rPr lang="en-US" altLang="en-US" sz="1595"/>
+              <a:t>npm create vue@latest</a:t>
+            </a:r>
+            <a:endParaRPr lang="en-US" altLang="en-US" sz="1595"/>
+          </a:p>
+          <a:p>
+            <a:pPr lvl="1"/>
+            <a:r>
+              <a:rPr lang="en-US" altLang="zh-CN" sz="1800">
+                <a:solidFill>
+                  <a:schemeClr val="bg1">
+                    <a:lumMod val="65000"/>
+                  </a:schemeClr>
+                </a:solidFill>
+              </a:rPr>
               <a:t>Use the vue-cli tool along with Webpack</a:t>
             </a:r>
-            <a:endParaRPr lang="en-US" altLang="zh-CN" sz="1800"/>
+            <a:endParaRPr lang="en-US" altLang="zh-CN" sz="1800">
+              <a:solidFill>
+                <a:schemeClr val="bg1">
+                  <a:lumMod val="65000"/>
+                </a:schemeClr>
+              </a:solidFill>
+            </a:endParaRPr>
           </a:p>
           <a:p>
             <a:pPr lvl="2"/>
             <a:r>
-              <a:rPr lang="en-US" altLang="en-US" sz="1600"/>
+              <a:rPr lang="en-US" altLang="en-US" sz="1600">
+                <a:solidFill>
+                  <a:schemeClr val="bg1">
+                    <a:lumMod val="65000"/>
+                  </a:schemeClr>
+                </a:solidFill>
+              </a:rPr>
               <a:t>https://cli.vuejs.org/</a:t>
             </a:r>
-            <a:endParaRPr lang="en-US" altLang="en-US" sz="1600"/>
+            <a:endParaRPr lang="en-US" altLang="en-US" sz="1600">
+              <a:solidFill>
+                <a:schemeClr val="bg1">
+                  <a:lumMod val="65000"/>
+                </a:schemeClr>
+              </a:solidFill>
+            </a:endParaRPr>
           </a:p>
           <a:p>
             <a:pPr lvl="2"/>
             <a:r>
-              <a:rPr lang="en-US" altLang="en-US" sz="1600"/>
+              <a:rPr lang="en-US" altLang="en-US" sz="1600">
+                <a:solidFill>
+                  <a:schemeClr val="bg1">
+                    <a:lumMod val="65000"/>
+                  </a:schemeClr>
+                </a:solidFill>
+              </a:rPr>
               <a:t>sudo c</a:t>
             </a:r>
             <a:r>
-              <a:rPr lang="en-US" altLang="zh-CN" sz="1600"/>
+              <a:rPr lang="en-US" altLang="zh-CN" sz="1600">
+                <a:solidFill>
+                  <a:schemeClr val="bg1">
+                    <a:lumMod val="65000"/>
+                  </a:schemeClr>
+                </a:solidFill>
+              </a:rPr>
               <a:t>npm install -g </a:t>
             </a:r>
             <a:r>
-              <a:rPr lang="en-US" altLang="en-US" sz="1600"/>
+              <a:rPr lang="en-US" altLang="en-US" sz="1600">
+                <a:solidFill>
+                  <a:schemeClr val="bg1">
+                    <a:lumMod val="65000"/>
+                  </a:schemeClr>
+                </a:solidFill>
+              </a:rPr>
               <a:t>@</a:t>
             </a:r>
             <a:r>
-              <a:rPr lang="en-US" altLang="zh-CN" sz="1600"/>
+              <a:rPr lang="en-US" altLang="zh-CN" sz="1600">
+                <a:solidFill>
+                  <a:schemeClr val="bg1">
+                    <a:lumMod val="65000"/>
+                  </a:schemeClr>
+                </a:solidFill>
+              </a:rPr>
               <a:t>vue</a:t>
             </a:r>
             <a:r>
-              <a:rPr lang="en-US" altLang="en-US" sz="1600"/>
+              <a:rPr lang="en-US" altLang="en-US" sz="1600">
+                <a:solidFill>
+                  <a:schemeClr val="bg1">
+                    <a:lumMod val="65000"/>
+                  </a:schemeClr>
+                </a:solidFill>
+              </a:rPr>
               <a:t>/</a:t>
             </a:r>
             <a:r>
-              <a:rPr lang="en-US" altLang="zh-CN" sz="1600"/>
+              <a:rPr lang="en-US" altLang="zh-CN" sz="1600">
+                <a:solidFill>
+                  <a:schemeClr val="bg1">
+                    <a:lumMod val="65000"/>
+                  </a:schemeClr>
+                </a:solidFill>
+              </a:rPr>
               <a:t>cli	// Install vue-cli globally</a:t>
             </a:r>
-            <a:endParaRPr lang="en-US" altLang="zh-CN" sz="1600"/>
+            <a:endParaRPr lang="en-US" altLang="zh-CN" sz="1600">
+              <a:solidFill>
+                <a:schemeClr val="bg1">
+                  <a:lumMod val="65000"/>
+                </a:schemeClr>
+              </a:solidFill>
+            </a:endParaRPr>
           </a:p>
           <a:p>
             <a:pPr lvl="2"/>
             <a:r>
-              <a:rPr lang="en-US" altLang="en-US" sz="1600"/>
+              <a:rPr lang="en-US" altLang="en-US" sz="1600">
+                <a:solidFill>
+                  <a:schemeClr val="bg1">
+                    <a:lumMod val="65000"/>
+                  </a:schemeClr>
+                </a:solidFill>
+              </a:rPr>
               <a:t>vue --version</a:t>
             </a:r>
-            <a:endParaRPr lang="en-US" altLang="en-US" sz="1600"/>
+            <a:endParaRPr lang="en-US" altLang="en-US" sz="1600">
+              <a:solidFill>
+                <a:schemeClr val="bg1">
+                  <a:lumMod val="65000"/>
+                </a:schemeClr>
+              </a:solidFill>
+            </a:endParaRPr>
           </a:p>
           <a:p>
             <a:pPr lvl="2"/>
             <a:r>
-              <a:rPr lang="en-US" altLang="en-US" sz="1600"/>
+              <a:rPr lang="en-US" altLang="en-US" sz="1600">
+                <a:solidFill>
+                  <a:schemeClr val="bg1">
+                    <a:lumMod val="65000"/>
+                  </a:schemeClr>
+                </a:solidFill>
+              </a:rPr>
               <a:t>vue init webpack myapp</a:t>
             </a:r>
-            <a:endParaRPr lang="en-US" altLang="en-US" sz="1600"/>
+            <a:endParaRPr lang="en-US" altLang="en-US" sz="1600">
+              <a:solidFill>
+                <a:schemeClr val="bg1">
+                  <a:lumMod val="65000"/>
+                </a:schemeClr>
+              </a:solidFill>
+            </a:endParaRPr>
           </a:p>
           <a:p>
             <a:pPr lvl="2"/>
             <a:r>
-              <a:rPr lang="en-US" altLang="en-US" sz="1600"/>
+              <a:rPr lang="en-US" altLang="en-US" sz="1600">
+                <a:solidFill>
+                  <a:schemeClr val="bg1">
+                    <a:lumMod val="65000"/>
+                  </a:schemeClr>
+                </a:solidFill>
+              </a:rPr>
               <a:t>npm run dev</a:t>
             </a:r>
-            <a:endParaRPr lang="en-US" altLang="zh-CN" sz="1600"/>
+            <a:endParaRPr lang="en-US" altLang="zh-CN" sz="1600">
+              <a:solidFill>
+                <a:schemeClr val="bg1">
+                  <a:lumMod val="65000"/>
+                </a:schemeClr>
+              </a:solidFill>
+            </a:endParaRPr>
           </a:p>
           <a:p>
             <a:pPr lvl="2"/>
             <a:r>
-              <a:rPr lang="en-US" altLang="zh-CN" sz="1600"/>
+              <a:rPr lang="en-US" altLang="zh-CN" sz="1600">
+                <a:solidFill>
+                  <a:schemeClr val="bg1">
+                    <a:lumMod val="65000"/>
+                  </a:schemeClr>
+                </a:solidFill>
+              </a:rPr>
               <a:t>npm run build // Build application to production</a:t>
             </a:r>
-            <a:endParaRPr lang="en-US" altLang="zh-CN" sz="1600"/>
-          </a:p>
-          <a:p>
-            <a:pPr lvl="1"/>
-            <a:r>
-              <a:rPr lang="en-US" altLang="zh-CN" sz="1800"/>
+            <a:endParaRPr lang="en-US" altLang="zh-CN" sz="1600">
+              <a:solidFill>
+                <a:schemeClr val="bg1">
+                  <a:lumMod val="65000"/>
+                </a:schemeClr>
+              </a:solidFill>
+            </a:endParaRPr>
+          </a:p>
+          <a:p>
+            <a:pPr lvl="1"/>
+            <a:r>
+              <a:rPr lang="en-US" altLang="zh-CN" sz="1800">
+                <a:solidFill>
+                  <a:schemeClr val="bg1">
+                    <a:lumMod val="65000"/>
+                  </a:schemeClr>
+                </a:solidFill>
+              </a:rPr>
               <a:t>Install using the client-side package manager</a:t>
             </a:r>
-            <a:endParaRPr lang="en-US" altLang="zh-CN" sz="1800"/>
+            <a:endParaRPr lang="en-US" altLang="zh-CN" sz="1800">
+              <a:solidFill>
+                <a:schemeClr val="bg1">
+                  <a:lumMod val="65000"/>
+                </a:schemeClr>
+              </a:solidFill>
+            </a:endParaRPr>
           </a:p>
           <a:p>
             <a:pPr lvl="0"/>
@@ -15577,6 +15714,7 @@
 <p:tagLst xmlns:p="http://schemas.openxmlformats.org/presentationml/2006/main">
   <p:tag name="KSO_DOCER_TEMPLATE_OPEN_ONCE_MARK" val="1"/>
   <p:tag name="COMMONDATA" val="eyJoZGlkIjoiODcwZjc5M2RmYzUwOWE5MjVkODVjZGMyZDUwOTRjYmEifQ=="/>
+  <p:tag name="commondata" val="eyJoZGlkIjoiYjRhZjQ5NWVmZmQxNmM3NmNkNDYxNWRmNzNmMjA1ZDAifQ=="/>
 </p:tagLst>
 </file>
 
